--- a/1 Python Basics.pptx
+++ b/1 Python Basics.pptx
@@ -6879,7 +6879,7 @@
           <a:p>
             <a:fld id="{7CEEE0ED-A0F5-4442-9C94-5288E26FF1D3}" type="datetimeFigureOut">
               <a:rPr lang="fa-IR" smtClean="0"/>
-              <a:t>12/09/1444</a:t>
+              <a:t>13/09/1444</a:t>
             </a:fld>
             <a:endParaRPr lang="fa-IR"/>
           </a:p>
@@ -20589,66 +20589,6 @@
       </p:sp>
       <p:sp>
         <p:nvSpPr>
-          <p:cNvPr id="3" name="Text Placeholder 2">
-            <a:extLst>
-              <a:ext uri="{FF2B5EF4-FFF2-40B4-BE49-F238E27FC236}">
-                <a16:creationId xmlns:a16="http://schemas.microsoft.com/office/drawing/2014/main" id="{58BE3078-8B89-4550-B497-93E4DADBD57E}"/>
-              </a:ext>
-            </a:extLst>
-          </p:cNvPr>
-          <p:cNvSpPr>
-            <a:spLocks noGrp="1"/>
-          </p:cNvSpPr>
-          <p:nvPr>
-            <p:ph type="body" idx="1"/>
-          </p:nvPr>
-        </p:nvSpPr>
-        <p:spPr>
-          <a:xfrm>
-            <a:off x="786149" y="1142608"/>
-            <a:ext cx="4406635" cy="3626431"/>
-          </a:xfrm>
-        </p:spPr>
-        <p:txBody>
-          <a:bodyPr/>
-          <a:lstStyle/>
-          <a:p>
-            <a:pPr marL="76200" indent="0">
-              <a:buNone/>
-            </a:pPr>
-            <a:r>
-              <a:rPr lang="en-US" sz="1400" dirty="0"/>
-              <a:t>Simple syntax</a:t>
-            </a:r>
-          </a:p>
-          <a:p>
-            <a:pPr marL="76200" indent="0">
-              <a:buNone/>
-            </a:pPr>
-            <a:r>
-              <a:rPr lang="en-US" sz="1400" dirty="0"/>
-              <a:t>Fewer lines</a:t>
-            </a:r>
-          </a:p>
-          <a:p>
-            <a:pPr marL="76200" indent="0">
-              <a:buNone/>
-            </a:pPr>
-            <a:r>
-              <a:rPr lang="en-US" sz="1400" dirty="0"/>
-              <a:t>Different platforms </a:t>
-            </a:r>
-          </a:p>
-          <a:p>
-            <a:pPr marL="76200" indent="0">
-              <a:buNone/>
-            </a:pPr>
-            <a:endParaRPr lang="en-US" sz="1400" dirty="0"/>
-          </a:p>
-        </p:txBody>
-      </p:sp>
-      <p:sp>
-        <p:nvSpPr>
           <p:cNvPr id="4" name="Slide Number Placeholder 3">
             <a:extLst>
               <a:ext uri="{FF2B5EF4-FFF2-40B4-BE49-F238E27FC236}">
@@ -20687,10 +20627,10 @@
       </p:sp>
       <p:pic>
         <p:nvPicPr>
-          <p:cNvPr id="6" name="Picture 5">
+          <p:cNvPr id="9" name="Picture 8">
             <a:extLst>
               <a:ext uri="{FF2B5EF4-FFF2-40B4-BE49-F238E27FC236}">
-                <a16:creationId xmlns:a16="http://schemas.microsoft.com/office/drawing/2014/main" id="{683F14F1-B97C-4890-9C42-653B2D0F5155}"/>
+                <a16:creationId xmlns:a16="http://schemas.microsoft.com/office/drawing/2014/main" id="{C838AF42-7A2B-4C94-8F38-6BBD63194B28}"/>
               </a:ext>
             </a:extLst>
           </p:cNvPr>
@@ -20700,50 +20640,94 @@
           <p:nvPr/>
         </p:nvPicPr>
         <p:blipFill>
-          <a:blip r:embed="rId2">
-            <a:extLst>
-              <a:ext uri="{BEBA8EAE-BF5A-486C-A8C5-ECC9F3942E4B}">
-                <a14:imgProps xmlns:a14="http://schemas.microsoft.com/office/drawing/2010/main">
-                  <a14:imgLayer r:embed="rId3">
-                    <a14:imgEffect>
-                      <a14:backgroundRemoval t="278" b="99815" l="2148" r="92148">
-                        <a14:foregroundMark x1="43556" y1="82963" x2="26000" y2="83981"/>
-                        <a14:foregroundMark x1="26000" y1="83981" x2="9630" y2="96111"/>
-                        <a14:foregroundMark x1="9630" y1="96111" x2="50815" y2="84630"/>
-                        <a14:foregroundMark x1="50815" y1="84630" x2="71852" y2="85648"/>
-                        <a14:foregroundMark x1="71852" y1="85648" x2="89630" y2="85463"/>
-                        <a14:foregroundMark x1="89630" y1="85463" x2="69185" y2="97593"/>
-                        <a14:foregroundMark x1="69185" y1="97593" x2="47111" y2="95278"/>
-                        <a14:foregroundMark x1="47111" y1="95278" x2="42370" y2="98981"/>
-                        <a14:foregroundMark x1="92444" y1="90093" x2="89407" y2="83148"/>
-                        <a14:foregroundMark x1="7556" y1="82315" x2="6593" y2="99630"/>
-                        <a14:foregroundMark x1="4074" y1="96667" x2="2296" y2="99815"/>
-                        <a14:foregroundMark x1="36222" y1="95556" x2="21630" y2="99444"/>
-                        <a14:foregroundMark x1="36370" y1="97037" x2="35407" y2="99167"/>
-                        <a14:foregroundMark x1="37111" y1="96296" x2="40815" y2="97870"/>
-                        <a14:foregroundMark x1="42444" y1="99444" x2="35778" y2="99444"/>
-                        <a14:foregroundMark x1="32741" y1="13148" x2="52889" y2="9167"/>
-                        <a14:foregroundMark x1="52889" y1="9167" x2="44444" y2="9722"/>
-                        <a14:foregroundMark x1="68074" y1="11204" x2="62222" y2="278"/>
-                      </a14:backgroundRemoval>
-                    </a14:imgEffect>
-                  </a14:imgLayer>
-                </a14:imgProps>
-              </a:ext>
-            </a:extLst>
-          </a:blip>
+          <a:blip r:embed="rId2"/>
           <a:stretch>
             <a:fillRect/>
           </a:stretch>
         </p:blipFill>
         <p:spPr>
           <a:xfrm>
-            <a:off x="5602662" y="1853748"/>
-            <a:ext cx="2755188" cy="2204150"/>
+            <a:off x="739812" y="1844071"/>
+            <a:ext cx="1979675" cy="2070410"/>
           </a:xfrm>
           <a:prstGeom prst="rect">
             <a:avLst/>
           </a:prstGeom>
+          <a:ln>
+            <a:solidFill>
+              <a:schemeClr val="accent3"/>
+            </a:solidFill>
+          </a:ln>
+        </p:spPr>
+      </p:pic>
+      <p:pic>
+        <p:nvPicPr>
+          <p:cNvPr id="13" name="Picture 12">
+            <a:extLst>
+              <a:ext uri="{FF2B5EF4-FFF2-40B4-BE49-F238E27FC236}">
+                <a16:creationId xmlns:a16="http://schemas.microsoft.com/office/drawing/2014/main" id="{A56C11E7-755C-42DF-B01A-99AF340C4BEC}"/>
+              </a:ext>
+            </a:extLst>
+          </p:cNvPr>
+          <p:cNvPicPr>
+            <a:picLocks noChangeAspect="1"/>
+          </p:cNvPicPr>
+          <p:nvPr/>
+        </p:nvPicPr>
+        <p:blipFill>
+          <a:blip r:embed="rId3"/>
+          <a:stretch>
+            <a:fillRect/>
+          </a:stretch>
+        </p:blipFill>
+        <p:spPr>
+          <a:xfrm>
+            <a:off x="3241481" y="1216128"/>
+            <a:ext cx="2661037" cy="3326296"/>
+          </a:xfrm>
+          <a:prstGeom prst="rect">
+            <a:avLst/>
+          </a:prstGeom>
+          <a:ln>
+            <a:solidFill>
+              <a:schemeClr val="accent3"/>
+            </a:solidFill>
+          </a:ln>
+        </p:spPr>
+      </p:pic>
+      <p:pic>
+        <p:nvPicPr>
+          <p:cNvPr id="16" name="Picture 15">
+            <a:extLst>
+              <a:ext uri="{FF2B5EF4-FFF2-40B4-BE49-F238E27FC236}">
+                <a16:creationId xmlns:a16="http://schemas.microsoft.com/office/drawing/2014/main" id="{5648C1C3-CB3D-4A2C-BE4F-1388D71CE5A9}"/>
+              </a:ext>
+            </a:extLst>
+          </p:cNvPr>
+          <p:cNvPicPr>
+            <a:picLocks noChangeAspect="1"/>
+          </p:cNvPicPr>
+          <p:nvPr/>
+        </p:nvPicPr>
+        <p:blipFill>
+          <a:blip r:embed="rId4"/>
+          <a:stretch>
+            <a:fillRect/>
+          </a:stretch>
+        </p:blipFill>
+        <p:spPr>
+          <a:xfrm>
+            <a:off x="6424512" y="1864693"/>
+            <a:ext cx="1979675" cy="2029167"/>
+          </a:xfrm>
+          <a:prstGeom prst="rect">
+            <a:avLst/>
+          </a:prstGeom>
+          <a:ln>
+            <a:solidFill>
+              <a:schemeClr val="accent3"/>
+            </a:solidFill>
+          </a:ln>
         </p:spPr>
       </p:pic>
     </p:spTree>

--- a/1 Python Basics.pptx
+++ b/1 Python Basics.pptx
@@ -5,10 +5,10 @@
     <p:sldMasterId id="2147483658" r:id="rId1"/>
   </p:sldMasterIdLst>
   <p:notesMasterIdLst>
-    <p:notesMasterId r:id="rId40"/>
+    <p:notesMasterId r:id="rId39"/>
   </p:notesMasterIdLst>
   <p:handoutMasterIdLst>
-    <p:handoutMasterId r:id="rId41"/>
+    <p:handoutMasterId r:id="rId40"/>
   </p:handoutMasterIdLst>
   <p:sldIdLst>
     <p:sldId id="256" r:id="rId2"/>
@@ -27,57 +27,56 @@
     <p:sldId id="298" r:id="rId15"/>
     <p:sldId id="299" r:id="rId16"/>
     <p:sldId id="300" r:id="rId17"/>
-    <p:sldId id="301" r:id="rId18"/>
-    <p:sldId id="302" r:id="rId19"/>
-    <p:sldId id="333" r:id="rId20"/>
-    <p:sldId id="303" r:id="rId21"/>
-    <p:sldId id="304" r:id="rId22"/>
-    <p:sldId id="330" r:id="rId23"/>
-    <p:sldId id="334" r:id="rId24"/>
-    <p:sldId id="305" r:id="rId25"/>
-    <p:sldId id="307" r:id="rId26"/>
-    <p:sldId id="309" r:id="rId27"/>
-    <p:sldId id="310" r:id="rId28"/>
-    <p:sldId id="335" r:id="rId29"/>
-    <p:sldId id="313" r:id="rId30"/>
-    <p:sldId id="314" r:id="rId31"/>
-    <p:sldId id="317" r:id="rId32"/>
-    <p:sldId id="331" r:id="rId33"/>
-    <p:sldId id="315" r:id="rId34"/>
-    <p:sldId id="316" r:id="rId35"/>
-    <p:sldId id="336" r:id="rId36"/>
-    <p:sldId id="318" r:id="rId37"/>
-    <p:sldId id="319" r:id="rId38"/>
-    <p:sldId id="280" r:id="rId39"/>
+    <p:sldId id="302" r:id="rId18"/>
+    <p:sldId id="333" r:id="rId19"/>
+    <p:sldId id="303" r:id="rId20"/>
+    <p:sldId id="334" r:id="rId21"/>
+    <p:sldId id="305" r:id="rId22"/>
+    <p:sldId id="307" r:id="rId23"/>
+    <p:sldId id="309" r:id="rId24"/>
+    <p:sldId id="335" r:id="rId25"/>
+    <p:sldId id="313" r:id="rId26"/>
+    <p:sldId id="314" r:id="rId27"/>
+    <p:sldId id="315" r:id="rId28"/>
+    <p:sldId id="336" r:id="rId29"/>
+    <p:sldId id="318" r:id="rId30"/>
+    <p:sldId id="319" r:id="rId31"/>
+    <p:sldId id="280" r:id="rId32"/>
+    <p:sldId id="301" r:id="rId33"/>
+    <p:sldId id="304" r:id="rId34"/>
+    <p:sldId id="330" r:id="rId35"/>
+    <p:sldId id="310" r:id="rId36"/>
+    <p:sldId id="317" r:id="rId37"/>
+    <p:sldId id="316" r:id="rId38"/>
   </p:sldIdLst>
   <p:sldSz cx="9144000" cy="5143500" type="screen16x9"/>
   <p:notesSz cx="6858000" cy="9144000"/>
   <p:embeddedFontLst>
     <p:embeddedFont>
       <p:font typeface="Consolas" panose="020B0609020204030204" pitchFamily="49" charset="0"/>
-      <p:regular r:id="rId42"/>
-      <p:bold r:id="rId43"/>
-      <p:italic r:id="rId44"/>
-      <p:boldItalic r:id="rId45"/>
+      <p:regular r:id="rId41"/>
+      <p:bold r:id="rId42"/>
+      <p:italic r:id="rId43"/>
+      <p:boldItalic r:id="rId44"/>
     </p:embeddedFont>
     <p:embeddedFont>
       <p:font typeface="Roboto Slab" panose="020B0604020202020204" charset="0"/>
-      <p:regular r:id="rId46"/>
-      <p:bold r:id="rId47"/>
+      <p:regular r:id="rId45"/>
+      <p:bold r:id="rId46"/>
     </p:embeddedFont>
     <p:embeddedFont>
       <p:font typeface="Source Sans Pro" panose="020B0503030403020204" pitchFamily="34" charset="0"/>
-      <p:regular r:id="rId48"/>
-      <p:bold r:id="rId49"/>
-      <p:italic r:id="rId50"/>
-      <p:boldItalic r:id="rId51"/>
+      <p:regular r:id="rId47"/>
+      <p:bold r:id="rId48"/>
+      <p:italic r:id="rId49"/>
+      <p:boldItalic r:id="rId50"/>
     </p:embeddedFont>
     <p:embeddedFont>
       <p:font typeface="Trebuchet MS" panose="020B0603020202020204" pitchFamily="34" charset="0"/>
-      <p:regular r:id="rId52"/>
-      <p:bold r:id="rId53"/>
-      <p:italic r:id="rId54"/>
-      <p:boldItalic r:id="rId55"/>
+      <p:regular r:id="rId51"/>
+      <p:bold r:id="rId52"/>
+      <p:italic r:id="rId53"/>
+      <p:boldItalic r:id="rId54"/>
     </p:embeddedFont>
   </p:embeddedFontLst>
   <p:defaultTextStyle>
@@ -14078,304 +14077,6 @@
 </file>
 
 <file path=ppt/slides/slide17.xml><?xml version="1.0" encoding="utf-8"?>
-<p:sld xmlns:a="http://schemas.openxmlformats.org/drawingml/2006/main" xmlns:r="http://schemas.openxmlformats.org/officeDocument/2006/relationships" xmlns:p="http://schemas.openxmlformats.org/presentationml/2006/main" show="0">
-  <p:cSld>
-    <p:spTree>
-      <p:nvGrpSpPr>
-        <p:cNvPr id="1" name=""/>
-        <p:cNvGrpSpPr/>
-        <p:nvPr/>
-      </p:nvGrpSpPr>
-      <p:grpSpPr>
-        <a:xfrm>
-          <a:off x="0" y="0"/>
-          <a:ext cx="0" cy="0"/>
-          <a:chOff x="0" y="0"/>
-          <a:chExt cx="0" cy="0"/>
-        </a:xfrm>
-      </p:grpSpPr>
-      <p:sp>
-        <p:nvSpPr>
-          <p:cNvPr id="2" name="Title 1">
-            <a:extLst>
-              <a:ext uri="{FF2B5EF4-FFF2-40B4-BE49-F238E27FC236}">
-                <a16:creationId xmlns:a16="http://schemas.microsoft.com/office/drawing/2014/main" id="{024AD384-5AD1-4435-A943-1241B2FACD62}"/>
-              </a:ext>
-            </a:extLst>
-          </p:cNvPr>
-          <p:cNvSpPr>
-            <a:spLocks noGrp="1"/>
-          </p:cNvSpPr>
-          <p:nvPr>
-            <p:ph type="title"/>
-          </p:nvPr>
-        </p:nvSpPr>
-        <p:spPr/>
-        <p:txBody>
-          <a:bodyPr/>
-          <a:lstStyle/>
-          <a:p>
-            <a:r>
-              <a:rPr lang="en-US" sz="2400"/>
-              <a:t>Join Sets</a:t>
-            </a:r>
-            <a:endParaRPr lang="fa-IR"/>
-          </a:p>
-        </p:txBody>
-      </p:sp>
-      <p:sp>
-        <p:nvSpPr>
-          <p:cNvPr id="3" name="Text Placeholder 2">
-            <a:extLst>
-              <a:ext uri="{FF2B5EF4-FFF2-40B4-BE49-F238E27FC236}">
-                <a16:creationId xmlns:a16="http://schemas.microsoft.com/office/drawing/2014/main" id="{58BE3078-8B89-4550-B497-93E4DADBD57E}"/>
-              </a:ext>
-            </a:extLst>
-          </p:cNvPr>
-          <p:cNvSpPr>
-            <a:spLocks noGrp="1"/>
-          </p:cNvSpPr>
-          <p:nvPr>
-            <p:ph type="body" idx="1"/>
-          </p:nvPr>
-        </p:nvSpPr>
-        <p:spPr>
-          <a:xfrm>
-            <a:off x="786150" y="1142608"/>
-            <a:ext cx="7571700" cy="3626431"/>
-          </a:xfrm>
-        </p:spPr>
-        <p:txBody>
-          <a:bodyPr/>
-          <a:lstStyle/>
-          <a:p>
-            <a:pPr marL="76200" indent="0">
-              <a:buNone/>
-            </a:pPr>
-            <a:r>
-              <a:rPr lang="en-US" sz="1400"/>
-              <a:t>Join Sets</a:t>
-            </a:r>
-          </a:p>
-          <a:p>
-            <a:pPr marL="76200" indent="0">
-              <a:buNone/>
-            </a:pPr>
-            <a:r>
-              <a:rPr lang="en-US" sz="1100">
-                <a:latin typeface="Consolas" panose="020B0609020204030204" pitchFamily="49" charset="0"/>
-                <a:cs typeface="Courier New" panose="02070309020205020404" pitchFamily="49" charset="0"/>
-              </a:rPr>
-              <a:t>students = {'Ali', 'Zahra', 'Bahram'}</a:t>
-            </a:r>
-          </a:p>
-          <a:p>
-            <a:pPr marL="76200" indent="0">
-              <a:buNone/>
-            </a:pPr>
-            <a:r>
-              <a:rPr lang="en-US" sz="1100">
-                <a:latin typeface="Consolas" panose="020B0609020204030204" pitchFamily="49" charset="0"/>
-                <a:cs typeface="Courier New" panose="02070309020205020404" pitchFamily="49" charset="0"/>
-              </a:rPr>
-              <a:t>workers = {'Zahra', 'Bahram', 'Nahid'}</a:t>
-            </a:r>
-          </a:p>
-          <a:p>
-            <a:pPr marL="76200" indent="0">
-              <a:buNone/>
-            </a:pPr>
-            <a:r>
-              <a:rPr lang="en-US" sz="1100">
-                <a:latin typeface="Consolas" panose="020B0609020204030204" pitchFamily="49" charset="0"/>
-                <a:cs typeface="Courier New" panose="02070309020205020404" pitchFamily="49" charset="0"/>
-              </a:rPr>
-              <a:t>allMembers = students</a:t>
-            </a:r>
-            <a:r>
-              <a:rPr lang="en-US" sz="1100">
-                <a:solidFill>
-                  <a:schemeClr val="accent1"/>
-                </a:solidFill>
-                <a:latin typeface="Consolas" panose="020B0609020204030204" pitchFamily="49" charset="0"/>
-                <a:cs typeface="Courier New" panose="02070309020205020404" pitchFamily="49" charset="0"/>
-              </a:rPr>
-              <a:t>.union(</a:t>
-            </a:r>
-            <a:r>
-              <a:rPr lang="en-US" sz="1100">
-                <a:latin typeface="Consolas" panose="020B0609020204030204" pitchFamily="49" charset="0"/>
-                <a:cs typeface="Courier New" panose="02070309020205020404" pitchFamily="49" charset="0"/>
-              </a:rPr>
-              <a:t>workers</a:t>
-            </a:r>
-            <a:r>
-              <a:rPr lang="en-US" sz="1100">
-                <a:solidFill>
-                  <a:schemeClr val="accent1"/>
-                </a:solidFill>
-                <a:latin typeface="Consolas" panose="020B0609020204030204" pitchFamily="49" charset="0"/>
-                <a:cs typeface="Courier New" panose="02070309020205020404" pitchFamily="49" charset="0"/>
-              </a:rPr>
-              <a:t>)</a:t>
-            </a:r>
-          </a:p>
-          <a:p>
-            <a:pPr marL="76200" indent="0">
-              <a:buNone/>
-            </a:pPr>
-            <a:r>
-              <a:rPr lang="en-US" sz="1100">
-                <a:latin typeface="Consolas" panose="020B0609020204030204" pitchFamily="49" charset="0"/>
-                <a:cs typeface="Courier New" panose="02070309020205020404" pitchFamily="49" charset="0"/>
-              </a:rPr>
-              <a:t>wortudents = students</a:t>
-            </a:r>
-            <a:r>
-              <a:rPr lang="en-US" sz="1100">
-                <a:solidFill>
-                  <a:schemeClr val="accent1"/>
-                </a:solidFill>
-                <a:latin typeface="Consolas" panose="020B0609020204030204" pitchFamily="49" charset="0"/>
-                <a:cs typeface="Courier New" panose="02070309020205020404" pitchFamily="49" charset="0"/>
-              </a:rPr>
-              <a:t>.intersection(</a:t>
-            </a:r>
-            <a:r>
-              <a:rPr lang="en-US" sz="1100">
-                <a:latin typeface="Consolas" panose="020B0609020204030204" pitchFamily="49" charset="0"/>
-                <a:cs typeface="Courier New" panose="02070309020205020404" pitchFamily="49" charset="0"/>
-              </a:rPr>
-              <a:t>workers</a:t>
-            </a:r>
-            <a:r>
-              <a:rPr lang="en-US" sz="1100">
-                <a:solidFill>
-                  <a:schemeClr val="accent1"/>
-                </a:solidFill>
-                <a:latin typeface="Consolas" panose="020B0609020204030204" pitchFamily="49" charset="0"/>
-                <a:cs typeface="Courier New" panose="02070309020205020404" pitchFamily="49" charset="0"/>
-              </a:rPr>
-              <a:t>)</a:t>
-            </a:r>
-          </a:p>
-          <a:p>
-            <a:pPr marL="76200" indent="0">
-              <a:buNone/>
-            </a:pPr>
-            <a:r>
-              <a:rPr lang="en-US" sz="1100">
-                <a:latin typeface="Consolas" panose="020B0609020204030204" pitchFamily="49" charset="0"/>
-                <a:cs typeface="Courier New" panose="02070309020205020404" pitchFamily="49" charset="0"/>
-              </a:rPr>
-              <a:t>notWortudents = students</a:t>
-            </a:r>
-            <a:r>
-              <a:rPr lang="en-US" sz="1100">
-                <a:solidFill>
-                  <a:schemeClr val="accent1"/>
-                </a:solidFill>
-                <a:latin typeface="Consolas" panose="020B0609020204030204" pitchFamily="49" charset="0"/>
-                <a:cs typeface="Courier New" panose="02070309020205020404" pitchFamily="49" charset="0"/>
-              </a:rPr>
-              <a:t>.symmetric_difference(</a:t>
-            </a:r>
-            <a:r>
-              <a:rPr lang="en-US" sz="1100">
-                <a:latin typeface="Consolas" panose="020B0609020204030204" pitchFamily="49" charset="0"/>
-                <a:cs typeface="Courier New" panose="02070309020205020404" pitchFamily="49" charset="0"/>
-              </a:rPr>
-              <a:t>workers</a:t>
-            </a:r>
-            <a:r>
-              <a:rPr lang="en-US" sz="1100">
-                <a:solidFill>
-                  <a:schemeClr val="accent1"/>
-                </a:solidFill>
-                <a:latin typeface="Consolas" panose="020B0609020204030204" pitchFamily="49" charset="0"/>
-                <a:cs typeface="Courier New" panose="02070309020205020404" pitchFamily="49" charset="0"/>
-              </a:rPr>
-              <a:t>)</a:t>
-            </a:r>
-          </a:p>
-          <a:p>
-            <a:pPr marL="76200" indent="0">
-              <a:buNone/>
-            </a:pPr>
-            <a:r>
-              <a:rPr lang="en-US" sz="1100">
-                <a:latin typeface="Consolas" panose="020B0609020204030204" pitchFamily="49" charset="0"/>
-                <a:cs typeface="Courier New" panose="02070309020205020404" pitchFamily="49" charset="0"/>
-              </a:rPr>
-              <a:t>nonworkingStudents = students - workers</a:t>
-            </a:r>
-          </a:p>
-          <a:p>
-            <a:pPr marL="76200" indent="0">
-              <a:buNone/>
-            </a:pPr>
-            <a:r>
-              <a:rPr lang="en-US" sz="1100">
-                <a:latin typeface="Consolas" panose="020B0609020204030204" pitchFamily="49" charset="0"/>
-                <a:cs typeface="Courier New" panose="02070309020205020404" pitchFamily="49" charset="0"/>
-              </a:rPr>
-              <a:t>nonstudentWorkers = workers - students</a:t>
-            </a:r>
-          </a:p>
-        </p:txBody>
-      </p:sp>
-      <p:sp>
-        <p:nvSpPr>
-          <p:cNvPr id="4" name="Slide Number Placeholder 3">
-            <a:extLst>
-              <a:ext uri="{FF2B5EF4-FFF2-40B4-BE49-F238E27FC236}">
-                <a16:creationId xmlns:a16="http://schemas.microsoft.com/office/drawing/2014/main" id="{64987AE6-EC0E-43DD-9376-95A5602EE5E1}"/>
-              </a:ext>
-            </a:extLst>
-          </p:cNvPr>
-          <p:cNvSpPr>
-            <a:spLocks noGrp="1"/>
-          </p:cNvSpPr>
-          <p:nvPr>
-            <p:ph type="sldNum" idx="12"/>
-          </p:nvPr>
-        </p:nvSpPr>
-        <p:spPr/>
-        <p:txBody>
-          <a:bodyPr/>
-          <a:lstStyle/>
-          <a:p>
-            <a:pPr marL="0" lvl="0" indent="0" algn="r" rtl="0">
-              <a:spcBef>
-                <a:spcPts val="0"/>
-              </a:spcBef>
-              <a:spcAft>
-                <a:spcPts val="0"/>
-              </a:spcAft>
-              <a:buNone/>
-            </a:pPr>
-            <a:fld id="{00000000-1234-1234-1234-123412341234}" type="slidenum">
-              <a:rPr lang="en" smtClean="0"/>
-              <a:t>17</a:t>
-            </a:fld>
-            <a:endParaRPr lang="en"/>
-          </a:p>
-        </p:txBody>
-      </p:sp>
-    </p:spTree>
-    <p:extLst>
-      <p:ext uri="{BB962C8B-B14F-4D97-AF65-F5344CB8AC3E}">
-        <p14:creationId xmlns:p14="http://schemas.microsoft.com/office/powerpoint/2010/main" val="428133587"/>
-      </p:ext>
-    </p:extLst>
-  </p:cSld>
-  <p:clrMapOvr>
-    <a:masterClrMapping/>
-  </p:clrMapOvr>
-</p:sld>
-</file>
-
-<file path=ppt/slides/slide18.xml><?xml version="1.0" encoding="utf-8"?>
 <p:sld xmlns:a="http://schemas.openxmlformats.org/drawingml/2006/main" xmlns:r="http://schemas.openxmlformats.org/officeDocument/2006/relationships" xmlns:p="http://schemas.openxmlformats.org/presentationml/2006/main">
   <p:cSld>
     <p:spTree>
@@ -14661,7 +14362,7 @@
             </a:pPr>
             <a:fld id="{00000000-1234-1234-1234-123412341234}" type="slidenum">
               <a:rPr lang="en" smtClean="0"/>
-              <a:t>18</a:t>
+              <a:t>17</a:t>
             </a:fld>
             <a:endParaRPr lang="en"/>
           </a:p>
@@ -14680,7 +14381,7 @@
 </p:sld>
 </file>
 
-<file path=ppt/slides/slide19.xml><?xml version="1.0" encoding="utf-8"?>
+<file path=ppt/slides/slide18.xml><?xml version="1.0" encoding="utf-8"?>
 <p:sld xmlns:a="http://schemas.openxmlformats.org/drawingml/2006/main" xmlns:r="http://schemas.openxmlformats.org/officeDocument/2006/relationships" xmlns:p="http://schemas.openxmlformats.org/presentationml/2006/main">
   <p:cSld>
     <p:spTree>
@@ -14798,7 +14499,7 @@
             </a:pPr>
             <a:fld id="{00000000-1234-1234-1234-123412341234}" type="slidenum">
               <a:rPr lang="en"/>
-              <a:t>19</a:t>
+              <a:t>18</a:t>
             </a:fld>
             <a:endParaRPr/>
           </a:p>
@@ -14808,6 +14509,405 @@
     <p:extLst>
       <p:ext uri="{BB962C8B-B14F-4D97-AF65-F5344CB8AC3E}">
         <p14:creationId xmlns:p14="http://schemas.microsoft.com/office/powerpoint/2010/main" val="3820353737"/>
+      </p:ext>
+    </p:extLst>
+  </p:cSld>
+  <p:clrMapOvr>
+    <a:masterClrMapping/>
+  </p:clrMapOvr>
+</p:sld>
+</file>
+
+<file path=ppt/slides/slide19.xml><?xml version="1.0" encoding="utf-8"?>
+<p:sld xmlns:a="http://schemas.openxmlformats.org/drawingml/2006/main" xmlns:r="http://schemas.openxmlformats.org/officeDocument/2006/relationships" xmlns:p="http://schemas.openxmlformats.org/presentationml/2006/main">
+  <p:cSld>
+    <p:spTree>
+      <p:nvGrpSpPr>
+        <p:cNvPr id="1" name=""/>
+        <p:cNvGrpSpPr/>
+        <p:nvPr/>
+      </p:nvGrpSpPr>
+      <p:grpSpPr>
+        <a:xfrm>
+          <a:off x="0" y="0"/>
+          <a:ext cx="0" cy="0"/>
+          <a:chOff x="0" y="0"/>
+          <a:chExt cx="0" cy="0"/>
+        </a:xfrm>
+      </p:grpSpPr>
+      <p:sp>
+        <p:nvSpPr>
+          <p:cNvPr id="2" name="Title 1">
+            <a:extLst>
+              <a:ext uri="{FF2B5EF4-FFF2-40B4-BE49-F238E27FC236}">
+                <a16:creationId xmlns:a16="http://schemas.microsoft.com/office/drawing/2014/main" id="{024AD384-5AD1-4435-A943-1241B2FACD62}"/>
+              </a:ext>
+            </a:extLst>
+          </p:cNvPr>
+          <p:cNvSpPr>
+            <a:spLocks noGrp="1"/>
+          </p:cNvSpPr>
+          <p:nvPr>
+            <p:ph type="title"/>
+          </p:nvPr>
+        </p:nvSpPr>
+        <p:spPr/>
+        <p:txBody>
+          <a:bodyPr/>
+          <a:lstStyle/>
+          <a:p>
+            <a:r>
+              <a:rPr lang="en-US"/>
+              <a:t>If Statements</a:t>
+            </a:r>
+            <a:endParaRPr lang="fa-IR"/>
+          </a:p>
+        </p:txBody>
+      </p:sp>
+      <p:sp>
+        <p:nvSpPr>
+          <p:cNvPr id="3" name="Text Placeholder 2">
+            <a:extLst>
+              <a:ext uri="{FF2B5EF4-FFF2-40B4-BE49-F238E27FC236}">
+                <a16:creationId xmlns:a16="http://schemas.microsoft.com/office/drawing/2014/main" id="{58BE3078-8B89-4550-B497-93E4DADBD57E}"/>
+              </a:ext>
+            </a:extLst>
+          </p:cNvPr>
+          <p:cNvSpPr>
+            <a:spLocks noGrp="1"/>
+          </p:cNvSpPr>
+          <p:nvPr>
+            <p:ph type="body" idx="1"/>
+          </p:nvPr>
+        </p:nvSpPr>
+        <p:spPr>
+          <a:xfrm>
+            <a:off x="786150" y="1142608"/>
+            <a:ext cx="7571700" cy="3626431"/>
+          </a:xfrm>
+        </p:spPr>
+        <p:txBody>
+          <a:bodyPr/>
+          <a:lstStyle/>
+          <a:p>
+            <a:pPr marL="76200" indent="0">
+              <a:buNone/>
+            </a:pPr>
+            <a:r>
+              <a:rPr lang="en-US" sz="1400"/>
+              <a:t>If statement</a:t>
+            </a:r>
+          </a:p>
+          <a:p>
+            <a:pPr marL="76200" indent="0">
+              <a:buNone/>
+            </a:pPr>
+            <a:r>
+              <a:rPr lang="en-US" sz="1100">
+                <a:latin typeface="Consolas" panose="020B0609020204030204" pitchFamily="49" charset="0"/>
+                <a:cs typeface="Courier New" panose="02070309020205020404" pitchFamily="49" charset="0"/>
+              </a:rPr>
+              <a:t>a, b = 200, 100</a:t>
+            </a:r>
+          </a:p>
+          <a:p>
+            <a:pPr marL="76200" indent="0">
+              <a:buNone/>
+            </a:pPr>
+            <a:r>
+              <a:rPr lang="en-US" sz="1100">
+                <a:solidFill>
+                  <a:schemeClr val="accent1"/>
+                </a:solidFill>
+                <a:latin typeface="Consolas" panose="020B0609020204030204" pitchFamily="49" charset="0"/>
+                <a:cs typeface="Courier New" panose="02070309020205020404" pitchFamily="49" charset="0"/>
+              </a:rPr>
+              <a:t>if</a:t>
+            </a:r>
+            <a:r>
+              <a:rPr lang="en-US" sz="1100">
+                <a:latin typeface="Consolas" panose="020B0609020204030204" pitchFamily="49" charset="0"/>
+                <a:cs typeface="Courier New" panose="02070309020205020404" pitchFamily="49" charset="0"/>
+              </a:rPr>
+              <a:t> a &gt; b</a:t>
+            </a:r>
+            <a:r>
+              <a:rPr lang="en-US" sz="1100">
+                <a:solidFill>
+                  <a:schemeClr val="accent1"/>
+                </a:solidFill>
+                <a:latin typeface="Consolas" panose="020B0609020204030204" pitchFamily="49" charset="0"/>
+                <a:cs typeface="Courier New" panose="02070309020205020404" pitchFamily="49" charset="0"/>
+              </a:rPr>
+              <a:t>:</a:t>
+            </a:r>
+          </a:p>
+          <a:p>
+            <a:pPr marL="76200" indent="0">
+              <a:buNone/>
+            </a:pPr>
+            <a:r>
+              <a:rPr lang="en-US" sz="1100">
+                <a:latin typeface="Consolas" panose="020B0609020204030204" pitchFamily="49" charset="0"/>
+                <a:cs typeface="Courier New" panose="02070309020205020404" pitchFamily="49" charset="0"/>
+              </a:rPr>
+              <a:t>    print('a') </a:t>
+            </a:r>
+          </a:p>
+          <a:p>
+            <a:pPr marL="76200" indent="0">
+              <a:buNone/>
+            </a:pPr>
+            <a:r>
+              <a:rPr lang="en-US" sz="1100">
+                <a:solidFill>
+                  <a:schemeClr val="accent1"/>
+                </a:solidFill>
+                <a:latin typeface="Consolas" panose="020B0609020204030204" pitchFamily="49" charset="0"/>
+                <a:cs typeface="Courier New" panose="02070309020205020404" pitchFamily="49" charset="0"/>
+              </a:rPr>
+              <a:t>elif</a:t>
+            </a:r>
+            <a:r>
+              <a:rPr lang="en-US" sz="1100">
+                <a:latin typeface="Consolas" panose="020B0609020204030204" pitchFamily="49" charset="0"/>
+                <a:cs typeface="Courier New" panose="02070309020205020404" pitchFamily="49" charset="0"/>
+              </a:rPr>
+              <a:t> a &lt; b</a:t>
+            </a:r>
+            <a:r>
+              <a:rPr lang="en-US" sz="1100">
+                <a:solidFill>
+                  <a:schemeClr val="accent1"/>
+                </a:solidFill>
+                <a:latin typeface="Consolas" panose="020B0609020204030204" pitchFamily="49" charset="0"/>
+                <a:cs typeface="Courier New" panose="02070309020205020404" pitchFamily="49" charset="0"/>
+              </a:rPr>
+              <a:t>:</a:t>
+            </a:r>
+          </a:p>
+          <a:p>
+            <a:pPr marL="76200" indent="0">
+              <a:buNone/>
+            </a:pPr>
+            <a:r>
+              <a:rPr lang="en-US" sz="1100">
+                <a:latin typeface="Consolas" panose="020B0609020204030204" pitchFamily="49" charset="0"/>
+                <a:cs typeface="Courier New" panose="02070309020205020404" pitchFamily="49" charset="0"/>
+              </a:rPr>
+              <a:t>    print('b')</a:t>
+            </a:r>
+          </a:p>
+          <a:p>
+            <a:pPr marL="76200" indent="0">
+              <a:buNone/>
+            </a:pPr>
+            <a:r>
+              <a:rPr lang="en-US" sz="1100">
+                <a:solidFill>
+                  <a:schemeClr val="accent1"/>
+                </a:solidFill>
+                <a:latin typeface="Consolas" panose="020B0609020204030204" pitchFamily="49" charset="0"/>
+                <a:cs typeface="Courier New" panose="02070309020205020404" pitchFamily="49" charset="0"/>
+              </a:rPr>
+              <a:t>else:</a:t>
+            </a:r>
+          </a:p>
+          <a:p>
+            <a:pPr marL="76200" indent="0">
+              <a:buNone/>
+            </a:pPr>
+            <a:r>
+              <a:rPr lang="en-US" sz="1100">
+                <a:latin typeface="Consolas" panose="020B0609020204030204" pitchFamily="49" charset="0"/>
+                <a:cs typeface="Courier New" panose="02070309020205020404" pitchFamily="49" charset="0"/>
+              </a:rPr>
+              <a:t>    print('=')</a:t>
+            </a:r>
+          </a:p>
+          <a:p>
+            <a:pPr marL="76200" indent="0">
+              <a:buNone/>
+            </a:pPr>
+            <a:endParaRPr lang="en-US" sz="1100">
+              <a:latin typeface="Consolas" panose="020B0609020204030204" pitchFamily="49" charset="0"/>
+              <a:cs typeface="Courier New" panose="02070309020205020404" pitchFamily="49" charset="0"/>
+            </a:endParaRPr>
+          </a:p>
+          <a:p>
+            <a:pPr marL="76200" indent="0">
+              <a:buNone/>
+            </a:pPr>
+            <a:r>
+              <a:rPr lang="en-US" sz="1400"/>
+              <a:t>Shorthand if statement</a:t>
+            </a:r>
+          </a:p>
+          <a:p>
+            <a:pPr marL="76200" indent="0">
+              <a:buNone/>
+            </a:pPr>
+            <a:r>
+              <a:rPr lang="en-US" sz="1100">
+                <a:latin typeface="Consolas" panose="020B0609020204030204" pitchFamily="49" charset="0"/>
+                <a:cs typeface="Courier New" panose="02070309020205020404" pitchFamily="49" charset="0"/>
+              </a:rPr>
+              <a:t>a, b = 200, 100</a:t>
+            </a:r>
+          </a:p>
+          <a:p>
+            <a:pPr marL="76200" indent="0">
+              <a:buNone/>
+            </a:pPr>
+            <a:r>
+              <a:rPr lang="en-US" sz="1100">
+                <a:latin typeface="Consolas" panose="020B0609020204030204" pitchFamily="49" charset="0"/>
+                <a:cs typeface="Courier New" panose="02070309020205020404" pitchFamily="49" charset="0"/>
+              </a:rPr>
+              <a:t>print('a') </a:t>
+            </a:r>
+            <a:r>
+              <a:rPr lang="en-US" sz="1100">
+                <a:solidFill>
+                  <a:schemeClr val="accent1"/>
+                </a:solidFill>
+                <a:latin typeface="Consolas" panose="020B0609020204030204" pitchFamily="49" charset="0"/>
+                <a:cs typeface="Courier New" panose="02070309020205020404" pitchFamily="49" charset="0"/>
+              </a:rPr>
+              <a:t>if</a:t>
+            </a:r>
+            <a:r>
+              <a:rPr lang="en-US" sz="1100">
+                <a:latin typeface="Consolas" panose="020B0609020204030204" pitchFamily="49" charset="0"/>
+                <a:cs typeface="Courier New" panose="02070309020205020404" pitchFamily="49" charset="0"/>
+              </a:rPr>
+              <a:t> a &gt; b </a:t>
+            </a:r>
+            <a:r>
+              <a:rPr lang="en-US" sz="1100">
+                <a:solidFill>
+                  <a:schemeClr val="accent1"/>
+                </a:solidFill>
+                <a:latin typeface="Consolas" panose="020B0609020204030204" pitchFamily="49" charset="0"/>
+                <a:cs typeface="Courier New" panose="02070309020205020404" pitchFamily="49" charset="0"/>
+              </a:rPr>
+              <a:t>else</a:t>
+            </a:r>
+            <a:r>
+              <a:rPr lang="en-US" sz="1100">
+                <a:latin typeface="Consolas" panose="020B0609020204030204" pitchFamily="49" charset="0"/>
+                <a:cs typeface="Courier New" panose="02070309020205020404" pitchFamily="49" charset="0"/>
+              </a:rPr>
+              <a:t> print('b') </a:t>
+            </a:r>
+            <a:r>
+              <a:rPr lang="en-US" sz="1100">
+                <a:solidFill>
+                  <a:schemeClr val="accent1"/>
+                </a:solidFill>
+                <a:latin typeface="Consolas" panose="020B0609020204030204" pitchFamily="49" charset="0"/>
+                <a:cs typeface="Courier New" panose="02070309020205020404" pitchFamily="49" charset="0"/>
+              </a:rPr>
+              <a:t>if</a:t>
+            </a:r>
+            <a:r>
+              <a:rPr lang="en-US" sz="1100">
+                <a:latin typeface="Consolas" panose="020B0609020204030204" pitchFamily="49" charset="0"/>
+                <a:cs typeface="Courier New" panose="02070309020205020404" pitchFamily="49" charset="0"/>
+              </a:rPr>
+              <a:t> a &lt; b </a:t>
+            </a:r>
+            <a:r>
+              <a:rPr lang="en-US" sz="1100">
+                <a:solidFill>
+                  <a:schemeClr val="accent1"/>
+                </a:solidFill>
+                <a:latin typeface="Consolas" panose="020B0609020204030204" pitchFamily="49" charset="0"/>
+                <a:cs typeface="Courier New" panose="02070309020205020404" pitchFamily="49" charset="0"/>
+              </a:rPr>
+              <a:t>else</a:t>
+            </a:r>
+            <a:r>
+              <a:rPr lang="en-US" sz="1100">
+                <a:latin typeface="Consolas" panose="020B0609020204030204" pitchFamily="49" charset="0"/>
+                <a:cs typeface="Courier New" panose="02070309020205020404" pitchFamily="49" charset="0"/>
+              </a:rPr>
+              <a:t> print('=')</a:t>
+            </a:r>
+          </a:p>
+        </p:txBody>
+      </p:sp>
+      <p:sp>
+        <p:nvSpPr>
+          <p:cNvPr id="4" name="Slide Number Placeholder 3">
+            <a:extLst>
+              <a:ext uri="{FF2B5EF4-FFF2-40B4-BE49-F238E27FC236}">
+                <a16:creationId xmlns:a16="http://schemas.microsoft.com/office/drawing/2014/main" id="{64987AE6-EC0E-43DD-9376-95A5602EE5E1}"/>
+              </a:ext>
+            </a:extLst>
+          </p:cNvPr>
+          <p:cNvSpPr>
+            <a:spLocks noGrp="1"/>
+          </p:cNvSpPr>
+          <p:nvPr>
+            <p:ph type="sldNum" idx="12"/>
+          </p:nvPr>
+        </p:nvSpPr>
+        <p:spPr/>
+        <p:txBody>
+          <a:bodyPr/>
+          <a:lstStyle/>
+          <a:p>
+            <a:pPr marL="0" lvl="0" indent="0" algn="r" rtl="0">
+              <a:spcBef>
+                <a:spcPts val="0"/>
+              </a:spcBef>
+              <a:spcAft>
+                <a:spcPts val="0"/>
+              </a:spcAft>
+              <a:buNone/>
+            </a:pPr>
+            <a:fld id="{00000000-1234-1234-1234-123412341234}" type="slidenum">
+              <a:rPr lang="en" smtClean="0"/>
+              <a:t>19</a:t>
+            </a:fld>
+            <a:endParaRPr lang="en"/>
+          </a:p>
+        </p:txBody>
+      </p:sp>
+      <p:pic>
+        <p:nvPicPr>
+          <p:cNvPr id="7" name="Picture 6">
+            <a:extLst>
+              <a:ext uri="{FF2B5EF4-FFF2-40B4-BE49-F238E27FC236}">
+                <a16:creationId xmlns:a16="http://schemas.microsoft.com/office/drawing/2014/main" id="{8356F0BA-8C8D-4448-B963-058407E96D8B}"/>
+              </a:ext>
+            </a:extLst>
+          </p:cNvPr>
+          <p:cNvPicPr>
+            <a:picLocks noChangeAspect="1"/>
+          </p:cNvPicPr>
+          <p:nvPr/>
+        </p:nvPicPr>
+        <p:blipFill rotWithShape="1">
+          <a:blip r:embed="rId2"/>
+          <a:srcRect l="2435" t="2330" r="11984" b="11509"/>
+          <a:stretch/>
+        </p:blipFill>
+        <p:spPr>
+          <a:xfrm>
+            <a:off x="5650612" y="1356255"/>
+            <a:ext cx="3028122" cy="3199135"/>
+          </a:xfrm>
+          <a:prstGeom prst="rect">
+            <a:avLst/>
+          </a:prstGeom>
+        </p:spPr>
+      </p:pic>
+    </p:spTree>
+    <p:extLst>
+      <p:ext uri="{BB962C8B-B14F-4D97-AF65-F5344CB8AC3E}">
+        <p14:creationId xmlns:p14="http://schemas.microsoft.com/office/powerpoint/2010/main" val="710221511"/>
       </p:ext>
     </p:extLst>
   </p:cSld>
@@ -14954,7 +15054,7 @@
   <p:cSld>
     <p:spTree>
       <p:nvGrpSpPr>
-        <p:cNvPr id="1" name=""/>
+        <p:cNvPr id="1" name="Shape 96"/>
         <p:cNvGrpSpPr/>
         <p:nvPr/>
       </p:nvGrpSpPr>
@@ -14968,377 +15068,115 @@
       </p:grpSpPr>
       <p:sp>
         <p:nvSpPr>
-          <p:cNvPr id="2" name="Title 1">
-            <a:extLst>
-              <a:ext uri="{FF2B5EF4-FFF2-40B4-BE49-F238E27FC236}">
-                <a16:creationId xmlns:a16="http://schemas.microsoft.com/office/drawing/2014/main" id="{024AD384-5AD1-4435-A943-1241B2FACD62}"/>
-              </a:ext>
-            </a:extLst>
-          </p:cNvPr>
-          <p:cNvSpPr>
+          <p:cNvPr id="97" name="Google Shape;97;p15"/>
+          <p:cNvSpPr txBox="1">
             <a:spLocks noGrp="1"/>
           </p:cNvSpPr>
           <p:nvPr>
-            <p:ph type="title"/>
-          </p:nvPr>
-        </p:nvSpPr>
-        <p:spPr/>
-        <p:txBody>
-          <a:bodyPr/>
-          <a:lstStyle/>
-          <a:p>
-            <a:r>
-              <a:rPr lang="en-US"/>
-              <a:t>If Statements</a:t>
-            </a:r>
-            <a:endParaRPr lang="fa-IR"/>
-          </a:p>
-        </p:txBody>
-      </p:sp>
-      <p:sp>
-        <p:nvSpPr>
-          <p:cNvPr id="3" name="Text Placeholder 2">
-            <a:extLst>
-              <a:ext uri="{FF2B5EF4-FFF2-40B4-BE49-F238E27FC236}">
-                <a16:creationId xmlns:a16="http://schemas.microsoft.com/office/drawing/2014/main" id="{58BE3078-8B89-4550-B497-93E4DADBD57E}"/>
-              </a:ext>
-            </a:extLst>
-          </p:cNvPr>
-          <p:cNvSpPr>
-            <a:spLocks noGrp="1"/>
-          </p:cNvSpPr>
-          <p:nvPr>
-            <p:ph type="body" idx="1"/>
+            <p:ph type="ctrTitle"/>
           </p:nvPr>
         </p:nvSpPr>
         <p:spPr>
           <a:xfrm>
-            <a:off x="786150" y="1142608"/>
-            <a:ext cx="7571700" cy="3626431"/>
-          </a:xfrm>
-        </p:spPr>
-        <p:txBody>
-          <a:bodyPr/>
-          <a:lstStyle/>
-          <a:p>
-            <a:pPr marL="76200" indent="0">
-              <a:buNone/>
-            </a:pPr>
-            <a:r>
-              <a:rPr lang="en-US" sz="1400"/>
-              <a:t>If statement</a:t>
-            </a:r>
-          </a:p>
-          <a:p>
-            <a:pPr marL="76200" indent="0">
-              <a:buNone/>
-            </a:pPr>
-            <a:r>
-              <a:rPr lang="en-US" sz="1100">
-                <a:latin typeface="Consolas" panose="020B0609020204030204" pitchFamily="49" charset="0"/>
-                <a:cs typeface="Courier New" panose="02070309020205020404" pitchFamily="49" charset="0"/>
-              </a:rPr>
-              <a:t>a, b = 200, 100</a:t>
-            </a:r>
-          </a:p>
-          <a:p>
-            <a:pPr marL="76200" indent="0">
-              <a:buNone/>
-            </a:pPr>
-            <a:r>
-              <a:rPr lang="en-US" sz="1100">
-                <a:solidFill>
-                  <a:schemeClr val="accent1"/>
-                </a:solidFill>
-                <a:latin typeface="Consolas" panose="020B0609020204030204" pitchFamily="49" charset="0"/>
-                <a:cs typeface="Courier New" panose="02070309020205020404" pitchFamily="49" charset="0"/>
-              </a:rPr>
-              <a:t>if</a:t>
-            </a:r>
-            <a:r>
-              <a:rPr lang="en-US" sz="1100">
-                <a:latin typeface="Consolas" panose="020B0609020204030204" pitchFamily="49" charset="0"/>
-                <a:cs typeface="Courier New" panose="02070309020205020404" pitchFamily="49" charset="0"/>
-              </a:rPr>
-              <a:t> a &gt; b</a:t>
-            </a:r>
-            <a:r>
-              <a:rPr lang="en-US" sz="1100">
-                <a:solidFill>
-                  <a:schemeClr val="accent1"/>
-                </a:solidFill>
-                <a:latin typeface="Consolas" panose="020B0609020204030204" pitchFamily="49" charset="0"/>
-                <a:cs typeface="Courier New" panose="02070309020205020404" pitchFamily="49" charset="0"/>
-              </a:rPr>
-              <a:t>:</a:t>
-            </a:r>
-          </a:p>
-          <a:p>
-            <a:pPr marL="76200" indent="0">
-              <a:buNone/>
-            </a:pPr>
-            <a:r>
-              <a:rPr lang="en-US" sz="1100">
-                <a:latin typeface="Consolas" panose="020B0609020204030204" pitchFamily="49" charset="0"/>
-                <a:cs typeface="Courier New" panose="02070309020205020404" pitchFamily="49" charset="0"/>
-              </a:rPr>
-              <a:t>    print('a') </a:t>
-            </a:r>
-          </a:p>
-          <a:p>
-            <a:pPr marL="76200" indent="0">
-              <a:buNone/>
-            </a:pPr>
-            <a:r>
-              <a:rPr lang="en-US" sz="1100">
-                <a:solidFill>
-                  <a:schemeClr val="accent1"/>
-                </a:solidFill>
-                <a:latin typeface="Consolas" panose="020B0609020204030204" pitchFamily="49" charset="0"/>
-                <a:cs typeface="Courier New" panose="02070309020205020404" pitchFamily="49" charset="0"/>
-              </a:rPr>
-              <a:t>elif</a:t>
-            </a:r>
-            <a:r>
-              <a:rPr lang="en-US" sz="1100">
-                <a:latin typeface="Consolas" panose="020B0609020204030204" pitchFamily="49" charset="0"/>
-                <a:cs typeface="Courier New" panose="02070309020205020404" pitchFamily="49" charset="0"/>
-              </a:rPr>
-              <a:t> a &lt; b</a:t>
-            </a:r>
-            <a:r>
-              <a:rPr lang="en-US" sz="1100">
-                <a:solidFill>
-                  <a:schemeClr val="accent1"/>
-                </a:solidFill>
-                <a:latin typeface="Consolas" panose="020B0609020204030204" pitchFamily="49" charset="0"/>
-                <a:cs typeface="Courier New" panose="02070309020205020404" pitchFamily="49" charset="0"/>
-              </a:rPr>
-              <a:t>:</a:t>
-            </a:r>
-          </a:p>
-          <a:p>
-            <a:pPr marL="76200" indent="0">
-              <a:buNone/>
-            </a:pPr>
-            <a:r>
-              <a:rPr lang="en-US" sz="1100">
-                <a:latin typeface="Consolas" panose="020B0609020204030204" pitchFamily="49" charset="0"/>
-                <a:cs typeface="Courier New" panose="02070309020205020404" pitchFamily="49" charset="0"/>
-              </a:rPr>
-              <a:t>    print('b')</a:t>
-            </a:r>
-          </a:p>
-          <a:p>
-            <a:pPr marL="76200" indent="0">
-              <a:buNone/>
-            </a:pPr>
-            <a:r>
-              <a:rPr lang="en-US" sz="1100">
-                <a:solidFill>
-                  <a:schemeClr val="accent1"/>
-                </a:solidFill>
-                <a:latin typeface="Consolas" panose="020B0609020204030204" pitchFamily="49" charset="0"/>
-                <a:cs typeface="Courier New" panose="02070309020205020404" pitchFamily="49" charset="0"/>
-              </a:rPr>
-              <a:t>else:</a:t>
-            </a:r>
-          </a:p>
-          <a:p>
-            <a:pPr marL="76200" indent="0">
-              <a:buNone/>
-            </a:pPr>
-            <a:r>
-              <a:rPr lang="en-US" sz="1100">
-                <a:latin typeface="Consolas" panose="020B0609020204030204" pitchFamily="49" charset="0"/>
-                <a:cs typeface="Courier New" panose="02070309020205020404" pitchFamily="49" charset="0"/>
-              </a:rPr>
-              <a:t>    print('=')</a:t>
-            </a:r>
-          </a:p>
-          <a:p>
-            <a:pPr marL="76200" indent="0">
-              <a:buNone/>
-            </a:pPr>
-            <a:endParaRPr lang="en-US" sz="1100">
-              <a:latin typeface="Consolas" panose="020B0609020204030204" pitchFamily="49" charset="0"/>
-              <a:cs typeface="Courier New" panose="02070309020205020404" pitchFamily="49" charset="0"/>
-            </a:endParaRPr>
-          </a:p>
-          <a:p>
-            <a:pPr marL="76200" indent="0">
-              <a:buNone/>
-            </a:pPr>
-            <a:r>
-              <a:rPr lang="en-US" sz="1400"/>
-              <a:t>Shorthand if statement</a:t>
-            </a:r>
-          </a:p>
-          <a:p>
-            <a:pPr marL="76200" indent="0">
-              <a:buNone/>
-            </a:pPr>
-            <a:r>
-              <a:rPr lang="en-US" sz="1100">
-                <a:latin typeface="Consolas" panose="020B0609020204030204" pitchFamily="49" charset="0"/>
-                <a:cs typeface="Courier New" panose="02070309020205020404" pitchFamily="49" charset="0"/>
-              </a:rPr>
-              <a:t>a, b = 200, 100</a:t>
-            </a:r>
-          </a:p>
-          <a:p>
-            <a:pPr marL="76200" indent="0">
-              <a:buNone/>
-            </a:pPr>
-            <a:r>
-              <a:rPr lang="en-US" sz="1100">
-                <a:latin typeface="Consolas" panose="020B0609020204030204" pitchFamily="49" charset="0"/>
-                <a:cs typeface="Courier New" panose="02070309020205020404" pitchFamily="49" charset="0"/>
-              </a:rPr>
-              <a:t>print('a') </a:t>
-            </a:r>
-            <a:r>
-              <a:rPr lang="en-US" sz="1100">
-                <a:solidFill>
-                  <a:schemeClr val="accent1"/>
-                </a:solidFill>
-                <a:latin typeface="Consolas" panose="020B0609020204030204" pitchFamily="49" charset="0"/>
-                <a:cs typeface="Courier New" panose="02070309020205020404" pitchFamily="49" charset="0"/>
-              </a:rPr>
-              <a:t>if</a:t>
-            </a:r>
-            <a:r>
-              <a:rPr lang="en-US" sz="1100">
-                <a:latin typeface="Consolas" panose="020B0609020204030204" pitchFamily="49" charset="0"/>
-                <a:cs typeface="Courier New" panose="02070309020205020404" pitchFamily="49" charset="0"/>
-              </a:rPr>
-              <a:t> a &gt; b </a:t>
-            </a:r>
-            <a:r>
-              <a:rPr lang="en-US" sz="1100">
-                <a:solidFill>
-                  <a:schemeClr val="accent1"/>
-                </a:solidFill>
-                <a:latin typeface="Consolas" panose="020B0609020204030204" pitchFamily="49" charset="0"/>
-                <a:cs typeface="Courier New" panose="02070309020205020404" pitchFamily="49" charset="0"/>
-              </a:rPr>
-              <a:t>else</a:t>
-            </a:r>
-            <a:r>
-              <a:rPr lang="en-US" sz="1100">
-                <a:latin typeface="Consolas" panose="020B0609020204030204" pitchFamily="49" charset="0"/>
-                <a:cs typeface="Courier New" panose="02070309020205020404" pitchFamily="49" charset="0"/>
-              </a:rPr>
-              <a:t> print('b') </a:t>
-            </a:r>
-            <a:r>
-              <a:rPr lang="en-US" sz="1100">
-                <a:solidFill>
-                  <a:schemeClr val="accent1"/>
-                </a:solidFill>
-                <a:latin typeface="Consolas" panose="020B0609020204030204" pitchFamily="49" charset="0"/>
-                <a:cs typeface="Courier New" panose="02070309020205020404" pitchFamily="49" charset="0"/>
-              </a:rPr>
-              <a:t>if</a:t>
-            </a:r>
-            <a:r>
-              <a:rPr lang="en-US" sz="1100">
-                <a:latin typeface="Consolas" panose="020B0609020204030204" pitchFamily="49" charset="0"/>
-                <a:cs typeface="Courier New" panose="02070309020205020404" pitchFamily="49" charset="0"/>
-              </a:rPr>
-              <a:t> a &lt; b </a:t>
-            </a:r>
-            <a:r>
-              <a:rPr lang="en-US" sz="1100">
-                <a:solidFill>
-                  <a:schemeClr val="accent1"/>
-                </a:solidFill>
-                <a:latin typeface="Consolas" panose="020B0609020204030204" pitchFamily="49" charset="0"/>
-                <a:cs typeface="Courier New" panose="02070309020205020404" pitchFamily="49" charset="0"/>
-              </a:rPr>
-              <a:t>else</a:t>
-            </a:r>
-            <a:r>
-              <a:rPr lang="en-US" sz="1100">
-                <a:latin typeface="Consolas" panose="020B0609020204030204" pitchFamily="49" charset="0"/>
-                <a:cs typeface="Courier New" panose="02070309020205020404" pitchFamily="49" charset="0"/>
-              </a:rPr>
-              <a:t> print('=')</a:t>
-            </a:r>
-          </a:p>
-        </p:txBody>
-      </p:sp>
-      <p:sp>
-        <p:nvSpPr>
-          <p:cNvPr id="4" name="Slide Number Placeholder 3">
-            <a:extLst>
-              <a:ext uri="{FF2B5EF4-FFF2-40B4-BE49-F238E27FC236}">
-                <a16:creationId xmlns:a16="http://schemas.microsoft.com/office/drawing/2014/main" id="{64987AE6-EC0E-43DD-9376-95A5602EE5E1}"/>
-              </a:ext>
-            </a:extLst>
-          </p:cNvPr>
-          <p:cNvSpPr>
-            <a:spLocks noGrp="1"/>
-          </p:cNvSpPr>
-          <p:nvPr>
-            <p:ph type="sldNum" idx="12"/>
-          </p:nvPr>
-        </p:nvSpPr>
-        <p:spPr/>
-        <p:txBody>
-          <a:bodyPr/>
-          <a:lstStyle/>
-          <a:p>
-            <a:pPr marL="0" lvl="0" indent="0" algn="r" rtl="0">
-              <a:spcBef>
-                <a:spcPts val="0"/>
-              </a:spcBef>
-              <a:spcAft>
-                <a:spcPts val="0"/>
-              </a:spcAft>
-              <a:buNone/>
-            </a:pPr>
-            <a:fld id="{00000000-1234-1234-1234-123412341234}" type="slidenum">
-              <a:rPr lang="en" smtClean="0"/>
-              <a:t>20</a:t>
-            </a:fld>
-            <a:endParaRPr lang="en"/>
-          </a:p>
-        </p:txBody>
-      </p:sp>
-      <p:pic>
-        <p:nvPicPr>
-          <p:cNvPr id="7" name="Picture 6">
-            <a:extLst>
-              <a:ext uri="{FF2B5EF4-FFF2-40B4-BE49-F238E27FC236}">
-                <a16:creationId xmlns:a16="http://schemas.microsoft.com/office/drawing/2014/main" id="{8356F0BA-8C8D-4448-B963-058407E96D8B}"/>
-              </a:ext>
-            </a:extLst>
-          </p:cNvPr>
-          <p:cNvPicPr>
-            <a:picLocks noChangeAspect="1"/>
-          </p:cNvPicPr>
-          <p:nvPr/>
-        </p:nvPicPr>
-        <p:blipFill rotWithShape="1">
-          <a:blip r:embed="rId2"/>
-          <a:srcRect l="2435" t="2330" r="11984" b="11509"/>
-          <a:stretch/>
-        </p:blipFill>
-        <p:spPr>
-          <a:xfrm>
-            <a:off x="5650612" y="1356255"/>
-            <a:ext cx="3028122" cy="3199135"/>
+            <a:off x="1655700" y="1991850"/>
+            <a:ext cx="5832600" cy="1159800"/>
           </a:xfrm>
           <a:prstGeom prst="rect">
             <a:avLst/>
           </a:prstGeom>
         </p:spPr>
-      </p:pic>
+        <p:txBody>
+          <a:bodyPr spcFirstLastPara="1" wrap="square" lIns="91425" tIns="91425" rIns="91425" bIns="91425" anchor="ctr" anchorCtr="0">
+            <a:noAutofit/>
+          </a:bodyPr>
+          <a:lstStyle/>
+          <a:p>
+            <a:pPr marL="0" lvl="0" indent="0" algn="ctr" rtl="0">
+              <a:spcBef>
+                <a:spcPts val="0"/>
+              </a:spcBef>
+              <a:spcAft>
+                <a:spcPts val="0"/>
+              </a:spcAft>
+              <a:buNone/>
+            </a:pPr>
+            <a:r>
+              <a:rPr lang="en-US" sz="6000">
+                <a:solidFill>
+                  <a:srgbClr val="E6E6E6"/>
+                </a:solidFill>
+              </a:rPr>
+              <a:t>3</a:t>
+            </a:r>
+            <a:endParaRPr sz="6000">
+              <a:solidFill>
+                <a:srgbClr val="E6E6E6"/>
+              </a:solidFill>
+            </a:endParaRPr>
+          </a:p>
+          <a:p>
+            <a:pPr marL="0" lvl="0" indent="0" algn="ctr" rtl="0">
+              <a:spcBef>
+                <a:spcPts val="0"/>
+              </a:spcBef>
+              <a:spcAft>
+                <a:spcPts val="0"/>
+              </a:spcAft>
+              <a:buNone/>
+            </a:pPr>
+            <a:r>
+              <a:rPr lang="en-US"/>
+              <a:t>Loops</a:t>
+            </a:r>
+          </a:p>
+        </p:txBody>
+      </p:sp>
+      <p:sp>
+        <p:nvSpPr>
+          <p:cNvPr id="99" name="Google Shape;99;p15"/>
+          <p:cNvSpPr txBox="1">
+            <a:spLocks noGrp="1"/>
+          </p:cNvSpPr>
+          <p:nvPr>
+            <p:ph type="sldNum" idx="4294967295"/>
+          </p:nvPr>
+        </p:nvSpPr>
+        <p:spPr>
+          <a:xfrm>
+            <a:off x="8404384" y="4749851"/>
+            <a:ext cx="548700" cy="393600"/>
+          </a:xfrm>
+          <a:prstGeom prst="rect">
+            <a:avLst/>
+          </a:prstGeom>
+        </p:spPr>
+        <p:txBody>
+          <a:bodyPr spcFirstLastPara="1" wrap="square" lIns="91425" tIns="91425" rIns="91425" bIns="91425" anchor="t" anchorCtr="0">
+            <a:noAutofit/>
+          </a:bodyPr>
+          <a:lstStyle/>
+          <a:p>
+            <a:pPr marL="0" lvl="0" indent="0" algn="r" rtl="0">
+              <a:spcBef>
+                <a:spcPts val="0"/>
+              </a:spcBef>
+              <a:spcAft>
+                <a:spcPts val="0"/>
+              </a:spcAft>
+              <a:buNone/>
+            </a:pPr>
+            <a:fld id="{00000000-1234-1234-1234-123412341234}" type="slidenum">
+              <a:rPr lang="en"/>
+              <a:t>20</a:t>
+            </a:fld>
+            <a:endParaRPr/>
+          </a:p>
+        </p:txBody>
+      </p:sp>
     </p:spTree>
     <p:extLst>
       <p:ext uri="{BB962C8B-B14F-4D97-AF65-F5344CB8AC3E}">
-        <p14:creationId xmlns:p14="http://schemas.microsoft.com/office/powerpoint/2010/main" val="710221511"/>
+        <p14:creationId xmlns:p14="http://schemas.microsoft.com/office/powerpoint/2010/main" val="2274498270"/>
       </p:ext>
     </p:extLst>
   </p:cSld>
@@ -15388,7 +15226,7 @@
           <a:p>
             <a:r>
               <a:rPr lang="en-US"/>
-              <a:t>Nested If Statements</a:t>
+              <a:t>While Loops</a:t>
             </a:r>
             <a:endParaRPr lang="fa-IR"/>
           </a:p>
@@ -15425,256 +15263,112 @@
             </a:pPr>
             <a:r>
               <a:rPr lang="en-US" sz="1400"/>
-              <a:t>Nested if</a:t>
-            </a:r>
+              <a:t>Execute a set of statements as long as a condition is true</a:t>
+            </a:r>
+          </a:p>
+          <a:p>
+            <a:pPr marL="76200" indent="0">
+              <a:buNone/>
+            </a:pPr>
+            <a:r>
+              <a:rPr lang="nn-NO" sz="1100">
+                <a:latin typeface="Consolas" panose="020B0609020204030204" pitchFamily="49" charset="0"/>
+                <a:cs typeface="Courier New" panose="02070309020205020404" pitchFamily="49" charset="0"/>
+              </a:rPr>
+              <a:t>i = 1</a:t>
+            </a:r>
+          </a:p>
+          <a:p>
+            <a:pPr marL="76200" indent="0">
+              <a:buNone/>
+            </a:pPr>
+            <a:r>
+              <a:rPr lang="nn-NO" sz="1100">
+                <a:solidFill>
+                  <a:schemeClr val="accent1"/>
+                </a:solidFill>
+                <a:latin typeface="Consolas" panose="020B0609020204030204" pitchFamily="49" charset="0"/>
+                <a:cs typeface="Courier New" panose="02070309020205020404" pitchFamily="49" charset="0"/>
+              </a:rPr>
+              <a:t>while</a:t>
+            </a:r>
+            <a:r>
+              <a:rPr lang="nn-NO" sz="1100">
+                <a:latin typeface="Consolas" panose="020B0609020204030204" pitchFamily="49" charset="0"/>
+                <a:cs typeface="Courier New" panose="02070309020205020404" pitchFamily="49" charset="0"/>
+              </a:rPr>
+              <a:t> i &lt; 10</a:t>
+            </a:r>
+            <a:r>
+              <a:rPr lang="nn-NO" sz="1100">
+                <a:solidFill>
+                  <a:schemeClr val="accent1"/>
+                </a:solidFill>
+                <a:latin typeface="Consolas" panose="020B0609020204030204" pitchFamily="49" charset="0"/>
+                <a:cs typeface="Courier New" panose="02070309020205020404" pitchFamily="49" charset="0"/>
+              </a:rPr>
+              <a:t>:</a:t>
+            </a:r>
+          </a:p>
+          <a:p>
+            <a:pPr marL="76200" indent="0">
+              <a:buNone/>
+            </a:pPr>
+            <a:r>
+              <a:rPr lang="nn-NO" sz="1100">
+                <a:latin typeface="Consolas" panose="020B0609020204030204" pitchFamily="49" charset="0"/>
+                <a:cs typeface="Courier New" panose="02070309020205020404" pitchFamily="49" charset="0"/>
+              </a:rPr>
+              <a:t>    print(i)</a:t>
+            </a:r>
+          </a:p>
+          <a:p>
+            <a:pPr marL="76200" indent="0">
+              <a:buNone/>
+            </a:pPr>
+            <a:r>
+              <a:rPr lang="nn-NO" sz="1100">
+                <a:latin typeface="Consolas" panose="020B0609020204030204" pitchFamily="49" charset="0"/>
+                <a:cs typeface="Courier New" panose="02070309020205020404" pitchFamily="49" charset="0"/>
+              </a:rPr>
+              <a:t>    i += 1</a:t>
+            </a:r>
+          </a:p>
+          <a:p>
+            <a:pPr marL="76200" indent="0">
+              <a:buNone/>
+            </a:pPr>
+            <a:r>
+              <a:rPr lang="nn-NO" sz="1100">
+                <a:solidFill>
+                  <a:schemeClr val="accent1"/>
+                </a:solidFill>
+                <a:latin typeface="Consolas" panose="020B0609020204030204" pitchFamily="49" charset="0"/>
+                <a:cs typeface="Courier New" panose="02070309020205020404" pitchFamily="49" charset="0"/>
+              </a:rPr>
+              <a:t>else:</a:t>
+            </a:r>
+          </a:p>
+          <a:p>
+            <a:pPr marL="76200" indent="0">
+              <a:buNone/>
+            </a:pPr>
+            <a:r>
+              <a:rPr lang="nn-NO" sz="1100">
+                <a:latin typeface="Consolas" panose="020B0609020204030204" pitchFamily="49" charset="0"/>
+                <a:cs typeface="Courier New" panose="02070309020205020404" pitchFamily="49" charset="0"/>
+              </a:rPr>
+              <a:t>    print(f'Finished after {i} loops')</a:t>
+            </a:r>
+          </a:p>
+          <a:p>
+            <a:pPr marL="76200" indent="0">
+              <a:buNone/>
+            </a:pPr>
             <a:endParaRPr lang="en-US" sz="1200">
               <a:latin typeface="Consolas" panose="020B0609020204030204" pitchFamily="49" charset="0"/>
               <a:cs typeface="Courier New" panose="02070309020205020404" pitchFamily="49" charset="0"/>
             </a:endParaRPr>
-          </a:p>
-          <a:p>
-            <a:pPr marL="76200" indent="0">
-              <a:buNone/>
-            </a:pPr>
-            <a:r>
-              <a:rPr lang="en-US" sz="1100">
-                <a:latin typeface="Consolas" panose="020B0609020204030204" pitchFamily="49" charset="0"/>
-                <a:cs typeface="Courier New" panose="02070309020205020404" pitchFamily="49" charset="0"/>
-              </a:rPr>
-              <a:t>score = 18</a:t>
-            </a:r>
-          </a:p>
-          <a:p>
-            <a:pPr marL="76200" indent="0">
-              <a:buNone/>
-            </a:pPr>
-            <a:r>
-              <a:rPr lang="en-US" sz="1100">
-                <a:solidFill>
-                  <a:schemeClr val="accent1"/>
-                </a:solidFill>
-                <a:latin typeface="Consolas" panose="020B0609020204030204" pitchFamily="49" charset="0"/>
-                <a:cs typeface="Courier New" panose="02070309020205020404" pitchFamily="49" charset="0"/>
-              </a:rPr>
-              <a:t>if</a:t>
-            </a:r>
-            <a:r>
-              <a:rPr lang="en-US" sz="1100">
-                <a:latin typeface="Consolas" panose="020B0609020204030204" pitchFamily="49" charset="0"/>
-                <a:cs typeface="Courier New" panose="02070309020205020404" pitchFamily="49" charset="0"/>
-              </a:rPr>
-              <a:t> score &gt;= 10:</a:t>
-            </a:r>
-          </a:p>
-          <a:p>
-            <a:pPr marL="76200" indent="0">
-              <a:buNone/>
-            </a:pPr>
-            <a:r>
-              <a:rPr lang="en-US" sz="1100">
-                <a:latin typeface="Consolas" panose="020B0609020204030204" pitchFamily="49" charset="0"/>
-                <a:cs typeface="Courier New" panose="02070309020205020404" pitchFamily="49" charset="0"/>
-              </a:rPr>
-              <a:t>    print('Pass')</a:t>
-            </a:r>
-          </a:p>
-          <a:p>
-            <a:pPr marL="76200" indent="0">
-              <a:buNone/>
-            </a:pPr>
-            <a:r>
-              <a:rPr lang="en-US" sz="1100">
-                <a:latin typeface="Consolas" panose="020B0609020204030204" pitchFamily="49" charset="0"/>
-                <a:cs typeface="Courier New" panose="02070309020205020404" pitchFamily="49" charset="0"/>
-              </a:rPr>
-              <a:t>    </a:t>
-            </a:r>
-            <a:r>
-              <a:rPr lang="en-US" sz="1100">
-                <a:solidFill>
-                  <a:schemeClr val="accent1"/>
-                </a:solidFill>
-                <a:latin typeface="Consolas" panose="020B0609020204030204" pitchFamily="49" charset="0"/>
-                <a:cs typeface="Courier New" panose="02070309020205020404" pitchFamily="49" charset="0"/>
-              </a:rPr>
-              <a:t>if</a:t>
-            </a:r>
-            <a:r>
-              <a:rPr lang="en-US" sz="1100">
-                <a:latin typeface="Consolas" panose="020B0609020204030204" pitchFamily="49" charset="0"/>
-                <a:cs typeface="Courier New" panose="02070309020205020404" pitchFamily="49" charset="0"/>
-              </a:rPr>
-              <a:t> score &gt;= 18:</a:t>
-            </a:r>
-          </a:p>
-          <a:p>
-            <a:pPr marL="76200" indent="0">
-              <a:buNone/>
-            </a:pPr>
-            <a:r>
-              <a:rPr lang="en-US" sz="1100">
-                <a:latin typeface="Consolas" panose="020B0609020204030204" pitchFamily="49" charset="0"/>
-                <a:cs typeface="Courier New" panose="02070309020205020404" pitchFamily="49" charset="0"/>
-              </a:rPr>
-              <a:t>        print('with grade A!')</a:t>
-            </a:r>
-          </a:p>
-          <a:p>
-            <a:pPr marL="76200" indent="0">
-              <a:buNone/>
-            </a:pPr>
-            <a:r>
-              <a:rPr lang="en-US" sz="1100">
-                <a:latin typeface="Consolas" panose="020B0609020204030204" pitchFamily="49" charset="0"/>
-                <a:cs typeface="Courier New" panose="02070309020205020404" pitchFamily="49" charset="0"/>
-              </a:rPr>
-              <a:t>    </a:t>
-            </a:r>
-            <a:r>
-              <a:rPr lang="en-US" sz="1100">
-                <a:solidFill>
-                  <a:schemeClr val="accent1"/>
-                </a:solidFill>
-                <a:latin typeface="Consolas" panose="020B0609020204030204" pitchFamily="49" charset="0"/>
-                <a:cs typeface="Courier New" panose="02070309020205020404" pitchFamily="49" charset="0"/>
-              </a:rPr>
-              <a:t>elif</a:t>
-            </a:r>
-            <a:r>
-              <a:rPr lang="en-US" sz="1100">
-                <a:latin typeface="Consolas" panose="020B0609020204030204" pitchFamily="49" charset="0"/>
-                <a:cs typeface="Courier New" panose="02070309020205020404" pitchFamily="49" charset="0"/>
-              </a:rPr>
-              <a:t> score &gt;= 15:</a:t>
-            </a:r>
-          </a:p>
-          <a:p>
-            <a:pPr marL="76200" indent="0">
-              <a:buNone/>
-            </a:pPr>
-            <a:r>
-              <a:rPr lang="en-US" sz="1100">
-                <a:latin typeface="Consolas" panose="020B0609020204030204" pitchFamily="49" charset="0"/>
-                <a:cs typeface="Courier New" panose="02070309020205020404" pitchFamily="49" charset="0"/>
-              </a:rPr>
-              <a:t>        print('with grade B!')</a:t>
-            </a:r>
-          </a:p>
-          <a:p>
-            <a:pPr marL="76200" indent="0">
-              <a:buNone/>
-            </a:pPr>
-            <a:r>
-              <a:rPr lang="en-US" sz="1100">
-                <a:latin typeface="Consolas" panose="020B0609020204030204" pitchFamily="49" charset="0"/>
-                <a:cs typeface="Courier New" panose="02070309020205020404" pitchFamily="49" charset="0"/>
-              </a:rPr>
-              <a:t>    </a:t>
-            </a:r>
-            <a:r>
-              <a:rPr lang="en-US" sz="1100">
-                <a:solidFill>
-                  <a:schemeClr val="accent1"/>
-                </a:solidFill>
-                <a:latin typeface="Consolas" panose="020B0609020204030204" pitchFamily="49" charset="0"/>
-                <a:cs typeface="Courier New" panose="02070309020205020404" pitchFamily="49" charset="0"/>
-              </a:rPr>
-              <a:t>elif</a:t>
-            </a:r>
-            <a:r>
-              <a:rPr lang="en-US" sz="1100">
-                <a:latin typeface="Consolas" panose="020B0609020204030204" pitchFamily="49" charset="0"/>
-                <a:cs typeface="Courier New" panose="02070309020205020404" pitchFamily="49" charset="0"/>
-              </a:rPr>
-              <a:t> score &gt;= 12:</a:t>
-            </a:r>
-          </a:p>
-          <a:p>
-            <a:pPr marL="76200" indent="0">
-              <a:buNone/>
-            </a:pPr>
-            <a:r>
-              <a:rPr lang="en-US" sz="1100">
-                <a:latin typeface="Consolas" panose="020B0609020204030204" pitchFamily="49" charset="0"/>
-                <a:cs typeface="Courier New" panose="02070309020205020404" pitchFamily="49" charset="0"/>
-              </a:rPr>
-              <a:t>        print('with grade C!')</a:t>
-            </a:r>
-          </a:p>
-          <a:p>
-            <a:pPr marL="76200" indent="0">
-              <a:buNone/>
-            </a:pPr>
-            <a:r>
-              <a:rPr lang="en-US" sz="1100">
-                <a:latin typeface="Consolas" panose="020B0609020204030204" pitchFamily="49" charset="0"/>
-                <a:cs typeface="Courier New" panose="02070309020205020404" pitchFamily="49" charset="0"/>
-              </a:rPr>
-              <a:t>    </a:t>
-            </a:r>
-            <a:r>
-              <a:rPr lang="en-US" sz="1100">
-                <a:solidFill>
-                  <a:schemeClr val="accent1"/>
-                </a:solidFill>
-                <a:latin typeface="Consolas" panose="020B0609020204030204" pitchFamily="49" charset="0"/>
-                <a:cs typeface="Courier New" panose="02070309020205020404" pitchFamily="49" charset="0"/>
-              </a:rPr>
-              <a:t>else</a:t>
-            </a:r>
-            <a:r>
-              <a:rPr lang="en-US" sz="1100">
-                <a:latin typeface="Consolas" panose="020B0609020204030204" pitchFamily="49" charset="0"/>
-                <a:cs typeface="Courier New" panose="02070309020205020404" pitchFamily="49" charset="0"/>
-              </a:rPr>
-              <a:t>:</a:t>
-            </a:r>
-          </a:p>
-          <a:p>
-            <a:pPr marL="76200" indent="0">
-              <a:buNone/>
-            </a:pPr>
-            <a:r>
-              <a:rPr lang="en-US" sz="1100">
-                <a:latin typeface="Consolas" panose="020B0609020204030204" pitchFamily="49" charset="0"/>
-                <a:cs typeface="Courier New" panose="02070309020205020404" pitchFamily="49" charset="0"/>
-              </a:rPr>
-              <a:t>        print('with grade D!')</a:t>
-            </a:r>
-          </a:p>
-          <a:p>
-            <a:pPr marL="76200" indent="0">
-              <a:buNone/>
-            </a:pPr>
-            <a:r>
-              <a:rPr lang="en-US" sz="1100">
-                <a:solidFill>
-                  <a:schemeClr val="accent1"/>
-                </a:solidFill>
-                <a:latin typeface="Consolas" panose="020B0609020204030204" pitchFamily="49" charset="0"/>
-                <a:cs typeface="Courier New" panose="02070309020205020404" pitchFamily="49" charset="0"/>
-              </a:rPr>
-              <a:t>else</a:t>
-            </a:r>
-            <a:r>
-              <a:rPr lang="en-US" sz="1100">
-                <a:latin typeface="Consolas" panose="020B0609020204030204" pitchFamily="49" charset="0"/>
-                <a:cs typeface="Courier New" panose="02070309020205020404" pitchFamily="49" charset="0"/>
-              </a:rPr>
-              <a:t>:</a:t>
-            </a:r>
-          </a:p>
-          <a:p>
-            <a:pPr marL="76200" indent="0">
-              <a:buNone/>
-            </a:pPr>
-            <a:r>
-              <a:rPr lang="en-US" sz="1100">
-                <a:latin typeface="Consolas" panose="020B0609020204030204" pitchFamily="49" charset="0"/>
-                <a:cs typeface="Courier New" panose="02070309020205020404" pitchFamily="49" charset="0"/>
-              </a:rPr>
-              <a:t>    print('Fail!')</a:t>
-            </a:r>
           </a:p>
         </p:txBody>
       </p:sp>
@@ -15719,7 +15413,7 @@
     </p:spTree>
     <p:extLst>
       <p:ext uri="{BB962C8B-B14F-4D97-AF65-F5344CB8AC3E}">
-        <p14:creationId xmlns:p14="http://schemas.microsoft.com/office/powerpoint/2010/main" val="3273535352"/>
+        <p14:creationId xmlns:p14="http://schemas.microsoft.com/office/powerpoint/2010/main" val="620167223"/>
       </p:ext>
     </p:extLst>
   </p:cSld>
@@ -15730,7 +15424,7 @@
 </file>
 
 <file path=ppt/slides/slide22.xml><?xml version="1.0" encoding="utf-8"?>
-<p:sld xmlns:a="http://schemas.openxmlformats.org/drawingml/2006/main" xmlns:r="http://schemas.openxmlformats.org/officeDocument/2006/relationships" xmlns:p="http://schemas.openxmlformats.org/presentationml/2006/main" show="0">
+<p:sld xmlns:a="http://schemas.openxmlformats.org/drawingml/2006/main" xmlns:r="http://schemas.openxmlformats.org/officeDocument/2006/relationships" xmlns:p="http://schemas.openxmlformats.org/presentationml/2006/main">
   <p:cSld>
     <p:spTree>
       <p:nvGrpSpPr>
@@ -15769,7 +15463,749 @@
           <a:p>
             <a:r>
               <a:rPr lang="en-US"/>
-              <a:t>Match Case</a:t>
+              <a:t>For Loops</a:t>
+            </a:r>
+            <a:endParaRPr lang="fa-IR"/>
+          </a:p>
+        </p:txBody>
+      </p:sp>
+      <p:sp>
+        <p:nvSpPr>
+          <p:cNvPr id="3" name="Text Placeholder 2">
+            <a:extLst>
+              <a:ext uri="{FF2B5EF4-FFF2-40B4-BE49-F238E27FC236}">
+                <a16:creationId xmlns:a16="http://schemas.microsoft.com/office/drawing/2014/main" id="{58BE3078-8B89-4550-B497-93E4DADBD57E}"/>
+              </a:ext>
+            </a:extLst>
+          </p:cNvPr>
+          <p:cNvSpPr>
+            <a:spLocks noGrp="1"/>
+          </p:cNvSpPr>
+          <p:nvPr>
+            <p:ph type="body" idx="1"/>
+          </p:nvPr>
+        </p:nvSpPr>
+        <p:spPr>
+          <a:xfrm>
+            <a:off x="786150" y="1142608"/>
+            <a:ext cx="3785850" cy="3626431"/>
+          </a:xfrm>
+        </p:spPr>
+        <p:txBody>
+          <a:bodyPr/>
+          <a:lstStyle/>
+          <a:p>
+            <a:pPr marL="76200" indent="0">
+              <a:buNone/>
+            </a:pPr>
+            <a:r>
+              <a:rPr lang="en-US" sz="1400"/>
+              <a:t>Iterating over a collection</a:t>
+            </a:r>
+          </a:p>
+          <a:p>
+            <a:pPr marL="76200" indent="0">
+              <a:buNone/>
+            </a:pPr>
+            <a:r>
+              <a:rPr lang="en-US" sz="1100">
+                <a:solidFill>
+                  <a:schemeClr val="accent1"/>
+                </a:solidFill>
+                <a:latin typeface="Consolas" panose="020B0609020204030204" pitchFamily="49" charset="0"/>
+                <a:cs typeface="Courier New" panose="02070309020205020404" pitchFamily="49" charset="0"/>
+              </a:rPr>
+              <a:t>for</a:t>
+            </a:r>
+            <a:r>
+              <a:rPr lang="en-US" sz="1100">
+                <a:latin typeface="Consolas" panose="020B0609020204030204" pitchFamily="49" charset="0"/>
+                <a:cs typeface="Courier New" panose="02070309020205020404" pitchFamily="49" charset="0"/>
+              </a:rPr>
+              <a:t> fruit </a:t>
+            </a:r>
+            <a:r>
+              <a:rPr lang="en-US" sz="1100">
+                <a:solidFill>
+                  <a:schemeClr val="accent1"/>
+                </a:solidFill>
+                <a:latin typeface="Consolas" panose="020B0609020204030204" pitchFamily="49" charset="0"/>
+                <a:cs typeface="Courier New" panose="02070309020205020404" pitchFamily="49" charset="0"/>
+              </a:rPr>
+              <a:t>in</a:t>
+            </a:r>
+            <a:r>
+              <a:rPr lang="en-US" sz="1100">
+                <a:latin typeface="Consolas" panose="020B0609020204030204" pitchFamily="49" charset="0"/>
+                <a:cs typeface="Courier New" panose="02070309020205020404" pitchFamily="49" charset="0"/>
+              </a:rPr>
+              <a:t> ['apple', 'banana', 'cherry']</a:t>
+            </a:r>
+            <a:r>
+              <a:rPr lang="en-US" sz="1100">
+                <a:solidFill>
+                  <a:schemeClr val="accent1"/>
+                </a:solidFill>
+                <a:latin typeface="Consolas" panose="020B0609020204030204" pitchFamily="49" charset="0"/>
+                <a:cs typeface="Courier New" panose="02070309020205020404" pitchFamily="49" charset="0"/>
+              </a:rPr>
+              <a:t>:</a:t>
+            </a:r>
+          </a:p>
+          <a:p>
+            <a:pPr marL="76200" indent="0">
+              <a:buNone/>
+            </a:pPr>
+            <a:r>
+              <a:rPr lang="en-US" sz="1100">
+                <a:latin typeface="Consolas" panose="020B0609020204030204" pitchFamily="49" charset="0"/>
+                <a:cs typeface="Courier New" panose="02070309020205020404" pitchFamily="49" charset="0"/>
+              </a:rPr>
+              <a:t>    print(fruit)</a:t>
+            </a:r>
+          </a:p>
+          <a:p>
+            <a:pPr marL="76200" indent="0">
+              <a:buNone/>
+            </a:pPr>
+            <a:r>
+              <a:rPr lang="en-US" sz="1100">
+                <a:solidFill>
+                  <a:schemeClr val="accent1"/>
+                </a:solidFill>
+                <a:latin typeface="Consolas" panose="020B0609020204030204" pitchFamily="49" charset="0"/>
+                <a:cs typeface="Courier New" panose="02070309020205020404" pitchFamily="49" charset="0"/>
+              </a:rPr>
+              <a:t>else:</a:t>
+            </a:r>
+          </a:p>
+          <a:p>
+            <a:pPr marL="76200" indent="0">
+              <a:buNone/>
+            </a:pPr>
+            <a:r>
+              <a:rPr lang="en-US" sz="1100">
+                <a:latin typeface="Consolas" panose="020B0609020204030204" pitchFamily="49" charset="0"/>
+                <a:cs typeface="Courier New" panose="02070309020205020404" pitchFamily="49" charset="0"/>
+              </a:rPr>
+              <a:t>    print('Finished!')</a:t>
+            </a:r>
+          </a:p>
+          <a:p>
+            <a:pPr marL="76200" indent="0">
+              <a:buNone/>
+            </a:pPr>
+            <a:endParaRPr lang="en-US" sz="1100">
+              <a:latin typeface="Consolas" panose="020B0609020204030204" pitchFamily="49" charset="0"/>
+              <a:cs typeface="Courier New" panose="02070309020205020404" pitchFamily="49" charset="0"/>
+            </a:endParaRPr>
+          </a:p>
+          <a:p>
+            <a:pPr marL="76200" indent="0">
+              <a:buNone/>
+            </a:pPr>
+            <a:r>
+              <a:rPr lang="en-US" sz="1400"/>
+              <a:t>Iterating over a string</a:t>
+            </a:r>
+            <a:endParaRPr lang="en-US" sz="1100">
+              <a:latin typeface="Consolas" panose="020B0609020204030204" pitchFamily="49" charset="0"/>
+              <a:cs typeface="Courier New" panose="02070309020205020404" pitchFamily="49" charset="0"/>
+            </a:endParaRPr>
+          </a:p>
+          <a:p>
+            <a:pPr marL="76200" indent="0">
+              <a:buNone/>
+            </a:pPr>
+            <a:r>
+              <a:rPr lang="en-US" sz="1100">
+                <a:latin typeface="Consolas" panose="020B0609020204030204" pitchFamily="49" charset="0"/>
+                <a:cs typeface="Courier New" panose="02070309020205020404" pitchFamily="49" charset="0"/>
+              </a:rPr>
+              <a:t>for letter in 'apple':</a:t>
+            </a:r>
+            <a:endParaRPr lang="en-US" sz="1100">
+              <a:solidFill>
+                <a:schemeClr val="accent1"/>
+              </a:solidFill>
+              <a:latin typeface="Consolas" panose="020B0609020204030204" pitchFamily="49" charset="0"/>
+              <a:cs typeface="Courier New" panose="02070309020205020404" pitchFamily="49" charset="0"/>
+            </a:endParaRPr>
+          </a:p>
+          <a:p>
+            <a:pPr marL="76200" indent="0">
+              <a:buNone/>
+            </a:pPr>
+            <a:r>
+              <a:rPr lang="en-US" sz="1100">
+                <a:latin typeface="Consolas" panose="020B0609020204030204" pitchFamily="49" charset="0"/>
+                <a:cs typeface="Courier New" panose="02070309020205020404" pitchFamily="49" charset="0"/>
+              </a:rPr>
+              <a:t>    print(letter)</a:t>
+            </a:r>
+          </a:p>
+        </p:txBody>
+      </p:sp>
+      <p:sp>
+        <p:nvSpPr>
+          <p:cNvPr id="4" name="Slide Number Placeholder 3">
+            <a:extLst>
+              <a:ext uri="{FF2B5EF4-FFF2-40B4-BE49-F238E27FC236}">
+                <a16:creationId xmlns:a16="http://schemas.microsoft.com/office/drawing/2014/main" id="{64987AE6-EC0E-43DD-9376-95A5602EE5E1}"/>
+              </a:ext>
+            </a:extLst>
+          </p:cNvPr>
+          <p:cNvSpPr>
+            <a:spLocks noGrp="1"/>
+          </p:cNvSpPr>
+          <p:nvPr>
+            <p:ph type="sldNum" idx="12"/>
+          </p:nvPr>
+        </p:nvSpPr>
+        <p:spPr/>
+        <p:txBody>
+          <a:bodyPr/>
+          <a:lstStyle/>
+          <a:p>
+            <a:pPr marL="0" lvl="0" indent="0" algn="r" rtl="0">
+              <a:spcBef>
+                <a:spcPts val="0"/>
+              </a:spcBef>
+              <a:spcAft>
+                <a:spcPts val="0"/>
+              </a:spcAft>
+              <a:buNone/>
+            </a:pPr>
+            <a:fld id="{00000000-1234-1234-1234-123412341234}" type="slidenum">
+              <a:rPr lang="en" smtClean="0"/>
+              <a:t>22</a:t>
+            </a:fld>
+            <a:endParaRPr lang="en"/>
+          </a:p>
+        </p:txBody>
+      </p:sp>
+      <p:sp>
+        <p:nvSpPr>
+          <p:cNvPr id="5" name="Text Placeholder 2">
+            <a:extLst>
+              <a:ext uri="{FF2B5EF4-FFF2-40B4-BE49-F238E27FC236}">
+                <a16:creationId xmlns:a16="http://schemas.microsoft.com/office/drawing/2014/main" id="{C6FD1D7C-639C-48EB-9916-EF6F037D80A5}"/>
+              </a:ext>
+            </a:extLst>
+          </p:cNvPr>
+          <p:cNvSpPr txBox="1">
+            <a:spLocks/>
+          </p:cNvSpPr>
+          <p:nvPr/>
+        </p:nvSpPr>
+        <p:spPr>
+          <a:xfrm>
+            <a:off x="4572000" y="1142607"/>
+            <a:ext cx="3785850" cy="3626431"/>
+          </a:xfrm>
+          <a:prstGeom prst="rect">
+            <a:avLst/>
+          </a:prstGeom>
+          <a:noFill/>
+          <a:ln>
+            <a:noFill/>
+          </a:ln>
+        </p:spPr>
+        <p:txBody>
+          <a:bodyPr spcFirstLastPara="1" wrap="square" lIns="91425" tIns="91425" rIns="91425" bIns="91425" anchor="ctr" anchorCtr="0">
+            <a:noAutofit/>
+          </a:bodyPr>
+          <a:lstStyle>
+            <a:defPPr marR="0" lvl="0" algn="l" rtl="0">
+              <a:lnSpc>
+                <a:spcPct val="100000"/>
+              </a:lnSpc>
+              <a:spcBef>
+                <a:spcPts val="0"/>
+              </a:spcBef>
+              <a:spcAft>
+                <a:spcPts val="0"/>
+              </a:spcAft>
+            </a:defPPr>
+            <a:lvl1pPr marL="457200" marR="0" lvl="0" indent="-381000" algn="l" rtl="0">
+              <a:lnSpc>
+                <a:spcPct val="100000"/>
+              </a:lnSpc>
+              <a:spcBef>
+                <a:spcPts val="600"/>
+              </a:spcBef>
+              <a:spcAft>
+                <a:spcPts val="0"/>
+              </a:spcAft>
+              <a:buClr>
+                <a:schemeClr val="accent4"/>
+              </a:buClr>
+              <a:buSzPts val="2400"/>
+              <a:buFont typeface="Source Sans Pro"/>
+              <a:buChar char="◎"/>
+              <a:defRPr sz="2000" b="0" i="0" u="none" strike="noStrike" cap="none">
+                <a:solidFill>
+                  <a:schemeClr val="dk1"/>
+                </a:solidFill>
+                <a:latin typeface="Trebuchet MS" panose="020B0603020202020204" pitchFamily="34" charset="0"/>
+                <a:ea typeface="Source Sans Pro"/>
+                <a:cs typeface="Source Sans Pro"/>
+                <a:sym typeface="Source Sans Pro"/>
+              </a:defRPr>
+            </a:lvl1pPr>
+            <a:lvl2pPr marL="914400" marR="0" lvl="1" indent="-381000" algn="l" rtl="0">
+              <a:lnSpc>
+                <a:spcPct val="100000"/>
+              </a:lnSpc>
+              <a:spcBef>
+                <a:spcPts val="0"/>
+              </a:spcBef>
+              <a:spcAft>
+                <a:spcPts val="0"/>
+              </a:spcAft>
+              <a:buClr>
+                <a:schemeClr val="accent4"/>
+              </a:buClr>
+              <a:buSzPts val="2400"/>
+              <a:buFont typeface="Source Sans Pro"/>
+              <a:buChar char="○"/>
+              <a:defRPr sz="2400" b="0" i="0" u="none" strike="noStrike" cap="none">
+                <a:solidFill>
+                  <a:schemeClr val="dk1"/>
+                </a:solidFill>
+                <a:latin typeface="Source Sans Pro"/>
+                <a:ea typeface="Source Sans Pro"/>
+                <a:cs typeface="Source Sans Pro"/>
+                <a:sym typeface="Source Sans Pro"/>
+              </a:defRPr>
+            </a:lvl2pPr>
+            <a:lvl3pPr marL="1371600" marR="0" lvl="2" indent="-381000" algn="l" rtl="0">
+              <a:lnSpc>
+                <a:spcPct val="100000"/>
+              </a:lnSpc>
+              <a:spcBef>
+                <a:spcPts val="0"/>
+              </a:spcBef>
+              <a:spcAft>
+                <a:spcPts val="0"/>
+              </a:spcAft>
+              <a:buClr>
+                <a:schemeClr val="accent4"/>
+              </a:buClr>
+              <a:buSzPts val="2400"/>
+              <a:buFont typeface="Source Sans Pro"/>
+              <a:buChar char="◉"/>
+              <a:defRPr sz="2400" b="0" i="0" u="none" strike="noStrike" cap="none">
+                <a:solidFill>
+                  <a:schemeClr val="dk1"/>
+                </a:solidFill>
+                <a:latin typeface="Source Sans Pro"/>
+                <a:ea typeface="Source Sans Pro"/>
+                <a:cs typeface="Source Sans Pro"/>
+                <a:sym typeface="Source Sans Pro"/>
+              </a:defRPr>
+            </a:lvl3pPr>
+            <a:lvl4pPr marL="1828800" marR="0" lvl="3" indent="-381000" algn="l" rtl="0">
+              <a:lnSpc>
+                <a:spcPct val="100000"/>
+              </a:lnSpc>
+              <a:spcBef>
+                <a:spcPts val="0"/>
+              </a:spcBef>
+              <a:spcAft>
+                <a:spcPts val="0"/>
+              </a:spcAft>
+              <a:buClr>
+                <a:schemeClr val="dk1"/>
+              </a:buClr>
+              <a:buSzPts val="2400"/>
+              <a:buFont typeface="Source Sans Pro"/>
+              <a:buChar char="●"/>
+              <a:defRPr sz="2400" b="0" i="0" u="none" strike="noStrike" cap="none">
+                <a:solidFill>
+                  <a:schemeClr val="dk1"/>
+                </a:solidFill>
+                <a:latin typeface="Source Sans Pro"/>
+                <a:ea typeface="Source Sans Pro"/>
+                <a:cs typeface="Source Sans Pro"/>
+                <a:sym typeface="Source Sans Pro"/>
+              </a:defRPr>
+            </a:lvl4pPr>
+            <a:lvl5pPr marL="2286000" marR="0" lvl="4" indent="-381000" algn="l" rtl="0">
+              <a:lnSpc>
+                <a:spcPct val="100000"/>
+              </a:lnSpc>
+              <a:spcBef>
+                <a:spcPts val="0"/>
+              </a:spcBef>
+              <a:spcAft>
+                <a:spcPts val="0"/>
+              </a:spcAft>
+              <a:buClr>
+                <a:schemeClr val="dk1"/>
+              </a:buClr>
+              <a:buSzPts val="2400"/>
+              <a:buFont typeface="Source Sans Pro"/>
+              <a:buChar char="○"/>
+              <a:defRPr sz="2400" b="0" i="0" u="none" strike="noStrike" cap="none">
+                <a:solidFill>
+                  <a:schemeClr val="dk1"/>
+                </a:solidFill>
+                <a:latin typeface="Source Sans Pro"/>
+                <a:ea typeface="Source Sans Pro"/>
+                <a:cs typeface="Source Sans Pro"/>
+                <a:sym typeface="Source Sans Pro"/>
+              </a:defRPr>
+            </a:lvl5pPr>
+            <a:lvl6pPr marL="2743200" marR="0" lvl="5" indent="-381000" algn="l" rtl="0">
+              <a:lnSpc>
+                <a:spcPct val="100000"/>
+              </a:lnSpc>
+              <a:spcBef>
+                <a:spcPts val="0"/>
+              </a:spcBef>
+              <a:spcAft>
+                <a:spcPts val="0"/>
+              </a:spcAft>
+              <a:buClr>
+                <a:schemeClr val="dk1"/>
+              </a:buClr>
+              <a:buSzPts val="2400"/>
+              <a:buFont typeface="Source Sans Pro"/>
+              <a:buChar char="■"/>
+              <a:defRPr sz="2400" b="0" i="0" u="none" strike="noStrike" cap="none">
+                <a:solidFill>
+                  <a:schemeClr val="dk1"/>
+                </a:solidFill>
+                <a:latin typeface="Source Sans Pro"/>
+                <a:ea typeface="Source Sans Pro"/>
+                <a:cs typeface="Source Sans Pro"/>
+                <a:sym typeface="Source Sans Pro"/>
+              </a:defRPr>
+            </a:lvl6pPr>
+            <a:lvl7pPr marL="3200400" marR="0" lvl="6" indent="-381000" algn="l" rtl="0">
+              <a:lnSpc>
+                <a:spcPct val="100000"/>
+              </a:lnSpc>
+              <a:spcBef>
+                <a:spcPts val="0"/>
+              </a:spcBef>
+              <a:spcAft>
+                <a:spcPts val="0"/>
+              </a:spcAft>
+              <a:buClr>
+                <a:schemeClr val="dk1"/>
+              </a:buClr>
+              <a:buSzPts val="2400"/>
+              <a:buFont typeface="Source Sans Pro"/>
+              <a:buChar char="●"/>
+              <a:defRPr sz="2400" b="0" i="0" u="none" strike="noStrike" cap="none">
+                <a:solidFill>
+                  <a:schemeClr val="dk1"/>
+                </a:solidFill>
+                <a:latin typeface="Source Sans Pro"/>
+                <a:ea typeface="Source Sans Pro"/>
+                <a:cs typeface="Source Sans Pro"/>
+                <a:sym typeface="Source Sans Pro"/>
+              </a:defRPr>
+            </a:lvl7pPr>
+            <a:lvl8pPr marL="3657600" marR="0" lvl="7" indent="-381000" algn="l" rtl="0">
+              <a:lnSpc>
+                <a:spcPct val="100000"/>
+              </a:lnSpc>
+              <a:spcBef>
+                <a:spcPts val="0"/>
+              </a:spcBef>
+              <a:spcAft>
+                <a:spcPts val="0"/>
+              </a:spcAft>
+              <a:buClr>
+                <a:schemeClr val="dk1"/>
+              </a:buClr>
+              <a:buSzPts val="2400"/>
+              <a:buFont typeface="Source Sans Pro"/>
+              <a:buChar char="○"/>
+              <a:defRPr sz="2400" b="0" i="0" u="none" strike="noStrike" cap="none">
+                <a:solidFill>
+                  <a:schemeClr val="dk1"/>
+                </a:solidFill>
+                <a:latin typeface="Source Sans Pro"/>
+                <a:ea typeface="Source Sans Pro"/>
+                <a:cs typeface="Source Sans Pro"/>
+                <a:sym typeface="Source Sans Pro"/>
+              </a:defRPr>
+            </a:lvl8pPr>
+            <a:lvl9pPr marL="4114800" marR="0" lvl="8" indent="-381000" algn="l" rtl="0">
+              <a:lnSpc>
+                <a:spcPct val="100000"/>
+              </a:lnSpc>
+              <a:spcBef>
+                <a:spcPts val="0"/>
+              </a:spcBef>
+              <a:spcAft>
+                <a:spcPts val="0"/>
+              </a:spcAft>
+              <a:buClr>
+                <a:schemeClr val="dk1"/>
+              </a:buClr>
+              <a:buSzPts val="2400"/>
+              <a:buFont typeface="Source Sans Pro"/>
+              <a:buChar char="■"/>
+              <a:defRPr sz="2400" b="0" i="0" u="none" strike="noStrike" cap="none">
+                <a:solidFill>
+                  <a:schemeClr val="dk1"/>
+                </a:solidFill>
+                <a:latin typeface="Source Sans Pro"/>
+                <a:ea typeface="Source Sans Pro"/>
+                <a:cs typeface="Source Sans Pro"/>
+                <a:sym typeface="Source Sans Pro"/>
+              </a:defRPr>
+            </a:lvl9pPr>
+          </a:lstStyle>
+          <a:p>
+            <a:pPr marL="76200" indent="0">
+              <a:buNone/>
+            </a:pPr>
+            <a:r>
+              <a:rPr lang="en-US" sz="1400"/>
+              <a:t>Looping Through a Range</a:t>
+            </a:r>
+            <a:endParaRPr lang="en-US" sz="1400">
+              <a:latin typeface="Consolas" panose="020B0609020204030204" pitchFamily="49" charset="0"/>
+              <a:cs typeface="Courier New" panose="02070309020205020404" pitchFamily="49" charset="0"/>
+            </a:endParaRPr>
+          </a:p>
+          <a:p>
+            <a:pPr marL="76200" indent="0">
+              <a:buNone/>
+            </a:pPr>
+            <a:r>
+              <a:rPr lang="en-US" sz="1100">
+                <a:latin typeface="Consolas" panose="020B0609020204030204" pitchFamily="49" charset="0"/>
+                <a:cs typeface="Courier New" panose="02070309020205020404" pitchFamily="49" charset="0"/>
+              </a:rPr>
+              <a:t>for number in </a:t>
+            </a:r>
+            <a:r>
+              <a:rPr lang="en-US" sz="1100">
+                <a:solidFill>
+                  <a:schemeClr val="accent1"/>
+                </a:solidFill>
+                <a:latin typeface="Consolas" panose="020B0609020204030204" pitchFamily="49" charset="0"/>
+                <a:cs typeface="Courier New" panose="02070309020205020404" pitchFamily="49" charset="0"/>
+              </a:rPr>
+              <a:t>range(</a:t>
+            </a:r>
+            <a:r>
+              <a:rPr lang="en-US" sz="1100">
+                <a:latin typeface="Consolas" panose="020B0609020204030204" pitchFamily="49" charset="0"/>
+                <a:cs typeface="Courier New" panose="02070309020205020404" pitchFamily="49" charset="0"/>
+              </a:rPr>
+              <a:t>20</a:t>
+            </a:r>
+            <a:r>
+              <a:rPr lang="en-US" sz="1100">
+                <a:solidFill>
+                  <a:schemeClr val="accent1"/>
+                </a:solidFill>
+                <a:latin typeface="Consolas" panose="020B0609020204030204" pitchFamily="49" charset="0"/>
+                <a:cs typeface="Courier New" panose="02070309020205020404" pitchFamily="49" charset="0"/>
+              </a:rPr>
+              <a:t>)</a:t>
+            </a:r>
+            <a:r>
+              <a:rPr lang="en-US" sz="1100">
+                <a:latin typeface="Consolas" panose="020B0609020204030204" pitchFamily="49" charset="0"/>
+                <a:cs typeface="Courier New" panose="02070309020205020404" pitchFamily="49" charset="0"/>
+              </a:rPr>
+              <a:t>:</a:t>
+            </a:r>
+          </a:p>
+          <a:p>
+            <a:pPr marL="76200" indent="0">
+              <a:buNone/>
+            </a:pPr>
+            <a:r>
+              <a:rPr lang="en-US" sz="1100">
+                <a:latin typeface="Consolas" panose="020B0609020204030204" pitchFamily="49" charset="0"/>
+                <a:cs typeface="Courier New" panose="02070309020205020404" pitchFamily="49" charset="0"/>
+              </a:rPr>
+              <a:t>    print(number)</a:t>
+            </a:r>
+          </a:p>
+          <a:p>
+            <a:pPr marL="76200" indent="0">
+              <a:buNone/>
+            </a:pPr>
+            <a:endParaRPr lang="en-US" sz="1400">
+              <a:latin typeface="Consolas" panose="020B0609020204030204" pitchFamily="49" charset="0"/>
+              <a:cs typeface="Courier New" panose="02070309020205020404" pitchFamily="49" charset="0"/>
+            </a:endParaRPr>
+          </a:p>
+          <a:p>
+            <a:pPr marL="76200" indent="0">
+              <a:buNone/>
+            </a:pPr>
+            <a:r>
+              <a:rPr lang="en-US" sz="1100">
+                <a:latin typeface="Consolas" panose="020B0609020204030204" pitchFamily="49" charset="0"/>
+                <a:cs typeface="Courier New" panose="02070309020205020404" pitchFamily="49" charset="0"/>
+              </a:rPr>
+              <a:t>for number in range(5</a:t>
+            </a:r>
+            <a:r>
+              <a:rPr lang="en-US" sz="1100">
+                <a:solidFill>
+                  <a:schemeClr val="accent1"/>
+                </a:solidFill>
+                <a:latin typeface="Consolas" panose="020B0609020204030204" pitchFamily="49" charset="0"/>
+                <a:cs typeface="Courier New" panose="02070309020205020404" pitchFamily="49" charset="0"/>
+              </a:rPr>
+              <a:t>,</a:t>
+            </a:r>
+            <a:r>
+              <a:rPr lang="en-US" sz="1100">
+                <a:latin typeface="Consolas" panose="020B0609020204030204" pitchFamily="49" charset="0"/>
+                <a:cs typeface="Courier New" panose="02070309020205020404" pitchFamily="49" charset="0"/>
+              </a:rPr>
+              <a:t> 20):</a:t>
+            </a:r>
+          </a:p>
+          <a:p>
+            <a:pPr marL="76200" indent="0">
+              <a:buNone/>
+            </a:pPr>
+            <a:r>
+              <a:rPr lang="en-US" sz="1100">
+                <a:latin typeface="Consolas" panose="020B0609020204030204" pitchFamily="49" charset="0"/>
+                <a:cs typeface="Courier New" panose="02070309020205020404" pitchFamily="49" charset="0"/>
+              </a:rPr>
+              <a:t>    print(number)</a:t>
+            </a:r>
+          </a:p>
+          <a:p>
+            <a:pPr marL="76200" indent="0">
+              <a:buNone/>
+            </a:pPr>
+            <a:endParaRPr lang="en-US" sz="1100">
+              <a:latin typeface="Consolas" panose="020B0609020204030204" pitchFamily="49" charset="0"/>
+              <a:cs typeface="Courier New" panose="02070309020205020404" pitchFamily="49" charset="0"/>
+            </a:endParaRPr>
+          </a:p>
+          <a:p>
+            <a:pPr marL="76200" indent="0">
+              <a:buNone/>
+            </a:pPr>
+            <a:r>
+              <a:rPr lang="en-US" sz="1100">
+                <a:latin typeface="Consolas" panose="020B0609020204030204" pitchFamily="49" charset="0"/>
+                <a:cs typeface="Courier New" panose="02070309020205020404" pitchFamily="49" charset="0"/>
+              </a:rPr>
+              <a:t>for number in range(5</a:t>
+            </a:r>
+            <a:r>
+              <a:rPr lang="en-US" sz="1100">
+                <a:solidFill>
+                  <a:schemeClr val="accent1"/>
+                </a:solidFill>
+                <a:latin typeface="Consolas" panose="020B0609020204030204" pitchFamily="49" charset="0"/>
+                <a:cs typeface="Courier New" panose="02070309020205020404" pitchFamily="49" charset="0"/>
+              </a:rPr>
+              <a:t>,</a:t>
+            </a:r>
+            <a:r>
+              <a:rPr lang="en-US" sz="1100">
+                <a:latin typeface="Consolas" panose="020B0609020204030204" pitchFamily="49" charset="0"/>
+                <a:cs typeface="Courier New" panose="02070309020205020404" pitchFamily="49" charset="0"/>
+              </a:rPr>
+              <a:t> 20</a:t>
+            </a:r>
+            <a:r>
+              <a:rPr lang="en-US" sz="1100">
+                <a:solidFill>
+                  <a:schemeClr val="accent1"/>
+                </a:solidFill>
+                <a:latin typeface="Consolas" panose="020B0609020204030204" pitchFamily="49" charset="0"/>
+                <a:cs typeface="Courier New" panose="02070309020205020404" pitchFamily="49" charset="0"/>
+              </a:rPr>
+              <a:t>,</a:t>
+            </a:r>
+            <a:r>
+              <a:rPr lang="en-US" sz="1100">
+                <a:latin typeface="Consolas" panose="020B0609020204030204" pitchFamily="49" charset="0"/>
+                <a:cs typeface="Courier New" panose="02070309020205020404" pitchFamily="49" charset="0"/>
+              </a:rPr>
+              <a:t> 2):</a:t>
+            </a:r>
+          </a:p>
+          <a:p>
+            <a:pPr marL="76200" indent="0">
+              <a:buNone/>
+            </a:pPr>
+            <a:r>
+              <a:rPr lang="en-US" sz="1100">
+                <a:latin typeface="Consolas" panose="020B0609020204030204" pitchFamily="49" charset="0"/>
+                <a:cs typeface="Courier New" panose="02070309020205020404" pitchFamily="49" charset="0"/>
+              </a:rPr>
+              <a:t>    print(number)</a:t>
+            </a:r>
+          </a:p>
+        </p:txBody>
+      </p:sp>
+    </p:spTree>
+    <p:extLst>
+      <p:ext uri="{BB962C8B-B14F-4D97-AF65-F5344CB8AC3E}">
+        <p14:creationId xmlns:p14="http://schemas.microsoft.com/office/powerpoint/2010/main" val="393089437"/>
+      </p:ext>
+    </p:extLst>
+  </p:cSld>
+  <p:clrMapOvr>
+    <a:masterClrMapping/>
+  </p:clrMapOvr>
+</p:sld>
+</file>
+
+<file path=ppt/slides/slide23.xml><?xml version="1.0" encoding="utf-8"?>
+<p:sld xmlns:a="http://schemas.openxmlformats.org/drawingml/2006/main" xmlns:r="http://schemas.openxmlformats.org/officeDocument/2006/relationships" xmlns:p="http://schemas.openxmlformats.org/presentationml/2006/main">
+  <p:cSld>
+    <p:spTree>
+      <p:nvGrpSpPr>
+        <p:cNvPr id="1" name=""/>
+        <p:cNvGrpSpPr/>
+        <p:nvPr/>
+      </p:nvGrpSpPr>
+      <p:grpSpPr>
+        <a:xfrm>
+          <a:off x="0" y="0"/>
+          <a:ext cx="0" cy="0"/>
+          <a:chOff x="0" y="0"/>
+          <a:chExt cx="0" cy="0"/>
+        </a:xfrm>
+      </p:grpSpPr>
+      <p:sp>
+        <p:nvSpPr>
+          <p:cNvPr id="2" name="Title 1">
+            <a:extLst>
+              <a:ext uri="{FF2B5EF4-FFF2-40B4-BE49-F238E27FC236}">
+                <a16:creationId xmlns:a16="http://schemas.microsoft.com/office/drawing/2014/main" id="{024AD384-5AD1-4435-A943-1241B2FACD62}"/>
+              </a:ext>
+            </a:extLst>
+          </p:cNvPr>
+          <p:cNvSpPr>
+            <a:spLocks noGrp="1"/>
+          </p:cNvSpPr>
+          <p:nvPr>
+            <p:ph type="title"/>
+          </p:nvPr>
+        </p:nvSpPr>
+        <p:spPr/>
+        <p:txBody>
+          <a:bodyPr/>
+          <a:lstStyle/>
+          <a:p>
+            <a:r>
+              <a:rPr lang="en-US"/>
+              <a:t>Break and Continue</a:t>
             </a:r>
             <a:endParaRPr lang="fa-IR"/>
           </a:p>
@@ -15806,9 +16242,9 @@
             </a:pPr>
             <a:r>
               <a:rPr lang="en-US" sz="1400"/>
-              <a:t>Switch statement</a:t>
-            </a:r>
-            <a:endParaRPr lang="en-US" sz="1200">
+              <a:t>Break and continue </a:t>
+            </a:r>
+            <a:endParaRPr lang="en-US" sz="1400">
               <a:latin typeface="Consolas" panose="020B0609020204030204" pitchFamily="49" charset="0"/>
               <a:cs typeface="Courier New" panose="02070309020205020404" pitchFamily="49" charset="0"/>
             </a:endParaRPr>
@@ -15822,13 +16258,32 @@
                 <a:latin typeface="Consolas" panose="020B0609020204030204" pitchFamily="49" charset="0"/>
                 <a:cs typeface="Courier New" panose="02070309020205020404" pitchFamily="49" charset="0"/>
               </a:rPr>
-              <a:t>language = input('What is the programming language you want to learn? ')</a:t>
-            </a:r>
-          </a:p>
-          <a:p>
-            <a:pPr marL="76200" indent="0">
-              <a:buNone/>
-            </a:pPr>
+              <a:t>for i in range(10):</a:t>
+            </a:r>
+          </a:p>
+          <a:p>
+            <a:pPr marL="76200" indent="0">
+              <a:buNone/>
+            </a:pPr>
+            <a:r>
+              <a:rPr lang="en-US" sz="1100">
+                <a:latin typeface="Consolas" panose="020B0609020204030204" pitchFamily="49" charset="0"/>
+                <a:cs typeface="Courier New" panose="02070309020205020404" pitchFamily="49" charset="0"/>
+              </a:rPr>
+              <a:t>    if i == 2:</a:t>
+            </a:r>
+          </a:p>
+          <a:p>
+            <a:pPr marL="76200" indent="0">
+              <a:buNone/>
+            </a:pPr>
+            <a:r>
+              <a:rPr lang="en-US" sz="1100">
+                <a:latin typeface="Consolas" panose="020B0609020204030204" pitchFamily="49" charset="0"/>
+                <a:cs typeface="Courier New" panose="02070309020205020404" pitchFamily="49" charset="0"/>
+              </a:rPr>
+              <a:t>        </a:t>
+            </a:r>
             <a:r>
               <a:rPr lang="en-US" sz="1100">
                 <a:solidFill>
@@ -15837,14 +16292,31 @@
                 <a:latin typeface="Consolas" panose="020B0609020204030204" pitchFamily="49" charset="0"/>
                 <a:cs typeface="Courier New" panose="02070309020205020404" pitchFamily="49" charset="0"/>
               </a:rPr>
-              <a:t>match</a:t>
-            </a:r>
-            <a:r>
-              <a:rPr lang="en-US" sz="1100">
-                <a:latin typeface="Consolas" panose="020B0609020204030204" pitchFamily="49" charset="0"/>
-                <a:cs typeface="Courier New" panose="02070309020205020404" pitchFamily="49" charset="0"/>
-              </a:rPr>
-              <a:t> language</a:t>
+              <a:t>continue</a:t>
+            </a:r>
+          </a:p>
+          <a:p>
+            <a:pPr marL="76200" indent="0">
+              <a:buNone/>
+            </a:pPr>
+            <a:r>
+              <a:rPr lang="en-US" sz="1100">
+                <a:latin typeface="Consolas" panose="020B0609020204030204" pitchFamily="49" charset="0"/>
+                <a:cs typeface="Courier New" panose="02070309020205020404" pitchFamily="49" charset="0"/>
+              </a:rPr>
+              <a:t>    if i == 5:</a:t>
+            </a:r>
+          </a:p>
+          <a:p>
+            <a:pPr marL="76200" indent="0">
+              <a:buNone/>
+            </a:pPr>
+            <a:r>
+              <a:rPr lang="en-US" sz="1100">
+                <a:latin typeface="Consolas" panose="020B0609020204030204" pitchFamily="49" charset="0"/>
+                <a:cs typeface="Courier New" panose="02070309020205020404" pitchFamily="49" charset="0"/>
+              </a:rPr>
+              <a:t>        </a:t>
             </a:r>
             <a:r>
               <a:rPr lang="en-US" sz="1100">
@@ -15854,262 +16326,43 @@
                 <a:latin typeface="Consolas" panose="020B0609020204030204" pitchFamily="49" charset="0"/>
                 <a:cs typeface="Courier New" panose="02070309020205020404" pitchFamily="49" charset="0"/>
               </a:rPr>
-              <a:t>:</a:t>
-            </a:r>
-          </a:p>
-          <a:p>
-            <a:pPr marL="76200" indent="0">
-              <a:buNone/>
-            </a:pPr>
-            <a:r>
-              <a:rPr lang="en-US" sz="1100">
-                <a:latin typeface="Consolas" panose="020B0609020204030204" pitchFamily="49" charset="0"/>
-                <a:cs typeface="Courier New" panose="02070309020205020404" pitchFamily="49" charset="0"/>
-              </a:rPr>
-              <a:t>    </a:t>
-            </a:r>
-            <a:r>
-              <a:rPr lang="en-US" sz="1100">
-                <a:solidFill>
-                  <a:schemeClr val="accent1"/>
-                </a:solidFill>
-                <a:latin typeface="Consolas" panose="020B0609020204030204" pitchFamily="49" charset="0"/>
-                <a:cs typeface="Courier New" panose="02070309020205020404" pitchFamily="49" charset="0"/>
-              </a:rPr>
-              <a:t>case</a:t>
-            </a:r>
-            <a:r>
-              <a:rPr lang="en-US" sz="1100">
-                <a:latin typeface="Consolas" panose="020B0609020204030204" pitchFamily="49" charset="0"/>
-                <a:cs typeface="Courier New" panose="02070309020205020404" pitchFamily="49" charset="0"/>
-              </a:rPr>
-              <a:t> 'JavaScript'</a:t>
-            </a:r>
-            <a:r>
-              <a:rPr lang="en-US" sz="1100">
-                <a:solidFill>
-                  <a:schemeClr val="accent1"/>
-                </a:solidFill>
-                <a:latin typeface="Consolas" panose="020B0609020204030204" pitchFamily="49" charset="0"/>
-                <a:cs typeface="Courier New" panose="02070309020205020404" pitchFamily="49" charset="0"/>
-              </a:rPr>
-              <a:t>:</a:t>
-            </a:r>
-          </a:p>
-          <a:p>
-            <a:pPr marL="76200" indent="0">
-              <a:buNone/>
-            </a:pPr>
-            <a:r>
-              <a:rPr lang="en-US" sz="1100">
-                <a:latin typeface="Consolas" panose="020B0609020204030204" pitchFamily="49" charset="0"/>
-                <a:cs typeface="Courier New" panose="02070309020205020404" pitchFamily="49" charset="0"/>
-              </a:rPr>
-              <a:t>        print('You can become a web developer.')</a:t>
-            </a:r>
-          </a:p>
-          <a:p>
-            <a:pPr marL="76200" indent="0">
-              <a:buNone/>
-            </a:pPr>
-            <a:r>
-              <a:rPr lang="en-US" sz="1100">
-                <a:latin typeface="Consolas" panose="020B0609020204030204" pitchFamily="49" charset="0"/>
-                <a:cs typeface="Courier New" panose="02070309020205020404" pitchFamily="49" charset="0"/>
-              </a:rPr>
-              <a:t>    </a:t>
-            </a:r>
-            <a:r>
-              <a:rPr lang="en-US" sz="1100">
-                <a:solidFill>
-                  <a:schemeClr val="accent1"/>
-                </a:solidFill>
-                <a:latin typeface="Consolas" panose="020B0609020204030204" pitchFamily="49" charset="0"/>
-                <a:cs typeface="Courier New" panose="02070309020205020404" pitchFamily="49" charset="0"/>
-              </a:rPr>
-              <a:t>case</a:t>
-            </a:r>
-            <a:r>
-              <a:rPr lang="en-US" sz="1100">
-                <a:latin typeface="Consolas" panose="020B0609020204030204" pitchFamily="49" charset="0"/>
-                <a:cs typeface="Courier New" panose="02070309020205020404" pitchFamily="49" charset="0"/>
-              </a:rPr>
-              <a:t> 'Python'</a:t>
-            </a:r>
-            <a:r>
-              <a:rPr lang="en-US" sz="1100">
-                <a:solidFill>
-                  <a:schemeClr val="accent1"/>
-                </a:solidFill>
-                <a:latin typeface="Consolas" panose="020B0609020204030204" pitchFamily="49" charset="0"/>
-                <a:cs typeface="Courier New" panose="02070309020205020404" pitchFamily="49" charset="0"/>
-              </a:rPr>
-              <a:t>:</a:t>
-            </a:r>
-          </a:p>
-          <a:p>
-            <a:pPr marL="76200" indent="0">
-              <a:buNone/>
-            </a:pPr>
-            <a:r>
-              <a:rPr lang="en-US" sz="1100">
-                <a:latin typeface="Consolas" panose="020B0609020204030204" pitchFamily="49" charset="0"/>
-                <a:cs typeface="Courier New" panose="02070309020205020404" pitchFamily="49" charset="0"/>
-              </a:rPr>
-              <a:t>        print('You can become a Data Scientist.')</a:t>
-            </a:r>
-          </a:p>
-          <a:p>
-            <a:pPr marL="76200" indent="0">
-              <a:buNone/>
-            </a:pPr>
-            <a:r>
-              <a:rPr lang="en-US" sz="1100">
-                <a:latin typeface="Consolas" panose="020B0609020204030204" pitchFamily="49" charset="0"/>
-                <a:cs typeface="Courier New" panose="02070309020205020404" pitchFamily="49" charset="0"/>
-              </a:rPr>
-              <a:t>    </a:t>
-            </a:r>
-            <a:r>
-              <a:rPr lang="en-US" sz="1100">
-                <a:solidFill>
-                  <a:schemeClr val="accent1"/>
-                </a:solidFill>
-                <a:latin typeface="Consolas" panose="020B0609020204030204" pitchFamily="49" charset="0"/>
-                <a:cs typeface="Courier New" panose="02070309020205020404" pitchFamily="49" charset="0"/>
-              </a:rPr>
-              <a:t>case</a:t>
-            </a:r>
-            <a:r>
-              <a:rPr lang="en-US" sz="1100">
-                <a:latin typeface="Consolas" panose="020B0609020204030204" pitchFamily="49" charset="0"/>
-                <a:cs typeface="Courier New" panose="02070309020205020404" pitchFamily="49" charset="0"/>
-              </a:rPr>
-              <a:t> 'PHP'</a:t>
-            </a:r>
-            <a:r>
-              <a:rPr lang="en-US" sz="1100">
-                <a:solidFill>
-                  <a:schemeClr val="accent1"/>
-                </a:solidFill>
-                <a:latin typeface="Consolas" panose="020B0609020204030204" pitchFamily="49" charset="0"/>
-                <a:cs typeface="Courier New" panose="02070309020205020404" pitchFamily="49" charset="0"/>
-              </a:rPr>
-              <a:t>:</a:t>
-            </a:r>
-          </a:p>
-          <a:p>
-            <a:pPr marL="76200" indent="0">
-              <a:buNone/>
-            </a:pPr>
-            <a:r>
-              <a:rPr lang="en-US" sz="1100">
-                <a:latin typeface="Consolas" panose="020B0609020204030204" pitchFamily="49" charset="0"/>
-                <a:cs typeface="Courier New" panose="02070309020205020404" pitchFamily="49" charset="0"/>
-              </a:rPr>
-              <a:t>        print('You can become a backend developer.')</a:t>
-            </a:r>
-          </a:p>
-          <a:p>
-            <a:pPr marL="76200" indent="0">
-              <a:buNone/>
-            </a:pPr>
-            <a:r>
-              <a:rPr lang="en-US" sz="1100">
-                <a:latin typeface="Consolas" panose="020B0609020204030204" pitchFamily="49" charset="0"/>
-                <a:cs typeface="Courier New" panose="02070309020205020404" pitchFamily="49" charset="0"/>
-              </a:rPr>
-              <a:t>    </a:t>
-            </a:r>
-            <a:r>
-              <a:rPr lang="en-US" sz="1100">
-                <a:solidFill>
-                  <a:schemeClr val="accent1"/>
-                </a:solidFill>
-                <a:latin typeface="Consolas" panose="020B0609020204030204" pitchFamily="49" charset="0"/>
-                <a:cs typeface="Courier New" panose="02070309020205020404" pitchFamily="49" charset="0"/>
-              </a:rPr>
-              <a:t>case</a:t>
-            </a:r>
-            <a:r>
-              <a:rPr lang="en-US" sz="1100">
-                <a:latin typeface="Consolas" panose="020B0609020204030204" pitchFamily="49" charset="0"/>
-                <a:cs typeface="Courier New" panose="02070309020205020404" pitchFamily="49" charset="0"/>
-              </a:rPr>
-              <a:t> 'Solidity'</a:t>
-            </a:r>
-            <a:r>
-              <a:rPr lang="en-US" sz="1100">
-                <a:solidFill>
-                  <a:schemeClr val="accent1"/>
-                </a:solidFill>
-                <a:latin typeface="Consolas" panose="020B0609020204030204" pitchFamily="49" charset="0"/>
-                <a:cs typeface="Courier New" panose="02070309020205020404" pitchFamily="49" charset="0"/>
-              </a:rPr>
-              <a:t>:</a:t>
-            </a:r>
-          </a:p>
-          <a:p>
-            <a:pPr marL="76200" indent="0">
-              <a:buNone/>
-            </a:pPr>
-            <a:r>
-              <a:rPr lang="en-US" sz="1100">
-                <a:latin typeface="Consolas" panose="020B0609020204030204" pitchFamily="49" charset="0"/>
-                <a:cs typeface="Courier New" panose="02070309020205020404" pitchFamily="49" charset="0"/>
-              </a:rPr>
-              <a:t>        print('You can become a Blockchain developer.')</a:t>
-            </a:r>
-          </a:p>
-          <a:p>
-            <a:pPr marL="76200" indent="0">
-              <a:buNone/>
-            </a:pPr>
-            <a:r>
-              <a:rPr lang="en-US" sz="1100">
-                <a:latin typeface="Consolas" panose="020B0609020204030204" pitchFamily="49" charset="0"/>
-                <a:cs typeface="Courier New" panose="02070309020205020404" pitchFamily="49" charset="0"/>
-              </a:rPr>
-              <a:t>    </a:t>
-            </a:r>
-            <a:r>
-              <a:rPr lang="en-US" sz="1100">
-                <a:solidFill>
-                  <a:schemeClr val="accent1"/>
-                </a:solidFill>
-                <a:latin typeface="Consolas" panose="020B0609020204030204" pitchFamily="49" charset="0"/>
-                <a:cs typeface="Courier New" panose="02070309020205020404" pitchFamily="49" charset="0"/>
-              </a:rPr>
-              <a:t>case</a:t>
-            </a:r>
-            <a:r>
-              <a:rPr lang="en-US" sz="1100">
-                <a:latin typeface="Consolas" panose="020B0609020204030204" pitchFamily="49" charset="0"/>
-                <a:cs typeface="Courier New" panose="02070309020205020404" pitchFamily="49" charset="0"/>
-              </a:rPr>
-              <a:t> _</a:t>
-            </a:r>
-            <a:r>
-              <a:rPr lang="en-US" sz="1100">
-                <a:solidFill>
-                  <a:schemeClr val="accent1"/>
-                </a:solidFill>
-                <a:latin typeface="Consolas" panose="020B0609020204030204" pitchFamily="49" charset="0"/>
-                <a:cs typeface="Courier New" panose="02070309020205020404" pitchFamily="49" charset="0"/>
-              </a:rPr>
-              <a:t>:</a:t>
-            </a:r>
-          </a:p>
-          <a:p>
-            <a:pPr marL="76200" indent="0">
-              <a:buNone/>
-            </a:pPr>
-            <a:r>
-              <a:rPr lang="en-US" sz="1100">
-                <a:latin typeface="Consolas" panose="020B0609020204030204" pitchFamily="49" charset="0"/>
-                <a:cs typeface="Courier New" panose="02070309020205020404" pitchFamily="49" charset="0"/>
-              </a:rPr>
-              <a:t>        print('The language doesn't matter, what matters is solving problems.')</a:t>
+              <a:t>break</a:t>
+            </a:r>
+          </a:p>
+          <a:p>
+            <a:pPr marL="76200" indent="0">
+              <a:buNone/>
+            </a:pPr>
+            <a:r>
+              <a:rPr lang="en-US" sz="1100">
+                <a:latin typeface="Consolas" panose="020B0609020204030204" pitchFamily="49" charset="0"/>
+                <a:cs typeface="Courier New" panose="02070309020205020404" pitchFamily="49" charset="0"/>
+              </a:rPr>
+              <a:t>    print(i)</a:t>
+            </a:r>
+          </a:p>
+          <a:p>
+            <a:pPr marL="76200" indent="0">
+              <a:buNone/>
+            </a:pPr>
+            <a:r>
+              <a:rPr lang="nn-NO" sz="1100">
+                <a:latin typeface="Consolas" panose="020B0609020204030204" pitchFamily="49" charset="0"/>
+                <a:cs typeface="Courier New" panose="02070309020205020404" pitchFamily="49" charset="0"/>
+              </a:rPr>
+              <a:t>else:</a:t>
+            </a:r>
+          </a:p>
+          <a:p>
+            <a:pPr marL="76200" indent="0">
+              <a:buNone/>
+            </a:pPr>
+            <a:r>
+              <a:rPr lang="nn-NO" sz="1100">
+                <a:latin typeface="Consolas" panose="020B0609020204030204" pitchFamily="49" charset="0"/>
+                <a:cs typeface="Courier New" panose="02070309020205020404" pitchFamily="49" charset="0"/>
+              </a:rPr>
+              <a:t>    print(f'Finished after {i} loops')</a:t>
             </a:r>
           </a:p>
         </p:txBody>
@@ -16146,7 +16399,7 @@
             </a:pPr>
             <a:fld id="{00000000-1234-1234-1234-123412341234}" type="slidenum">
               <a:rPr lang="en" smtClean="0"/>
-              <a:t>22</a:t>
+              <a:t>23</a:t>
             </a:fld>
             <a:endParaRPr lang="en"/>
           </a:p>
@@ -16155,7 +16408,7 @@
     </p:spTree>
     <p:extLst>
       <p:ext uri="{BB962C8B-B14F-4D97-AF65-F5344CB8AC3E}">
-        <p14:creationId xmlns:p14="http://schemas.microsoft.com/office/powerpoint/2010/main" val="3788890202"/>
+        <p14:creationId xmlns:p14="http://schemas.microsoft.com/office/powerpoint/2010/main" val="3861758209"/>
       </p:ext>
     </p:extLst>
   </p:cSld>
@@ -16165,7 +16418,7 @@
 </p:sld>
 </file>
 
-<file path=ppt/slides/slide23.xml><?xml version="1.0" encoding="utf-8"?>
+<file path=ppt/slides/slide24.xml><?xml version="1.0" encoding="utf-8"?>
 <p:sld xmlns:a="http://schemas.openxmlformats.org/drawingml/2006/main" xmlns:r="http://schemas.openxmlformats.org/officeDocument/2006/relationships" xmlns:p="http://schemas.openxmlformats.org/presentationml/2006/main">
   <p:cSld>
     <p:spTree>
@@ -16222,7 +16475,7 @@
                   <a:srgbClr val="E6E6E6"/>
                 </a:solidFill>
               </a:rPr>
-              <a:t>3</a:t>
+              <a:t>4</a:t>
             </a:r>
             <a:endParaRPr sz="6000">
               <a:solidFill>
@@ -16242,7 +16495,7 @@
             </a:pPr>
             <a:r>
               <a:rPr lang="en-US"/>
-              <a:t>Loops</a:t>
+              <a:t>Functions</a:t>
             </a:r>
           </a:p>
         </p:txBody>
@@ -16283,7 +16536,7 @@
             </a:pPr>
             <a:fld id="{00000000-1234-1234-1234-123412341234}" type="slidenum">
               <a:rPr lang="en"/>
-              <a:t>23</a:t>
+              <a:t>24</a:t>
             </a:fld>
             <a:endParaRPr/>
           </a:p>
@@ -16292,244 +16545,7 @@
     </p:spTree>
     <p:extLst>
       <p:ext uri="{BB962C8B-B14F-4D97-AF65-F5344CB8AC3E}">
-        <p14:creationId xmlns:p14="http://schemas.microsoft.com/office/powerpoint/2010/main" val="2274498270"/>
-      </p:ext>
-    </p:extLst>
-  </p:cSld>
-  <p:clrMapOvr>
-    <a:masterClrMapping/>
-  </p:clrMapOvr>
-</p:sld>
-</file>
-
-<file path=ppt/slides/slide24.xml><?xml version="1.0" encoding="utf-8"?>
-<p:sld xmlns:a="http://schemas.openxmlformats.org/drawingml/2006/main" xmlns:r="http://schemas.openxmlformats.org/officeDocument/2006/relationships" xmlns:p="http://schemas.openxmlformats.org/presentationml/2006/main">
-  <p:cSld>
-    <p:spTree>
-      <p:nvGrpSpPr>
-        <p:cNvPr id="1" name=""/>
-        <p:cNvGrpSpPr/>
-        <p:nvPr/>
-      </p:nvGrpSpPr>
-      <p:grpSpPr>
-        <a:xfrm>
-          <a:off x="0" y="0"/>
-          <a:ext cx="0" cy="0"/>
-          <a:chOff x="0" y="0"/>
-          <a:chExt cx="0" cy="0"/>
-        </a:xfrm>
-      </p:grpSpPr>
-      <p:sp>
-        <p:nvSpPr>
-          <p:cNvPr id="2" name="Title 1">
-            <a:extLst>
-              <a:ext uri="{FF2B5EF4-FFF2-40B4-BE49-F238E27FC236}">
-                <a16:creationId xmlns:a16="http://schemas.microsoft.com/office/drawing/2014/main" id="{024AD384-5AD1-4435-A943-1241B2FACD62}"/>
-              </a:ext>
-            </a:extLst>
-          </p:cNvPr>
-          <p:cNvSpPr>
-            <a:spLocks noGrp="1"/>
-          </p:cNvSpPr>
-          <p:nvPr>
-            <p:ph type="title"/>
-          </p:nvPr>
-        </p:nvSpPr>
-        <p:spPr/>
-        <p:txBody>
-          <a:bodyPr/>
-          <a:lstStyle/>
-          <a:p>
-            <a:r>
-              <a:rPr lang="en-US"/>
-              <a:t>While Loops</a:t>
-            </a:r>
-            <a:endParaRPr lang="fa-IR"/>
-          </a:p>
-        </p:txBody>
-      </p:sp>
-      <p:sp>
-        <p:nvSpPr>
-          <p:cNvPr id="3" name="Text Placeholder 2">
-            <a:extLst>
-              <a:ext uri="{FF2B5EF4-FFF2-40B4-BE49-F238E27FC236}">
-                <a16:creationId xmlns:a16="http://schemas.microsoft.com/office/drawing/2014/main" id="{58BE3078-8B89-4550-B497-93E4DADBD57E}"/>
-              </a:ext>
-            </a:extLst>
-          </p:cNvPr>
-          <p:cNvSpPr>
-            <a:spLocks noGrp="1"/>
-          </p:cNvSpPr>
-          <p:nvPr>
-            <p:ph type="body" idx="1"/>
-          </p:nvPr>
-        </p:nvSpPr>
-        <p:spPr>
-          <a:xfrm>
-            <a:off x="786150" y="1142608"/>
-            <a:ext cx="7571700" cy="3626431"/>
-          </a:xfrm>
-        </p:spPr>
-        <p:txBody>
-          <a:bodyPr/>
-          <a:lstStyle/>
-          <a:p>
-            <a:pPr marL="76200" indent="0">
-              <a:buNone/>
-            </a:pPr>
-            <a:r>
-              <a:rPr lang="en-US" sz="1400"/>
-              <a:t>Execute a set of statements as long as a condition is true</a:t>
-            </a:r>
-          </a:p>
-          <a:p>
-            <a:pPr marL="76200" indent="0">
-              <a:buNone/>
-            </a:pPr>
-            <a:r>
-              <a:rPr lang="nn-NO" sz="1100">
-                <a:latin typeface="Consolas" panose="020B0609020204030204" pitchFamily="49" charset="0"/>
-                <a:cs typeface="Courier New" panose="02070309020205020404" pitchFamily="49" charset="0"/>
-              </a:rPr>
-              <a:t>i = 1</a:t>
-            </a:r>
-          </a:p>
-          <a:p>
-            <a:pPr marL="76200" indent="0">
-              <a:buNone/>
-            </a:pPr>
-            <a:r>
-              <a:rPr lang="nn-NO" sz="1100">
-                <a:solidFill>
-                  <a:schemeClr val="accent1"/>
-                </a:solidFill>
-                <a:latin typeface="Consolas" panose="020B0609020204030204" pitchFamily="49" charset="0"/>
-                <a:cs typeface="Courier New" panose="02070309020205020404" pitchFamily="49" charset="0"/>
-              </a:rPr>
-              <a:t>while</a:t>
-            </a:r>
-            <a:r>
-              <a:rPr lang="nn-NO" sz="1100">
-                <a:latin typeface="Consolas" panose="020B0609020204030204" pitchFamily="49" charset="0"/>
-                <a:cs typeface="Courier New" panose="02070309020205020404" pitchFamily="49" charset="0"/>
-              </a:rPr>
-              <a:t> i &lt; 10</a:t>
-            </a:r>
-            <a:r>
-              <a:rPr lang="nn-NO" sz="1100">
-                <a:solidFill>
-                  <a:schemeClr val="accent1"/>
-                </a:solidFill>
-                <a:latin typeface="Consolas" panose="020B0609020204030204" pitchFamily="49" charset="0"/>
-                <a:cs typeface="Courier New" panose="02070309020205020404" pitchFamily="49" charset="0"/>
-              </a:rPr>
-              <a:t>:</a:t>
-            </a:r>
-          </a:p>
-          <a:p>
-            <a:pPr marL="76200" indent="0">
-              <a:buNone/>
-            </a:pPr>
-            <a:r>
-              <a:rPr lang="nn-NO" sz="1100">
-                <a:latin typeface="Consolas" panose="020B0609020204030204" pitchFamily="49" charset="0"/>
-                <a:cs typeface="Courier New" panose="02070309020205020404" pitchFamily="49" charset="0"/>
-              </a:rPr>
-              <a:t>    print(i)</a:t>
-            </a:r>
-          </a:p>
-          <a:p>
-            <a:pPr marL="76200" indent="0">
-              <a:buNone/>
-            </a:pPr>
-            <a:r>
-              <a:rPr lang="nn-NO" sz="1100">
-                <a:latin typeface="Consolas" panose="020B0609020204030204" pitchFamily="49" charset="0"/>
-                <a:cs typeface="Courier New" panose="02070309020205020404" pitchFamily="49" charset="0"/>
-              </a:rPr>
-              <a:t>    i += 1</a:t>
-            </a:r>
-          </a:p>
-          <a:p>
-            <a:pPr marL="76200" indent="0">
-              <a:buNone/>
-            </a:pPr>
-            <a:r>
-              <a:rPr lang="nn-NO" sz="1100">
-                <a:solidFill>
-                  <a:schemeClr val="accent1"/>
-                </a:solidFill>
-                <a:latin typeface="Consolas" panose="020B0609020204030204" pitchFamily="49" charset="0"/>
-                <a:cs typeface="Courier New" panose="02070309020205020404" pitchFamily="49" charset="0"/>
-              </a:rPr>
-              <a:t>else:</a:t>
-            </a:r>
-          </a:p>
-          <a:p>
-            <a:pPr marL="76200" indent="0">
-              <a:buNone/>
-            </a:pPr>
-            <a:r>
-              <a:rPr lang="nn-NO" sz="1100">
-                <a:latin typeface="Consolas" panose="020B0609020204030204" pitchFamily="49" charset="0"/>
-                <a:cs typeface="Courier New" panose="02070309020205020404" pitchFamily="49" charset="0"/>
-              </a:rPr>
-              <a:t>    print(f'Finished after {i} loops')</a:t>
-            </a:r>
-          </a:p>
-          <a:p>
-            <a:pPr marL="76200" indent="0">
-              <a:buNone/>
-            </a:pPr>
-            <a:endParaRPr lang="en-US" sz="1200">
-              <a:latin typeface="Consolas" panose="020B0609020204030204" pitchFamily="49" charset="0"/>
-              <a:cs typeface="Courier New" panose="02070309020205020404" pitchFamily="49" charset="0"/>
-            </a:endParaRPr>
-          </a:p>
-        </p:txBody>
-      </p:sp>
-      <p:sp>
-        <p:nvSpPr>
-          <p:cNvPr id="4" name="Slide Number Placeholder 3">
-            <a:extLst>
-              <a:ext uri="{FF2B5EF4-FFF2-40B4-BE49-F238E27FC236}">
-                <a16:creationId xmlns:a16="http://schemas.microsoft.com/office/drawing/2014/main" id="{64987AE6-EC0E-43DD-9376-95A5602EE5E1}"/>
-              </a:ext>
-            </a:extLst>
-          </p:cNvPr>
-          <p:cNvSpPr>
-            <a:spLocks noGrp="1"/>
-          </p:cNvSpPr>
-          <p:nvPr>
-            <p:ph type="sldNum" idx="12"/>
-          </p:nvPr>
-        </p:nvSpPr>
-        <p:spPr/>
-        <p:txBody>
-          <a:bodyPr/>
-          <a:lstStyle/>
-          <a:p>
-            <a:pPr marL="0" lvl="0" indent="0" algn="r" rtl="0">
-              <a:spcBef>
-                <a:spcPts val="0"/>
-              </a:spcBef>
-              <a:spcAft>
-                <a:spcPts val="0"/>
-              </a:spcAft>
-              <a:buNone/>
-            </a:pPr>
-            <a:fld id="{00000000-1234-1234-1234-123412341234}" type="slidenum">
-              <a:rPr lang="en" smtClean="0"/>
-              <a:t>24</a:t>
-            </a:fld>
-            <a:endParaRPr lang="en"/>
-          </a:p>
-        </p:txBody>
-      </p:sp>
-    </p:spTree>
-    <p:extLst>
-      <p:ext uri="{BB962C8B-B14F-4D97-AF65-F5344CB8AC3E}">
-        <p14:creationId xmlns:p14="http://schemas.microsoft.com/office/powerpoint/2010/main" val="620167223"/>
+        <p14:creationId xmlns:p14="http://schemas.microsoft.com/office/powerpoint/2010/main" val="4104049225"/>
       </p:ext>
     </p:extLst>
   </p:cSld>
@@ -16579,7 +16595,7 @@
           <a:p>
             <a:r>
               <a:rPr lang="en-US"/>
-              <a:t>For Loops</a:t>
+              <a:t>Functions</a:t>
             </a:r>
             <a:endParaRPr lang="fa-IR"/>
           </a:p>
@@ -16604,7 +16620,7 @@
         <p:spPr>
           <a:xfrm>
             <a:off x="786150" y="1142608"/>
-            <a:ext cx="3785850" cy="3626431"/>
+            <a:ext cx="7571700" cy="3626431"/>
           </a:xfrm>
         </p:spPr>
         <p:txBody>
@@ -16616,7 +16632,7 @@
             </a:pPr>
             <a:r>
               <a:rPr lang="en-US" sz="1400"/>
-              <a:t>Iterating over a collection</a:t>
+              <a:t>Blocks of code which only run when they are called</a:t>
             </a:r>
           </a:p>
           <a:p>
@@ -16631,14 +16647,14 @@
                 <a:latin typeface="Consolas" panose="020B0609020204030204" pitchFamily="49" charset="0"/>
                 <a:cs typeface="Courier New" panose="02070309020205020404" pitchFamily="49" charset="0"/>
               </a:rPr>
-              <a:t>for</a:t>
-            </a:r>
-            <a:r>
-              <a:rPr lang="en-US" sz="1100">
-                <a:latin typeface="Consolas" panose="020B0609020204030204" pitchFamily="49" charset="0"/>
-                <a:cs typeface="Courier New" panose="02070309020205020404" pitchFamily="49" charset="0"/>
-              </a:rPr>
-              <a:t> fruit </a:t>
+              <a:t>def</a:t>
+            </a:r>
+            <a:r>
+              <a:rPr lang="en-US" sz="1100">
+                <a:latin typeface="Consolas" panose="020B0609020204030204" pitchFamily="49" charset="0"/>
+                <a:cs typeface="Courier New" panose="02070309020205020404" pitchFamily="49" charset="0"/>
+              </a:rPr>
+              <a:t> greeter</a:t>
             </a:r>
             <a:r>
               <a:rPr lang="en-US" sz="1100">
@@ -16648,14 +16664,31 @@
                 <a:latin typeface="Consolas" panose="020B0609020204030204" pitchFamily="49" charset="0"/>
                 <a:cs typeface="Courier New" panose="02070309020205020404" pitchFamily="49" charset="0"/>
               </a:rPr>
-              <a:t>in</a:t>
-            </a:r>
-            <a:r>
-              <a:rPr lang="en-US" sz="1100">
-                <a:latin typeface="Consolas" panose="020B0609020204030204" pitchFamily="49" charset="0"/>
-                <a:cs typeface="Courier New" panose="02070309020205020404" pitchFamily="49" charset="0"/>
-              </a:rPr>
-              <a:t> ['apple', 'banana', 'cherry']</a:t>
+              <a:t>():</a:t>
+            </a:r>
+          </a:p>
+          <a:p>
+            <a:pPr marL="76200" indent="0">
+              <a:buNone/>
+            </a:pPr>
+            <a:r>
+              <a:rPr lang="en-US" sz="1100">
+                <a:latin typeface="Consolas" panose="020B0609020204030204" pitchFamily="49" charset="0"/>
+                <a:cs typeface="Courier New" panose="02070309020205020404" pitchFamily="49" charset="0"/>
+              </a:rPr>
+              <a:t>    print('Hello!')</a:t>
+            </a:r>
+          </a:p>
+          <a:p>
+            <a:pPr marL="76200" indent="0">
+              <a:buNone/>
+            </a:pPr>
+            <a:r>
+              <a:rPr lang="en-US" sz="1100">
+                <a:latin typeface="Consolas" panose="020B0609020204030204" pitchFamily="49" charset="0"/>
+                <a:cs typeface="Courier New" panose="02070309020205020404" pitchFamily="49" charset="0"/>
+              </a:rPr>
+              <a:t>greeter</a:t>
             </a:r>
             <a:r>
               <a:rPr lang="en-US" sz="1100">
@@ -16665,46 +16698,7 @@
                 <a:latin typeface="Consolas" panose="020B0609020204030204" pitchFamily="49" charset="0"/>
                 <a:cs typeface="Courier New" panose="02070309020205020404" pitchFamily="49" charset="0"/>
               </a:rPr>
-              <a:t>:</a:t>
-            </a:r>
-          </a:p>
-          <a:p>
-            <a:pPr marL="76200" indent="0">
-              <a:buNone/>
-            </a:pPr>
-            <a:r>
-              <a:rPr lang="en-US" sz="1100">
-                <a:latin typeface="Consolas" panose="020B0609020204030204" pitchFamily="49" charset="0"/>
-                <a:cs typeface="Courier New" panose="02070309020205020404" pitchFamily="49" charset="0"/>
-              </a:rPr>
-              <a:t>    print(fruit)</a:t>
-            </a:r>
-          </a:p>
-          <a:p>
-            <a:pPr marL="76200" indent="0">
-              <a:buNone/>
-            </a:pPr>
-            <a:r>
-              <a:rPr lang="en-US" sz="1100">
-                <a:solidFill>
-                  <a:schemeClr val="accent1"/>
-                </a:solidFill>
-                <a:latin typeface="Consolas" panose="020B0609020204030204" pitchFamily="49" charset="0"/>
-                <a:cs typeface="Courier New" panose="02070309020205020404" pitchFamily="49" charset="0"/>
-              </a:rPr>
-              <a:t>else:</a:t>
-            </a:r>
-          </a:p>
-          <a:p>
-            <a:pPr marL="76200" indent="0">
-              <a:buNone/>
-            </a:pPr>
-            <a:r>
-              <a:rPr lang="en-US" sz="1100">
-                <a:latin typeface="Consolas" panose="020B0609020204030204" pitchFamily="49" charset="0"/>
-                <a:cs typeface="Courier New" panose="02070309020205020404" pitchFamily="49" charset="0"/>
-              </a:rPr>
-              <a:t>    print('Finished!')</a:t>
+              <a:t>()</a:t>
             </a:r>
           </a:p>
           <a:p>
@@ -16722,10 +16716,9 @@
             </a:pPr>
             <a:r>
               <a:rPr lang="en-US" sz="1400"/>
-              <a:t>Iterating over a string</a:t>
-            </a:r>
-            <a:endParaRPr lang="en-US" sz="1100">
-              <a:latin typeface="Consolas" panose="020B0609020204030204" pitchFamily="49" charset="0"/>
+              <a:t>Arguments and return</a:t>
+            </a:r>
+            <a:endParaRPr lang="en-US" sz="1400">
               <a:cs typeface="Courier New" panose="02070309020205020404" pitchFamily="49" charset="0"/>
             </a:endParaRPr>
           </a:p>
@@ -16738,26 +16731,72 @@
                 <a:latin typeface="Consolas" panose="020B0609020204030204" pitchFamily="49" charset="0"/>
                 <a:cs typeface="Courier New" panose="02070309020205020404" pitchFamily="49" charset="0"/>
               </a:rPr>
-              <a:t>for letter in 'apple':</a:t>
-            </a:r>
-            <a:endParaRPr lang="en-US" sz="1100">
-              <a:solidFill>
-                <a:schemeClr val="accent1"/>
-              </a:solidFill>
-              <a:latin typeface="Consolas" panose="020B0609020204030204" pitchFamily="49" charset="0"/>
-              <a:cs typeface="Courier New" panose="02070309020205020404" pitchFamily="49" charset="0"/>
-            </a:endParaRPr>
-          </a:p>
-          <a:p>
-            <a:pPr marL="76200" indent="0">
-              <a:buNone/>
-            </a:pPr>
-            <a:r>
-              <a:rPr lang="en-US" sz="1100">
-                <a:latin typeface="Consolas" panose="020B0609020204030204" pitchFamily="49" charset="0"/>
-                <a:cs typeface="Courier New" panose="02070309020205020404" pitchFamily="49" charset="0"/>
-              </a:rPr>
-              <a:t>    print(letter)</a:t>
+              <a:t>def greeter(firstName, lastName):</a:t>
+            </a:r>
+          </a:p>
+          <a:p>
+            <a:pPr marL="76200" indent="0">
+              <a:buNone/>
+            </a:pPr>
+            <a:r>
+              <a:rPr lang="en-US" sz="1100">
+                <a:latin typeface="Consolas" panose="020B0609020204030204" pitchFamily="49" charset="0"/>
+                <a:cs typeface="Courier New" panose="02070309020205020404" pitchFamily="49" charset="0"/>
+              </a:rPr>
+              <a:t>    greeting = f'Hello {name}!'</a:t>
+            </a:r>
+          </a:p>
+          <a:p>
+            <a:pPr marL="76200" indent="0">
+              <a:buNone/>
+            </a:pPr>
+            <a:r>
+              <a:rPr lang="en-US" sz="1100">
+                <a:latin typeface="Consolas" panose="020B0609020204030204" pitchFamily="49" charset="0"/>
+                <a:cs typeface="Courier New" panose="02070309020205020404" pitchFamily="49" charset="0"/>
+              </a:rPr>
+              <a:t>    </a:t>
+            </a:r>
+            <a:r>
+              <a:rPr lang="en-US" sz="1100">
+                <a:solidFill>
+                  <a:schemeClr val="accent1"/>
+                </a:solidFill>
+                <a:latin typeface="Consolas" panose="020B0609020204030204" pitchFamily="49" charset="0"/>
+                <a:cs typeface="Courier New" panose="02070309020205020404" pitchFamily="49" charset="0"/>
+              </a:rPr>
+              <a:t>return </a:t>
+            </a:r>
+            <a:r>
+              <a:rPr lang="en-US" sz="1100">
+                <a:latin typeface="Consolas" panose="020B0609020204030204" pitchFamily="49" charset="0"/>
+                <a:cs typeface="Courier New" panose="02070309020205020404" pitchFamily="49" charset="0"/>
+              </a:rPr>
+              <a:t>greeting</a:t>
+            </a:r>
+          </a:p>
+          <a:p>
+            <a:pPr marL="76200" indent="0">
+              <a:buNone/>
+            </a:pPr>
+            <a:r>
+              <a:rPr lang="en-US" sz="1100">
+                <a:latin typeface="Consolas" panose="020B0609020204030204" pitchFamily="49" charset="0"/>
+                <a:cs typeface="Courier New" panose="02070309020205020404" pitchFamily="49" charset="0"/>
+              </a:rPr>
+              <a:t>message = greeter('Alireza', 'Nezhadshamsi')</a:t>
+            </a:r>
+          </a:p>
+          <a:p>
+            <a:pPr marL="76200" indent="0">
+              <a:buNone/>
+            </a:pPr>
+            <a:r>
+              <a:rPr lang="en-US" sz="1100">
+                <a:latin typeface="Consolas" panose="020B0609020204030204" pitchFamily="49" charset="0"/>
+                <a:cs typeface="Courier New" panose="02070309020205020404" pitchFamily="49" charset="0"/>
+              </a:rPr>
+              <a:t>print(message)</a:t>
             </a:r>
           </a:p>
         </p:txBody>
@@ -16800,478 +16839,10 @@
           </a:p>
         </p:txBody>
       </p:sp>
-      <p:sp>
-        <p:nvSpPr>
-          <p:cNvPr id="5" name="Text Placeholder 2">
-            <a:extLst>
-              <a:ext uri="{FF2B5EF4-FFF2-40B4-BE49-F238E27FC236}">
-                <a16:creationId xmlns:a16="http://schemas.microsoft.com/office/drawing/2014/main" id="{C6FD1D7C-639C-48EB-9916-EF6F037D80A5}"/>
-              </a:ext>
-            </a:extLst>
-          </p:cNvPr>
-          <p:cNvSpPr txBox="1">
-            <a:spLocks/>
-          </p:cNvSpPr>
-          <p:nvPr/>
-        </p:nvSpPr>
-        <p:spPr>
-          <a:xfrm>
-            <a:off x="4572000" y="1142607"/>
-            <a:ext cx="3785850" cy="3626431"/>
-          </a:xfrm>
-          <a:prstGeom prst="rect">
-            <a:avLst/>
-          </a:prstGeom>
-          <a:noFill/>
-          <a:ln>
-            <a:noFill/>
-          </a:ln>
-        </p:spPr>
-        <p:txBody>
-          <a:bodyPr spcFirstLastPara="1" wrap="square" lIns="91425" tIns="91425" rIns="91425" bIns="91425" anchor="ctr" anchorCtr="0">
-            <a:noAutofit/>
-          </a:bodyPr>
-          <a:lstStyle>
-            <a:defPPr marR="0" lvl="0" algn="l" rtl="0">
-              <a:lnSpc>
-                <a:spcPct val="100000"/>
-              </a:lnSpc>
-              <a:spcBef>
-                <a:spcPts val="0"/>
-              </a:spcBef>
-              <a:spcAft>
-                <a:spcPts val="0"/>
-              </a:spcAft>
-            </a:defPPr>
-            <a:lvl1pPr marL="457200" marR="0" lvl="0" indent="-381000" algn="l" rtl="0">
-              <a:lnSpc>
-                <a:spcPct val="100000"/>
-              </a:lnSpc>
-              <a:spcBef>
-                <a:spcPts val="600"/>
-              </a:spcBef>
-              <a:spcAft>
-                <a:spcPts val="0"/>
-              </a:spcAft>
-              <a:buClr>
-                <a:schemeClr val="accent4"/>
-              </a:buClr>
-              <a:buSzPts val="2400"/>
-              <a:buFont typeface="Source Sans Pro"/>
-              <a:buChar char="◎"/>
-              <a:defRPr sz="2000" b="0" i="0" u="none" strike="noStrike" cap="none">
-                <a:solidFill>
-                  <a:schemeClr val="dk1"/>
-                </a:solidFill>
-                <a:latin typeface="Trebuchet MS" panose="020B0603020202020204" pitchFamily="34" charset="0"/>
-                <a:ea typeface="Source Sans Pro"/>
-                <a:cs typeface="Source Sans Pro"/>
-                <a:sym typeface="Source Sans Pro"/>
-              </a:defRPr>
-            </a:lvl1pPr>
-            <a:lvl2pPr marL="914400" marR="0" lvl="1" indent="-381000" algn="l" rtl="0">
-              <a:lnSpc>
-                <a:spcPct val="100000"/>
-              </a:lnSpc>
-              <a:spcBef>
-                <a:spcPts val="0"/>
-              </a:spcBef>
-              <a:spcAft>
-                <a:spcPts val="0"/>
-              </a:spcAft>
-              <a:buClr>
-                <a:schemeClr val="accent4"/>
-              </a:buClr>
-              <a:buSzPts val="2400"/>
-              <a:buFont typeface="Source Sans Pro"/>
-              <a:buChar char="○"/>
-              <a:defRPr sz="2400" b="0" i="0" u="none" strike="noStrike" cap="none">
-                <a:solidFill>
-                  <a:schemeClr val="dk1"/>
-                </a:solidFill>
-                <a:latin typeface="Source Sans Pro"/>
-                <a:ea typeface="Source Sans Pro"/>
-                <a:cs typeface="Source Sans Pro"/>
-                <a:sym typeface="Source Sans Pro"/>
-              </a:defRPr>
-            </a:lvl2pPr>
-            <a:lvl3pPr marL="1371600" marR="0" lvl="2" indent="-381000" algn="l" rtl="0">
-              <a:lnSpc>
-                <a:spcPct val="100000"/>
-              </a:lnSpc>
-              <a:spcBef>
-                <a:spcPts val="0"/>
-              </a:spcBef>
-              <a:spcAft>
-                <a:spcPts val="0"/>
-              </a:spcAft>
-              <a:buClr>
-                <a:schemeClr val="accent4"/>
-              </a:buClr>
-              <a:buSzPts val="2400"/>
-              <a:buFont typeface="Source Sans Pro"/>
-              <a:buChar char="◉"/>
-              <a:defRPr sz="2400" b="0" i="0" u="none" strike="noStrike" cap="none">
-                <a:solidFill>
-                  <a:schemeClr val="dk1"/>
-                </a:solidFill>
-                <a:latin typeface="Source Sans Pro"/>
-                <a:ea typeface="Source Sans Pro"/>
-                <a:cs typeface="Source Sans Pro"/>
-                <a:sym typeface="Source Sans Pro"/>
-              </a:defRPr>
-            </a:lvl3pPr>
-            <a:lvl4pPr marL="1828800" marR="0" lvl="3" indent="-381000" algn="l" rtl="0">
-              <a:lnSpc>
-                <a:spcPct val="100000"/>
-              </a:lnSpc>
-              <a:spcBef>
-                <a:spcPts val="0"/>
-              </a:spcBef>
-              <a:spcAft>
-                <a:spcPts val="0"/>
-              </a:spcAft>
-              <a:buClr>
-                <a:schemeClr val="dk1"/>
-              </a:buClr>
-              <a:buSzPts val="2400"/>
-              <a:buFont typeface="Source Sans Pro"/>
-              <a:buChar char="●"/>
-              <a:defRPr sz="2400" b="0" i="0" u="none" strike="noStrike" cap="none">
-                <a:solidFill>
-                  <a:schemeClr val="dk1"/>
-                </a:solidFill>
-                <a:latin typeface="Source Sans Pro"/>
-                <a:ea typeface="Source Sans Pro"/>
-                <a:cs typeface="Source Sans Pro"/>
-                <a:sym typeface="Source Sans Pro"/>
-              </a:defRPr>
-            </a:lvl4pPr>
-            <a:lvl5pPr marL="2286000" marR="0" lvl="4" indent="-381000" algn="l" rtl="0">
-              <a:lnSpc>
-                <a:spcPct val="100000"/>
-              </a:lnSpc>
-              <a:spcBef>
-                <a:spcPts val="0"/>
-              </a:spcBef>
-              <a:spcAft>
-                <a:spcPts val="0"/>
-              </a:spcAft>
-              <a:buClr>
-                <a:schemeClr val="dk1"/>
-              </a:buClr>
-              <a:buSzPts val="2400"/>
-              <a:buFont typeface="Source Sans Pro"/>
-              <a:buChar char="○"/>
-              <a:defRPr sz="2400" b="0" i="0" u="none" strike="noStrike" cap="none">
-                <a:solidFill>
-                  <a:schemeClr val="dk1"/>
-                </a:solidFill>
-                <a:latin typeface="Source Sans Pro"/>
-                <a:ea typeface="Source Sans Pro"/>
-                <a:cs typeface="Source Sans Pro"/>
-                <a:sym typeface="Source Sans Pro"/>
-              </a:defRPr>
-            </a:lvl5pPr>
-            <a:lvl6pPr marL="2743200" marR="0" lvl="5" indent="-381000" algn="l" rtl="0">
-              <a:lnSpc>
-                <a:spcPct val="100000"/>
-              </a:lnSpc>
-              <a:spcBef>
-                <a:spcPts val="0"/>
-              </a:spcBef>
-              <a:spcAft>
-                <a:spcPts val="0"/>
-              </a:spcAft>
-              <a:buClr>
-                <a:schemeClr val="dk1"/>
-              </a:buClr>
-              <a:buSzPts val="2400"/>
-              <a:buFont typeface="Source Sans Pro"/>
-              <a:buChar char="■"/>
-              <a:defRPr sz="2400" b="0" i="0" u="none" strike="noStrike" cap="none">
-                <a:solidFill>
-                  <a:schemeClr val="dk1"/>
-                </a:solidFill>
-                <a:latin typeface="Source Sans Pro"/>
-                <a:ea typeface="Source Sans Pro"/>
-                <a:cs typeface="Source Sans Pro"/>
-                <a:sym typeface="Source Sans Pro"/>
-              </a:defRPr>
-            </a:lvl6pPr>
-            <a:lvl7pPr marL="3200400" marR="0" lvl="6" indent="-381000" algn="l" rtl="0">
-              <a:lnSpc>
-                <a:spcPct val="100000"/>
-              </a:lnSpc>
-              <a:spcBef>
-                <a:spcPts val="0"/>
-              </a:spcBef>
-              <a:spcAft>
-                <a:spcPts val="0"/>
-              </a:spcAft>
-              <a:buClr>
-                <a:schemeClr val="dk1"/>
-              </a:buClr>
-              <a:buSzPts val="2400"/>
-              <a:buFont typeface="Source Sans Pro"/>
-              <a:buChar char="●"/>
-              <a:defRPr sz="2400" b="0" i="0" u="none" strike="noStrike" cap="none">
-                <a:solidFill>
-                  <a:schemeClr val="dk1"/>
-                </a:solidFill>
-                <a:latin typeface="Source Sans Pro"/>
-                <a:ea typeface="Source Sans Pro"/>
-                <a:cs typeface="Source Sans Pro"/>
-                <a:sym typeface="Source Sans Pro"/>
-              </a:defRPr>
-            </a:lvl7pPr>
-            <a:lvl8pPr marL="3657600" marR="0" lvl="7" indent="-381000" algn="l" rtl="0">
-              <a:lnSpc>
-                <a:spcPct val="100000"/>
-              </a:lnSpc>
-              <a:spcBef>
-                <a:spcPts val="0"/>
-              </a:spcBef>
-              <a:spcAft>
-                <a:spcPts val="0"/>
-              </a:spcAft>
-              <a:buClr>
-                <a:schemeClr val="dk1"/>
-              </a:buClr>
-              <a:buSzPts val="2400"/>
-              <a:buFont typeface="Source Sans Pro"/>
-              <a:buChar char="○"/>
-              <a:defRPr sz="2400" b="0" i="0" u="none" strike="noStrike" cap="none">
-                <a:solidFill>
-                  <a:schemeClr val="dk1"/>
-                </a:solidFill>
-                <a:latin typeface="Source Sans Pro"/>
-                <a:ea typeface="Source Sans Pro"/>
-                <a:cs typeface="Source Sans Pro"/>
-                <a:sym typeface="Source Sans Pro"/>
-              </a:defRPr>
-            </a:lvl8pPr>
-            <a:lvl9pPr marL="4114800" marR="0" lvl="8" indent="-381000" algn="l" rtl="0">
-              <a:lnSpc>
-                <a:spcPct val="100000"/>
-              </a:lnSpc>
-              <a:spcBef>
-                <a:spcPts val="0"/>
-              </a:spcBef>
-              <a:spcAft>
-                <a:spcPts val="0"/>
-              </a:spcAft>
-              <a:buClr>
-                <a:schemeClr val="dk1"/>
-              </a:buClr>
-              <a:buSzPts val="2400"/>
-              <a:buFont typeface="Source Sans Pro"/>
-              <a:buChar char="■"/>
-              <a:defRPr sz="2400" b="0" i="0" u="none" strike="noStrike" cap="none">
-                <a:solidFill>
-                  <a:schemeClr val="dk1"/>
-                </a:solidFill>
-                <a:latin typeface="Source Sans Pro"/>
-                <a:ea typeface="Source Sans Pro"/>
-                <a:cs typeface="Source Sans Pro"/>
-                <a:sym typeface="Source Sans Pro"/>
-              </a:defRPr>
-            </a:lvl9pPr>
-          </a:lstStyle>
-          <a:p>
-            <a:pPr marL="76200" indent="0">
-              <a:buNone/>
-            </a:pPr>
-            <a:r>
-              <a:rPr lang="en-US" sz="1400"/>
-              <a:t>Looping Through a Range</a:t>
-            </a:r>
-            <a:endParaRPr lang="en-US" sz="1400">
-              <a:latin typeface="Consolas" panose="020B0609020204030204" pitchFamily="49" charset="0"/>
-              <a:cs typeface="Courier New" panose="02070309020205020404" pitchFamily="49" charset="0"/>
-            </a:endParaRPr>
-          </a:p>
-          <a:p>
-            <a:pPr marL="76200" indent="0">
-              <a:buNone/>
-            </a:pPr>
-            <a:r>
-              <a:rPr lang="en-US" sz="1100">
-                <a:latin typeface="Consolas" panose="020B0609020204030204" pitchFamily="49" charset="0"/>
-                <a:cs typeface="Courier New" panose="02070309020205020404" pitchFamily="49" charset="0"/>
-              </a:rPr>
-              <a:t>for number in </a:t>
-            </a:r>
-            <a:r>
-              <a:rPr lang="en-US" sz="1100">
-                <a:solidFill>
-                  <a:schemeClr val="accent1"/>
-                </a:solidFill>
-                <a:latin typeface="Consolas" panose="020B0609020204030204" pitchFamily="49" charset="0"/>
-                <a:cs typeface="Courier New" panose="02070309020205020404" pitchFamily="49" charset="0"/>
-              </a:rPr>
-              <a:t>range(</a:t>
-            </a:r>
-            <a:r>
-              <a:rPr lang="en-US" sz="1100">
-                <a:latin typeface="Consolas" panose="020B0609020204030204" pitchFamily="49" charset="0"/>
-                <a:cs typeface="Courier New" panose="02070309020205020404" pitchFamily="49" charset="0"/>
-              </a:rPr>
-              <a:t>20</a:t>
-            </a:r>
-            <a:r>
-              <a:rPr lang="en-US" sz="1100">
-                <a:solidFill>
-                  <a:schemeClr val="accent1"/>
-                </a:solidFill>
-                <a:latin typeface="Consolas" panose="020B0609020204030204" pitchFamily="49" charset="0"/>
-                <a:cs typeface="Courier New" panose="02070309020205020404" pitchFamily="49" charset="0"/>
-              </a:rPr>
-              <a:t>)</a:t>
-            </a:r>
-            <a:r>
-              <a:rPr lang="en-US" sz="1100">
-                <a:latin typeface="Consolas" panose="020B0609020204030204" pitchFamily="49" charset="0"/>
-                <a:cs typeface="Courier New" panose="02070309020205020404" pitchFamily="49" charset="0"/>
-              </a:rPr>
-              <a:t>:</a:t>
-            </a:r>
-          </a:p>
-          <a:p>
-            <a:pPr marL="76200" indent="0">
-              <a:buNone/>
-            </a:pPr>
-            <a:r>
-              <a:rPr lang="en-US" sz="1100">
-                <a:latin typeface="Consolas" panose="020B0609020204030204" pitchFamily="49" charset="0"/>
-                <a:cs typeface="Courier New" panose="02070309020205020404" pitchFamily="49" charset="0"/>
-              </a:rPr>
-              <a:t>    print(number)</a:t>
-            </a:r>
-          </a:p>
-          <a:p>
-            <a:pPr marL="76200" indent="0">
-              <a:buNone/>
-            </a:pPr>
-            <a:endParaRPr lang="en-US" sz="1400">
-              <a:latin typeface="Consolas" panose="020B0609020204030204" pitchFamily="49" charset="0"/>
-              <a:cs typeface="Courier New" panose="02070309020205020404" pitchFamily="49" charset="0"/>
-            </a:endParaRPr>
-          </a:p>
-          <a:p>
-            <a:pPr marL="76200" indent="0">
-              <a:buNone/>
-            </a:pPr>
-            <a:r>
-              <a:rPr lang="en-US" sz="1100">
-                <a:latin typeface="Consolas" panose="020B0609020204030204" pitchFamily="49" charset="0"/>
-                <a:cs typeface="Courier New" panose="02070309020205020404" pitchFamily="49" charset="0"/>
-              </a:rPr>
-              <a:t>for number in range(5</a:t>
-            </a:r>
-            <a:r>
-              <a:rPr lang="en-US" sz="1100">
-                <a:solidFill>
-                  <a:schemeClr val="accent1"/>
-                </a:solidFill>
-                <a:latin typeface="Consolas" panose="020B0609020204030204" pitchFamily="49" charset="0"/>
-                <a:cs typeface="Courier New" panose="02070309020205020404" pitchFamily="49" charset="0"/>
-              </a:rPr>
-              <a:t>,</a:t>
-            </a:r>
-            <a:r>
-              <a:rPr lang="en-US" sz="1100">
-                <a:latin typeface="Consolas" panose="020B0609020204030204" pitchFamily="49" charset="0"/>
-                <a:cs typeface="Courier New" panose="02070309020205020404" pitchFamily="49" charset="0"/>
-              </a:rPr>
-              <a:t> 20):</a:t>
-            </a:r>
-          </a:p>
-          <a:p>
-            <a:pPr marL="76200" indent="0">
-              <a:buNone/>
-            </a:pPr>
-            <a:r>
-              <a:rPr lang="en-US" sz="1100">
-                <a:latin typeface="Consolas" panose="020B0609020204030204" pitchFamily="49" charset="0"/>
-                <a:cs typeface="Courier New" panose="02070309020205020404" pitchFamily="49" charset="0"/>
-              </a:rPr>
-              <a:t>    print(number)</a:t>
-            </a:r>
-          </a:p>
-          <a:p>
-            <a:pPr marL="76200" indent="0">
-              <a:buNone/>
-            </a:pPr>
-            <a:endParaRPr lang="en-US" sz="1100">
-              <a:latin typeface="Consolas" panose="020B0609020204030204" pitchFamily="49" charset="0"/>
-              <a:cs typeface="Courier New" panose="02070309020205020404" pitchFamily="49" charset="0"/>
-            </a:endParaRPr>
-          </a:p>
-          <a:p>
-            <a:pPr marL="76200" indent="0">
-              <a:buNone/>
-            </a:pPr>
-            <a:r>
-              <a:rPr lang="en-US" sz="1100">
-                <a:latin typeface="Consolas" panose="020B0609020204030204" pitchFamily="49" charset="0"/>
-                <a:cs typeface="Courier New" panose="02070309020205020404" pitchFamily="49" charset="0"/>
-              </a:rPr>
-              <a:t>for number in range(5</a:t>
-            </a:r>
-            <a:r>
-              <a:rPr lang="en-US" sz="1100">
-                <a:solidFill>
-                  <a:schemeClr val="accent1"/>
-                </a:solidFill>
-                <a:latin typeface="Consolas" panose="020B0609020204030204" pitchFamily="49" charset="0"/>
-                <a:cs typeface="Courier New" panose="02070309020205020404" pitchFamily="49" charset="0"/>
-              </a:rPr>
-              <a:t>,</a:t>
-            </a:r>
-            <a:r>
-              <a:rPr lang="en-US" sz="1100">
-                <a:latin typeface="Consolas" panose="020B0609020204030204" pitchFamily="49" charset="0"/>
-                <a:cs typeface="Courier New" panose="02070309020205020404" pitchFamily="49" charset="0"/>
-              </a:rPr>
-              <a:t> 20</a:t>
-            </a:r>
-            <a:r>
-              <a:rPr lang="en-US" sz="1100">
-                <a:solidFill>
-                  <a:schemeClr val="accent1"/>
-                </a:solidFill>
-                <a:latin typeface="Consolas" panose="020B0609020204030204" pitchFamily="49" charset="0"/>
-                <a:cs typeface="Courier New" panose="02070309020205020404" pitchFamily="49" charset="0"/>
-              </a:rPr>
-              <a:t>,</a:t>
-            </a:r>
-            <a:r>
-              <a:rPr lang="en-US" sz="1100">
-                <a:latin typeface="Consolas" panose="020B0609020204030204" pitchFamily="49" charset="0"/>
-                <a:cs typeface="Courier New" panose="02070309020205020404" pitchFamily="49" charset="0"/>
-              </a:rPr>
-              <a:t> 2):</a:t>
-            </a:r>
-          </a:p>
-          <a:p>
-            <a:pPr marL="76200" indent="0">
-              <a:buNone/>
-            </a:pPr>
-            <a:r>
-              <a:rPr lang="en-US" sz="1100">
-                <a:latin typeface="Consolas" panose="020B0609020204030204" pitchFamily="49" charset="0"/>
-                <a:cs typeface="Courier New" panose="02070309020205020404" pitchFamily="49" charset="0"/>
-              </a:rPr>
-              <a:t>    print(number)</a:t>
-            </a:r>
-          </a:p>
-        </p:txBody>
-      </p:sp>
     </p:spTree>
     <p:extLst>
       <p:ext uri="{BB962C8B-B14F-4D97-AF65-F5344CB8AC3E}">
-        <p14:creationId xmlns:p14="http://schemas.microsoft.com/office/powerpoint/2010/main" val="393089437"/>
+        <p14:creationId xmlns:p14="http://schemas.microsoft.com/office/powerpoint/2010/main" val="1672306859"/>
       </p:ext>
     </p:extLst>
   </p:cSld>
@@ -17321,7 +16892,7 @@
           <a:p>
             <a:r>
               <a:rPr lang="en-US"/>
-              <a:t>Break and Continue</a:t>
+              <a:t>Functions</a:t>
             </a:r>
             <a:endParaRPr lang="fa-IR"/>
           </a:p>
@@ -17358,9 +16929,114 @@
             </a:pPr>
             <a:r>
               <a:rPr lang="en-US" sz="1400"/>
-              <a:t>Break and continue </a:t>
+              <a:t>Keyword arguments</a:t>
             </a:r>
             <a:endParaRPr lang="en-US" sz="1400">
+              <a:cs typeface="Courier New" panose="02070309020205020404" pitchFamily="49" charset="0"/>
+            </a:endParaRPr>
+          </a:p>
+          <a:p>
+            <a:pPr marL="76200" indent="0">
+              <a:buNone/>
+            </a:pPr>
+            <a:r>
+              <a:rPr lang="en-US" sz="1100">
+                <a:latin typeface="Consolas" panose="020B0609020204030204" pitchFamily="49" charset="0"/>
+                <a:cs typeface="Courier New" panose="02070309020205020404" pitchFamily="49" charset="0"/>
+              </a:rPr>
+              <a:t>def greeter(firstName</a:t>
+            </a:r>
+            <a:r>
+              <a:rPr lang="en-US" sz="1100">
+                <a:solidFill>
+                  <a:schemeClr val="accent1"/>
+                </a:solidFill>
+                <a:latin typeface="Consolas" panose="020B0609020204030204" pitchFamily="49" charset="0"/>
+                <a:cs typeface="Courier New" panose="02070309020205020404" pitchFamily="49" charset="0"/>
+              </a:rPr>
+              <a:t>,</a:t>
+            </a:r>
+            <a:r>
+              <a:rPr lang="en-US" sz="1100">
+                <a:latin typeface="Consolas" panose="020B0609020204030204" pitchFamily="49" charset="0"/>
+                <a:cs typeface="Courier New" panose="02070309020205020404" pitchFamily="49" charset="0"/>
+              </a:rPr>
+              <a:t> lastName):</a:t>
+            </a:r>
+          </a:p>
+          <a:p>
+            <a:pPr marL="76200" indent="0">
+              <a:buNone/>
+            </a:pPr>
+            <a:r>
+              <a:rPr lang="en-US" sz="1100">
+                <a:solidFill>
+                  <a:schemeClr val="accent1"/>
+                </a:solidFill>
+                <a:latin typeface="Consolas" panose="020B0609020204030204" pitchFamily="49" charset="0"/>
+                <a:cs typeface="Courier New" panose="02070309020205020404" pitchFamily="49" charset="0"/>
+              </a:rPr>
+              <a:t>    </a:t>
+            </a:r>
+            <a:r>
+              <a:rPr lang="en-US" sz="1100">
+                <a:latin typeface="Consolas" panose="020B0609020204030204" pitchFamily="49" charset="0"/>
+                <a:cs typeface="Courier New" panose="02070309020205020404" pitchFamily="49" charset="0"/>
+              </a:rPr>
+              <a:t>return f'Hello {firstName} {lastName}!'</a:t>
+            </a:r>
+          </a:p>
+          <a:p>
+            <a:pPr marL="76200" indent="0">
+              <a:buNone/>
+            </a:pPr>
+            <a:r>
+              <a:rPr lang="en-US" sz="1100">
+                <a:latin typeface="Consolas" panose="020B0609020204030204" pitchFamily="49" charset="0"/>
+                <a:cs typeface="Courier New" panose="02070309020205020404" pitchFamily="49" charset="0"/>
+              </a:rPr>
+              <a:t>print(greeter(lastName </a:t>
+            </a:r>
+            <a:r>
+              <a:rPr lang="en-US" sz="1100">
+                <a:solidFill>
+                  <a:schemeClr val="accent1"/>
+                </a:solidFill>
+                <a:latin typeface="Consolas" panose="020B0609020204030204" pitchFamily="49" charset="0"/>
+                <a:cs typeface="Courier New" panose="02070309020205020404" pitchFamily="49" charset="0"/>
+              </a:rPr>
+              <a:t>=</a:t>
+            </a:r>
+            <a:r>
+              <a:rPr lang="en-US" sz="1100">
+                <a:latin typeface="Consolas" panose="020B0609020204030204" pitchFamily="49" charset="0"/>
+                <a:cs typeface="Courier New" panose="02070309020205020404" pitchFamily="49" charset="0"/>
+              </a:rPr>
+              <a:t> 'Nezhadshamsi', firstName </a:t>
+            </a:r>
+            <a:r>
+              <a:rPr lang="en-US" sz="1100">
+                <a:solidFill>
+                  <a:schemeClr val="accent1"/>
+                </a:solidFill>
+                <a:latin typeface="Consolas" panose="020B0609020204030204" pitchFamily="49" charset="0"/>
+                <a:cs typeface="Courier New" panose="02070309020205020404" pitchFamily="49" charset="0"/>
+              </a:rPr>
+              <a:t>=</a:t>
+            </a:r>
+            <a:r>
+              <a:rPr lang="en-US" sz="1100">
+                <a:latin typeface="Consolas" panose="020B0609020204030204" pitchFamily="49" charset="0"/>
+                <a:cs typeface="Courier New" panose="02070309020205020404" pitchFamily="49" charset="0"/>
+              </a:rPr>
+              <a:t> 'Alireza'))</a:t>
+            </a:r>
+          </a:p>
+          <a:p>
+            <a:pPr marL="76200" indent="0">
+              <a:buNone/>
+            </a:pPr>
+            <a:endParaRPr lang="en-US" sz="1100">
               <a:latin typeface="Consolas" panose="020B0609020204030204" pitchFamily="49" charset="0"/>
               <a:cs typeface="Courier New" panose="02070309020205020404" pitchFamily="49" charset="0"/>
             </a:endParaRPr>
@@ -17370,35 +17046,20 @@
               <a:buNone/>
             </a:pPr>
             <a:r>
-              <a:rPr lang="en-US" sz="1100">
-                <a:latin typeface="Consolas" panose="020B0609020204030204" pitchFamily="49" charset="0"/>
-                <a:cs typeface="Courier New" panose="02070309020205020404" pitchFamily="49" charset="0"/>
-              </a:rPr>
-              <a:t>for i in range(10):</a:t>
-            </a:r>
-          </a:p>
-          <a:p>
-            <a:pPr marL="76200" indent="0">
-              <a:buNone/>
-            </a:pPr>
-            <a:r>
-              <a:rPr lang="en-US" sz="1100">
-                <a:latin typeface="Consolas" panose="020B0609020204030204" pitchFamily="49" charset="0"/>
-                <a:cs typeface="Courier New" panose="02070309020205020404" pitchFamily="49" charset="0"/>
-              </a:rPr>
-              <a:t>    if i == 2:</a:t>
-            </a:r>
-          </a:p>
-          <a:p>
-            <a:pPr marL="76200" indent="0">
-              <a:buNone/>
-            </a:pPr>
-            <a:r>
-              <a:rPr lang="en-US" sz="1100">
-                <a:latin typeface="Consolas" panose="020B0609020204030204" pitchFamily="49" charset="0"/>
-                <a:cs typeface="Courier New" panose="02070309020205020404" pitchFamily="49" charset="0"/>
-              </a:rPr>
-              <a:t>        </a:t>
+              <a:rPr lang="en-US" sz="1400"/>
+              <a:t>Default parameter value</a:t>
+            </a:r>
+          </a:p>
+          <a:p>
+            <a:pPr marL="76200" indent="0">
+              <a:buNone/>
+            </a:pPr>
+            <a:r>
+              <a:rPr lang="en-US" sz="1100">
+                <a:latin typeface="Consolas" panose="020B0609020204030204" pitchFamily="49" charset="0"/>
+                <a:cs typeface="Courier New" panose="02070309020205020404" pitchFamily="49" charset="0"/>
+              </a:rPr>
+              <a:t>def greeter(firstName </a:t>
             </a:r>
             <a:r>
               <a:rPr lang="en-US" sz="1100">
@@ -17408,31 +17069,14 @@
                 <a:latin typeface="Consolas" panose="020B0609020204030204" pitchFamily="49" charset="0"/>
                 <a:cs typeface="Courier New" panose="02070309020205020404" pitchFamily="49" charset="0"/>
               </a:rPr>
-              <a:t>continue</a:t>
-            </a:r>
-          </a:p>
-          <a:p>
-            <a:pPr marL="76200" indent="0">
-              <a:buNone/>
-            </a:pPr>
-            <a:r>
-              <a:rPr lang="en-US" sz="1100">
-                <a:latin typeface="Consolas" panose="020B0609020204030204" pitchFamily="49" charset="0"/>
-                <a:cs typeface="Courier New" panose="02070309020205020404" pitchFamily="49" charset="0"/>
-              </a:rPr>
-              <a:t>    if i == 5:</a:t>
-            </a:r>
-          </a:p>
-          <a:p>
-            <a:pPr marL="76200" indent="0">
-              <a:buNone/>
-            </a:pPr>
-            <a:r>
-              <a:rPr lang="en-US" sz="1100">
-                <a:latin typeface="Consolas" panose="020B0609020204030204" pitchFamily="49" charset="0"/>
-                <a:cs typeface="Courier New" panose="02070309020205020404" pitchFamily="49" charset="0"/>
-              </a:rPr>
-              <a:t>        </a:t>
+              <a:t>=</a:t>
+            </a:r>
+            <a:r>
+              <a:rPr lang="en-US" sz="1100">
+                <a:latin typeface="Consolas" panose="020B0609020204030204" pitchFamily="49" charset="0"/>
+                <a:cs typeface="Courier New" panose="02070309020205020404" pitchFamily="49" charset="0"/>
+              </a:rPr>
+              <a:t> 'Dear', lastName </a:t>
             </a:r>
             <a:r>
               <a:rPr lang="en-US" sz="1100">
@@ -17442,43 +17086,48 @@
                 <a:latin typeface="Consolas" panose="020B0609020204030204" pitchFamily="49" charset="0"/>
                 <a:cs typeface="Courier New" panose="02070309020205020404" pitchFamily="49" charset="0"/>
               </a:rPr>
-              <a:t>break</a:t>
-            </a:r>
-          </a:p>
-          <a:p>
-            <a:pPr marL="76200" indent="0">
-              <a:buNone/>
-            </a:pPr>
-            <a:r>
-              <a:rPr lang="en-US" sz="1100">
-                <a:latin typeface="Consolas" panose="020B0609020204030204" pitchFamily="49" charset="0"/>
-                <a:cs typeface="Courier New" panose="02070309020205020404" pitchFamily="49" charset="0"/>
-              </a:rPr>
-              <a:t>    print(i)</a:t>
-            </a:r>
-          </a:p>
-          <a:p>
-            <a:pPr marL="76200" indent="0">
-              <a:buNone/>
-            </a:pPr>
-            <a:r>
-              <a:rPr lang="nn-NO" sz="1100">
-                <a:latin typeface="Consolas" panose="020B0609020204030204" pitchFamily="49" charset="0"/>
-                <a:cs typeface="Courier New" panose="02070309020205020404" pitchFamily="49" charset="0"/>
-              </a:rPr>
-              <a:t>else:</a:t>
-            </a:r>
-          </a:p>
-          <a:p>
-            <a:pPr marL="76200" indent="0">
-              <a:buNone/>
-            </a:pPr>
-            <a:r>
-              <a:rPr lang="nn-NO" sz="1100">
-                <a:latin typeface="Consolas" panose="020B0609020204030204" pitchFamily="49" charset="0"/>
-                <a:cs typeface="Courier New" panose="02070309020205020404" pitchFamily="49" charset="0"/>
-              </a:rPr>
-              <a:t>    print(f'Finished after {i} loops')</a:t>
+              <a:t>=</a:t>
+            </a:r>
+            <a:r>
+              <a:rPr lang="en-US" sz="1100">
+                <a:latin typeface="Consolas" panose="020B0609020204030204" pitchFamily="49" charset="0"/>
+                <a:cs typeface="Courier New" panose="02070309020205020404" pitchFamily="49" charset="0"/>
+              </a:rPr>
+              <a:t> 'user'):</a:t>
+            </a:r>
+          </a:p>
+          <a:p>
+            <a:pPr marL="76200" indent="0">
+              <a:buNone/>
+            </a:pPr>
+            <a:r>
+              <a:rPr lang="en-US" sz="1100">
+                <a:solidFill>
+                  <a:schemeClr val="accent1"/>
+                </a:solidFill>
+                <a:latin typeface="Consolas" panose="020B0609020204030204" pitchFamily="49" charset="0"/>
+                <a:cs typeface="Courier New" panose="02070309020205020404" pitchFamily="49" charset="0"/>
+              </a:rPr>
+              <a:t>    </a:t>
+            </a:r>
+            <a:r>
+              <a:rPr lang="en-US" sz="1100">
+                <a:latin typeface="Consolas" panose="020B0609020204030204" pitchFamily="49" charset="0"/>
+                <a:cs typeface="Courier New" panose="02070309020205020404" pitchFamily="49" charset="0"/>
+              </a:rPr>
+              <a:t>return f'Hello {firstName} {lastName}!'</a:t>
+            </a:r>
+          </a:p>
+          <a:p>
+            <a:pPr marL="76200" indent="0">
+              <a:buNone/>
+            </a:pPr>
+            <a:r>
+              <a:rPr lang="en-US" sz="1100">
+                <a:latin typeface="Consolas" panose="020B0609020204030204" pitchFamily="49" charset="0"/>
+                <a:cs typeface="Courier New" panose="02070309020205020404" pitchFamily="49" charset="0"/>
+              </a:rPr>
+              <a:t>print(greeter('Alireza', 'Nezhadshamsi'))</a:t>
             </a:r>
           </a:p>
         </p:txBody>
@@ -17524,7 +17173,7 @@
     </p:spTree>
     <p:extLst>
       <p:ext uri="{BB962C8B-B14F-4D97-AF65-F5344CB8AC3E}">
-        <p14:creationId xmlns:p14="http://schemas.microsoft.com/office/powerpoint/2010/main" val="3861758209"/>
+        <p14:creationId xmlns:p14="http://schemas.microsoft.com/office/powerpoint/2010/main" val="2571995706"/>
       </p:ext>
     </p:extLst>
   </p:cSld>
@@ -17574,7 +17223,7 @@
           <a:p>
             <a:r>
               <a:rPr lang="en-US"/>
-              <a:t>Nested Loops</a:t>
+              <a:t>Lambda</a:t>
             </a:r>
             <a:endParaRPr lang="fa-IR"/>
           </a:p>
@@ -17611,9 +17260,55 @@
             </a:pPr>
             <a:r>
               <a:rPr lang="en-US" sz="1400"/>
-              <a:t>Nested while and for loops</a:t>
-            </a:r>
-            <a:endParaRPr lang="en-US" sz="1400">
+              <a:t>Small anonymous functions</a:t>
+            </a:r>
+          </a:p>
+          <a:p>
+            <a:pPr marL="76200" indent="0">
+              <a:buNone/>
+            </a:pPr>
+            <a:r>
+              <a:rPr lang="en-US" sz="1100">
+                <a:latin typeface="Consolas" panose="020B0609020204030204" pitchFamily="49" charset="0"/>
+                <a:cs typeface="Courier New" panose="02070309020205020404" pitchFamily="49" charset="0"/>
+              </a:rPr>
+              <a:t>greeter = </a:t>
+            </a:r>
+            <a:r>
+              <a:rPr lang="en-US" sz="1100">
+                <a:solidFill>
+                  <a:schemeClr val="accent1"/>
+                </a:solidFill>
+                <a:latin typeface="Consolas" panose="020B0609020204030204" pitchFamily="49" charset="0"/>
+                <a:cs typeface="Courier New" panose="02070309020205020404" pitchFamily="49" charset="0"/>
+              </a:rPr>
+              <a:t>lambda:</a:t>
+            </a:r>
+            <a:r>
+              <a:rPr lang="en-US" sz="1100">
+                <a:latin typeface="Consolas" panose="020B0609020204030204" pitchFamily="49" charset="0"/>
+                <a:cs typeface="Courier New" panose="02070309020205020404" pitchFamily="49" charset="0"/>
+              </a:rPr>
+              <a:t> print('Hello')</a:t>
+            </a:r>
+          </a:p>
+          <a:p>
+            <a:pPr marL="76200" indent="0">
+              <a:buNone/>
+            </a:pPr>
+            <a:r>
+              <a:rPr lang="en-US" sz="1100">
+                <a:latin typeface="Consolas" panose="020B0609020204030204" pitchFamily="49" charset="0"/>
+                <a:cs typeface="Courier New" panose="02070309020205020404" pitchFamily="49" charset="0"/>
+              </a:rPr>
+              <a:t>print(greeter())</a:t>
+            </a:r>
+          </a:p>
+          <a:p>
+            <a:pPr marL="76200" indent="0">
+              <a:buNone/>
+            </a:pPr>
+            <a:endParaRPr lang="en-US" sz="1100">
               <a:latin typeface="Consolas" panose="020B0609020204030204" pitchFamily="49" charset="0"/>
               <a:cs typeface="Courier New" panose="02070309020205020404" pitchFamily="49" charset="0"/>
             </a:endParaRPr>
@@ -17623,41 +17318,21 @@
               <a:buNone/>
             </a:pPr>
             <a:r>
-              <a:rPr lang="en-US" sz="1100">
-                <a:latin typeface="Consolas" panose="020B0609020204030204" pitchFamily="49" charset="0"/>
-                <a:cs typeface="Courier New" panose="02070309020205020404" pitchFamily="49" charset="0"/>
-              </a:rPr>
-              <a:t>number = 2</a:t>
-            </a:r>
-          </a:p>
-          <a:p>
-            <a:pPr marL="76200" indent="0">
-              <a:buNone/>
-            </a:pPr>
-            <a:r>
-              <a:rPr lang="en-US" sz="1100">
-                <a:latin typeface="Consolas" panose="020B0609020204030204" pitchFamily="49" charset="0"/>
-                <a:cs typeface="Courier New" panose="02070309020205020404" pitchFamily="49" charset="0"/>
-              </a:rPr>
-              <a:t>adjectives = ['big', 'tasty']</a:t>
-            </a:r>
-          </a:p>
-          <a:p>
-            <a:pPr marL="76200" indent="0">
-              <a:buNone/>
-            </a:pPr>
-            <a:r>
-              <a:rPr lang="en-US" sz="1100">
-                <a:latin typeface="Consolas" panose="020B0609020204030204" pitchFamily="49" charset="0"/>
-                <a:cs typeface="Courier New" panose="02070309020205020404" pitchFamily="49" charset="0"/>
-              </a:rPr>
-              <a:t>fruits = ['apple', 'banana', 'orange']</a:t>
-            </a:r>
-          </a:p>
-          <a:p>
-            <a:pPr marL="76200" indent="0">
-              <a:buNone/>
-            </a:pPr>
+              <a:rPr lang="en-US" sz="1400"/>
+              <a:t>Arguments </a:t>
+            </a:r>
+          </a:p>
+          <a:p>
+            <a:pPr marL="76200" indent="0">
+              <a:buNone/>
+            </a:pPr>
+            <a:r>
+              <a:rPr lang="en-US" sz="1100">
+                <a:latin typeface="Consolas" panose="020B0609020204030204" pitchFamily="49" charset="0"/>
+                <a:cs typeface="Courier New" panose="02070309020205020404" pitchFamily="49" charset="0"/>
+              </a:rPr>
+              <a:t>greeter = (lambda name </a:t>
+            </a:r>
             <a:r>
               <a:rPr lang="en-US" sz="1100">
                 <a:solidFill>
@@ -17666,20 +17341,27 @@
                 <a:latin typeface="Consolas" panose="020B0609020204030204" pitchFamily="49" charset="0"/>
                 <a:cs typeface="Courier New" panose="02070309020205020404" pitchFamily="49" charset="0"/>
               </a:rPr>
-              <a:t>while</a:t>
-            </a:r>
-            <a:r>
-              <a:rPr lang="en-US" sz="1100">
-                <a:latin typeface="Consolas" panose="020B0609020204030204" pitchFamily="49" charset="0"/>
-                <a:cs typeface="Courier New" panose="02070309020205020404" pitchFamily="49" charset="0"/>
-              </a:rPr>
-              <a:t> number &lt; 5:</a:t>
-            </a:r>
-          </a:p>
-          <a:p>
-            <a:pPr marL="76200" indent="0">
-              <a:buNone/>
-            </a:pPr>
+              <a:t>=</a:t>
+            </a:r>
+            <a:r>
+              <a:rPr lang="en-US" sz="1100">
+                <a:latin typeface="Consolas" panose="020B0609020204030204" pitchFamily="49" charset="0"/>
+                <a:cs typeface="Courier New" panose="02070309020205020404" pitchFamily="49" charset="0"/>
+              </a:rPr>
+              <a:t> 'Dear user': f'Hello {name}!')</a:t>
+            </a:r>
+          </a:p>
+          <a:p>
+            <a:pPr marL="76200" indent="0">
+              <a:buNone/>
+            </a:pPr>
+            <a:r>
+              <a:rPr lang="en-US" sz="1100">
+                <a:latin typeface="Consolas" panose="020B0609020204030204" pitchFamily="49" charset="0"/>
+                <a:cs typeface="Courier New" panose="02070309020205020404" pitchFamily="49" charset="0"/>
+              </a:rPr>
+              <a:t>print(greeter(name </a:t>
+            </a:r>
             <a:r>
               <a:rPr lang="en-US" sz="1100">
                 <a:solidFill>
@@ -17688,67 +17370,14 @@
                 <a:latin typeface="Consolas" panose="020B0609020204030204" pitchFamily="49" charset="0"/>
                 <a:cs typeface="Courier New" panose="02070309020205020404" pitchFamily="49" charset="0"/>
               </a:rPr>
-              <a:t>    for</a:t>
-            </a:r>
-            <a:r>
-              <a:rPr lang="en-US" sz="1100">
-                <a:latin typeface="Consolas" panose="020B0609020204030204" pitchFamily="49" charset="0"/>
-                <a:cs typeface="Courier New" panose="02070309020205020404" pitchFamily="49" charset="0"/>
-              </a:rPr>
-              <a:t> adjective in adj:</a:t>
-            </a:r>
-          </a:p>
-          <a:p>
-            <a:pPr marL="76200" indent="0">
-              <a:buNone/>
-            </a:pPr>
-            <a:r>
-              <a:rPr lang="en-US" sz="1100">
-                <a:latin typeface="Consolas" panose="020B0609020204030204" pitchFamily="49" charset="0"/>
-                <a:cs typeface="Courier New" panose="02070309020205020404" pitchFamily="49" charset="0"/>
-              </a:rPr>
-              <a:t>        </a:t>
-            </a:r>
-            <a:r>
-              <a:rPr lang="en-US" sz="1100">
-                <a:solidFill>
-                  <a:schemeClr val="accent1"/>
-                </a:solidFill>
-                <a:latin typeface="Consolas" panose="020B0609020204030204" pitchFamily="49" charset="0"/>
-                <a:cs typeface="Courier New" panose="02070309020205020404" pitchFamily="49" charset="0"/>
-              </a:rPr>
-              <a:t>for</a:t>
-            </a:r>
-            <a:r>
-              <a:rPr lang="en-US" sz="1100">
-                <a:latin typeface="Consolas" panose="020B0609020204030204" pitchFamily="49" charset="0"/>
-                <a:cs typeface="Courier New" panose="02070309020205020404" pitchFamily="49" charset="0"/>
-              </a:rPr>
-              <a:t> fruit in fruits:</a:t>
-            </a:r>
-          </a:p>
-          <a:p>
-            <a:pPr marL="76200" indent="0">
-              <a:buNone/>
-            </a:pPr>
-            <a:r>
-              <a:rPr lang="en-US" sz="1100">
-                <a:latin typeface="Consolas" panose="020B0609020204030204" pitchFamily="49" charset="0"/>
-                <a:cs typeface="Courier New" panose="02070309020205020404" pitchFamily="49" charset="0"/>
-              </a:rPr>
-              <a:t>            print(f'{number} {adjective} {fruit}s') </a:t>
-            </a:r>
-          </a:p>
-          <a:p>
-            <a:pPr marL="76200" indent="0">
-              <a:buNone/>
-            </a:pPr>
-            <a:r>
-              <a:rPr lang="en-US" sz="1100">
-                <a:latin typeface="Consolas" panose="020B0609020204030204" pitchFamily="49" charset="0"/>
-                <a:cs typeface="Courier New" panose="02070309020205020404" pitchFamily="49" charset="0"/>
-              </a:rPr>
-              <a:t>    number += 1</a:t>
+              <a:t>=</a:t>
+            </a:r>
+            <a:r>
+              <a:rPr lang="en-US" sz="1100">
+                <a:latin typeface="Consolas" panose="020B0609020204030204" pitchFamily="49" charset="0"/>
+                <a:cs typeface="Courier New" panose="02070309020205020404" pitchFamily="49" charset="0"/>
+              </a:rPr>
+              <a:t> 'Alireza'))</a:t>
             </a:r>
           </a:p>
         </p:txBody>
@@ -17794,7 +17423,7 @@
     </p:spTree>
     <p:extLst>
       <p:ext uri="{BB962C8B-B14F-4D97-AF65-F5344CB8AC3E}">
-        <p14:creationId xmlns:p14="http://schemas.microsoft.com/office/powerpoint/2010/main" val="42047317"/>
+        <p14:creationId xmlns:p14="http://schemas.microsoft.com/office/powerpoint/2010/main" val="801939220"/>
       </p:ext>
     </p:extLst>
   </p:cSld>
@@ -17861,7 +17490,7 @@
                   <a:srgbClr val="E6E6E6"/>
                 </a:solidFill>
               </a:rPr>
-              <a:t>4</a:t>
+              <a:t>5</a:t>
             </a:r>
             <a:endParaRPr sz="6000">
               <a:solidFill>
@@ -17881,7 +17510,7 @@
             </a:pPr>
             <a:r>
               <a:rPr lang="en-US"/>
-              <a:t>Functions</a:t>
+              <a:t>Errors</a:t>
             </a:r>
           </a:p>
         </p:txBody>
@@ -17931,7 +17560,7 @@
     </p:spTree>
     <p:extLst>
       <p:ext uri="{BB962C8B-B14F-4D97-AF65-F5344CB8AC3E}">
-        <p14:creationId xmlns:p14="http://schemas.microsoft.com/office/powerpoint/2010/main" val="4104049225"/>
+        <p14:creationId xmlns:p14="http://schemas.microsoft.com/office/powerpoint/2010/main" val="3127425664"/>
       </p:ext>
     </p:extLst>
   </p:cSld>
@@ -17981,7 +17610,7 @@
           <a:p>
             <a:r>
               <a:rPr lang="en-US"/>
-              <a:t>Functions</a:t>
+              <a:t>Try Except</a:t>
             </a:r>
             <a:endParaRPr lang="fa-IR"/>
           </a:p>
@@ -18018,7 +17647,7 @@
             </a:pPr>
             <a:r>
               <a:rPr lang="en-US" sz="1400"/>
-              <a:t>Blocks of code which only run when they are called</a:t>
+              <a:t>Test a block of code for errors and handle the error</a:t>
             </a:r>
           </a:p>
           <a:p>
@@ -18033,15 +17662,25 @@
                 <a:latin typeface="Consolas" panose="020B0609020204030204" pitchFamily="49" charset="0"/>
                 <a:cs typeface="Courier New" panose="02070309020205020404" pitchFamily="49" charset="0"/>
               </a:rPr>
-              <a:t>def</a:t>
-            </a:r>
-            <a:r>
-              <a:rPr lang="en-US" sz="1100">
-                <a:latin typeface="Consolas" panose="020B0609020204030204" pitchFamily="49" charset="0"/>
-                <a:cs typeface="Courier New" panose="02070309020205020404" pitchFamily="49" charset="0"/>
-              </a:rPr>
-              <a:t> greeter</a:t>
-            </a:r>
+              <a:t>try:</a:t>
+            </a:r>
+          </a:p>
+          <a:p>
+            <a:pPr marL="76200" indent="0">
+              <a:buNone/>
+            </a:pPr>
+            <a:r>
+              <a:rPr lang="en-US" sz="1100">
+                <a:latin typeface="Consolas" panose="020B0609020204030204" pitchFamily="49" charset="0"/>
+                <a:cs typeface="Courier New" panose="02070309020205020404" pitchFamily="49" charset="0"/>
+              </a:rPr>
+              <a:t>    print(x)</a:t>
+            </a:r>
+          </a:p>
+          <a:p>
+            <a:pPr marL="76200" indent="0">
+              <a:buNone/>
+            </a:pPr>
             <a:r>
               <a:rPr lang="en-US" sz="1100">
                 <a:solidFill>
@@ -18050,31 +17689,14 @@
                 <a:latin typeface="Consolas" panose="020B0609020204030204" pitchFamily="49" charset="0"/>
                 <a:cs typeface="Courier New" panose="02070309020205020404" pitchFamily="49" charset="0"/>
               </a:rPr>
-              <a:t>():</a:t>
-            </a:r>
-          </a:p>
-          <a:p>
-            <a:pPr marL="76200" indent="0">
-              <a:buNone/>
-            </a:pPr>
-            <a:r>
-              <a:rPr lang="en-US" sz="1100">
-                <a:latin typeface="Consolas" panose="020B0609020204030204" pitchFamily="49" charset="0"/>
-                <a:cs typeface="Courier New" panose="02070309020205020404" pitchFamily="49" charset="0"/>
-              </a:rPr>
-              <a:t>    print('Hello!')</a:t>
-            </a:r>
-          </a:p>
-          <a:p>
-            <a:pPr marL="76200" indent="0">
-              <a:buNone/>
-            </a:pPr>
-            <a:r>
-              <a:rPr lang="en-US" sz="1100">
-                <a:latin typeface="Consolas" panose="020B0609020204030204" pitchFamily="49" charset="0"/>
-                <a:cs typeface="Courier New" panose="02070309020205020404" pitchFamily="49" charset="0"/>
-              </a:rPr>
-              <a:t>greeter</a:t>
+              <a:t>except</a:t>
+            </a:r>
+            <a:r>
+              <a:rPr lang="en-US" sz="1100">
+                <a:latin typeface="Consolas" panose="020B0609020204030204" pitchFamily="49" charset="0"/>
+                <a:cs typeface="Courier New" panose="02070309020205020404" pitchFamily="49" charset="0"/>
+              </a:rPr>
+              <a:t> NameError</a:t>
             </a:r>
             <a:r>
               <a:rPr lang="en-US" sz="1100">
@@ -18084,65 +17706,25 @@
                 <a:latin typeface="Consolas" panose="020B0609020204030204" pitchFamily="49" charset="0"/>
                 <a:cs typeface="Courier New" panose="02070309020205020404" pitchFamily="49" charset="0"/>
               </a:rPr>
-              <a:t>()</a:t>
-            </a:r>
-          </a:p>
-          <a:p>
-            <a:pPr marL="76200" indent="0">
-              <a:buNone/>
-            </a:pPr>
-            <a:endParaRPr lang="en-US" sz="1100">
-              <a:latin typeface="Consolas" panose="020B0609020204030204" pitchFamily="49" charset="0"/>
-              <a:cs typeface="Courier New" panose="02070309020205020404" pitchFamily="49" charset="0"/>
-            </a:endParaRPr>
-          </a:p>
-          <a:p>
-            <a:pPr marL="76200" indent="0">
-              <a:buNone/>
-            </a:pPr>
-            <a:r>
-              <a:rPr lang="en-US" sz="1400"/>
-              <a:t>Arguments and return</a:t>
-            </a:r>
-            <a:endParaRPr lang="en-US" sz="1400">
-              <a:cs typeface="Courier New" panose="02070309020205020404" pitchFamily="49" charset="0"/>
-            </a:endParaRPr>
-          </a:p>
-          <a:p>
-            <a:pPr marL="76200" indent="0">
-              <a:buNone/>
-            </a:pPr>
-            <a:r>
-              <a:rPr lang="en-US" sz="1100">
-                <a:latin typeface="Consolas" panose="020B0609020204030204" pitchFamily="49" charset="0"/>
-                <a:cs typeface="Courier New" panose="02070309020205020404" pitchFamily="49" charset="0"/>
-              </a:rPr>
-              <a:t>def greeter(firstName, lastName):</a:t>
-            </a:r>
-          </a:p>
-          <a:p>
-            <a:pPr marL="76200" indent="0">
-              <a:buNone/>
-            </a:pPr>
-            <a:r>
-              <a:rPr lang="en-US" sz="1100">
-                <a:latin typeface="Consolas" panose="020B0609020204030204" pitchFamily="49" charset="0"/>
-                <a:cs typeface="Courier New" panose="02070309020205020404" pitchFamily="49" charset="0"/>
-              </a:rPr>
-              <a:t>    greeting = f'Hello {name}!'</a:t>
-            </a:r>
-          </a:p>
-          <a:p>
-            <a:pPr marL="76200" indent="0">
-              <a:buNone/>
-            </a:pPr>
-            <a:r>
-              <a:rPr lang="en-US" sz="1100">
-                <a:latin typeface="Consolas" panose="020B0609020204030204" pitchFamily="49" charset="0"/>
-                <a:cs typeface="Courier New" panose="02070309020205020404" pitchFamily="49" charset="0"/>
-              </a:rPr>
-              <a:t>    </a:t>
-            </a:r>
+              <a:t>:</a:t>
+            </a:r>
+          </a:p>
+          <a:p>
+            <a:pPr marL="76200" indent="0">
+              <a:buNone/>
+            </a:pPr>
+            <a:r>
+              <a:rPr lang="en-US" sz="1100">
+                <a:latin typeface="Consolas" panose="020B0609020204030204" pitchFamily="49" charset="0"/>
+                <a:cs typeface="Courier New" panose="02070309020205020404" pitchFamily="49" charset="0"/>
+              </a:rPr>
+              <a:t>    print('Variable x is not defined')</a:t>
+            </a:r>
+          </a:p>
+          <a:p>
+            <a:pPr marL="76200" indent="0">
+              <a:buNone/>
+            </a:pPr>
             <a:r>
               <a:rPr lang="en-US" sz="1100">
                 <a:solidFill>
@@ -18151,38 +17733,46 @@
                 <a:latin typeface="Consolas" panose="020B0609020204030204" pitchFamily="49" charset="0"/>
                 <a:cs typeface="Courier New" panose="02070309020205020404" pitchFamily="49" charset="0"/>
               </a:rPr>
-              <a:t>return </a:t>
-            </a:r>
-            <a:r>
-              <a:rPr lang="en-US" sz="1100">
-                <a:latin typeface="Consolas" panose="020B0609020204030204" pitchFamily="49" charset="0"/>
-                <a:cs typeface="Courier New" panose="02070309020205020404" pitchFamily="49" charset="0"/>
-              </a:rPr>
-              <a:t>greeting</a:t>
-            </a:r>
-          </a:p>
-          <a:p>
-            <a:pPr marL="76200" indent="0">
-              <a:buNone/>
-            </a:pPr>
-            <a:r>
-              <a:rPr lang="en-US" sz="1100">
-                <a:latin typeface="Consolas" panose="020B0609020204030204" pitchFamily="49" charset="0"/>
-                <a:cs typeface="Courier New" panose="02070309020205020404" pitchFamily="49" charset="0"/>
-              </a:rPr>
-              <a:t>message = greeter('Alireza', 'Nezhadshamsi')</a:t>
-            </a:r>
-          </a:p>
-          <a:p>
-            <a:pPr marL="76200" indent="0">
-              <a:buNone/>
-            </a:pPr>
-            <a:r>
-              <a:rPr lang="en-US" sz="1100">
-                <a:latin typeface="Consolas" panose="020B0609020204030204" pitchFamily="49" charset="0"/>
-                <a:cs typeface="Courier New" panose="02070309020205020404" pitchFamily="49" charset="0"/>
-              </a:rPr>
-              <a:t>print(message)</a:t>
+              <a:t>except:</a:t>
+            </a:r>
+          </a:p>
+          <a:p>
+            <a:pPr marL="76200" indent="0">
+              <a:buNone/>
+            </a:pPr>
+            <a:r>
+              <a:rPr lang="en-US" sz="1100">
+                <a:latin typeface="Consolas" panose="020B0609020204030204" pitchFamily="49" charset="0"/>
+                <a:cs typeface="Courier New" panose="02070309020205020404" pitchFamily="49" charset="0"/>
+              </a:rPr>
+              <a:t>    print('Something else went wrong')</a:t>
+            </a:r>
+          </a:p>
+          <a:p>
+            <a:pPr marL="76200" indent="0">
+              <a:buNone/>
+            </a:pPr>
+            <a:r>
+              <a:rPr lang="en-US" sz="1100">
+                <a:solidFill>
+                  <a:schemeClr val="accent1"/>
+                </a:solidFill>
+                <a:latin typeface="Consolas" panose="020B0609020204030204" pitchFamily="49" charset="0"/>
+                <a:cs typeface="Courier New" panose="02070309020205020404" pitchFamily="49" charset="0"/>
+              </a:rPr>
+              <a:t>else:</a:t>
+            </a:r>
+          </a:p>
+          <a:p>
+            <a:pPr marL="76200" indent="0">
+              <a:buNone/>
+            </a:pPr>
+            <a:r>
+              <a:rPr lang="en-US" sz="1100">
+                <a:latin typeface="Consolas" panose="020B0609020204030204" pitchFamily="49" charset="0"/>
+                <a:cs typeface="Courier New" panose="02070309020205020404" pitchFamily="49" charset="0"/>
+              </a:rPr>
+              <a:t>    print('Nothing went wrong')</a:t>
             </a:r>
           </a:p>
         </p:txBody>
@@ -18228,7 +17818,7 @@
     </p:spTree>
     <p:extLst>
       <p:ext uri="{BB962C8B-B14F-4D97-AF65-F5344CB8AC3E}">
-        <p14:creationId xmlns:p14="http://schemas.microsoft.com/office/powerpoint/2010/main" val="1672306859"/>
+        <p14:creationId xmlns:p14="http://schemas.microsoft.com/office/powerpoint/2010/main" val="4114768450"/>
       </p:ext>
     </p:extLst>
   </p:cSld>
@@ -18516,7 +18106,7 @@
           <a:p>
             <a:r>
               <a:rPr lang="en-US"/>
-              <a:t>Function Arguments</a:t>
+              <a:t>Exceptions</a:t>
             </a:r>
             <a:endParaRPr lang="fa-IR"/>
           </a:p>
@@ -18553,22 +18143,43 @@
             </a:pPr>
             <a:r>
               <a:rPr lang="en-US" sz="1400"/>
-              <a:t>Keyword arguments</a:t>
-            </a:r>
-            <a:endParaRPr lang="en-US" sz="1400">
-              <a:cs typeface="Courier New" panose="02070309020205020404" pitchFamily="49" charset="0"/>
-            </a:endParaRPr>
-          </a:p>
-          <a:p>
-            <a:pPr marL="76200" indent="0">
-              <a:buNone/>
-            </a:pPr>
-            <a:r>
-              <a:rPr lang="en-US" sz="1100">
-                <a:latin typeface="Consolas" panose="020B0609020204030204" pitchFamily="49" charset="0"/>
-                <a:cs typeface="Courier New" panose="02070309020205020404" pitchFamily="49" charset="0"/>
-              </a:rPr>
-              <a:t>def greeter(firstName</a:t>
+              <a:t>Handle the error</a:t>
+            </a:r>
+          </a:p>
+          <a:p>
+            <a:pPr marL="76200" indent="0">
+              <a:buNone/>
+            </a:pPr>
+            <a:r>
+              <a:rPr lang="en-US" sz="1100">
+                <a:latin typeface="Consolas" panose="020B0609020204030204" pitchFamily="49" charset="0"/>
+                <a:cs typeface="Courier New" panose="02070309020205020404" pitchFamily="49" charset="0"/>
+              </a:rPr>
+              <a:t>try:</a:t>
+            </a:r>
+          </a:p>
+          <a:p>
+            <a:pPr marL="76200" indent="0">
+              <a:buNone/>
+            </a:pPr>
+            <a:r>
+              <a:rPr lang="en-US" sz="1100">
+                <a:latin typeface="Consolas" panose="020B0609020204030204" pitchFamily="49" charset="0"/>
+                <a:cs typeface="Courier New" panose="02070309020205020404" pitchFamily="49" charset="0"/>
+              </a:rPr>
+              <a:t>    print(x)</a:t>
+            </a:r>
+          </a:p>
+          <a:p>
+            <a:pPr marL="76200" indent="0">
+              <a:buNone/>
+            </a:pPr>
+            <a:r>
+              <a:rPr lang="en-US" sz="1100">
+                <a:latin typeface="Consolas" panose="020B0609020204030204" pitchFamily="49" charset="0"/>
+                <a:cs typeface="Courier New" panose="02070309020205020404" pitchFamily="49" charset="0"/>
+              </a:rPr>
+              <a:t>except </a:t>
             </a:r>
             <a:r>
               <a:rPr lang="en-US" sz="1100">
@@ -18578,82 +18189,26 @@
                 <a:latin typeface="Consolas" panose="020B0609020204030204" pitchFamily="49" charset="0"/>
                 <a:cs typeface="Courier New" panose="02070309020205020404" pitchFamily="49" charset="0"/>
               </a:rPr>
-              <a:t>,</a:t>
-            </a:r>
-            <a:r>
-              <a:rPr lang="en-US" sz="1100">
-                <a:latin typeface="Consolas" panose="020B0609020204030204" pitchFamily="49" charset="0"/>
-                <a:cs typeface="Courier New" panose="02070309020205020404" pitchFamily="49" charset="0"/>
-              </a:rPr>
-              <a:t> lastName):</a:t>
-            </a:r>
-          </a:p>
-          <a:p>
-            <a:pPr marL="76200" indent="0">
-              <a:buNone/>
-            </a:pPr>
-            <a:r>
-              <a:rPr lang="en-US" sz="1100">
-                <a:solidFill>
-                  <a:schemeClr val="accent1"/>
-                </a:solidFill>
-                <a:latin typeface="Consolas" panose="020B0609020204030204" pitchFamily="49" charset="0"/>
-                <a:cs typeface="Courier New" panose="02070309020205020404" pitchFamily="49" charset="0"/>
-              </a:rPr>
-              <a:t>    </a:t>
-            </a:r>
-            <a:r>
-              <a:rPr lang="en-US" sz="1100">
-                <a:latin typeface="Consolas" panose="020B0609020204030204" pitchFamily="49" charset="0"/>
-                <a:cs typeface="Courier New" panose="02070309020205020404" pitchFamily="49" charset="0"/>
-              </a:rPr>
-              <a:t>return f'Hello {firstName} {lastName}!'</a:t>
-            </a:r>
-          </a:p>
-          <a:p>
-            <a:pPr marL="76200" indent="0">
-              <a:buNone/>
-            </a:pPr>
-            <a:r>
-              <a:rPr lang="en-US" sz="1100">
-                <a:latin typeface="Consolas" panose="020B0609020204030204" pitchFamily="49" charset="0"/>
-                <a:cs typeface="Courier New" panose="02070309020205020404" pitchFamily="49" charset="0"/>
-              </a:rPr>
-              <a:t>print(greeter(lastName </a:t>
-            </a:r>
-            <a:r>
-              <a:rPr lang="en-US" sz="1100">
-                <a:solidFill>
-                  <a:schemeClr val="accent1"/>
-                </a:solidFill>
-                <a:latin typeface="Consolas" panose="020B0609020204030204" pitchFamily="49" charset="0"/>
-                <a:cs typeface="Courier New" panose="02070309020205020404" pitchFamily="49" charset="0"/>
-              </a:rPr>
-              <a:t>=</a:t>
-            </a:r>
-            <a:r>
-              <a:rPr lang="en-US" sz="1100">
-                <a:latin typeface="Consolas" panose="020B0609020204030204" pitchFamily="49" charset="0"/>
-                <a:cs typeface="Courier New" panose="02070309020205020404" pitchFamily="49" charset="0"/>
-              </a:rPr>
-              <a:t> 'Nezhadshamsi', firstName </a:t>
-            </a:r>
-            <a:r>
-              <a:rPr lang="en-US" sz="1100">
-                <a:solidFill>
-                  <a:schemeClr val="accent1"/>
-                </a:solidFill>
-                <a:latin typeface="Consolas" panose="020B0609020204030204" pitchFamily="49" charset="0"/>
-                <a:cs typeface="Courier New" panose="02070309020205020404" pitchFamily="49" charset="0"/>
-              </a:rPr>
-              <a:t>=</a:t>
-            </a:r>
-            <a:r>
-              <a:rPr lang="en-US" sz="1100">
-                <a:latin typeface="Consolas" panose="020B0609020204030204" pitchFamily="49" charset="0"/>
-                <a:cs typeface="Courier New" panose="02070309020205020404" pitchFamily="49" charset="0"/>
-              </a:rPr>
-              <a:t> 'Alireza'))</a:t>
+              <a:t>Exception as </a:t>
+            </a:r>
+            <a:r>
+              <a:rPr lang="en-US" sz="1100">
+                <a:latin typeface="Consolas" panose="020B0609020204030204" pitchFamily="49" charset="0"/>
+                <a:cs typeface="Courier New" panose="02070309020205020404" pitchFamily="49" charset="0"/>
+              </a:rPr>
+              <a:t>e:</a:t>
+            </a:r>
+          </a:p>
+          <a:p>
+            <a:pPr marL="76200" indent="0">
+              <a:buNone/>
+            </a:pPr>
+            <a:r>
+              <a:rPr lang="en-US" sz="1100">
+                <a:latin typeface="Consolas" panose="020B0609020204030204" pitchFamily="49" charset="0"/>
+                <a:cs typeface="Courier New" panose="02070309020205020404" pitchFamily="49" charset="0"/>
+              </a:rPr>
+              <a:t>    print(e)</a:t>
             </a:r>
           </a:p>
           <a:p>
@@ -18671,19 +18226,43 @@
             </a:pPr>
             <a:r>
               <a:rPr lang="en-US" sz="1400"/>
-              <a:t>Default parameter value</a:t>
-            </a:r>
-          </a:p>
-          <a:p>
-            <a:pPr marL="76200" indent="0">
-              <a:buNone/>
-            </a:pPr>
-            <a:r>
-              <a:rPr lang="en-US" sz="1100">
-                <a:latin typeface="Consolas" panose="020B0609020204030204" pitchFamily="49" charset="0"/>
-                <a:cs typeface="Courier New" panose="02070309020205020404" pitchFamily="49" charset="0"/>
-              </a:rPr>
-              <a:t>def greeter(firstName </a:t>
+              <a:t>Raise an error</a:t>
+            </a:r>
+          </a:p>
+          <a:p>
+            <a:pPr marL="76200" indent="0">
+              <a:buNone/>
+            </a:pPr>
+            <a:r>
+              <a:rPr lang="en-US" sz="1100">
+                <a:latin typeface="Consolas" panose="020B0609020204030204" pitchFamily="49" charset="0"/>
+                <a:cs typeface="Courier New" panose="02070309020205020404" pitchFamily="49" charset="0"/>
+              </a:rPr>
+              <a:t>x = -1</a:t>
+            </a:r>
+          </a:p>
+          <a:p>
+            <a:pPr marL="76200" indent="0">
+              <a:buNone/>
+            </a:pPr>
+            <a:r>
+              <a:rPr lang="en-US" sz="1100">
+                <a:latin typeface="Consolas" panose="020B0609020204030204" pitchFamily="49" charset="0"/>
+                <a:cs typeface="Courier New" panose="02070309020205020404" pitchFamily="49" charset="0"/>
+              </a:rPr>
+              <a:t>if x &lt; 0:</a:t>
+            </a:r>
+          </a:p>
+          <a:p>
+            <a:pPr marL="76200" indent="0">
+              <a:buNone/>
+            </a:pPr>
+            <a:r>
+              <a:rPr lang="en-US" sz="1100">
+                <a:latin typeface="Consolas" panose="020B0609020204030204" pitchFamily="49" charset="0"/>
+                <a:cs typeface="Courier New" panose="02070309020205020404" pitchFamily="49" charset="0"/>
+              </a:rPr>
+              <a:t>    </a:t>
             </a:r>
             <a:r>
               <a:rPr lang="en-US" sz="1100">
@@ -18693,65 +18272,14 @@
                 <a:latin typeface="Consolas" panose="020B0609020204030204" pitchFamily="49" charset="0"/>
                 <a:cs typeface="Courier New" panose="02070309020205020404" pitchFamily="49" charset="0"/>
               </a:rPr>
-              <a:t>=</a:t>
-            </a:r>
-            <a:r>
-              <a:rPr lang="en-US" sz="1100">
-                <a:latin typeface="Consolas" panose="020B0609020204030204" pitchFamily="49" charset="0"/>
-                <a:cs typeface="Courier New" panose="02070309020205020404" pitchFamily="49" charset="0"/>
-              </a:rPr>
-              <a:t> 'Dear', lastName </a:t>
-            </a:r>
-            <a:r>
-              <a:rPr lang="en-US" sz="1100">
-                <a:solidFill>
-                  <a:schemeClr val="accent1"/>
-                </a:solidFill>
-                <a:latin typeface="Consolas" panose="020B0609020204030204" pitchFamily="49" charset="0"/>
-                <a:cs typeface="Courier New" panose="02070309020205020404" pitchFamily="49" charset="0"/>
-              </a:rPr>
-              <a:t>=</a:t>
-            </a:r>
-            <a:r>
-              <a:rPr lang="en-US" sz="1100">
-                <a:latin typeface="Consolas" panose="020B0609020204030204" pitchFamily="49" charset="0"/>
-                <a:cs typeface="Courier New" panose="02070309020205020404" pitchFamily="49" charset="0"/>
-              </a:rPr>
-              <a:t> 'user'):</a:t>
-            </a:r>
-          </a:p>
-          <a:p>
-            <a:pPr marL="76200" indent="0">
-              <a:buNone/>
-            </a:pPr>
-            <a:r>
-              <a:rPr lang="en-US" sz="1100">
-                <a:solidFill>
-                  <a:schemeClr val="accent1"/>
-                </a:solidFill>
-                <a:latin typeface="Consolas" panose="020B0609020204030204" pitchFamily="49" charset="0"/>
-                <a:cs typeface="Courier New" panose="02070309020205020404" pitchFamily="49" charset="0"/>
-              </a:rPr>
-              <a:t>    </a:t>
-            </a:r>
-            <a:r>
-              <a:rPr lang="en-US" sz="1100">
-                <a:latin typeface="Consolas" panose="020B0609020204030204" pitchFamily="49" charset="0"/>
-                <a:cs typeface="Courier New" panose="02070309020205020404" pitchFamily="49" charset="0"/>
-              </a:rPr>
-              <a:t>return f'Hello {firstName} {lastName}!'</a:t>
-            </a:r>
-          </a:p>
-          <a:p>
-            <a:pPr marL="76200" indent="0">
-              <a:buNone/>
-            </a:pPr>
-            <a:r>
-              <a:rPr lang="en-US" sz="1100">
-                <a:latin typeface="Consolas" panose="020B0609020204030204" pitchFamily="49" charset="0"/>
-                <a:cs typeface="Courier New" panose="02070309020205020404" pitchFamily="49" charset="0"/>
-              </a:rPr>
-              <a:t>print(greeter('Alireza', 'Nezhadshamsi'))</a:t>
+              <a:t>raise</a:t>
+            </a:r>
+            <a:r>
+              <a:rPr lang="en-US" sz="1100">
+                <a:latin typeface="Consolas" panose="020B0609020204030204" pitchFamily="49" charset="0"/>
+                <a:cs typeface="Courier New" panose="02070309020205020404" pitchFamily="49" charset="0"/>
+              </a:rPr>
+              <a:t> Exception("Please enter a posetive number") </a:t>
             </a:r>
           </a:p>
         </p:txBody>
@@ -18797,7 +18325,7 @@
     </p:spTree>
     <p:extLst>
       <p:ext uri="{BB962C8B-B14F-4D97-AF65-F5344CB8AC3E}">
-        <p14:creationId xmlns:p14="http://schemas.microsoft.com/office/powerpoint/2010/main" val="2571995706"/>
+        <p14:creationId xmlns:p14="http://schemas.microsoft.com/office/powerpoint/2010/main" val="2265659775"/>
       </p:ext>
     </p:extLst>
   </p:cSld>
@@ -18808,1473 +18336,6 @@
 </file>
 
 <file path=ppt/slides/slide31.xml><?xml version="1.0" encoding="utf-8"?>
-<p:sld xmlns:a="http://schemas.openxmlformats.org/drawingml/2006/main" xmlns:r="http://schemas.openxmlformats.org/officeDocument/2006/relationships" xmlns:p="http://schemas.openxmlformats.org/presentationml/2006/main" show="0">
-  <p:cSld>
-    <p:spTree>
-      <p:nvGrpSpPr>
-        <p:cNvPr id="1" name=""/>
-        <p:cNvGrpSpPr/>
-        <p:nvPr/>
-      </p:nvGrpSpPr>
-      <p:grpSpPr>
-        <a:xfrm>
-          <a:off x="0" y="0"/>
-          <a:ext cx="0" cy="0"/>
-          <a:chOff x="0" y="0"/>
-          <a:chExt cx="0" cy="0"/>
-        </a:xfrm>
-      </p:grpSpPr>
-      <p:sp>
-        <p:nvSpPr>
-          <p:cNvPr id="2" name="Title 1">
-            <a:extLst>
-              <a:ext uri="{FF2B5EF4-FFF2-40B4-BE49-F238E27FC236}">
-                <a16:creationId xmlns:a16="http://schemas.microsoft.com/office/drawing/2014/main" id="{024AD384-5AD1-4435-A943-1241B2FACD62}"/>
-              </a:ext>
-            </a:extLst>
-          </p:cNvPr>
-          <p:cNvSpPr>
-            <a:spLocks noGrp="1"/>
-          </p:cNvSpPr>
-          <p:nvPr>
-            <p:ph type="title"/>
-          </p:nvPr>
-        </p:nvSpPr>
-        <p:spPr/>
-        <p:txBody>
-          <a:bodyPr/>
-          <a:lstStyle/>
-          <a:p>
-            <a:r>
-              <a:rPr lang="en-US"/>
-              <a:t>Function Types</a:t>
-            </a:r>
-            <a:endParaRPr lang="fa-IR"/>
-          </a:p>
-        </p:txBody>
-      </p:sp>
-      <p:sp>
-        <p:nvSpPr>
-          <p:cNvPr id="3" name="Text Placeholder 2">
-            <a:extLst>
-              <a:ext uri="{FF2B5EF4-FFF2-40B4-BE49-F238E27FC236}">
-                <a16:creationId xmlns:a16="http://schemas.microsoft.com/office/drawing/2014/main" id="{58BE3078-8B89-4550-B497-93E4DADBD57E}"/>
-              </a:ext>
-            </a:extLst>
-          </p:cNvPr>
-          <p:cNvSpPr>
-            <a:spLocks noGrp="1"/>
-          </p:cNvSpPr>
-          <p:nvPr>
-            <p:ph type="body" idx="1"/>
-          </p:nvPr>
-        </p:nvSpPr>
-        <p:spPr>
-          <a:xfrm>
-            <a:off x="786150" y="1142608"/>
-            <a:ext cx="7571700" cy="3626431"/>
-          </a:xfrm>
-        </p:spPr>
-        <p:txBody>
-          <a:bodyPr/>
-          <a:lstStyle/>
-          <a:p>
-            <a:pPr marL="76200" indent="0">
-              <a:buNone/>
-            </a:pPr>
-            <a:r>
-              <a:rPr lang="en-US" sz="1400"/>
-              <a:t>Type Annotations</a:t>
-            </a:r>
-          </a:p>
-          <a:p>
-            <a:pPr marL="76200" indent="0">
-              <a:buNone/>
-            </a:pPr>
-            <a:r>
-              <a:rPr lang="en-US" sz="1100">
-                <a:latin typeface="Consolas" panose="020B0609020204030204" pitchFamily="49" charset="0"/>
-                <a:cs typeface="Courier New" panose="02070309020205020404" pitchFamily="49" charset="0"/>
-              </a:rPr>
-              <a:t>def fullName(firstName</a:t>
-            </a:r>
-            <a:r>
-              <a:rPr lang="en-US" sz="1100">
-                <a:solidFill>
-                  <a:schemeClr val="accent1"/>
-                </a:solidFill>
-                <a:latin typeface="Consolas" panose="020B0609020204030204" pitchFamily="49" charset="0"/>
-                <a:cs typeface="Courier New" panose="02070309020205020404" pitchFamily="49" charset="0"/>
-              </a:rPr>
-              <a:t>: str</a:t>
-            </a:r>
-            <a:r>
-              <a:rPr lang="en-US" sz="1100">
-                <a:latin typeface="Consolas" panose="020B0609020204030204" pitchFamily="49" charset="0"/>
-                <a:cs typeface="Courier New" panose="02070309020205020404" pitchFamily="49" charset="0"/>
-              </a:rPr>
-              <a:t>, lastName</a:t>
-            </a:r>
-            <a:r>
-              <a:rPr lang="en-US" sz="1100">
-                <a:solidFill>
-                  <a:schemeClr val="accent1"/>
-                </a:solidFill>
-                <a:latin typeface="Consolas" panose="020B0609020204030204" pitchFamily="49" charset="0"/>
-                <a:cs typeface="Courier New" panose="02070309020205020404" pitchFamily="49" charset="0"/>
-              </a:rPr>
-              <a:t>: str</a:t>
-            </a:r>
-            <a:r>
-              <a:rPr lang="en-US" sz="1100">
-                <a:latin typeface="Consolas" panose="020B0609020204030204" pitchFamily="49" charset="0"/>
-                <a:cs typeface="Courier New" panose="02070309020205020404" pitchFamily="49" charset="0"/>
-              </a:rPr>
-              <a:t>) </a:t>
-            </a:r>
-            <a:r>
-              <a:rPr lang="en-US" sz="1100">
-                <a:solidFill>
-                  <a:schemeClr val="accent1"/>
-                </a:solidFill>
-                <a:latin typeface="Consolas" panose="020B0609020204030204" pitchFamily="49" charset="0"/>
-                <a:cs typeface="Courier New" panose="02070309020205020404" pitchFamily="49" charset="0"/>
-              </a:rPr>
-              <a:t>-&gt; str</a:t>
-            </a:r>
-            <a:r>
-              <a:rPr lang="en-US" sz="1100">
-                <a:latin typeface="Consolas" panose="020B0609020204030204" pitchFamily="49" charset="0"/>
-                <a:cs typeface="Courier New" panose="02070309020205020404" pitchFamily="49" charset="0"/>
-              </a:rPr>
-              <a:t>:</a:t>
-            </a:r>
-          </a:p>
-          <a:p>
-            <a:pPr marL="76200" indent="0">
-              <a:buNone/>
-            </a:pPr>
-            <a:r>
-              <a:rPr lang="en-US" sz="1100">
-                <a:latin typeface="Consolas" panose="020B0609020204030204" pitchFamily="49" charset="0"/>
-                <a:cs typeface="Courier New" panose="02070309020205020404" pitchFamily="49" charset="0"/>
-              </a:rPr>
-              <a:t>    return f'{firstName.title()} {lastName.title()}'</a:t>
-            </a:r>
-          </a:p>
-          <a:p>
-            <a:pPr marL="76200" indent="0">
-              <a:buNone/>
-            </a:pPr>
-            <a:r>
-              <a:rPr lang="en-US" sz="1100">
-                <a:latin typeface="Consolas" panose="020B0609020204030204" pitchFamily="49" charset="0"/>
-                <a:cs typeface="Courier New" panose="02070309020205020404" pitchFamily="49" charset="0"/>
-              </a:rPr>
-              <a:t>print(fullName('Alireza', 'Nezhadshamsi'))</a:t>
-            </a:r>
-          </a:p>
-        </p:txBody>
-      </p:sp>
-      <p:sp>
-        <p:nvSpPr>
-          <p:cNvPr id="4" name="Slide Number Placeholder 3">
-            <a:extLst>
-              <a:ext uri="{FF2B5EF4-FFF2-40B4-BE49-F238E27FC236}">
-                <a16:creationId xmlns:a16="http://schemas.microsoft.com/office/drawing/2014/main" id="{64987AE6-EC0E-43DD-9376-95A5602EE5E1}"/>
-              </a:ext>
-            </a:extLst>
-          </p:cNvPr>
-          <p:cNvSpPr>
-            <a:spLocks noGrp="1"/>
-          </p:cNvSpPr>
-          <p:nvPr>
-            <p:ph type="sldNum" idx="12"/>
-          </p:nvPr>
-        </p:nvSpPr>
-        <p:spPr/>
-        <p:txBody>
-          <a:bodyPr/>
-          <a:lstStyle/>
-          <a:p>
-            <a:pPr marL="0" lvl="0" indent="0" algn="r" rtl="0">
-              <a:spcBef>
-                <a:spcPts val="0"/>
-              </a:spcBef>
-              <a:spcAft>
-                <a:spcPts val="0"/>
-              </a:spcAft>
-              <a:buNone/>
-            </a:pPr>
-            <a:fld id="{00000000-1234-1234-1234-123412341234}" type="slidenum">
-              <a:rPr lang="en" smtClean="0"/>
-              <a:t>31</a:t>
-            </a:fld>
-            <a:endParaRPr lang="en"/>
-          </a:p>
-        </p:txBody>
-      </p:sp>
-    </p:spTree>
-    <p:extLst>
-      <p:ext uri="{BB962C8B-B14F-4D97-AF65-F5344CB8AC3E}">
-        <p14:creationId xmlns:p14="http://schemas.microsoft.com/office/powerpoint/2010/main" val="812232462"/>
-      </p:ext>
-    </p:extLst>
-  </p:cSld>
-  <p:clrMapOvr>
-    <a:masterClrMapping/>
-  </p:clrMapOvr>
-</p:sld>
-</file>
-
-<file path=ppt/slides/slide32.xml><?xml version="1.0" encoding="utf-8"?>
-<p:sld xmlns:a="http://schemas.openxmlformats.org/drawingml/2006/main" xmlns:r="http://schemas.openxmlformats.org/officeDocument/2006/relationships" xmlns:p="http://schemas.openxmlformats.org/presentationml/2006/main">
-  <p:cSld>
-    <p:spTree>
-      <p:nvGrpSpPr>
-        <p:cNvPr id="1" name=""/>
-        <p:cNvGrpSpPr/>
-        <p:nvPr/>
-      </p:nvGrpSpPr>
-      <p:grpSpPr>
-        <a:xfrm>
-          <a:off x="0" y="0"/>
-          <a:ext cx="0" cy="0"/>
-          <a:chOff x="0" y="0"/>
-          <a:chExt cx="0" cy="0"/>
-        </a:xfrm>
-      </p:grpSpPr>
-      <p:sp>
-        <p:nvSpPr>
-          <p:cNvPr id="2" name="Title 1">
-            <a:extLst>
-              <a:ext uri="{FF2B5EF4-FFF2-40B4-BE49-F238E27FC236}">
-                <a16:creationId xmlns:a16="http://schemas.microsoft.com/office/drawing/2014/main" id="{024AD384-5AD1-4435-A943-1241B2FACD62}"/>
-              </a:ext>
-            </a:extLst>
-          </p:cNvPr>
-          <p:cNvSpPr>
-            <a:spLocks noGrp="1"/>
-          </p:cNvSpPr>
-          <p:nvPr>
-            <p:ph type="title"/>
-          </p:nvPr>
-        </p:nvSpPr>
-        <p:spPr/>
-        <p:txBody>
-          <a:bodyPr/>
-          <a:lstStyle/>
-          <a:p>
-            <a:r>
-              <a:rPr lang="en-US"/>
-              <a:t>Nested Functions</a:t>
-            </a:r>
-            <a:endParaRPr lang="fa-IR"/>
-          </a:p>
-        </p:txBody>
-      </p:sp>
-      <p:sp>
-        <p:nvSpPr>
-          <p:cNvPr id="3" name="Text Placeholder 2">
-            <a:extLst>
-              <a:ext uri="{FF2B5EF4-FFF2-40B4-BE49-F238E27FC236}">
-                <a16:creationId xmlns:a16="http://schemas.microsoft.com/office/drawing/2014/main" id="{58BE3078-8B89-4550-B497-93E4DADBD57E}"/>
-              </a:ext>
-            </a:extLst>
-          </p:cNvPr>
-          <p:cNvSpPr>
-            <a:spLocks noGrp="1"/>
-          </p:cNvSpPr>
-          <p:nvPr>
-            <p:ph type="body" idx="1"/>
-          </p:nvPr>
-        </p:nvSpPr>
-        <p:spPr>
-          <a:xfrm>
-            <a:off x="786150" y="1142608"/>
-            <a:ext cx="7571700" cy="3626431"/>
-          </a:xfrm>
-        </p:spPr>
-        <p:txBody>
-          <a:bodyPr/>
-          <a:lstStyle/>
-          <a:p>
-            <a:pPr marL="76200" indent="0">
-              <a:buNone/>
-            </a:pPr>
-            <a:r>
-              <a:rPr lang="en-US" sz="1400"/>
-              <a:t>.</a:t>
-            </a:r>
-            <a:endParaRPr lang="en-US" sz="1100">
-              <a:latin typeface="Consolas" panose="020B0609020204030204" pitchFamily="49" charset="0"/>
-              <a:cs typeface="Courier New" panose="02070309020205020404" pitchFamily="49" charset="0"/>
-            </a:endParaRPr>
-          </a:p>
-        </p:txBody>
-      </p:sp>
-      <p:sp>
-        <p:nvSpPr>
-          <p:cNvPr id="4" name="Slide Number Placeholder 3">
-            <a:extLst>
-              <a:ext uri="{FF2B5EF4-FFF2-40B4-BE49-F238E27FC236}">
-                <a16:creationId xmlns:a16="http://schemas.microsoft.com/office/drawing/2014/main" id="{64987AE6-EC0E-43DD-9376-95A5602EE5E1}"/>
-              </a:ext>
-            </a:extLst>
-          </p:cNvPr>
-          <p:cNvSpPr>
-            <a:spLocks noGrp="1"/>
-          </p:cNvSpPr>
-          <p:nvPr>
-            <p:ph type="sldNum" idx="12"/>
-          </p:nvPr>
-        </p:nvSpPr>
-        <p:spPr/>
-        <p:txBody>
-          <a:bodyPr/>
-          <a:lstStyle/>
-          <a:p>
-            <a:pPr marL="0" lvl="0" indent="0" algn="r" rtl="0">
-              <a:spcBef>
-                <a:spcPts val="0"/>
-              </a:spcBef>
-              <a:spcAft>
-                <a:spcPts val="0"/>
-              </a:spcAft>
-              <a:buNone/>
-            </a:pPr>
-            <a:fld id="{00000000-1234-1234-1234-123412341234}" type="slidenum">
-              <a:rPr lang="en" smtClean="0"/>
-              <a:t>32</a:t>
-            </a:fld>
-            <a:endParaRPr lang="en"/>
-          </a:p>
-        </p:txBody>
-      </p:sp>
-    </p:spTree>
-    <p:extLst>
-      <p:ext uri="{BB962C8B-B14F-4D97-AF65-F5344CB8AC3E}">
-        <p14:creationId xmlns:p14="http://schemas.microsoft.com/office/powerpoint/2010/main" val="4018834155"/>
-      </p:ext>
-    </p:extLst>
-  </p:cSld>
-  <p:clrMapOvr>
-    <a:masterClrMapping/>
-  </p:clrMapOvr>
-</p:sld>
-</file>
-
-<file path=ppt/slides/slide33.xml><?xml version="1.0" encoding="utf-8"?>
-<p:sld xmlns:a="http://schemas.openxmlformats.org/drawingml/2006/main" xmlns:r="http://schemas.openxmlformats.org/officeDocument/2006/relationships" xmlns:p="http://schemas.openxmlformats.org/presentationml/2006/main">
-  <p:cSld>
-    <p:spTree>
-      <p:nvGrpSpPr>
-        <p:cNvPr id="1" name=""/>
-        <p:cNvGrpSpPr/>
-        <p:nvPr/>
-      </p:nvGrpSpPr>
-      <p:grpSpPr>
-        <a:xfrm>
-          <a:off x="0" y="0"/>
-          <a:ext cx="0" cy="0"/>
-          <a:chOff x="0" y="0"/>
-          <a:chExt cx="0" cy="0"/>
-        </a:xfrm>
-      </p:grpSpPr>
-      <p:sp>
-        <p:nvSpPr>
-          <p:cNvPr id="2" name="Title 1">
-            <a:extLst>
-              <a:ext uri="{FF2B5EF4-FFF2-40B4-BE49-F238E27FC236}">
-                <a16:creationId xmlns:a16="http://schemas.microsoft.com/office/drawing/2014/main" id="{024AD384-5AD1-4435-A943-1241B2FACD62}"/>
-              </a:ext>
-            </a:extLst>
-          </p:cNvPr>
-          <p:cNvSpPr>
-            <a:spLocks noGrp="1"/>
-          </p:cNvSpPr>
-          <p:nvPr>
-            <p:ph type="title"/>
-          </p:nvPr>
-        </p:nvSpPr>
-        <p:spPr/>
-        <p:txBody>
-          <a:bodyPr/>
-          <a:lstStyle/>
-          <a:p>
-            <a:r>
-              <a:rPr lang="en-US"/>
-              <a:t>Lambda</a:t>
-            </a:r>
-            <a:endParaRPr lang="fa-IR"/>
-          </a:p>
-        </p:txBody>
-      </p:sp>
-      <p:sp>
-        <p:nvSpPr>
-          <p:cNvPr id="3" name="Text Placeholder 2">
-            <a:extLst>
-              <a:ext uri="{FF2B5EF4-FFF2-40B4-BE49-F238E27FC236}">
-                <a16:creationId xmlns:a16="http://schemas.microsoft.com/office/drawing/2014/main" id="{58BE3078-8B89-4550-B497-93E4DADBD57E}"/>
-              </a:ext>
-            </a:extLst>
-          </p:cNvPr>
-          <p:cNvSpPr>
-            <a:spLocks noGrp="1"/>
-          </p:cNvSpPr>
-          <p:nvPr>
-            <p:ph type="body" idx="1"/>
-          </p:nvPr>
-        </p:nvSpPr>
-        <p:spPr>
-          <a:xfrm>
-            <a:off x="786150" y="1142608"/>
-            <a:ext cx="7571700" cy="3626431"/>
-          </a:xfrm>
-        </p:spPr>
-        <p:txBody>
-          <a:bodyPr/>
-          <a:lstStyle/>
-          <a:p>
-            <a:pPr marL="76200" indent="0">
-              <a:buNone/>
-            </a:pPr>
-            <a:r>
-              <a:rPr lang="en-US" sz="1400"/>
-              <a:t>Small anonymous functions</a:t>
-            </a:r>
-          </a:p>
-          <a:p>
-            <a:pPr marL="76200" indent="0">
-              <a:buNone/>
-            </a:pPr>
-            <a:r>
-              <a:rPr lang="en-US" sz="1100">
-                <a:latin typeface="Consolas" panose="020B0609020204030204" pitchFamily="49" charset="0"/>
-                <a:cs typeface="Courier New" panose="02070309020205020404" pitchFamily="49" charset="0"/>
-              </a:rPr>
-              <a:t>greeter = </a:t>
-            </a:r>
-            <a:r>
-              <a:rPr lang="en-US" sz="1100">
-                <a:solidFill>
-                  <a:schemeClr val="accent1"/>
-                </a:solidFill>
-                <a:latin typeface="Consolas" panose="020B0609020204030204" pitchFamily="49" charset="0"/>
-                <a:cs typeface="Courier New" panose="02070309020205020404" pitchFamily="49" charset="0"/>
-              </a:rPr>
-              <a:t>lambda:</a:t>
-            </a:r>
-            <a:r>
-              <a:rPr lang="en-US" sz="1100">
-                <a:latin typeface="Consolas" panose="020B0609020204030204" pitchFamily="49" charset="0"/>
-                <a:cs typeface="Courier New" panose="02070309020205020404" pitchFamily="49" charset="0"/>
-              </a:rPr>
-              <a:t> print('Hello')</a:t>
-            </a:r>
-          </a:p>
-          <a:p>
-            <a:pPr marL="76200" indent="0">
-              <a:buNone/>
-            </a:pPr>
-            <a:r>
-              <a:rPr lang="en-US" sz="1100">
-                <a:latin typeface="Consolas" panose="020B0609020204030204" pitchFamily="49" charset="0"/>
-                <a:cs typeface="Courier New" panose="02070309020205020404" pitchFamily="49" charset="0"/>
-              </a:rPr>
-              <a:t>print(greeter())</a:t>
-            </a:r>
-          </a:p>
-          <a:p>
-            <a:pPr marL="76200" indent="0">
-              <a:buNone/>
-            </a:pPr>
-            <a:endParaRPr lang="en-US" sz="1100">
-              <a:latin typeface="Consolas" panose="020B0609020204030204" pitchFamily="49" charset="0"/>
-              <a:cs typeface="Courier New" panose="02070309020205020404" pitchFamily="49" charset="0"/>
-            </a:endParaRPr>
-          </a:p>
-          <a:p>
-            <a:pPr marL="76200" indent="0">
-              <a:buNone/>
-            </a:pPr>
-            <a:r>
-              <a:rPr lang="en-US" sz="1400"/>
-              <a:t>Arguments </a:t>
-            </a:r>
-          </a:p>
-          <a:p>
-            <a:pPr marL="76200" indent="0">
-              <a:buNone/>
-            </a:pPr>
-            <a:r>
-              <a:rPr lang="en-US" sz="1100">
-                <a:latin typeface="Consolas" panose="020B0609020204030204" pitchFamily="49" charset="0"/>
-                <a:cs typeface="Courier New" panose="02070309020205020404" pitchFamily="49" charset="0"/>
-              </a:rPr>
-              <a:t>greeter = (lambda name </a:t>
-            </a:r>
-            <a:r>
-              <a:rPr lang="en-US" sz="1100">
-                <a:solidFill>
-                  <a:schemeClr val="accent1"/>
-                </a:solidFill>
-                <a:latin typeface="Consolas" panose="020B0609020204030204" pitchFamily="49" charset="0"/>
-                <a:cs typeface="Courier New" panose="02070309020205020404" pitchFamily="49" charset="0"/>
-              </a:rPr>
-              <a:t>=</a:t>
-            </a:r>
-            <a:r>
-              <a:rPr lang="en-US" sz="1100">
-                <a:latin typeface="Consolas" panose="020B0609020204030204" pitchFamily="49" charset="0"/>
-                <a:cs typeface="Courier New" panose="02070309020205020404" pitchFamily="49" charset="0"/>
-              </a:rPr>
-              <a:t> 'Dear user': f'Hello {name}!')</a:t>
-            </a:r>
-          </a:p>
-          <a:p>
-            <a:pPr marL="76200" indent="0">
-              <a:buNone/>
-            </a:pPr>
-            <a:r>
-              <a:rPr lang="en-US" sz="1100">
-                <a:latin typeface="Consolas" panose="020B0609020204030204" pitchFamily="49" charset="0"/>
-                <a:cs typeface="Courier New" panose="02070309020205020404" pitchFamily="49" charset="0"/>
-              </a:rPr>
-              <a:t>print(greeter(name </a:t>
-            </a:r>
-            <a:r>
-              <a:rPr lang="en-US" sz="1100">
-                <a:solidFill>
-                  <a:schemeClr val="accent1"/>
-                </a:solidFill>
-                <a:latin typeface="Consolas" panose="020B0609020204030204" pitchFamily="49" charset="0"/>
-                <a:cs typeface="Courier New" panose="02070309020205020404" pitchFamily="49" charset="0"/>
-              </a:rPr>
-              <a:t>=</a:t>
-            </a:r>
-            <a:r>
-              <a:rPr lang="en-US" sz="1100">
-                <a:latin typeface="Consolas" panose="020B0609020204030204" pitchFamily="49" charset="0"/>
-                <a:cs typeface="Courier New" panose="02070309020205020404" pitchFamily="49" charset="0"/>
-              </a:rPr>
-              <a:t> 'Alireza'))</a:t>
-            </a:r>
-          </a:p>
-        </p:txBody>
-      </p:sp>
-      <p:sp>
-        <p:nvSpPr>
-          <p:cNvPr id="4" name="Slide Number Placeholder 3">
-            <a:extLst>
-              <a:ext uri="{FF2B5EF4-FFF2-40B4-BE49-F238E27FC236}">
-                <a16:creationId xmlns:a16="http://schemas.microsoft.com/office/drawing/2014/main" id="{64987AE6-EC0E-43DD-9376-95A5602EE5E1}"/>
-              </a:ext>
-            </a:extLst>
-          </p:cNvPr>
-          <p:cNvSpPr>
-            <a:spLocks noGrp="1"/>
-          </p:cNvSpPr>
-          <p:nvPr>
-            <p:ph type="sldNum" idx="12"/>
-          </p:nvPr>
-        </p:nvSpPr>
-        <p:spPr/>
-        <p:txBody>
-          <a:bodyPr/>
-          <a:lstStyle/>
-          <a:p>
-            <a:pPr marL="0" lvl="0" indent="0" algn="r" rtl="0">
-              <a:spcBef>
-                <a:spcPts val="0"/>
-              </a:spcBef>
-              <a:spcAft>
-                <a:spcPts val="0"/>
-              </a:spcAft>
-              <a:buNone/>
-            </a:pPr>
-            <a:fld id="{00000000-1234-1234-1234-123412341234}" type="slidenum">
-              <a:rPr lang="en" smtClean="0"/>
-              <a:t>33</a:t>
-            </a:fld>
-            <a:endParaRPr lang="en"/>
-          </a:p>
-        </p:txBody>
-      </p:sp>
-    </p:spTree>
-    <p:extLst>
-      <p:ext uri="{BB962C8B-B14F-4D97-AF65-F5344CB8AC3E}">
-        <p14:creationId xmlns:p14="http://schemas.microsoft.com/office/powerpoint/2010/main" val="801939220"/>
-      </p:ext>
-    </p:extLst>
-  </p:cSld>
-  <p:clrMapOvr>
-    <a:masterClrMapping/>
-  </p:clrMapOvr>
-</p:sld>
-</file>
-
-<file path=ppt/slides/slide34.xml><?xml version="1.0" encoding="utf-8"?>
-<p:sld xmlns:a="http://schemas.openxmlformats.org/drawingml/2006/main" xmlns:r="http://schemas.openxmlformats.org/officeDocument/2006/relationships" xmlns:p="http://schemas.openxmlformats.org/presentationml/2006/main" show="0">
-  <p:cSld>
-    <p:spTree>
-      <p:nvGrpSpPr>
-        <p:cNvPr id="1" name=""/>
-        <p:cNvGrpSpPr/>
-        <p:nvPr/>
-      </p:nvGrpSpPr>
-      <p:grpSpPr>
-        <a:xfrm>
-          <a:off x="0" y="0"/>
-          <a:ext cx="0" cy="0"/>
-          <a:chOff x="0" y="0"/>
-          <a:chExt cx="0" cy="0"/>
-        </a:xfrm>
-      </p:grpSpPr>
-      <p:sp>
-        <p:nvSpPr>
-          <p:cNvPr id="2" name="Title 1">
-            <a:extLst>
-              <a:ext uri="{FF2B5EF4-FFF2-40B4-BE49-F238E27FC236}">
-                <a16:creationId xmlns:a16="http://schemas.microsoft.com/office/drawing/2014/main" id="{024AD384-5AD1-4435-A943-1241B2FACD62}"/>
-              </a:ext>
-            </a:extLst>
-          </p:cNvPr>
-          <p:cNvSpPr>
-            <a:spLocks noGrp="1"/>
-          </p:cNvSpPr>
-          <p:nvPr>
-            <p:ph type="title"/>
-          </p:nvPr>
-        </p:nvSpPr>
-        <p:spPr/>
-        <p:txBody>
-          <a:bodyPr/>
-          <a:lstStyle/>
-          <a:p>
-            <a:r>
-              <a:rPr lang="en-US"/>
-              <a:t>Lambda</a:t>
-            </a:r>
-            <a:endParaRPr lang="fa-IR"/>
-          </a:p>
-        </p:txBody>
-      </p:sp>
-      <p:sp>
-        <p:nvSpPr>
-          <p:cNvPr id="3" name="Text Placeholder 2">
-            <a:extLst>
-              <a:ext uri="{FF2B5EF4-FFF2-40B4-BE49-F238E27FC236}">
-                <a16:creationId xmlns:a16="http://schemas.microsoft.com/office/drawing/2014/main" id="{58BE3078-8B89-4550-B497-93E4DADBD57E}"/>
-              </a:ext>
-            </a:extLst>
-          </p:cNvPr>
-          <p:cNvSpPr>
-            <a:spLocks noGrp="1"/>
-          </p:cNvSpPr>
-          <p:nvPr>
-            <p:ph type="body" idx="1"/>
-          </p:nvPr>
-        </p:nvSpPr>
-        <p:spPr>
-          <a:xfrm>
-            <a:off x="786150" y="1142608"/>
-            <a:ext cx="7571700" cy="3626431"/>
-          </a:xfrm>
-        </p:spPr>
-        <p:txBody>
-          <a:bodyPr/>
-          <a:lstStyle/>
-          <a:p>
-            <a:pPr marL="76200" indent="0">
-              <a:buNone/>
-            </a:pPr>
-            <a:r>
-              <a:rPr lang="en-US" sz="1400"/>
-              <a:t>Nested lambda</a:t>
-            </a:r>
-          </a:p>
-          <a:p>
-            <a:pPr marL="76200" indent="0">
-              <a:buNone/>
-            </a:pPr>
-            <a:r>
-              <a:rPr lang="en-US" sz="1100">
-                <a:latin typeface="Consolas" panose="020B0609020204030204" pitchFamily="49" charset="0"/>
-                <a:cs typeface="Courier New" panose="02070309020205020404" pitchFamily="49" charset="0"/>
-              </a:rPr>
-              <a:t>high_ord_func = lambda x, func: x + func(x)</a:t>
-            </a:r>
-          </a:p>
-          <a:p>
-            <a:pPr marL="76200" indent="0">
-              <a:buNone/>
-            </a:pPr>
-            <a:r>
-              <a:rPr lang="en-US" sz="1100">
-                <a:latin typeface="Consolas" panose="020B0609020204030204" pitchFamily="49" charset="0"/>
-                <a:cs typeface="Courier New" panose="02070309020205020404" pitchFamily="49" charset="0"/>
-              </a:rPr>
-              <a:t>high_ord_func(2, lambda x: x * 2)</a:t>
-            </a:r>
-          </a:p>
-          <a:p>
-            <a:pPr marL="76200" indent="0">
-              <a:buNone/>
-            </a:pPr>
-            <a:r>
-              <a:rPr lang="en-US" sz="1100">
-                <a:latin typeface="Consolas" panose="020B0609020204030204" pitchFamily="49" charset="0"/>
-                <a:cs typeface="Courier New" panose="02070309020205020404" pitchFamily="49" charset="0"/>
-              </a:rPr>
-              <a:t>high_ord_func(2, lambda x: x * x)</a:t>
-            </a:r>
-          </a:p>
-          <a:p>
-            <a:pPr marL="76200" indent="0">
-              <a:buNone/>
-            </a:pPr>
-            <a:endParaRPr lang="en-US" sz="1400"/>
-          </a:p>
-          <a:p>
-            <a:pPr marL="76200" indent="0">
-              <a:buNone/>
-            </a:pPr>
-            <a:r>
-              <a:rPr lang="en-US" sz="1400"/>
-              <a:t>Single Expression</a:t>
-            </a:r>
-          </a:p>
-          <a:p>
-            <a:pPr marL="76200" indent="0">
-              <a:buNone/>
-            </a:pPr>
-            <a:r>
-              <a:rPr lang="en-US" sz="1100">
-                <a:latin typeface="Consolas" panose="020B0609020204030204" pitchFamily="49" charset="0"/>
-                <a:cs typeface="Courier New" panose="02070309020205020404" pitchFamily="49" charset="0"/>
-              </a:rPr>
-              <a:t>(lambda x: (x % 2 and 'odd' or 'even'))(7)</a:t>
-            </a:r>
-          </a:p>
-        </p:txBody>
-      </p:sp>
-      <p:sp>
-        <p:nvSpPr>
-          <p:cNvPr id="4" name="Slide Number Placeholder 3">
-            <a:extLst>
-              <a:ext uri="{FF2B5EF4-FFF2-40B4-BE49-F238E27FC236}">
-                <a16:creationId xmlns:a16="http://schemas.microsoft.com/office/drawing/2014/main" id="{64987AE6-EC0E-43DD-9376-95A5602EE5E1}"/>
-              </a:ext>
-            </a:extLst>
-          </p:cNvPr>
-          <p:cNvSpPr>
-            <a:spLocks noGrp="1"/>
-          </p:cNvSpPr>
-          <p:nvPr>
-            <p:ph type="sldNum" idx="12"/>
-          </p:nvPr>
-        </p:nvSpPr>
-        <p:spPr/>
-        <p:txBody>
-          <a:bodyPr/>
-          <a:lstStyle/>
-          <a:p>
-            <a:pPr marL="0" lvl="0" indent="0" algn="r" rtl="0">
-              <a:spcBef>
-                <a:spcPts val="0"/>
-              </a:spcBef>
-              <a:spcAft>
-                <a:spcPts val="0"/>
-              </a:spcAft>
-              <a:buNone/>
-            </a:pPr>
-            <a:fld id="{00000000-1234-1234-1234-123412341234}" type="slidenum">
-              <a:rPr lang="en" smtClean="0"/>
-              <a:t>34</a:t>
-            </a:fld>
-            <a:endParaRPr lang="en"/>
-          </a:p>
-        </p:txBody>
-      </p:sp>
-    </p:spTree>
-    <p:extLst>
-      <p:ext uri="{BB962C8B-B14F-4D97-AF65-F5344CB8AC3E}">
-        <p14:creationId xmlns:p14="http://schemas.microsoft.com/office/powerpoint/2010/main" val="774862470"/>
-      </p:ext>
-    </p:extLst>
-  </p:cSld>
-  <p:clrMapOvr>
-    <a:masterClrMapping/>
-  </p:clrMapOvr>
-</p:sld>
-</file>
-
-<file path=ppt/slides/slide35.xml><?xml version="1.0" encoding="utf-8"?>
-<p:sld xmlns:a="http://schemas.openxmlformats.org/drawingml/2006/main" xmlns:r="http://schemas.openxmlformats.org/officeDocument/2006/relationships" xmlns:p="http://schemas.openxmlformats.org/presentationml/2006/main">
-  <p:cSld>
-    <p:spTree>
-      <p:nvGrpSpPr>
-        <p:cNvPr id="1" name="Shape 96"/>
-        <p:cNvGrpSpPr/>
-        <p:nvPr/>
-      </p:nvGrpSpPr>
-      <p:grpSpPr>
-        <a:xfrm>
-          <a:off x="0" y="0"/>
-          <a:ext cx="0" cy="0"/>
-          <a:chOff x="0" y="0"/>
-          <a:chExt cx="0" cy="0"/>
-        </a:xfrm>
-      </p:grpSpPr>
-      <p:sp>
-        <p:nvSpPr>
-          <p:cNvPr id="97" name="Google Shape;97;p15"/>
-          <p:cNvSpPr txBox="1">
-            <a:spLocks noGrp="1"/>
-          </p:cNvSpPr>
-          <p:nvPr>
-            <p:ph type="ctrTitle"/>
-          </p:nvPr>
-        </p:nvSpPr>
-        <p:spPr>
-          <a:xfrm>
-            <a:off x="1655700" y="1991850"/>
-            <a:ext cx="5832600" cy="1159800"/>
-          </a:xfrm>
-          <a:prstGeom prst="rect">
-            <a:avLst/>
-          </a:prstGeom>
-        </p:spPr>
-        <p:txBody>
-          <a:bodyPr spcFirstLastPara="1" wrap="square" lIns="91425" tIns="91425" rIns="91425" bIns="91425" anchor="ctr" anchorCtr="0">
-            <a:noAutofit/>
-          </a:bodyPr>
-          <a:lstStyle/>
-          <a:p>
-            <a:pPr marL="0" lvl="0" indent="0" algn="ctr" rtl="0">
-              <a:spcBef>
-                <a:spcPts val="0"/>
-              </a:spcBef>
-              <a:spcAft>
-                <a:spcPts val="0"/>
-              </a:spcAft>
-              <a:buNone/>
-            </a:pPr>
-            <a:r>
-              <a:rPr lang="en-US" sz="6000">
-                <a:solidFill>
-                  <a:srgbClr val="E6E6E6"/>
-                </a:solidFill>
-              </a:rPr>
-              <a:t>5</a:t>
-            </a:r>
-            <a:endParaRPr sz="6000">
-              <a:solidFill>
-                <a:srgbClr val="E6E6E6"/>
-              </a:solidFill>
-            </a:endParaRPr>
-          </a:p>
-          <a:p>
-            <a:pPr marL="0" lvl="0" indent="0" algn="ctr" rtl="0">
-              <a:spcBef>
-                <a:spcPts val="0"/>
-              </a:spcBef>
-              <a:spcAft>
-                <a:spcPts val="0"/>
-              </a:spcAft>
-              <a:buNone/>
-            </a:pPr>
-            <a:r>
-              <a:rPr lang="en-US"/>
-              <a:t>Errors</a:t>
-            </a:r>
-          </a:p>
-        </p:txBody>
-      </p:sp>
-      <p:sp>
-        <p:nvSpPr>
-          <p:cNvPr id="99" name="Google Shape;99;p15"/>
-          <p:cNvSpPr txBox="1">
-            <a:spLocks noGrp="1"/>
-          </p:cNvSpPr>
-          <p:nvPr>
-            <p:ph type="sldNum" idx="4294967295"/>
-          </p:nvPr>
-        </p:nvSpPr>
-        <p:spPr>
-          <a:xfrm>
-            <a:off x="8404384" y="4749851"/>
-            <a:ext cx="548700" cy="393600"/>
-          </a:xfrm>
-          <a:prstGeom prst="rect">
-            <a:avLst/>
-          </a:prstGeom>
-        </p:spPr>
-        <p:txBody>
-          <a:bodyPr spcFirstLastPara="1" wrap="square" lIns="91425" tIns="91425" rIns="91425" bIns="91425" anchor="t" anchorCtr="0">
-            <a:noAutofit/>
-          </a:bodyPr>
-          <a:lstStyle/>
-          <a:p>
-            <a:pPr marL="0" lvl="0" indent="0" algn="r" rtl="0">
-              <a:spcBef>
-                <a:spcPts val="0"/>
-              </a:spcBef>
-              <a:spcAft>
-                <a:spcPts val="0"/>
-              </a:spcAft>
-              <a:buNone/>
-            </a:pPr>
-            <a:fld id="{00000000-1234-1234-1234-123412341234}" type="slidenum">
-              <a:rPr lang="en"/>
-              <a:t>35</a:t>
-            </a:fld>
-            <a:endParaRPr/>
-          </a:p>
-        </p:txBody>
-      </p:sp>
-    </p:spTree>
-    <p:extLst>
-      <p:ext uri="{BB962C8B-B14F-4D97-AF65-F5344CB8AC3E}">
-        <p14:creationId xmlns:p14="http://schemas.microsoft.com/office/powerpoint/2010/main" val="3127425664"/>
-      </p:ext>
-    </p:extLst>
-  </p:cSld>
-  <p:clrMapOvr>
-    <a:masterClrMapping/>
-  </p:clrMapOvr>
-</p:sld>
-</file>
-
-<file path=ppt/slides/slide36.xml><?xml version="1.0" encoding="utf-8"?>
-<p:sld xmlns:a="http://schemas.openxmlformats.org/drawingml/2006/main" xmlns:r="http://schemas.openxmlformats.org/officeDocument/2006/relationships" xmlns:p="http://schemas.openxmlformats.org/presentationml/2006/main">
-  <p:cSld>
-    <p:spTree>
-      <p:nvGrpSpPr>
-        <p:cNvPr id="1" name=""/>
-        <p:cNvGrpSpPr/>
-        <p:nvPr/>
-      </p:nvGrpSpPr>
-      <p:grpSpPr>
-        <a:xfrm>
-          <a:off x="0" y="0"/>
-          <a:ext cx="0" cy="0"/>
-          <a:chOff x="0" y="0"/>
-          <a:chExt cx="0" cy="0"/>
-        </a:xfrm>
-      </p:grpSpPr>
-      <p:sp>
-        <p:nvSpPr>
-          <p:cNvPr id="2" name="Title 1">
-            <a:extLst>
-              <a:ext uri="{FF2B5EF4-FFF2-40B4-BE49-F238E27FC236}">
-                <a16:creationId xmlns:a16="http://schemas.microsoft.com/office/drawing/2014/main" id="{024AD384-5AD1-4435-A943-1241B2FACD62}"/>
-              </a:ext>
-            </a:extLst>
-          </p:cNvPr>
-          <p:cNvSpPr>
-            <a:spLocks noGrp="1"/>
-          </p:cNvSpPr>
-          <p:nvPr>
-            <p:ph type="title"/>
-          </p:nvPr>
-        </p:nvSpPr>
-        <p:spPr/>
-        <p:txBody>
-          <a:bodyPr/>
-          <a:lstStyle/>
-          <a:p>
-            <a:r>
-              <a:rPr lang="en-US"/>
-              <a:t>Try Except</a:t>
-            </a:r>
-            <a:endParaRPr lang="fa-IR"/>
-          </a:p>
-        </p:txBody>
-      </p:sp>
-      <p:sp>
-        <p:nvSpPr>
-          <p:cNvPr id="3" name="Text Placeholder 2">
-            <a:extLst>
-              <a:ext uri="{FF2B5EF4-FFF2-40B4-BE49-F238E27FC236}">
-                <a16:creationId xmlns:a16="http://schemas.microsoft.com/office/drawing/2014/main" id="{58BE3078-8B89-4550-B497-93E4DADBD57E}"/>
-              </a:ext>
-            </a:extLst>
-          </p:cNvPr>
-          <p:cNvSpPr>
-            <a:spLocks noGrp="1"/>
-          </p:cNvSpPr>
-          <p:nvPr>
-            <p:ph type="body" idx="1"/>
-          </p:nvPr>
-        </p:nvSpPr>
-        <p:spPr>
-          <a:xfrm>
-            <a:off x="786150" y="1142608"/>
-            <a:ext cx="7571700" cy="3626431"/>
-          </a:xfrm>
-        </p:spPr>
-        <p:txBody>
-          <a:bodyPr/>
-          <a:lstStyle/>
-          <a:p>
-            <a:pPr marL="76200" indent="0">
-              <a:buNone/>
-            </a:pPr>
-            <a:r>
-              <a:rPr lang="en-US" sz="1400"/>
-              <a:t>Test a block of code for errors and handle the error</a:t>
-            </a:r>
-          </a:p>
-          <a:p>
-            <a:pPr marL="76200" indent="0">
-              <a:buNone/>
-            </a:pPr>
-            <a:r>
-              <a:rPr lang="en-US" sz="1100">
-                <a:solidFill>
-                  <a:schemeClr val="accent1"/>
-                </a:solidFill>
-                <a:latin typeface="Consolas" panose="020B0609020204030204" pitchFamily="49" charset="0"/>
-                <a:cs typeface="Courier New" panose="02070309020205020404" pitchFamily="49" charset="0"/>
-              </a:rPr>
-              <a:t>try:</a:t>
-            </a:r>
-          </a:p>
-          <a:p>
-            <a:pPr marL="76200" indent="0">
-              <a:buNone/>
-            </a:pPr>
-            <a:r>
-              <a:rPr lang="en-US" sz="1100">
-                <a:latin typeface="Consolas" panose="020B0609020204030204" pitchFamily="49" charset="0"/>
-                <a:cs typeface="Courier New" panose="02070309020205020404" pitchFamily="49" charset="0"/>
-              </a:rPr>
-              <a:t>    print(x)</a:t>
-            </a:r>
-          </a:p>
-          <a:p>
-            <a:pPr marL="76200" indent="0">
-              <a:buNone/>
-            </a:pPr>
-            <a:r>
-              <a:rPr lang="en-US" sz="1100">
-                <a:solidFill>
-                  <a:schemeClr val="accent1"/>
-                </a:solidFill>
-                <a:latin typeface="Consolas" panose="020B0609020204030204" pitchFamily="49" charset="0"/>
-                <a:cs typeface="Courier New" panose="02070309020205020404" pitchFamily="49" charset="0"/>
-              </a:rPr>
-              <a:t>except</a:t>
-            </a:r>
-            <a:r>
-              <a:rPr lang="en-US" sz="1100">
-                <a:latin typeface="Consolas" panose="020B0609020204030204" pitchFamily="49" charset="0"/>
-                <a:cs typeface="Courier New" panose="02070309020205020404" pitchFamily="49" charset="0"/>
-              </a:rPr>
-              <a:t> NameError</a:t>
-            </a:r>
-            <a:r>
-              <a:rPr lang="en-US" sz="1100">
-                <a:solidFill>
-                  <a:schemeClr val="accent1"/>
-                </a:solidFill>
-                <a:latin typeface="Consolas" panose="020B0609020204030204" pitchFamily="49" charset="0"/>
-                <a:cs typeface="Courier New" panose="02070309020205020404" pitchFamily="49" charset="0"/>
-              </a:rPr>
-              <a:t>:</a:t>
-            </a:r>
-          </a:p>
-          <a:p>
-            <a:pPr marL="76200" indent="0">
-              <a:buNone/>
-            </a:pPr>
-            <a:r>
-              <a:rPr lang="en-US" sz="1100">
-                <a:latin typeface="Consolas" panose="020B0609020204030204" pitchFamily="49" charset="0"/>
-                <a:cs typeface="Courier New" panose="02070309020205020404" pitchFamily="49" charset="0"/>
-              </a:rPr>
-              <a:t>    print('Variable x is not defined')</a:t>
-            </a:r>
-          </a:p>
-          <a:p>
-            <a:pPr marL="76200" indent="0">
-              <a:buNone/>
-            </a:pPr>
-            <a:r>
-              <a:rPr lang="en-US" sz="1100">
-                <a:solidFill>
-                  <a:schemeClr val="accent1"/>
-                </a:solidFill>
-                <a:latin typeface="Consolas" panose="020B0609020204030204" pitchFamily="49" charset="0"/>
-                <a:cs typeface="Courier New" panose="02070309020205020404" pitchFamily="49" charset="0"/>
-              </a:rPr>
-              <a:t>except:</a:t>
-            </a:r>
-          </a:p>
-          <a:p>
-            <a:pPr marL="76200" indent="0">
-              <a:buNone/>
-            </a:pPr>
-            <a:r>
-              <a:rPr lang="en-US" sz="1100">
-                <a:latin typeface="Consolas" panose="020B0609020204030204" pitchFamily="49" charset="0"/>
-                <a:cs typeface="Courier New" panose="02070309020205020404" pitchFamily="49" charset="0"/>
-              </a:rPr>
-              <a:t>    print('Something else went wrong')</a:t>
-            </a:r>
-          </a:p>
-          <a:p>
-            <a:pPr marL="76200" indent="0">
-              <a:buNone/>
-            </a:pPr>
-            <a:r>
-              <a:rPr lang="en-US" sz="1100">
-                <a:solidFill>
-                  <a:schemeClr val="accent1"/>
-                </a:solidFill>
-                <a:latin typeface="Consolas" panose="020B0609020204030204" pitchFamily="49" charset="0"/>
-                <a:cs typeface="Courier New" panose="02070309020205020404" pitchFamily="49" charset="0"/>
-              </a:rPr>
-              <a:t>else:</a:t>
-            </a:r>
-          </a:p>
-          <a:p>
-            <a:pPr marL="76200" indent="0">
-              <a:buNone/>
-            </a:pPr>
-            <a:r>
-              <a:rPr lang="en-US" sz="1100">
-                <a:latin typeface="Consolas" panose="020B0609020204030204" pitchFamily="49" charset="0"/>
-                <a:cs typeface="Courier New" panose="02070309020205020404" pitchFamily="49" charset="0"/>
-              </a:rPr>
-              <a:t>    print('Nothing went wrong')</a:t>
-            </a:r>
-          </a:p>
-        </p:txBody>
-      </p:sp>
-      <p:sp>
-        <p:nvSpPr>
-          <p:cNvPr id="4" name="Slide Number Placeholder 3">
-            <a:extLst>
-              <a:ext uri="{FF2B5EF4-FFF2-40B4-BE49-F238E27FC236}">
-                <a16:creationId xmlns:a16="http://schemas.microsoft.com/office/drawing/2014/main" id="{64987AE6-EC0E-43DD-9376-95A5602EE5E1}"/>
-              </a:ext>
-            </a:extLst>
-          </p:cNvPr>
-          <p:cNvSpPr>
-            <a:spLocks noGrp="1"/>
-          </p:cNvSpPr>
-          <p:nvPr>
-            <p:ph type="sldNum" idx="12"/>
-          </p:nvPr>
-        </p:nvSpPr>
-        <p:spPr/>
-        <p:txBody>
-          <a:bodyPr/>
-          <a:lstStyle/>
-          <a:p>
-            <a:pPr marL="0" lvl="0" indent="0" algn="r" rtl="0">
-              <a:spcBef>
-                <a:spcPts val="0"/>
-              </a:spcBef>
-              <a:spcAft>
-                <a:spcPts val="0"/>
-              </a:spcAft>
-              <a:buNone/>
-            </a:pPr>
-            <a:fld id="{00000000-1234-1234-1234-123412341234}" type="slidenum">
-              <a:rPr lang="en" smtClean="0"/>
-              <a:t>36</a:t>
-            </a:fld>
-            <a:endParaRPr lang="en"/>
-          </a:p>
-        </p:txBody>
-      </p:sp>
-    </p:spTree>
-    <p:extLst>
-      <p:ext uri="{BB962C8B-B14F-4D97-AF65-F5344CB8AC3E}">
-        <p14:creationId xmlns:p14="http://schemas.microsoft.com/office/powerpoint/2010/main" val="4114768450"/>
-      </p:ext>
-    </p:extLst>
-  </p:cSld>
-  <p:clrMapOvr>
-    <a:masterClrMapping/>
-  </p:clrMapOvr>
-</p:sld>
-</file>
-
-<file path=ppt/slides/slide37.xml><?xml version="1.0" encoding="utf-8"?>
-<p:sld xmlns:a="http://schemas.openxmlformats.org/drawingml/2006/main" xmlns:r="http://schemas.openxmlformats.org/officeDocument/2006/relationships" xmlns:p="http://schemas.openxmlformats.org/presentationml/2006/main">
-  <p:cSld>
-    <p:spTree>
-      <p:nvGrpSpPr>
-        <p:cNvPr id="1" name=""/>
-        <p:cNvGrpSpPr/>
-        <p:nvPr/>
-      </p:nvGrpSpPr>
-      <p:grpSpPr>
-        <a:xfrm>
-          <a:off x="0" y="0"/>
-          <a:ext cx="0" cy="0"/>
-          <a:chOff x="0" y="0"/>
-          <a:chExt cx="0" cy="0"/>
-        </a:xfrm>
-      </p:grpSpPr>
-      <p:sp>
-        <p:nvSpPr>
-          <p:cNvPr id="2" name="Title 1">
-            <a:extLst>
-              <a:ext uri="{FF2B5EF4-FFF2-40B4-BE49-F238E27FC236}">
-                <a16:creationId xmlns:a16="http://schemas.microsoft.com/office/drawing/2014/main" id="{024AD384-5AD1-4435-A943-1241B2FACD62}"/>
-              </a:ext>
-            </a:extLst>
-          </p:cNvPr>
-          <p:cNvSpPr>
-            <a:spLocks noGrp="1"/>
-          </p:cNvSpPr>
-          <p:nvPr>
-            <p:ph type="title"/>
-          </p:nvPr>
-        </p:nvSpPr>
-        <p:spPr/>
-        <p:txBody>
-          <a:bodyPr/>
-          <a:lstStyle/>
-          <a:p>
-            <a:r>
-              <a:rPr lang="en-US"/>
-              <a:t>Exceptions</a:t>
-            </a:r>
-            <a:endParaRPr lang="fa-IR"/>
-          </a:p>
-        </p:txBody>
-      </p:sp>
-      <p:sp>
-        <p:nvSpPr>
-          <p:cNvPr id="3" name="Text Placeholder 2">
-            <a:extLst>
-              <a:ext uri="{FF2B5EF4-FFF2-40B4-BE49-F238E27FC236}">
-                <a16:creationId xmlns:a16="http://schemas.microsoft.com/office/drawing/2014/main" id="{58BE3078-8B89-4550-B497-93E4DADBD57E}"/>
-              </a:ext>
-            </a:extLst>
-          </p:cNvPr>
-          <p:cNvSpPr>
-            <a:spLocks noGrp="1"/>
-          </p:cNvSpPr>
-          <p:nvPr>
-            <p:ph type="body" idx="1"/>
-          </p:nvPr>
-        </p:nvSpPr>
-        <p:spPr>
-          <a:xfrm>
-            <a:off x="786150" y="1142608"/>
-            <a:ext cx="7571700" cy="3626431"/>
-          </a:xfrm>
-        </p:spPr>
-        <p:txBody>
-          <a:bodyPr/>
-          <a:lstStyle/>
-          <a:p>
-            <a:pPr marL="76200" indent="0">
-              <a:buNone/>
-            </a:pPr>
-            <a:r>
-              <a:rPr lang="en-US" sz="1400"/>
-              <a:t>Handle the error</a:t>
-            </a:r>
-          </a:p>
-          <a:p>
-            <a:pPr marL="76200" indent="0">
-              <a:buNone/>
-            </a:pPr>
-            <a:r>
-              <a:rPr lang="en-US" sz="1100">
-                <a:latin typeface="Consolas" panose="020B0609020204030204" pitchFamily="49" charset="0"/>
-                <a:cs typeface="Courier New" panose="02070309020205020404" pitchFamily="49" charset="0"/>
-              </a:rPr>
-              <a:t>try:</a:t>
-            </a:r>
-          </a:p>
-          <a:p>
-            <a:pPr marL="76200" indent="0">
-              <a:buNone/>
-            </a:pPr>
-            <a:r>
-              <a:rPr lang="en-US" sz="1100">
-                <a:latin typeface="Consolas" panose="020B0609020204030204" pitchFamily="49" charset="0"/>
-                <a:cs typeface="Courier New" panose="02070309020205020404" pitchFamily="49" charset="0"/>
-              </a:rPr>
-              <a:t>    print(x)</a:t>
-            </a:r>
-          </a:p>
-          <a:p>
-            <a:pPr marL="76200" indent="0">
-              <a:buNone/>
-            </a:pPr>
-            <a:r>
-              <a:rPr lang="en-US" sz="1100">
-                <a:latin typeface="Consolas" panose="020B0609020204030204" pitchFamily="49" charset="0"/>
-                <a:cs typeface="Courier New" panose="02070309020205020404" pitchFamily="49" charset="0"/>
-              </a:rPr>
-              <a:t>except </a:t>
-            </a:r>
-            <a:r>
-              <a:rPr lang="en-US" sz="1100">
-                <a:solidFill>
-                  <a:schemeClr val="accent1"/>
-                </a:solidFill>
-                <a:latin typeface="Consolas" panose="020B0609020204030204" pitchFamily="49" charset="0"/>
-                <a:cs typeface="Courier New" panose="02070309020205020404" pitchFamily="49" charset="0"/>
-              </a:rPr>
-              <a:t>Exception as </a:t>
-            </a:r>
-            <a:r>
-              <a:rPr lang="en-US" sz="1100">
-                <a:latin typeface="Consolas" panose="020B0609020204030204" pitchFamily="49" charset="0"/>
-                <a:cs typeface="Courier New" panose="02070309020205020404" pitchFamily="49" charset="0"/>
-              </a:rPr>
-              <a:t>e:</a:t>
-            </a:r>
-          </a:p>
-          <a:p>
-            <a:pPr marL="76200" indent="0">
-              <a:buNone/>
-            </a:pPr>
-            <a:r>
-              <a:rPr lang="en-US" sz="1100">
-                <a:latin typeface="Consolas" panose="020B0609020204030204" pitchFamily="49" charset="0"/>
-                <a:cs typeface="Courier New" panose="02070309020205020404" pitchFamily="49" charset="0"/>
-              </a:rPr>
-              <a:t>    print(e)</a:t>
-            </a:r>
-          </a:p>
-          <a:p>
-            <a:pPr marL="76200" indent="0">
-              <a:buNone/>
-            </a:pPr>
-            <a:endParaRPr lang="en-US" sz="1100">
-              <a:latin typeface="Consolas" panose="020B0609020204030204" pitchFamily="49" charset="0"/>
-              <a:cs typeface="Courier New" panose="02070309020205020404" pitchFamily="49" charset="0"/>
-            </a:endParaRPr>
-          </a:p>
-          <a:p>
-            <a:pPr marL="76200" indent="0">
-              <a:buNone/>
-            </a:pPr>
-            <a:r>
-              <a:rPr lang="en-US" sz="1400"/>
-              <a:t>Raise an error</a:t>
-            </a:r>
-          </a:p>
-          <a:p>
-            <a:pPr marL="76200" indent="0">
-              <a:buNone/>
-            </a:pPr>
-            <a:r>
-              <a:rPr lang="en-US" sz="1100">
-                <a:latin typeface="Consolas" panose="020B0609020204030204" pitchFamily="49" charset="0"/>
-                <a:cs typeface="Courier New" panose="02070309020205020404" pitchFamily="49" charset="0"/>
-              </a:rPr>
-              <a:t>x = -1</a:t>
-            </a:r>
-          </a:p>
-          <a:p>
-            <a:pPr marL="76200" indent="0">
-              <a:buNone/>
-            </a:pPr>
-            <a:r>
-              <a:rPr lang="en-US" sz="1100">
-                <a:latin typeface="Consolas" panose="020B0609020204030204" pitchFamily="49" charset="0"/>
-                <a:cs typeface="Courier New" panose="02070309020205020404" pitchFamily="49" charset="0"/>
-              </a:rPr>
-              <a:t>if x &lt; 0:</a:t>
-            </a:r>
-          </a:p>
-          <a:p>
-            <a:pPr marL="76200" indent="0">
-              <a:buNone/>
-            </a:pPr>
-            <a:r>
-              <a:rPr lang="en-US" sz="1100">
-                <a:latin typeface="Consolas" panose="020B0609020204030204" pitchFamily="49" charset="0"/>
-                <a:cs typeface="Courier New" panose="02070309020205020404" pitchFamily="49" charset="0"/>
-              </a:rPr>
-              <a:t>    </a:t>
-            </a:r>
-            <a:r>
-              <a:rPr lang="en-US" sz="1100">
-                <a:solidFill>
-                  <a:schemeClr val="accent1"/>
-                </a:solidFill>
-                <a:latin typeface="Consolas" panose="020B0609020204030204" pitchFamily="49" charset="0"/>
-                <a:cs typeface="Courier New" panose="02070309020205020404" pitchFamily="49" charset="0"/>
-              </a:rPr>
-              <a:t>raise</a:t>
-            </a:r>
-            <a:r>
-              <a:rPr lang="en-US" sz="1100">
-                <a:latin typeface="Consolas" panose="020B0609020204030204" pitchFamily="49" charset="0"/>
-                <a:cs typeface="Courier New" panose="02070309020205020404" pitchFamily="49" charset="0"/>
-              </a:rPr>
-              <a:t> Exception("Please enter a posetive number") </a:t>
-            </a:r>
-          </a:p>
-        </p:txBody>
-      </p:sp>
-      <p:sp>
-        <p:nvSpPr>
-          <p:cNvPr id="4" name="Slide Number Placeholder 3">
-            <a:extLst>
-              <a:ext uri="{FF2B5EF4-FFF2-40B4-BE49-F238E27FC236}">
-                <a16:creationId xmlns:a16="http://schemas.microsoft.com/office/drawing/2014/main" id="{64987AE6-EC0E-43DD-9376-95A5602EE5E1}"/>
-              </a:ext>
-            </a:extLst>
-          </p:cNvPr>
-          <p:cNvSpPr>
-            <a:spLocks noGrp="1"/>
-          </p:cNvSpPr>
-          <p:nvPr>
-            <p:ph type="sldNum" idx="12"/>
-          </p:nvPr>
-        </p:nvSpPr>
-        <p:spPr/>
-        <p:txBody>
-          <a:bodyPr/>
-          <a:lstStyle/>
-          <a:p>
-            <a:pPr marL="0" lvl="0" indent="0" algn="r" rtl="0">
-              <a:spcBef>
-                <a:spcPts val="0"/>
-              </a:spcBef>
-              <a:spcAft>
-                <a:spcPts val="0"/>
-              </a:spcAft>
-              <a:buNone/>
-            </a:pPr>
-            <a:fld id="{00000000-1234-1234-1234-123412341234}" type="slidenum">
-              <a:rPr lang="en" smtClean="0"/>
-              <a:t>37</a:t>
-            </a:fld>
-            <a:endParaRPr lang="en"/>
-          </a:p>
-        </p:txBody>
-      </p:sp>
-    </p:spTree>
-    <p:extLst>
-      <p:ext uri="{BB962C8B-B14F-4D97-AF65-F5344CB8AC3E}">
-        <p14:creationId xmlns:p14="http://schemas.microsoft.com/office/powerpoint/2010/main" val="2265659775"/>
-      </p:ext>
-    </p:extLst>
-  </p:cSld>
-  <p:clrMapOvr>
-    <a:masterClrMapping/>
-  </p:clrMapOvr>
-</p:sld>
-</file>
-
-<file path=ppt/slides/slide38.xml><?xml version="1.0" encoding="utf-8"?>
 <p:sld xmlns:a="http://schemas.openxmlformats.org/drawingml/2006/main" xmlns:r="http://schemas.openxmlformats.org/officeDocument/2006/relationships" xmlns:p="http://schemas.openxmlformats.org/presentationml/2006/main">
   <p:cSld>
     <p:spTree>
@@ -20527,13 +18588,2014 @@
             </a:pPr>
             <a:fld id="{00000000-1234-1234-1234-123412341234}" type="slidenum">
               <a:rPr lang="en"/>
-              <a:t>38</a:t>
+              <a:t>31</a:t>
             </a:fld>
             <a:endParaRPr/>
           </a:p>
         </p:txBody>
       </p:sp>
     </p:spTree>
+  </p:cSld>
+  <p:clrMapOvr>
+    <a:masterClrMapping/>
+  </p:clrMapOvr>
+</p:sld>
+</file>
+
+<file path=ppt/slides/slide32.xml><?xml version="1.0" encoding="utf-8"?>
+<p:sld xmlns:a="http://schemas.openxmlformats.org/drawingml/2006/main" xmlns:r="http://schemas.openxmlformats.org/officeDocument/2006/relationships" xmlns:p="http://schemas.openxmlformats.org/presentationml/2006/main" show="0">
+  <p:cSld>
+    <p:spTree>
+      <p:nvGrpSpPr>
+        <p:cNvPr id="1" name=""/>
+        <p:cNvGrpSpPr/>
+        <p:nvPr/>
+      </p:nvGrpSpPr>
+      <p:grpSpPr>
+        <a:xfrm>
+          <a:off x="0" y="0"/>
+          <a:ext cx="0" cy="0"/>
+          <a:chOff x="0" y="0"/>
+          <a:chExt cx="0" cy="0"/>
+        </a:xfrm>
+      </p:grpSpPr>
+      <p:sp>
+        <p:nvSpPr>
+          <p:cNvPr id="2" name="Title 1">
+            <a:extLst>
+              <a:ext uri="{FF2B5EF4-FFF2-40B4-BE49-F238E27FC236}">
+                <a16:creationId xmlns:a16="http://schemas.microsoft.com/office/drawing/2014/main" id="{024AD384-5AD1-4435-A943-1241B2FACD62}"/>
+              </a:ext>
+            </a:extLst>
+          </p:cNvPr>
+          <p:cNvSpPr>
+            <a:spLocks noGrp="1"/>
+          </p:cNvSpPr>
+          <p:nvPr>
+            <p:ph type="title"/>
+          </p:nvPr>
+        </p:nvSpPr>
+        <p:spPr/>
+        <p:txBody>
+          <a:bodyPr/>
+          <a:lstStyle/>
+          <a:p>
+            <a:r>
+              <a:rPr lang="en-US" sz="2400"/>
+              <a:t>Join Sets</a:t>
+            </a:r>
+            <a:endParaRPr lang="fa-IR"/>
+          </a:p>
+        </p:txBody>
+      </p:sp>
+      <p:sp>
+        <p:nvSpPr>
+          <p:cNvPr id="3" name="Text Placeholder 2">
+            <a:extLst>
+              <a:ext uri="{FF2B5EF4-FFF2-40B4-BE49-F238E27FC236}">
+                <a16:creationId xmlns:a16="http://schemas.microsoft.com/office/drawing/2014/main" id="{58BE3078-8B89-4550-B497-93E4DADBD57E}"/>
+              </a:ext>
+            </a:extLst>
+          </p:cNvPr>
+          <p:cNvSpPr>
+            <a:spLocks noGrp="1"/>
+          </p:cNvSpPr>
+          <p:nvPr>
+            <p:ph type="body" idx="1"/>
+          </p:nvPr>
+        </p:nvSpPr>
+        <p:spPr>
+          <a:xfrm>
+            <a:off x="786150" y="1142608"/>
+            <a:ext cx="7571700" cy="3626431"/>
+          </a:xfrm>
+        </p:spPr>
+        <p:txBody>
+          <a:bodyPr/>
+          <a:lstStyle/>
+          <a:p>
+            <a:pPr marL="76200" indent="0">
+              <a:buNone/>
+            </a:pPr>
+            <a:r>
+              <a:rPr lang="en-US" sz="1400"/>
+              <a:t>Join Sets</a:t>
+            </a:r>
+          </a:p>
+          <a:p>
+            <a:pPr marL="76200" indent="0">
+              <a:buNone/>
+            </a:pPr>
+            <a:r>
+              <a:rPr lang="en-US" sz="1100">
+                <a:latin typeface="Consolas" panose="020B0609020204030204" pitchFamily="49" charset="0"/>
+                <a:cs typeface="Courier New" panose="02070309020205020404" pitchFamily="49" charset="0"/>
+              </a:rPr>
+              <a:t>students = {'Ali', 'Zahra', 'Bahram'}</a:t>
+            </a:r>
+          </a:p>
+          <a:p>
+            <a:pPr marL="76200" indent="0">
+              <a:buNone/>
+            </a:pPr>
+            <a:r>
+              <a:rPr lang="en-US" sz="1100">
+                <a:latin typeface="Consolas" panose="020B0609020204030204" pitchFamily="49" charset="0"/>
+                <a:cs typeface="Courier New" panose="02070309020205020404" pitchFamily="49" charset="0"/>
+              </a:rPr>
+              <a:t>workers = {'Zahra', 'Bahram', 'Nahid'}</a:t>
+            </a:r>
+          </a:p>
+          <a:p>
+            <a:pPr marL="76200" indent="0">
+              <a:buNone/>
+            </a:pPr>
+            <a:r>
+              <a:rPr lang="en-US" sz="1100">
+                <a:latin typeface="Consolas" panose="020B0609020204030204" pitchFamily="49" charset="0"/>
+                <a:cs typeface="Courier New" panose="02070309020205020404" pitchFamily="49" charset="0"/>
+              </a:rPr>
+              <a:t>allMembers = students</a:t>
+            </a:r>
+            <a:r>
+              <a:rPr lang="en-US" sz="1100">
+                <a:solidFill>
+                  <a:schemeClr val="accent1"/>
+                </a:solidFill>
+                <a:latin typeface="Consolas" panose="020B0609020204030204" pitchFamily="49" charset="0"/>
+                <a:cs typeface="Courier New" panose="02070309020205020404" pitchFamily="49" charset="0"/>
+              </a:rPr>
+              <a:t>.union(</a:t>
+            </a:r>
+            <a:r>
+              <a:rPr lang="en-US" sz="1100">
+                <a:latin typeface="Consolas" panose="020B0609020204030204" pitchFamily="49" charset="0"/>
+                <a:cs typeface="Courier New" panose="02070309020205020404" pitchFamily="49" charset="0"/>
+              </a:rPr>
+              <a:t>workers</a:t>
+            </a:r>
+            <a:r>
+              <a:rPr lang="en-US" sz="1100">
+                <a:solidFill>
+                  <a:schemeClr val="accent1"/>
+                </a:solidFill>
+                <a:latin typeface="Consolas" panose="020B0609020204030204" pitchFamily="49" charset="0"/>
+                <a:cs typeface="Courier New" panose="02070309020205020404" pitchFamily="49" charset="0"/>
+              </a:rPr>
+              <a:t>)</a:t>
+            </a:r>
+          </a:p>
+          <a:p>
+            <a:pPr marL="76200" indent="0">
+              <a:buNone/>
+            </a:pPr>
+            <a:r>
+              <a:rPr lang="en-US" sz="1100">
+                <a:latin typeface="Consolas" panose="020B0609020204030204" pitchFamily="49" charset="0"/>
+                <a:cs typeface="Courier New" panose="02070309020205020404" pitchFamily="49" charset="0"/>
+              </a:rPr>
+              <a:t>wortudents = students</a:t>
+            </a:r>
+            <a:r>
+              <a:rPr lang="en-US" sz="1100">
+                <a:solidFill>
+                  <a:schemeClr val="accent1"/>
+                </a:solidFill>
+                <a:latin typeface="Consolas" panose="020B0609020204030204" pitchFamily="49" charset="0"/>
+                <a:cs typeface="Courier New" panose="02070309020205020404" pitchFamily="49" charset="0"/>
+              </a:rPr>
+              <a:t>.intersection(</a:t>
+            </a:r>
+            <a:r>
+              <a:rPr lang="en-US" sz="1100">
+                <a:latin typeface="Consolas" panose="020B0609020204030204" pitchFamily="49" charset="0"/>
+                <a:cs typeface="Courier New" panose="02070309020205020404" pitchFamily="49" charset="0"/>
+              </a:rPr>
+              <a:t>workers</a:t>
+            </a:r>
+            <a:r>
+              <a:rPr lang="en-US" sz="1100">
+                <a:solidFill>
+                  <a:schemeClr val="accent1"/>
+                </a:solidFill>
+                <a:latin typeface="Consolas" panose="020B0609020204030204" pitchFamily="49" charset="0"/>
+                <a:cs typeface="Courier New" panose="02070309020205020404" pitchFamily="49" charset="0"/>
+              </a:rPr>
+              <a:t>)</a:t>
+            </a:r>
+          </a:p>
+          <a:p>
+            <a:pPr marL="76200" indent="0">
+              <a:buNone/>
+            </a:pPr>
+            <a:r>
+              <a:rPr lang="en-US" sz="1100">
+                <a:latin typeface="Consolas" panose="020B0609020204030204" pitchFamily="49" charset="0"/>
+                <a:cs typeface="Courier New" panose="02070309020205020404" pitchFamily="49" charset="0"/>
+              </a:rPr>
+              <a:t>notWortudents = students</a:t>
+            </a:r>
+            <a:r>
+              <a:rPr lang="en-US" sz="1100">
+                <a:solidFill>
+                  <a:schemeClr val="accent1"/>
+                </a:solidFill>
+                <a:latin typeface="Consolas" panose="020B0609020204030204" pitchFamily="49" charset="0"/>
+                <a:cs typeface="Courier New" panose="02070309020205020404" pitchFamily="49" charset="0"/>
+              </a:rPr>
+              <a:t>.symmetric_difference(</a:t>
+            </a:r>
+            <a:r>
+              <a:rPr lang="en-US" sz="1100">
+                <a:latin typeface="Consolas" panose="020B0609020204030204" pitchFamily="49" charset="0"/>
+                <a:cs typeface="Courier New" panose="02070309020205020404" pitchFamily="49" charset="0"/>
+              </a:rPr>
+              <a:t>workers</a:t>
+            </a:r>
+            <a:r>
+              <a:rPr lang="en-US" sz="1100">
+                <a:solidFill>
+                  <a:schemeClr val="accent1"/>
+                </a:solidFill>
+                <a:latin typeface="Consolas" panose="020B0609020204030204" pitchFamily="49" charset="0"/>
+                <a:cs typeface="Courier New" panose="02070309020205020404" pitchFamily="49" charset="0"/>
+              </a:rPr>
+              <a:t>)</a:t>
+            </a:r>
+          </a:p>
+          <a:p>
+            <a:pPr marL="76200" indent="0">
+              <a:buNone/>
+            </a:pPr>
+            <a:r>
+              <a:rPr lang="en-US" sz="1100">
+                <a:latin typeface="Consolas" panose="020B0609020204030204" pitchFamily="49" charset="0"/>
+                <a:cs typeface="Courier New" panose="02070309020205020404" pitchFamily="49" charset="0"/>
+              </a:rPr>
+              <a:t>nonworkingStudents = students - workers</a:t>
+            </a:r>
+          </a:p>
+          <a:p>
+            <a:pPr marL="76200" indent="0">
+              <a:buNone/>
+            </a:pPr>
+            <a:r>
+              <a:rPr lang="en-US" sz="1100">
+                <a:latin typeface="Consolas" panose="020B0609020204030204" pitchFamily="49" charset="0"/>
+                <a:cs typeface="Courier New" panose="02070309020205020404" pitchFamily="49" charset="0"/>
+              </a:rPr>
+              <a:t>nonstudentWorkers = workers - students</a:t>
+            </a:r>
+          </a:p>
+        </p:txBody>
+      </p:sp>
+      <p:sp>
+        <p:nvSpPr>
+          <p:cNvPr id="4" name="Slide Number Placeholder 3">
+            <a:extLst>
+              <a:ext uri="{FF2B5EF4-FFF2-40B4-BE49-F238E27FC236}">
+                <a16:creationId xmlns:a16="http://schemas.microsoft.com/office/drawing/2014/main" id="{64987AE6-EC0E-43DD-9376-95A5602EE5E1}"/>
+              </a:ext>
+            </a:extLst>
+          </p:cNvPr>
+          <p:cNvSpPr>
+            <a:spLocks noGrp="1"/>
+          </p:cNvSpPr>
+          <p:nvPr>
+            <p:ph type="sldNum" idx="12"/>
+          </p:nvPr>
+        </p:nvSpPr>
+        <p:spPr/>
+        <p:txBody>
+          <a:bodyPr/>
+          <a:lstStyle/>
+          <a:p>
+            <a:pPr marL="0" lvl="0" indent="0" algn="r" rtl="0">
+              <a:spcBef>
+                <a:spcPts val="0"/>
+              </a:spcBef>
+              <a:spcAft>
+                <a:spcPts val="0"/>
+              </a:spcAft>
+              <a:buNone/>
+            </a:pPr>
+            <a:fld id="{00000000-1234-1234-1234-123412341234}" type="slidenum">
+              <a:rPr lang="en" smtClean="0"/>
+              <a:t>32</a:t>
+            </a:fld>
+            <a:endParaRPr lang="en"/>
+          </a:p>
+        </p:txBody>
+      </p:sp>
+    </p:spTree>
+    <p:extLst>
+      <p:ext uri="{BB962C8B-B14F-4D97-AF65-F5344CB8AC3E}">
+        <p14:creationId xmlns:p14="http://schemas.microsoft.com/office/powerpoint/2010/main" val="428133587"/>
+      </p:ext>
+    </p:extLst>
+  </p:cSld>
+  <p:clrMapOvr>
+    <a:masterClrMapping/>
+  </p:clrMapOvr>
+</p:sld>
+</file>
+
+<file path=ppt/slides/slide33.xml><?xml version="1.0" encoding="utf-8"?>
+<p:sld xmlns:a="http://schemas.openxmlformats.org/drawingml/2006/main" xmlns:r="http://schemas.openxmlformats.org/officeDocument/2006/relationships" xmlns:p="http://schemas.openxmlformats.org/presentationml/2006/main" show="0">
+  <p:cSld>
+    <p:spTree>
+      <p:nvGrpSpPr>
+        <p:cNvPr id="1" name=""/>
+        <p:cNvGrpSpPr/>
+        <p:nvPr/>
+      </p:nvGrpSpPr>
+      <p:grpSpPr>
+        <a:xfrm>
+          <a:off x="0" y="0"/>
+          <a:ext cx="0" cy="0"/>
+          <a:chOff x="0" y="0"/>
+          <a:chExt cx="0" cy="0"/>
+        </a:xfrm>
+      </p:grpSpPr>
+      <p:sp>
+        <p:nvSpPr>
+          <p:cNvPr id="2" name="Title 1">
+            <a:extLst>
+              <a:ext uri="{FF2B5EF4-FFF2-40B4-BE49-F238E27FC236}">
+                <a16:creationId xmlns:a16="http://schemas.microsoft.com/office/drawing/2014/main" id="{024AD384-5AD1-4435-A943-1241B2FACD62}"/>
+              </a:ext>
+            </a:extLst>
+          </p:cNvPr>
+          <p:cNvSpPr>
+            <a:spLocks noGrp="1"/>
+          </p:cNvSpPr>
+          <p:nvPr>
+            <p:ph type="title"/>
+          </p:nvPr>
+        </p:nvSpPr>
+        <p:spPr/>
+        <p:txBody>
+          <a:bodyPr/>
+          <a:lstStyle/>
+          <a:p>
+            <a:r>
+              <a:rPr lang="en-US"/>
+              <a:t>Nested If Statements</a:t>
+            </a:r>
+            <a:endParaRPr lang="fa-IR"/>
+          </a:p>
+        </p:txBody>
+      </p:sp>
+      <p:sp>
+        <p:nvSpPr>
+          <p:cNvPr id="3" name="Text Placeholder 2">
+            <a:extLst>
+              <a:ext uri="{FF2B5EF4-FFF2-40B4-BE49-F238E27FC236}">
+                <a16:creationId xmlns:a16="http://schemas.microsoft.com/office/drawing/2014/main" id="{58BE3078-8B89-4550-B497-93E4DADBD57E}"/>
+              </a:ext>
+            </a:extLst>
+          </p:cNvPr>
+          <p:cNvSpPr>
+            <a:spLocks noGrp="1"/>
+          </p:cNvSpPr>
+          <p:nvPr>
+            <p:ph type="body" idx="1"/>
+          </p:nvPr>
+        </p:nvSpPr>
+        <p:spPr>
+          <a:xfrm>
+            <a:off x="786150" y="1142608"/>
+            <a:ext cx="7571700" cy="3626431"/>
+          </a:xfrm>
+        </p:spPr>
+        <p:txBody>
+          <a:bodyPr/>
+          <a:lstStyle/>
+          <a:p>
+            <a:pPr marL="76200" indent="0">
+              <a:buNone/>
+            </a:pPr>
+            <a:r>
+              <a:rPr lang="en-US" sz="1400"/>
+              <a:t>Nested if</a:t>
+            </a:r>
+            <a:endParaRPr lang="en-US" sz="1200">
+              <a:latin typeface="Consolas" panose="020B0609020204030204" pitchFamily="49" charset="0"/>
+              <a:cs typeface="Courier New" panose="02070309020205020404" pitchFamily="49" charset="0"/>
+            </a:endParaRPr>
+          </a:p>
+          <a:p>
+            <a:pPr marL="76200" indent="0">
+              <a:buNone/>
+            </a:pPr>
+            <a:r>
+              <a:rPr lang="en-US" sz="1100">
+                <a:latin typeface="Consolas" panose="020B0609020204030204" pitchFamily="49" charset="0"/>
+                <a:cs typeface="Courier New" panose="02070309020205020404" pitchFamily="49" charset="0"/>
+              </a:rPr>
+              <a:t>score = 18</a:t>
+            </a:r>
+          </a:p>
+          <a:p>
+            <a:pPr marL="76200" indent="0">
+              <a:buNone/>
+            </a:pPr>
+            <a:r>
+              <a:rPr lang="en-US" sz="1100">
+                <a:solidFill>
+                  <a:schemeClr val="accent1"/>
+                </a:solidFill>
+                <a:latin typeface="Consolas" panose="020B0609020204030204" pitchFamily="49" charset="0"/>
+                <a:cs typeface="Courier New" panose="02070309020205020404" pitchFamily="49" charset="0"/>
+              </a:rPr>
+              <a:t>if</a:t>
+            </a:r>
+            <a:r>
+              <a:rPr lang="en-US" sz="1100">
+                <a:latin typeface="Consolas" panose="020B0609020204030204" pitchFamily="49" charset="0"/>
+                <a:cs typeface="Courier New" panose="02070309020205020404" pitchFamily="49" charset="0"/>
+              </a:rPr>
+              <a:t> score &gt;= 10:</a:t>
+            </a:r>
+          </a:p>
+          <a:p>
+            <a:pPr marL="76200" indent="0">
+              <a:buNone/>
+            </a:pPr>
+            <a:r>
+              <a:rPr lang="en-US" sz="1100">
+                <a:latin typeface="Consolas" panose="020B0609020204030204" pitchFamily="49" charset="0"/>
+                <a:cs typeface="Courier New" panose="02070309020205020404" pitchFamily="49" charset="0"/>
+              </a:rPr>
+              <a:t>    print('Pass')</a:t>
+            </a:r>
+          </a:p>
+          <a:p>
+            <a:pPr marL="76200" indent="0">
+              <a:buNone/>
+            </a:pPr>
+            <a:r>
+              <a:rPr lang="en-US" sz="1100">
+                <a:latin typeface="Consolas" panose="020B0609020204030204" pitchFamily="49" charset="0"/>
+                <a:cs typeface="Courier New" panose="02070309020205020404" pitchFamily="49" charset="0"/>
+              </a:rPr>
+              <a:t>    </a:t>
+            </a:r>
+            <a:r>
+              <a:rPr lang="en-US" sz="1100">
+                <a:solidFill>
+                  <a:schemeClr val="accent1"/>
+                </a:solidFill>
+                <a:latin typeface="Consolas" panose="020B0609020204030204" pitchFamily="49" charset="0"/>
+                <a:cs typeface="Courier New" panose="02070309020205020404" pitchFamily="49" charset="0"/>
+              </a:rPr>
+              <a:t>if</a:t>
+            </a:r>
+            <a:r>
+              <a:rPr lang="en-US" sz="1100">
+                <a:latin typeface="Consolas" panose="020B0609020204030204" pitchFamily="49" charset="0"/>
+                <a:cs typeface="Courier New" panose="02070309020205020404" pitchFamily="49" charset="0"/>
+              </a:rPr>
+              <a:t> score &gt;= 18:</a:t>
+            </a:r>
+          </a:p>
+          <a:p>
+            <a:pPr marL="76200" indent="0">
+              <a:buNone/>
+            </a:pPr>
+            <a:r>
+              <a:rPr lang="en-US" sz="1100">
+                <a:latin typeface="Consolas" panose="020B0609020204030204" pitchFamily="49" charset="0"/>
+                <a:cs typeface="Courier New" panose="02070309020205020404" pitchFamily="49" charset="0"/>
+              </a:rPr>
+              <a:t>        print('with grade A!')</a:t>
+            </a:r>
+          </a:p>
+          <a:p>
+            <a:pPr marL="76200" indent="0">
+              <a:buNone/>
+            </a:pPr>
+            <a:r>
+              <a:rPr lang="en-US" sz="1100">
+                <a:latin typeface="Consolas" panose="020B0609020204030204" pitchFamily="49" charset="0"/>
+                <a:cs typeface="Courier New" panose="02070309020205020404" pitchFamily="49" charset="0"/>
+              </a:rPr>
+              <a:t>    </a:t>
+            </a:r>
+            <a:r>
+              <a:rPr lang="en-US" sz="1100">
+                <a:solidFill>
+                  <a:schemeClr val="accent1"/>
+                </a:solidFill>
+                <a:latin typeface="Consolas" panose="020B0609020204030204" pitchFamily="49" charset="0"/>
+                <a:cs typeface="Courier New" panose="02070309020205020404" pitchFamily="49" charset="0"/>
+              </a:rPr>
+              <a:t>elif</a:t>
+            </a:r>
+            <a:r>
+              <a:rPr lang="en-US" sz="1100">
+                <a:latin typeface="Consolas" panose="020B0609020204030204" pitchFamily="49" charset="0"/>
+                <a:cs typeface="Courier New" panose="02070309020205020404" pitchFamily="49" charset="0"/>
+              </a:rPr>
+              <a:t> score &gt;= 15:</a:t>
+            </a:r>
+          </a:p>
+          <a:p>
+            <a:pPr marL="76200" indent="0">
+              <a:buNone/>
+            </a:pPr>
+            <a:r>
+              <a:rPr lang="en-US" sz="1100">
+                <a:latin typeface="Consolas" panose="020B0609020204030204" pitchFamily="49" charset="0"/>
+                <a:cs typeface="Courier New" panose="02070309020205020404" pitchFamily="49" charset="0"/>
+              </a:rPr>
+              <a:t>        print('with grade B!')</a:t>
+            </a:r>
+          </a:p>
+          <a:p>
+            <a:pPr marL="76200" indent="0">
+              <a:buNone/>
+            </a:pPr>
+            <a:r>
+              <a:rPr lang="en-US" sz="1100">
+                <a:latin typeface="Consolas" panose="020B0609020204030204" pitchFamily="49" charset="0"/>
+                <a:cs typeface="Courier New" panose="02070309020205020404" pitchFamily="49" charset="0"/>
+              </a:rPr>
+              <a:t>    </a:t>
+            </a:r>
+            <a:r>
+              <a:rPr lang="en-US" sz="1100">
+                <a:solidFill>
+                  <a:schemeClr val="accent1"/>
+                </a:solidFill>
+                <a:latin typeface="Consolas" panose="020B0609020204030204" pitchFamily="49" charset="0"/>
+                <a:cs typeface="Courier New" panose="02070309020205020404" pitchFamily="49" charset="0"/>
+              </a:rPr>
+              <a:t>elif</a:t>
+            </a:r>
+            <a:r>
+              <a:rPr lang="en-US" sz="1100">
+                <a:latin typeface="Consolas" panose="020B0609020204030204" pitchFamily="49" charset="0"/>
+                <a:cs typeface="Courier New" panose="02070309020205020404" pitchFamily="49" charset="0"/>
+              </a:rPr>
+              <a:t> score &gt;= 12:</a:t>
+            </a:r>
+          </a:p>
+          <a:p>
+            <a:pPr marL="76200" indent="0">
+              <a:buNone/>
+            </a:pPr>
+            <a:r>
+              <a:rPr lang="en-US" sz="1100">
+                <a:latin typeface="Consolas" panose="020B0609020204030204" pitchFamily="49" charset="0"/>
+                <a:cs typeface="Courier New" panose="02070309020205020404" pitchFamily="49" charset="0"/>
+              </a:rPr>
+              <a:t>        print('with grade C!')</a:t>
+            </a:r>
+          </a:p>
+          <a:p>
+            <a:pPr marL="76200" indent="0">
+              <a:buNone/>
+            </a:pPr>
+            <a:r>
+              <a:rPr lang="en-US" sz="1100">
+                <a:latin typeface="Consolas" panose="020B0609020204030204" pitchFamily="49" charset="0"/>
+                <a:cs typeface="Courier New" panose="02070309020205020404" pitchFamily="49" charset="0"/>
+              </a:rPr>
+              <a:t>    </a:t>
+            </a:r>
+            <a:r>
+              <a:rPr lang="en-US" sz="1100">
+                <a:solidFill>
+                  <a:schemeClr val="accent1"/>
+                </a:solidFill>
+                <a:latin typeface="Consolas" panose="020B0609020204030204" pitchFamily="49" charset="0"/>
+                <a:cs typeface="Courier New" panose="02070309020205020404" pitchFamily="49" charset="0"/>
+              </a:rPr>
+              <a:t>else</a:t>
+            </a:r>
+            <a:r>
+              <a:rPr lang="en-US" sz="1100">
+                <a:latin typeface="Consolas" panose="020B0609020204030204" pitchFamily="49" charset="0"/>
+                <a:cs typeface="Courier New" panose="02070309020205020404" pitchFamily="49" charset="0"/>
+              </a:rPr>
+              <a:t>:</a:t>
+            </a:r>
+          </a:p>
+          <a:p>
+            <a:pPr marL="76200" indent="0">
+              <a:buNone/>
+            </a:pPr>
+            <a:r>
+              <a:rPr lang="en-US" sz="1100">
+                <a:latin typeface="Consolas" panose="020B0609020204030204" pitchFamily="49" charset="0"/>
+                <a:cs typeface="Courier New" panose="02070309020205020404" pitchFamily="49" charset="0"/>
+              </a:rPr>
+              <a:t>        print('with grade D!')</a:t>
+            </a:r>
+          </a:p>
+          <a:p>
+            <a:pPr marL="76200" indent="0">
+              <a:buNone/>
+            </a:pPr>
+            <a:r>
+              <a:rPr lang="en-US" sz="1100">
+                <a:solidFill>
+                  <a:schemeClr val="accent1"/>
+                </a:solidFill>
+                <a:latin typeface="Consolas" panose="020B0609020204030204" pitchFamily="49" charset="0"/>
+                <a:cs typeface="Courier New" panose="02070309020205020404" pitchFamily="49" charset="0"/>
+              </a:rPr>
+              <a:t>else</a:t>
+            </a:r>
+            <a:r>
+              <a:rPr lang="en-US" sz="1100">
+                <a:latin typeface="Consolas" panose="020B0609020204030204" pitchFamily="49" charset="0"/>
+                <a:cs typeface="Courier New" panose="02070309020205020404" pitchFamily="49" charset="0"/>
+              </a:rPr>
+              <a:t>:</a:t>
+            </a:r>
+          </a:p>
+          <a:p>
+            <a:pPr marL="76200" indent="0">
+              <a:buNone/>
+            </a:pPr>
+            <a:r>
+              <a:rPr lang="en-US" sz="1100">
+                <a:latin typeface="Consolas" panose="020B0609020204030204" pitchFamily="49" charset="0"/>
+                <a:cs typeface="Courier New" panose="02070309020205020404" pitchFamily="49" charset="0"/>
+              </a:rPr>
+              <a:t>    print('Fail!')</a:t>
+            </a:r>
+          </a:p>
+        </p:txBody>
+      </p:sp>
+      <p:sp>
+        <p:nvSpPr>
+          <p:cNvPr id="4" name="Slide Number Placeholder 3">
+            <a:extLst>
+              <a:ext uri="{FF2B5EF4-FFF2-40B4-BE49-F238E27FC236}">
+                <a16:creationId xmlns:a16="http://schemas.microsoft.com/office/drawing/2014/main" id="{64987AE6-EC0E-43DD-9376-95A5602EE5E1}"/>
+              </a:ext>
+            </a:extLst>
+          </p:cNvPr>
+          <p:cNvSpPr>
+            <a:spLocks noGrp="1"/>
+          </p:cNvSpPr>
+          <p:nvPr>
+            <p:ph type="sldNum" idx="12"/>
+          </p:nvPr>
+        </p:nvSpPr>
+        <p:spPr/>
+        <p:txBody>
+          <a:bodyPr/>
+          <a:lstStyle/>
+          <a:p>
+            <a:pPr marL="0" lvl="0" indent="0" algn="r" rtl="0">
+              <a:spcBef>
+                <a:spcPts val="0"/>
+              </a:spcBef>
+              <a:spcAft>
+                <a:spcPts val="0"/>
+              </a:spcAft>
+              <a:buNone/>
+            </a:pPr>
+            <a:fld id="{00000000-1234-1234-1234-123412341234}" type="slidenum">
+              <a:rPr lang="en" smtClean="0"/>
+              <a:t>33</a:t>
+            </a:fld>
+            <a:endParaRPr lang="en"/>
+          </a:p>
+        </p:txBody>
+      </p:sp>
+    </p:spTree>
+    <p:extLst>
+      <p:ext uri="{BB962C8B-B14F-4D97-AF65-F5344CB8AC3E}">
+        <p14:creationId xmlns:p14="http://schemas.microsoft.com/office/powerpoint/2010/main" val="3273535352"/>
+      </p:ext>
+    </p:extLst>
+  </p:cSld>
+  <p:clrMapOvr>
+    <a:masterClrMapping/>
+  </p:clrMapOvr>
+</p:sld>
+</file>
+
+<file path=ppt/slides/slide34.xml><?xml version="1.0" encoding="utf-8"?>
+<p:sld xmlns:a="http://schemas.openxmlformats.org/drawingml/2006/main" xmlns:r="http://schemas.openxmlformats.org/officeDocument/2006/relationships" xmlns:p="http://schemas.openxmlformats.org/presentationml/2006/main" show="0">
+  <p:cSld>
+    <p:spTree>
+      <p:nvGrpSpPr>
+        <p:cNvPr id="1" name=""/>
+        <p:cNvGrpSpPr/>
+        <p:nvPr/>
+      </p:nvGrpSpPr>
+      <p:grpSpPr>
+        <a:xfrm>
+          <a:off x="0" y="0"/>
+          <a:ext cx="0" cy="0"/>
+          <a:chOff x="0" y="0"/>
+          <a:chExt cx="0" cy="0"/>
+        </a:xfrm>
+      </p:grpSpPr>
+      <p:sp>
+        <p:nvSpPr>
+          <p:cNvPr id="2" name="Title 1">
+            <a:extLst>
+              <a:ext uri="{FF2B5EF4-FFF2-40B4-BE49-F238E27FC236}">
+                <a16:creationId xmlns:a16="http://schemas.microsoft.com/office/drawing/2014/main" id="{024AD384-5AD1-4435-A943-1241B2FACD62}"/>
+              </a:ext>
+            </a:extLst>
+          </p:cNvPr>
+          <p:cNvSpPr>
+            <a:spLocks noGrp="1"/>
+          </p:cNvSpPr>
+          <p:nvPr>
+            <p:ph type="title"/>
+          </p:nvPr>
+        </p:nvSpPr>
+        <p:spPr/>
+        <p:txBody>
+          <a:bodyPr/>
+          <a:lstStyle/>
+          <a:p>
+            <a:r>
+              <a:rPr lang="en-US"/>
+              <a:t>Match Case</a:t>
+            </a:r>
+            <a:endParaRPr lang="fa-IR"/>
+          </a:p>
+        </p:txBody>
+      </p:sp>
+      <p:sp>
+        <p:nvSpPr>
+          <p:cNvPr id="3" name="Text Placeholder 2">
+            <a:extLst>
+              <a:ext uri="{FF2B5EF4-FFF2-40B4-BE49-F238E27FC236}">
+                <a16:creationId xmlns:a16="http://schemas.microsoft.com/office/drawing/2014/main" id="{58BE3078-8B89-4550-B497-93E4DADBD57E}"/>
+              </a:ext>
+            </a:extLst>
+          </p:cNvPr>
+          <p:cNvSpPr>
+            <a:spLocks noGrp="1"/>
+          </p:cNvSpPr>
+          <p:nvPr>
+            <p:ph type="body" idx="1"/>
+          </p:nvPr>
+        </p:nvSpPr>
+        <p:spPr>
+          <a:xfrm>
+            <a:off x="786150" y="1142608"/>
+            <a:ext cx="7571700" cy="3626431"/>
+          </a:xfrm>
+        </p:spPr>
+        <p:txBody>
+          <a:bodyPr/>
+          <a:lstStyle/>
+          <a:p>
+            <a:pPr marL="76200" indent="0">
+              <a:buNone/>
+            </a:pPr>
+            <a:r>
+              <a:rPr lang="en-US" sz="1400"/>
+              <a:t>Switch statement</a:t>
+            </a:r>
+            <a:endParaRPr lang="en-US" sz="1200">
+              <a:latin typeface="Consolas" panose="020B0609020204030204" pitchFamily="49" charset="0"/>
+              <a:cs typeface="Courier New" panose="02070309020205020404" pitchFamily="49" charset="0"/>
+            </a:endParaRPr>
+          </a:p>
+          <a:p>
+            <a:pPr marL="76200" indent="0">
+              <a:buNone/>
+            </a:pPr>
+            <a:r>
+              <a:rPr lang="en-US" sz="1100">
+                <a:latin typeface="Consolas" panose="020B0609020204030204" pitchFamily="49" charset="0"/>
+                <a:cs typeface="Courier New" panose="02070309020205020404" pitchFamily="49" charset="0"/>
+              </a:rPr>
+              <a:t>language = input('What is the programming language you want to learn? ')</a:t>
+            </a:r>
+          </a:p>
+          <a:p>
+            <a:pPr marL="76200" indent="0">
+              <a:buNone/>
+            </a:pPr>
+            <a:r>
+              <a:rPr lang="en-US" sz="1100">
+                <a:solidFill>
+                  <a:schemeClr val="accent1"/>
+                </a:solidFill>
+                <a:latin typeface="Consolas" panose="020B0609020204030204" pitchFamily="49" charset="0"/>
+                <a:cs typeface="Courier New" panose="02070309020205020404" pitchFamily="49" charset="0"/>
+              </a:rPr>
+              <a:t>match</a:t>
+            </a:r>
+            <a:r>
+              <a:rPr lang="en-US" sz="1100">
+                <a:latin typeface="Consolas" panose="020B0609020204030204" pitchFamily="49" charset="0"/>
+                <a:cs typeface="Courier New" panose="02070309020205020404" pitchFamily="49" charset="0"/>
+              </a:rPr>
+              <a:t> language</a:t>
+            </a:r>
+            <a:r>
+              <a:rPr lang="en-US" sz="1100">
+                <a:solidFill>
+                  <a:schemeClr val="accent1"/>
+                </a:solidFill>
+                <a:latin typeface="Consolas" panose="020B0609020204030204" pitchFamily="49" charset="0"/>
+                <a:cs typeface="Courier New" panose="02070309020205020404" pitchFamily="49" charset="0"/>
+              </a:rPr>
+              <a:t>:</a:t>
+            </a:r>
+          </a:p>
+          <a:p>
+            <a:pPr marL="76200" indent="0">
+              <a:buNone/>
+            </a:pPr>
+            <a:r>
+              <a:rPr lang="en-US" sz="1100">
+                <a:latin typeface="Consolas" panose="020B0609020204030204" pitchFamily="49" charset="0"/>
+                <a:cs typeface="Courier New" panose="02070309020205020404" pitchFamily="49" charset="0"/>
+              </a:rPr>
+              <a:t>    </a:t>
+            </a:r>
+            <a:r>
+              <a:rPr lang="en-US" sz="1100">
+                <a:solidFill>
+                  <a:schemeClr val="accent1"/>
+                </a:solidFill>
+                <a:latin typeface="Consolas" panose="020B0609020204030204" pitchFamily="49" charset="0"/>
+                <a:cs typeface="Courier New" panose="02070309020205020404" pitchFamily="49" charset="0"/>
+              </a:rPr>
+              <a:t>case</a:t>
+            </a:r>
+            <a:r>
+              <a:rPr lang="en-US" sz="1100">
+                <a:latin typeface="Consolas" panose="020B0609020204030204" pitchFamily="49" charset="0"/>
+                <a:cs typeface="Courier New" panose="02070309020205020404" pitchFamily="49" charset="0"/>
+              </a:rPr>
+              <a:t> 'JavaScript'</a:t>
+            </a:r>
+            <a:r>
+              <a:rPr lang="en-US" sz="1100">
+                <a:solidFill>
+                  <a:schemeClr val="accent1"/>
+                </a:solidFill>
+                <a:latin typeface="Consolas" panose="020B0609020204030204" pitchFamily="49" charset="0"/>
+                <a:cs typeface="Courier New" panose="02070309020205020404" pitchFamily="49" charset="0"/>
+              </a:rPr>
+              <a:t>:</a:t>
+            </a:r>
+          </a:p>
+          <a:p>
+            <a:pPr marL="76200" indent="0">
+              <a:buNone/>
+            </a:pPr>
+            <a:r>
+              <a:rPr lang="en-US" sz="1100">
+                <a:latin typeface="Consolas" panose="020B0609020204030204" pitchFamily="49" charset="0"/>
+                <a:cs typeface="Courier New" panose="02070309020205020404" pitchFamily="49" charset="0"/>
+              </a:rPr>
+              <a:t>        print('You can become a web developer.')</a:t>
+            </a:r>
+          </a:p>
+          <a:p>
+            <a:pPr marL="76200" indent="0">
+              <a:buNone/>
+            </a:pPr>
+            <a:r>
+              <a:rPr lang="en-US" sz="1100">
+                <a:latin typeface="Consolas" panose="020B0609020204030204" pitchFamily="49" charset="0"/>
+                <a:cs typeface="Courier New" panose="02070309020205020404" pitchFamily="49" charset="0"/>
+              </a:rPr>
+              <a:t>    </a:t>
+            </a:r>
+            <a:r>
+              <a:rPr lang="en-US" sz="1100">
+                <a:solidFill>
+                  <a:schemeClr val="accent1"/>
+                </a:solidFill>
+                <a:latin typeface="Consolas" panose="020B0609020204030204" pitchFamily="49" charset="0"/>
+                <a:cs typeface="Courier New" panose="02070309020205020404" pitchFamily="49" charset="0"/>
+              </a:rPr>
+              <a:t>case</a:t>
+            </a:r>
+            <a:r>
+              <a:rPr lang="en-US" sz="1100">
+                <a:latin typeface="Consolas" panose="020B0609020204030204" pitchFamily="49" charset="0"/>
+                <a:cs typeface="Courier New" panose="02070309020205020404" pitchFamily="49" charset="0"/>
+              </a:rPr>
+              <a:t> 'Python'</a:t>
+            </a:r>
+            <a:r>
+              <a:rPr lang="en-US" sz="1100">
+                <a:solidFill>
+                  <a:schemeClr val="accent1"/>
+                </a:solidFill>
+                <a:latin typeface="Consolas" panose="020B0609020204030204" pitchFamily="49" charset="0"/>
+                <a:cs typeface="Courier New" panose="02070309020205020404" pitchFamily="49" charset="0"/>
+              </a:rPr>
+              <a:t>:</a:t>
+            </a:r>
+          </a:p>
+          <a:p>
+            <a:pPr marL="76200" indent="0">
+              <a:buNone/>
+            </a:pPr>
+            <a:r>
+              <a:rPr lang="en-US" sz="1100">
+                <a:latin typeface="Consolas" panose="020B0609020204030204" pitchFamily="49" charset="0"/>
+                <a:cs typeface="Courier New" panose="02070309020205020404" pitchFamily="49" charset="0"/>
+              </a:rPr>
+              <a:t>        print('You can become a Data Scientist.')</a:t>
+            </a:r>
+          </a:p>
+          <a:p>
+            <a:pPr marL="76200" indent="0">
+              <a:buNone/>
+            </a:pPr>
+            <a:r>
+              <a:rPr lang="en-US" sz="1100">
+                <a:latin typeface="Consolas" panose="020B0609020204030204" pitchFamily="49" charset="0"/>
+                <a:cs typeface="Courier New" panose="02070309020205020404" pitchFamily="49" charset="0"/>
+              </a:rPr>
+              <a:t>    </a:t>
+            </a:r>
+            <a:r>
+              <a:rPr lang="en-US" sz="1100">
+                <a:solidFill>
+                  <a:schemeClr val="accent1"/>
+                </a:solidFill>
+                <a:latin typeface="Consolas" panose="020B0609020204030204" pitchFamily="49" charset="0"/>
+                <a:cs typeface="Courier New" panose="02070309020205020404" pitchFamily="49" charset="0"/>
+              </a:rPr>
+              <a:t>case</a:t>
+            </a:r>
+            <a:r>
+              <a:rPr lang="en-US" sz="1100">
+                <a:latin typeface="Consolas" panose="020B0609020204030204" pitchFamily="49" charset="0"/>
+                <a:cs typeface="Courier New" panose="02070309020205020404" pitchFamily="49" charset="0"/>
+              </a:rPr>
+              <a:t> 'PHP'</a:t>
+            </a:r>
+            <a:r>
+              <a:rPr lang="en-US" sz="1100">
+                <a:solidFill>
+                  <a:schemeClr val="accent1"/>
+                </a:solidFill>
+                <a:latin typeface="Consolas" panose="020B0609020204030204" pitchFamily="49" charset="0"/>
+                <a:cs typeface="Courier New" panose="02070309020205020404" pitchFamily="49" charset="0"/>
+              </a:rPr>
+              <a:t>:</a:t>
+            </a:r>
+          </a:p>
+          <a:p>
+            <a:pPr marL="76200" indent="0">
+              <a:buNone/>
+            </a:pPr>
+            <a:r>
+              <a:rPr lang="en-US" sz="1100">
+                <a:latin typeface="Consolas" panose="020B0609020204030204" pitchFamily="49" charset="0"/>
+                <a:cs typeface="Courier New" panose="02070309020205020404" pitchFamily="49" charset="0"/>
+              </a:rPr>
+              <a:t>        print('You can become a backend developer.')</a:t>
+            </a:r>
+          </a:p>
+          <a:p>
+            <a:pPr marL="76200" indent="0">
+              <a:buNone/>
+            </a:pPr>
+            <a:r>
+              <a:rPr lang="en-US" sz="1100">
+                <a:latin typeface="Consolas" panose="020B0609020204030204" pitchFamily="49" charset="0"/>
+                <a:cs typeface="Courier New" panose="02070309020205020404" pitchFamily="49" charset="0"/>
+              </a:rPr>
+              <a:t>    </a:t>
+            </a:r>
+            <a:r>
+              <a:rPr lang="en-US" sz="1100">
+                <a:solidFill>
+                  <a:schemeClr val="accent1"/>
+                </a:solidFill>
+                <a:latin typeface="Consolas" panose="020B0609020204030204" pitchFamily="49" charset="0"/>
+                <a:cs typeface="Courier New" panose="02070309020205020404" pitchFamily="49" charset="0"/>
+              </a:rPr>
+              <a:t>case</a:t>
+            </a:r>
+            <a:r>
+              <a:rPr lang="en-US" sz="1100">
+                <a:latin typeface="Consolas" panose="020B0609020204030204" pitchFamily="49" charset="0"/>
+                <a:cs typeface="Courier New" panose="02070309020205020404" pitchFamily="49" charset="0"/>
+              </a:rPr>
+              <a:t> 'Solidity'</a:t>
+            </a:r>
+            <a:r>
+              <a:rPr lang="en-US" sz="1100">
+                <a:solidFill>
+                  <a:schemeClr val="accent1"/>
+                </a:solidFill>
+                <a:latin typeface="Consolas" panose="020B0609020204030204" pitchFamily="49" charset="0"/>
+                <a:cs typeface="Courier New" panose="02070309020205020404" pitchFamily="49" charset="0"/>
+              </a:rPr>
+              <a:t>:</a:t>
+            </a:r>
+          </a:p>
+          <a:p>
+            <a:pPr marL="76200" indent="0">
+              <a:buNone/>
+            </a:pPr>
+            <a:r>
+              <a:rPr lang="en-US" sz="1100">
+                <a:latin typeface="Consolas" panose="020B0609020204030204" pitchFamily="49" charset="0"/>
+                <a:cs typeface="Courier New" panose="02070309020205020404" pitchFamily="49" charset="0"/>
+              </a:rPr>
+              <a:t>        print('You can become a Blockchain developer.')</a:t>
+            </a:r>
+          </a:p>
+          <a:p>
+            <a:pPr marL="76200" indent="0">
+              <a:buNone/>
+            </a:pPr>
+            <a:r>
+              <a:rPr lang="en-US" sz="1100">
+                <a:latin typeface="Consolas" panose="020B0609020204030204" pitchFamily="49" charset="0"/>
+                <a:cs typeface="Courier New" panose="02070309020205020404" pitchFamily="49" charset="0"/>
+              </a:rPr>
+              <a:t>    </a:t>
+            </a:r>
+            <a:r>
+              <a:rPr lang="en-US" sz="1100">
+                <a:solidFill>
+                  <a:schemeClr val="accent1"/>
+                </a:solidFill>
+                <a:latin typeface="Consolas" panose="020B0609020204030204" pitchFamily="49" charset="0"/>
+                <a:cs typeface="Courier New" panose="02070309020205020404" pitchFamily="49" charset="0"/>
+              </a:rPr>
+              <a:t>case</a:t>
+            </a:r>
+            <a:r>
+              <a:rPr lang="en-US" sz="1100">
+                <a:latin typeface="Consolas" panose="020B0609020204030204" pitchFamily="49" charset="0"/>
+                <a:cs typeface="Courier New" panose="02070309020205020404" pitchFamily="49" charset="0"/>
+              </a:rPr>
+              <a:t> _</a:t>
+            </a:r>
+            <a:r>
+              <a:rPr lang="en-US" sz="1100">
+                <a:solidFill>
+                  <a:schemeClr val="accent1"/>
+                </a:solidFill>
+                <a:latin typeface="Consolas" panose="020B0609020204030204" pitchFamily="49" charset="0"/>
+                <a:cs typeface="Courier New" panose="02070309020205020404" pitchFamily="49" charset="0"/>
+              </a:rPr>
+              <a:t>:</a:t>
+            </a:r>
+          </a:p>
+          <a:p>
+            <a:pPr marL="76200" indent="0">
+              <a:buNone/>
+            </a:pPr>
+            <a:r>
+              <a:rPr lang="en-US" sz="1100">
+                <a:latin typeface="Consolas" panose="020B0609020204030204" pitchFamily="49" charset="0"/>
+                <a:cs typeface="Courier New" panose="02070309020205020404" pitchFamily="49" charset="0"/>
+              </a:rPr>
+              <a:t>        print('The language doesn't matter, what matters is solving problems.')</a:t>
+            </a:r>
+          </a:p>
+        </p:txBody>
+      </p:sp>
+      <p:sp>
+        <p:nvSpPr>
+          <p:cNvPr id="4" name="Slide Number Placeholder 3">
+            <a:extLst>
+              <a:ext uri="{FF2B5EF4-FFF2-40B4-BE49-F238E27FC236}">
+                <a16:creationId xmlns:a16="http://schemas.microsoft.com/office/drawing/2014/main" id="{64987AE6-EC0E-43DD-9376-95A5602EE5E1}"/>
+              </a:ext>
+            </a:extLst>
+          </p:cNvPr>
+          <p:cNvSpPr>
+            <a:spLocks noGrp="1"/>
+          </p:cNvSpPr>
+          <p:nvPr>
+            <p:ph type="sldNum" idx="12"/>
+          </p:nvPr>
+        </p:nvSpPr>
+        <p:spPr/>
+        <p:txBody>
+          <a:bodyPr/>
+          <a:lstStyle/>
+          <a:p>
+            <a:pPr marL="0" lvl="0" indent="0" algn="r" rtl="0">
+              <a:spcBef>
+                <a:spcPts val="0"/>
+              </a:spcBef>
+              <a:spcAft>
+                <a:spcPts val="0"/>
+              </a:spcAft>
+              <a:buNone/>
+            </a:pPr>
+            <a:fld id="{00000000-1234-1234-1234-123412341234}" type="slidenum">
+              <a:rPr lang="en" smtClean="0"/>
+              <a:t>34</a:t>
+            </a:fld>
+            <a:endParaRPr lang="en"/>
+          </a:p>
+        </p:txBody>
+      </p:sp>
+    </p:spTree>
+    <p:extLst>
+      <p:ext uri="{BB962C8B-B14F-4D97-AF65-F5344CB8AC3E}">
+        <p14:creationId xmlns:p14="http://schemas.microsoft.com/office/powerpoint/2010/main" val="3788890202"/>
+      </p:ext>
+    </p:extLst>
+  </p:cSld>
+  <p:clrMapOvr>
+    <a:masterClrMapping/>
+  </p:clrMapOvr>
+</p:sld>
+</file>
+
+<file path=ppt/slides/slide35.xml><?xml version="1.0" encoding="utf-8"?>
+<p:sld xmlns:a="http://schemas.openxmlformats.org/drawingml/2006/main" xmlns:r="http://schemas.openxmlformats.org/officeDocument/2006/relationships" xmlns:p="http://schemas.openxmlformats.org/presentationml/2006/main" show="0">
+  <p:cSld>
+    <p:spTree>
+      <p:nvGrpSpPr>
+        <p:cNvPr id="1" name=""/>
+        <p:cNvGrpSpPr/>
+        <p:nvPr/>
+      </p:nvGrpSpPr>
+      <p:grpSpPr>
+        <a:xfrm>
+          <a:off x="0" y="0"/>
+          <a:ext cx="0" cy="0"/>
+          <a:chOff x="0" y="0"/>
+          <a:chExt cx="0" cy="0"/>
+        </a:xfrm>
+      </p:grpSpPr>
+      <p:sp>
+        <p:nvSpPr>
+          <p:cNvPr id="2" name="Title 1">
+            <a:extLst>
+              <a:ext uri="{FF2B5EF4-FFF2-40B4-BE49-F238E27FC236}">
+                <a16:creationId xmlns:a16="http://schemas.microsoft.com/office/drawing/2014/main" id="{024AD384-5AD1-4435-A943-1241B2FACD62}"/>
+              </a:ext>
+            </a:extLst>
+          </p:cNvPr>
+          <p:cNvSpPr>
+            <a:spLocks noGrp="1"/>
+          </p:cNvSpPr>
+          <p:nvPr>
+            <p:ph type="title"/>
+          </p:nvPr>
+        </p:nvSpPr>
+        <p:spPr/>
+        <p:txBody>
+          <a:bodyPr/>
+          <a:lstStyle/>
+          <a:p>
+            <a:r>
+              <a:rPr lang="en-US"/>
+              <a:t>Nested Loops</a:t>
+            </a:r>
+            <a:endParaRPr lang="fa-IR"/>
+          </a:p>
+        </p:txBody>
+      </p:sp>
+      <p:sp>
+        <p:nvSpPr>
+          <p:cNvPr id="3" name="Text Placeholder 2">
+            <a:extLst>
+              <a:ext uri="{FF2B5EF4-FFF2-40B4-BE49-F238E27FC236}">
+                <a16:creationId xmlns:a16="http://schemas.microsoft.com/office/drawing/2014/main" id="{58BE3078-8B89-4550-B497-93E4DADBD57E}"/>
+              </a:ext>
+            </a:extLst>
+          </p:cNvPr>
+          <p:cNvSpPr>
+            <a:spLocks noGrp="1"/>
+          </p:cNvSpPr>
+          <p:nvPr>
+            <p:ph type="body" idx="1"/>
+          </p:nvPr>
+        </p:nvSpPr>
+        <p:spPr>
+          <a:xfrm>
+            <a:off x="786150" y="1142608"/>
+            <a:ext cx="7571700" cy="3626431"/>
+          </a:xfrm>
+        </p:spPr>
+        <p:txBody>
+          <a:bodyPr/>
+          <a:lstStyle/>
+          <a:p>
+            <a:pPr marL="76200" indent="0">
+              <a:buNone/>
+            </a:pPr>
+            <a:r>
+              <a:rPr lang="en-US" sz="1400"/>
+              <a:t>Nested while and for loops</a:t>
+            </a:r>
+            <a:endParaRPr lang="en-US" sz="1400">
+              <a:latin typeface="Consolas" panose="020B0609020204030204" pitchFamily="49" charset="0"/>
+              <a:cs typeface="Courier New" panose="02070309020205020404" pitchFamily="49" charset="0"/>
+            </a:endParaRPr>
+          </a:p>
+          <a:p>
+            <a:pPr marL="76200" indent="0">
+              <a:buNone/>
+            </a:pPr>
+            <a:r>
+              <a:rPr lang="en-US" sz="1100">
+                <a:latin typeface="Consolas" panose="020B0609020204030204" pitchFamily="49" charset="0"/>
+                <a:cs typeface="Courier New" panose="02070309020205020404" pitchFamily="49" charset="0"/>
+              </a:rPr>
+              <a:t>number = 2</a:t>
+            </a:r>
+          </a:p>
+          <a:p>
+            <a:pPr marL="76200" indent="0">
+              <a:buNone/>
+            </a:pPr>
+            <a:r>
+              <a:rPr lang="en-US" sz="1100">
+                <a:latin typeface="Consolas" panose="020B0609020204030204" pitchFamily="49" charset="0"/>
+                <a:cs typeface="Courier New" panose="02070309020205020404" pitchFamily="49" charset="0"/>
+              </a:rPr>
+              <a:t>adjectives = ['big', 'tasty']</a:t>
+            </a:r>
+          </a:p>
+          <a:p>
+            <a:pPr marL="76200" indent="0">
+              <a:buNone/>
+            </a:pPr>
+            <a:r>
+              <a:rPr lang="en-US" sz="1100">
+                <a:latin typeface="Consolas" panose="020B0609020204030204" pitchFamily="49" charset="0"/>
+                <a:cs typeface="Courier New" panose="02070309020205020404" pitchFamily="49" charset="0"/>
+              </a:rPr>
+              <a:t>fruits = ['apple', 'banana', 'orange']</a:t>
+            </a:r>
+          </a:p>
+          <a:p>
+            <a:pPr marL="76200" indent="0">
+              <a:buNone/>
+            </a:pPr>
+            <a:r>
+              <a:rPr lang="en-US" sz="1100">
+                <a:solidFill>
+                  <a:schemeClr val="accent1"/>
+                </a:solidFill>
+                <a:latin typeface="Consolas" panose="020B0609020204030204" pitchFamily="49" charset="0"/>
+                <a:cs typeface="Courier New" panose="02070309020205020404" pitchFamily="49" charset="0"/>
+              </a:rPr>
+              <a:t>while</a:t>
+            </a:r>
+            <a:r>
+              <a:rPr lang="en-US" sz="1100">
+                <a:latin typeface="Consolas" panose="020B0609020204030204" pitchFamily="49" charset="0"/>
+                <a:cs typeface="Courier New" panose="02070309020205020404" pitchFamily="49" charset="0"/>
+              </a:rPr>
+              <a:t> number &lt; 5:</a:t>
+            </a:r>
+          </a:p>
+          <a:p>
+            <a:pPr marL="76200" indent="0">
+              <a:buNone/>
+            </a:pPr>
+            <a:r>
+              <a:rPr lang="en-US" sz="1100">
+                <a:solidFill>
+                  <a:schemeClr val="accent1"/>
+                </a:solidFill>
+                <a:latin typeface="Consolas" panose="020B0609020204030204" pitchFamily="49" charset="0"/>
+                <a:cs typeface="Courier New" panose="02070309020205020404" pitchFamily="49" charset="0"/>
+              </a:rPr>
+              <a:t>    for</a:t>
+            </a:r>
+            <a:r>
+              <a:rPr lang="en-US" sz="1100">
+                <a:latin typeface="Consolas" panose="020B0609020204030204" pitchFamily="49" charset="0"/>
+                <a:cs typeface="Courier New" panose="02070309020205020404" pitchFamily="49" charset="0"/>
+              </a:rPr>
+              <a:t> adjective in adj:</a:t>
+            </a:r>
+          </a:p>
+          <a:p>
+            <a:pPr marL="76200" indent="0">
+              <a:buNone/>
+            </a:pPr>
+            <a:r>
+              <a:rPr lang="en-US" sz="1100">
+                <a:latin typeface="Consolas" panose="020B0609020204030204" pitchFamily="49" charset="0"/>
+                <a:cs typeface="Courier New" panose="02070309020205020404" pitchFamily="49" charset="0"/>
+              </a:rPr>
+              <a:t>        </a:t>
+            </a:r>
+            <a:r>
+              <a:rPr lang="en-US" sz="1100">
+                <a:solidFill>
+                  <a:schemeClr val="accent1"/>
+                </a:solidFill>
+                <a:latin typeface="Consolas" panose="020B0609020204030204" pitchFamily="49" charset="0"/>
+                <a:cs typeface="Courier New" panose="02070309020205020404" pitchFamily="49" charset="0"/>
+              </a:rPr>
+              <a:t>for</a:t>
+            </a:r>
+            <a:r>
+              <a:rPr lang="en-US" sz="1100">
+                <a:latin typeface="Consolas" panose="020B0609020204030204" pitchFamily="49" charset="0"/>
+                <a:cs typeface="Courier New" panose="02070309020205020404" pitchFamily="49" charset="0"/>
+              </a:rPr>
+              <a:t> fruit in fruits:</a:t>
+            </a:r>
+          </a:p>
+          <a:p>
+            <a:pPr marL="76200" indent="0">
+              <a:buNone/>
+            </a:pPr>
+            <a:r>
+              <a:rPr lang="en-US" sz="1100">
+                <a:latin typeface="Consolas" panose="020B0609020204030204" pitchFamily="49" charset="0"/>
+                <a:cs typeface="Courier New" panose="02070309020205020404" pitchFamily="49" charset="0"/>
+              </a:rPr>
+              <a:t>            print(f'{number} {adjective} {fruit}s') </a:t>
+            </a:r>
+          </a:p>
+          <a:p>
+            <a:pPr marL="76200" indent="0">
+              <a:buNone/>
+            </a:pPr>
+            <a:r>
+              <a:rPr lang="en-US" sz="1100">
+                <a:latin typeface="Consolas" panose="020B0609020204030204" pitchFamily="49" charset="0"/>
+                <a:cs typeface="Courier New" panose="02070309020205020404" pitchFamily="49" charset="0"/>
+              </a:rPr>
+              <a:t>    number += 1</a:t>
+            </a:r>
+          </a:p>
+        </p:txBody>
+      </p:sp>
+      <p:sp>
+        <p:nvSpPr>
+          <p:cNvPr id="4" name="Slide Number Placeholder 3">
+            <a:extLst>
+              <a:ext uri="{FF2B5EF4-FFF2-40B4-BE49-F238E27FC236}">
+                <a16:creationId xmlns:a16="http://schemas.microsoft.com/office/drawing/2014/main" id="{64987AE6-EC0E-43DD-9376-95A5602EE5E1}"/>
+              </a:ext>
+            </a:extLst>
+          </p:cNvPr>
+          <p:cNvSpPr>
+            <a:spLocks noGrp="1"/>
+          </p:cNvSpPr>
+          <p:nvPr>
+            <p:ph type="sldNum" idx="12"/>
+          </p:nvPr>
+        </p:nvSpPr>
+        <p:spPr/>
+        <p:txBody>
+          <a:bodyPr/>
+          <a:lstStyle/>
+          <a:p>
+            <a:pPr marL="0" lvl="0" indent="0" algn="r" rtl="0">
+              <a:spcBef>
+                <a:spcPts val="0"/>
+              </a:spcBef>
+              <a:spcAft>
+                <a:spcPts val="0"/>
+              </a:spcAft>
+              <a:buNone/>
+            </a:pPr>
+            <a:fld id="{00000000-1234-1234-1234-123412341234}" type="slidenum">
+              <a:rPr lang="en" smtClean="0"/>
+              <a:t>35</a:t>
+            </a:fld>
+            <a:endParaRPr lang="en"/>
+          </a:p>
+        </p:txBody>
+      </p:sp>
+    </p:spTree>
+    <p:extLst>
+      <p:ext uri="{BB962C8B-B14F-4D97-AF65-F5344CB8AC3E}">
+        <p14:creationId xmlns:p14="http://schemas.microsoft.com/office/powerpoint/2010/main" val="42047317"/>
+      </p:ext>
+    </p:extLst>
+  </p:cSld>
+  <p:clrMapOvr>
+    <a:masterClrMapping/>
+  </p:clrMapOvr>
+</p:sld>
+</file>
+
+<file path=ppt/slides/slide36.xml><?xml version="1.0" encoding="utf-8"?>
+<p:sld xmlns:a="http://schemas.openxmlformats.org/drawingml/2006/main" xmlns:r="http://schemas.openxmlformats.org/officeDocument/2006/relationships" xmlns:p="http://schemas.openxmlformats.org/presentationml/2006/main" show="0">
+  <p:cSld>
+    <p:spTree>
+      <p:nvGrpSpPr>
+        <p:cNvPr id="1" name=""/>
+        <p:cNvGrpSpPr/>
+        <p:nvPr/>
+      </p:nvGrpSpPr>
+      <p:grpSpPr>
+        <a:xfrm>
+          <a:off x="0" y="0"/>
+          <a:ext cx="0" cy="0"/>
+          <a:chOff x="0" y="0"/>
+          <a:chExt cx="0" cy="0"/>
+        </a:xfrm>
+      </p:grpSpPr>
+      <p:sp>
+        <p:nvSpPr>
+          <p:cNvPr id="2" name="Title 1">
+            <a:extLst>
+              <a:ext uri="{FF2B5EF4-FFF2-40B4-BE49-F238E27FC236}">
+                <a16:creationId xmlns:a16="http://schemas.microsoft.com/office/drawing/2014/main" id="{024AD384-5AD1-4435-A943-1241B2FACD62}"/>
+              </a:ext>
+            </a:extLst>
+          </p:cNvPr>
+          <p:cNvSpPr>
+            <a:spLocks noGrp="1"/>
+          </p:cNvSpPr>
+          <p:nvPr>
+            <p:ph type="title"/>
+          </p:nvPr>
+        </p:nvSpPr>
+        <p:spPr/>
+        <p:txBody>
+          <a:bodyPr/>
+          <a:lstStyle/>
+          <a:p>
+            <a:r>
+              <a:rPr lang="en-US"/>
+              <a:t>Functions</a:t>
+            </a:r>
+            <a:endParaRPr lang="fa-IR"/>
+          </a:p>
+        </p:txBody>
+      </p:sp>
+      <p:sp>
+        <p:nvSpPr>
+          <p:cNvPr id="3" name="Text Placeholder 2">
+            <a:extLst>
+              <a:ext uri="{FF2B5EF4-FFF2-40B4-BE49-F238E27FC236}">
+                <a16:creationId xmlns:a16="http://schemas.microsoft.com/office/drawing/2014/main" id="{58BE3078-8B89-4550-B497-93E4DADBD57E}"/>
+              </a:ext>
+            </a:extLst>
+          </p:cNvPr>
+          <p:cNvSpPr>
+            <a:spLocks noGrp="1"/>
+          </p:cNvSpPr>
+          <p:nvPr>
+            <p:ph type="body" idx="1"/>
+          </p:nvPr>
+        </p:nvSpPr>
+        <p:spPr>
+          <a:xfrm>
+            <a:off x="786150" y="1142608"/>
+            <a:ext cx="7571700" cy="3626431"/>
+          </a:xfrm>
+        </p:spPr>
+        <p:txBody>
+          <a:bodyPr/>
+          <a:lstStyle/>
+          <a:p>
+            <a:pPr marL="76200" indent="0">
+              <a:buNone/>
+            </a:pPr>
+            <a:r>
+              <a:rPr lang="en-US" sz="1400"/>
+              <a:t>Type Annotations</a:t>
+            </a:r>
+          </a:p>
+          <a:p>
+            <a:pPr marL="76200" indent="0">
+              <a:buNone/>
+            </a:pPr>
+            <a:r>
+              <a:rPr lang="en-US" sz="1100">
+                <a:latin typeface="Consolas" panose="020B0609020204030204" pitchFamily="49" charset="0"/>
+                <a:cs typeface="Courier New" panose="02070309020205020404" pitchFamily="49" charset="0"/>
+              </a:rPr>
+              <a:t>def fullName(firstName</a:t>
+            </a:r>
+            <a:r>
+              <a:rPr lang="en-US" sz="1100">
+                <a:solidFill>
+                  <a:schemeClr val="accent1"/>
+                </a:solidFill>
+                <a:latin typeface="Consolas" panose="020B0609020204030204" pitchFamily="49" charset="0"/>
+                <a:cs typeface="Courier New" panose="02070309020205020404" pitchFamily="49" charset="0"/>
+              </a:rPr>
+              <a:t>: str</a:t>
+            </a:r>
+            <a:r>
+              <a:rPr lang="en-US" sz="1100">
+                <a:latin typeface="Consolas" panose="020B0609020204030204" pitchFamily="49" charset="0"/>
+                <a:cs typeface="Courier New" panose="02070309020205020404" pitchFamily="49" charset="0"/>
+              </a:rPr>
+              <a:t>, lastName</a:t>
+            </a:r>
+            <a:r>
+              <a:rPr lang="en-US" sz="1100">
+                <a:solidFill>
+                  <a:schemeClr val="accent1"/>
+                </a:solidFill>
+                <a:latin typeface="Consolas" panose="020B0609020204030204" pitchFamily="49" charset="0"/>
+                <a:cs typeface="Courier New" panose="02070309020205020404" pitchFamily="49" charset="0"/>
+              </a:rPr>
+              <a:t>: str</a:t>
+            </a:r>
+            <a:r>
+              <a:rPr lang="en-US" sz="1100">
+                <a:latin typeface="Consolas" panose="020B0609020204030204" pitchFamily="49" charset="0"/>
+                <a:cs typeface="Courier New" panose="02070309020205020404" pitchFamily="49" charset="0"/>
+              </a:rPr>
+              <a:t>) </a:t>
+            </a:r>
+            <a:r>
+              <a:rPr lang="en-US" sz="1100">
+                <a:solidFill>
+                  <a:schemeClr val="accent1"/>
+                </a:solidFill>
+                <a:latin typeface="Consolas" panose="020B0609020204030204" pitchFamily="49" charset="0"/>
+                <a:cs typeface="Courier New" panose="02070309020205020404" pitchFamily="49" charset="0"/>
+              </a:rPr>
+              <a:t>-&gt; str</a:t>
+            </a:r>
+            <a:r>
+              <a:rPr lang="en-US" sz="1100">
+                <a:latin typeface="Consolas" panose="020B0609020204030204" pitchFamily="49" charset="0"/>
+                <a:cs typeface="Courier New" panose="02070309020205020404" pitchFamily="49" charset="0"/>
+              </a:rPr>
+              <a:t>:</a:t>
+            </a:r>
+          </a:p>
+          <a:p>
+            <a:pPr marL="76200" indent="0">
+              <a:buNone/>
+            </a:pPr>
+            <a:r>
+              <a:rPr lang="en-US" sz="1100">
+                <a:latin typeface="Consolas" panose="020B0609020204030204" pitchFamily="49" charset="0"/>
+                <a:cs typeface="Courier New" panose="02070309020205020404" pitchFamily="49" charset="0"/>
+              </a:rPr>
+              <a:t>    return f'{firstName.title()} {lastName.title()}'</a:t>
+            </a:r>
+          </a:p>
+          <a:p>
+            <a:pPr marL="76200" indent="0">
+              <a:buNone/>
+            </a:pPr>
+            <a:r>
+              <a:rPr lang="en-US" sz="1100">
+                <a:latin typeface="Consolas" panose="020B0609020204030204" pitchFamily="49" charset="0"/>
+                <a:cs typeface="Courier New" panose="02070309020205020404" pitchFamily="49" charset="0"/>
+              </a:rPr>
+              <a:t>print(fullName('Alireza', 'Nezhadshamsi'))</a:t>
+            </a:r>
+          </a:p>
+          <a:p>
+            <a:pPr marL="76200" indent="0">
+              <a:buNone/>
+            </a:pPr>
+            <a:endParaRPr lang="en-US" sz="1100">
+              <a:latin typeface="Consolas" panose="020B0609020204030204" pitchFamily="49" charset="0"/>
+              <a:cs typeface="Courier New" panose="02070309020205020404" pitchFamily="49" charset="0"/>
+            </a:endParaRPr>
+          </a:p>
+          <a:p>
+            <a:pPr marL="76200" indent="0">
+              <a:buNone/>
+            </a:pPr>
+            <a:r>
+              <a:rPr lang="en-US" sz="1400"/>
+              <a:t>Recursion</a:t>
+            </a:r>
+          </a:p>
+          <a:p>
+            <a:pPr marL="76200" indent="0">
+              <a:buNone/>
+            </a:pPr>
+            <a:r>
+              <a:rPr lang="en-US" sz="1100">
+                <a:latin typeface="Consolas" panose="020B0609020204030204" pitchFamily="49" charset="0"/>
+                <a:cs typeface="Courier New" panose="02070309020205020404" pitchFamily="49" charset="0"/>
+              </a:rPr>
+              <a:t>def </a:t>
+            </a:r>
+            <a:r>
+              <a:rPr lang="en-US" sz="1100">
+                <a:solidFill>
+                  <a:schemeClr val="accent1"/>
+                </a:solidFill>
+                <a:latin typeface="Consolas" panose="020B0609020204030204" pitchFamily="49" charset="0"/>
+                <a:cs typeface="Courier New" panose="02070309020205020404" pitchFamily="49" charset="0"/>
+              </a:rPr>
+              <a:t>factorial(</a:t>
+            </a:r>
+            <a:r>
+              <a:rPr lang="en-US" sz="1100">
+                <a:latin typeface="Consolas" panose="020B0609020204030204" pitchFamily="49" charset="0"/>
+                <a:cs typeface="Courier New" panose="02070309020205020404" pitchFamily="49" charset="0"/>
+              </a:rPr>
+              <a:t>number</a:t>
+            </a:r>
+            <a:r>
+              <a:rPr lang="en-US" sz="1100">
+                <a:solidFill>
+                  <a:schemeClr val="accent1"/>
+                </a:solidFill>
+                <a:latin typeface="Consolas" panose="020B0609020204030204" pitchFamily="49" charset="0"/>
+                <a:cs typeface="Courier New" panose="02070309020205020404" pitchFamily="49" charset="0"/>
+              </a:rPr>
+              <a:t>):</a:t>
+            </a:r>
+          </a:p>
+          <a:p>
+            <a:pPr marL="76200" indent="0">
+              <a:buNone/>
+            </a:pPr>
+            <a:r>
+              <a:rPr lang="en-US" sz="1100">
+                <a:latin typeface="Consolas" panose="020B0609020204030204" pitchFamily="49" charset="0"/>
+                <a:cs typeface="Courier New" panose="02070309020205020404" pitchFamily="49" charset="0"/>
+              </a:rPr>
+              <a:t>    return number * </a:t>
+            </a:r>
+            <a:r>
+              <a:rPr lang="en-US" sz="1100">
+                <a:solidFill>
+                  <a:schemeClr val="accent1"/>
+                </a:solidFill>
+                <a:latin typeface="Consolas" panose="020B0609020204030204" pitchFamily="49" charset="0"/>
+                <a:cs typeface="Courier New" panose="02070309020205020404" pitchFamily="49" charset="0"/>
+              </a:rPr>
+              <a:t>factorial(</a:t>
+            </a:r>
+            <a:r>
+              <a:rPr lang="en-US" sz="1100">
+                <a:latin typeface="Consolas" panose="020B0609020204030204" pitchFamily="49" charset="0"/>
+                <a:cs typeface="Courier New" panose="02070309020205020404" pitchFamily="49" charset="0"/>
+              </a:rPr>
+              <a:t>number - 1</a:t>
+            </a:r>
+            <a:r>
+              <a:rPr lang="en-US" sz="1100">
+                <a:solidFill>
+                  <a:schemeClr val="accent1"/>
+                </a:solidFill>
+                <a:latin typeface="Consolas" panose="020B0609020204030204" pitchFamily="49" charset="0"/>
+                <a:cs typeface="Courier New" panose="02070309020205020404" pitchFamily="49" charset="0"/>
+              </a:rPr>
+              <a:t>)</a:t>
+            </a:r>
+            <a:r>
+              <a:rPr lang="en-US" sz="1100">
+                <a:latin typeface="Consolas" panose="020B0609020204030204" pitchFamily="49" charset="0"/>
+                <a:cs typeface="Courier New" panose="02070309020205020404" pitchFamily="49" charset="0"/>
+              </a:rPr>
+              <a:t> if number &gt; 1 else 1</a:t>
+            </a:r>
+          </a:p>
+          <a:p>
+            <a:pPr marL="76200" indent="0">
+              <a:buNone/>
+            </a:pPr>
+            <a:r>
+              <a:rPr lang="en-US" sz="1100">
+                <a:latin typeface="Consolas" panose="020B0609020204030204" pitchFamily="49" charset="0"/>
+                <a:cs typeface="Courier New" panose="02070309020205020404" pitchFamily="49" charset="0"/>
+              </a:rPr>
+              <a:t>print(factorial(4))</a:t>
+            </a:r>
+          </a:p>
+        </p:txBody>
+      </p:sp>
+      <p:sp>
+        <p:nvSpPr>
+          <p:cNvPr id="4" name="Slide Number Placeholder 3">
+            <a:extLst>
+              <a:ext uri="{FF2B5EF4-FFF2-40B4-BE49-F238E27FC236}">
+                <a16:creationId xmlns:a16="http://schemas.microsoft.com/office/drawing/2014/main" id="{64987AE6-EC0E-43DD-9376-95A5602EE5E1}"/>
+              </a:ext>
+            </a:extLst>
+          </p:cNvPr>
+          <p:cNvSpPr>
+            <a:spLocks noGrp="1"/>
+          </p:cNvSpPr>
+          <p:nvPr>
+            <p:ph type="sldNum" idx="12"/>
+          </p:nvPr>
+        </p:nvSpPr>
+        <p:spPr/>
+        <p:txBody>
+          <a:bodyPr/>
+          <a:lstStyle/>
+          <a:p>
+            <a:pPr marL="0" lvl="0" indent="0" algn="r" rtl="0">
+              <a:spcBef>
+                <a:spcPts val="0"/>
+              </a:spcBef>
+              <a:spcAft>
+                <a:spcPts val="0"/>
+              </a:spcAft>
+              <a:buNone/>
+            </a:pPr>
+            <a:fld id="{00000000-1234-1234-1234-123412341234}" type="slidenum">
+              <a:rPr lang="en" smtClean="0"/>
+              <a:t>36</a:t>
+            </a:fld>
+            <a:endParaRPr lang="en"/>
+          </a:p>
+        </p:txBody>
+      </p:sp>
+    </p:spTree>
+    <p:extLst>
+      <p:ext uri="{BB962C8B-B14F-4D97-AF65-F5344CB8AC3E}">
+        <p14:creationId xmlns:p14="http://schemas.microsoft.com/office/powerpoint/2010/main" val="812232462"/>
+      </p:ext>
+    </p:extLst>
+  </p:cSld>
+  <p:clrMapOvr>
+    <a:masterClrMapping/>
+  </p:clrMapOvr>
+</p:sld>
+</file>
+
+<file path=ppt/slides/slide37.xml><?xml version="1.0" encoding="utf-8"?>
+<p:sld xmlns:a="http://schemas.openxmlformats.org/drawingml/2006/main" xmlns:r="http://schemas.openxmlformats.org/officeDocument/2006/relationships" xmlns:p="http://schemas.openxmlformats.org/presentationml/2006/main" show="0">
+  <p:cSld>
+    <p:spTree>
+      <p:nvGrpSpPr>
+        <p:cNvPr id="1" name=""/>
+        <p:cNvGrpSpPr/>
+        <p:nvPr/>
+      </p:nvGrpSpPr>
+      <p:grpSpPr>
+        <a:xfrm>
+          <a:off x="0" y="0"/>
+          <a:ext cx="0" cy="0"/>
+          <a:chOff x="0" y="0"/>
+          <a:chExt cx="0" cy="0"/>
+        </a:xfrm>
+      </p:grpSpPr>
+      <p:sp>
+        <p:nvSpPr>
+          <p:cNvPr id="2" name="Title 1">
+            <a:extLst>
+              <a:ext uri="{FF2B5EF4-FFF2-40B4-BE49-F238E27FC236}">
+                <a16:creationId xmlns:a16="http://schemas.microsoft.com/office/drawing/2014/main" id="{024AD384-5AD1-4435-A943-1241B2FACD62}"/>
+              </a:ext>
+            </a:extLst>
+          </p:cNvPr>
+          <p:cNvSpPr>
+            <a:spLocks noGrp="1"/>
+          </p:cNvSpPr>
+          <p:nvPr>
+            <p:ph type="title"/>
+          </p:nvPr>
+        </p:nvSpPr>
+        <p:spPr/>
+        <p:txBody>
+          <a:bodyPr/>
+          <a:lstStyle/>
+          <a:p>
+            <a:r>
+              <a:rPr lang="en-US"/>
+              <a:t>Lambda</a:t>
+            </a:r>
+            <a:endParaRPr lang="fa-IR"/>
+          </a:p>
+        </p:txBody>
+      </p:sp>
+      <p:sp>
+        <p:nvSpPr>
+          <p:cNvPr id="3" name="Text Placeholder 2">
+            <a:extLst>
+              <a:ext uri="{FF2B5EF4-FFF2-40B4-BE49-F238E27FC236}">
+                <a16:creationId xmlns:a16="http://schemas.microsoft.com/office/drawing/2014/main" id="{58BE3078-8B89-4550-B497-93E4DADBD57E}"/>
+              </a:ext>
+            </a:extLst>
+          </p:cNvPr>
+          <p:cNvSpPr>
+            <a:spLocks noGrp="1"/>
+          </p:cNvSpPr>
+          <p:nvPr>
+            <p:ph type="body" idx="1"/>
+          </p:nvPr>
+        </p:nvSpPr>
+        <p:spPr>
+          <a:xfrm>
+            <a:off x="786150" y="1142608"/>
+            <a:ext cx="7571700" cy="3626431"/>
+          </a:xfrm>
+        </p:spPr>
+        <p:txBody>
+          <a:bodyPr/>
+          <a:lstStyle/>
+          <a:p>
+            <a:pPr marL="76200" indent="0">
+              <a:buNone/>
+            </a:pPr>
+            <a:r>
+              <a:rPr lang="en-US" sz="1400"/>
+              <a:t>Single Expression</a:t>
+            </a:r>
+          </a:p>
+          <a:p>
+            <a:pPr marL="76200" indent="0">
+              <a:buNone/>
+            </a:pPr>
+            <a:r>
+              <a:rPr lang="en-US" sz="1100">
+                <a:solidFill>
+                  <a:schemeClr val="accent1"/>
+                </a:solidFill>
+                <a:latin typeface="Consolas" panose="020B0609020204030204" pitchFamily="49" charset="0"/>
+                <a:cs typeface="Courier New" panose="02070309020205020404" pitchFamily="49" charset="0"/>
+              </a:rPr>
+              <a:t>(</a:t>
+            </a:r>
+            <a:r>
+              <a:rPr lang="en-US" sz="1100">
+                <a:latin typeface="Consolas" panose="020B0609020204030204" pitchFamily="49" charset="0"/>
+                <a:cs typeface="Courier New" panose="02070309020205020404" pitchFamily="49" charset="0"/>
+              </a:rPr>
+              <a:t>lambda x: (x % 2 and 'odd' or 'even')</a:t>
+            </a:r>
+            <a:r>
+              <a:rPr lang="en-US" sz="1100">
+                <a:solidFill>
+                  <a:schemeClr val="accent1"/>
+                </a:solidFill>
+                <a:latin typeface="Consolas" panose="020B0609020204030204" pitchFamily="49" charset="0"/>
+                <a:cs typeface="Courier New" panose="02070309020205020404" pitchFamily="49" charset="0"/>
+              </a:rPr>
+              <a:t>)</a:t>
+            </a:r>
+            <a:r>
+              <a:rPr lang="en-US" sz="1100">
+                <a:latin typeface="Consolas" panose="020B0609020204030204" pitchFamily="49" charset="0"/>
+                <a:cs typeface="Courier New" panose="02070309020205020404" pitchFamily="49" charset="0"/>
+              </a:rPr>
+              <a:t>(7)</a:t>
+            </a:r>
+          </a:p>
+          <a:p>
+            <a:pPr marL="76200" indent="0">
+              <a:buNone/>
+            </a:pPr>
+            <a:endParaRPr lang="en-US" sz="1100">
+              <a:latin typeface="Consolas" panose="020B0609020204030204" pitchFamily="49" charset="0"/>
+            </a:endParaRPr>
+          </a:p>
+          <a:p>
+            <a:pPr marL="76200" indent="0">
+              <a:buNone/>
+            </a:pPr>
+            <a:r>
+              <a:rPr lang="en-US" sz="1400"/>
+              <a:t>Nested lambda</a:t>
+            </a:r>
+          </a:p>
+          <a:p>
+            <a:pPr marL="76200" indent="0">
+              <a:buNone/>
+            </a:pPr>
+            <a:r>
+              <a:rPr lang="en-US" sz="1100">
+                <a:latin typeface="Consolas" panose="020B0609020204030204" pitchFamily="49" charset="0"/>
+                <a:cs typeface="Courier New" panose="02070309020205020404" pitchFamily="49" charset="0"/>
+              </a:rPr>
+              <a:t>funcPlus = </a:t>
+            </a:r>
+            <a:r>
+              <a:rPr lang="en-US" sz="1100">
+                <a:solidFill>
+                  <a:schemeClr val="accent1"/>
+                </a:solidFill>
+                <a:latin typeface="Consolas" panose="020B0609020204030204" pitchFamily="49" charset="0"/>
+                <a:cs typeface="Courier New" panose="02070309020205020404" pitchFamily="49" charset="0"/>
+              </a:rPr>
+              <a:t>lambda</a:t>
+            </a:r>
+            <a:r>
+              <a:rPr lang="en-US" sz="1100">
+                <a:latin typeface="Consolas" panose="020B0609020204030204" pitchFamily="49" charset="0"/>
+                <a:cs typeface="Courier New" panose="02070309020205020404" pitchFamily="49" charset="0"/>
+              </a:rPr>
+              <a:t> x, func</a:t>
+            </a:r>
+            <a:r>
+              <a:rPr lang="en-US" sz="1100">
+                <a:solidFill>
+                  <a:schemeClr val="accent1"/>
+                </a:solidFill>
+                <a:latin typeface="Consolas" panose="020B0609020204030204" pitchFamily="49" charset="0"/>
+                <a:cs typeface="Courier New" panose="02070309020205020404" pitchFamily="49" charset="0"/>
+              </a:rPr>
+              <a:t>:</a:t>
+            </a:r>
+            <a:r>
+              <a:rPr lang="en-US" sz="1100">
+                <a:latin typeface="Consolas" panose="020B0609020204030204" pitchFamily="49" charset="0"/>
+                <a:cs typeface="Courier New" panose="02070309020205020404" pitchFamily="49" charset="0"/>
+              </a:rPr>
+              <a:t> x + func(x)</a:t>
+            </a:r>
+          </a:p>
+          <a:p>
+            <a:pPr marL="76200" indent="0">
+              <a:buNone/>
+            </a:pPr>
+            <a:r>
+              <a:rPr lang="en-US" sz="1100">
+                <a:latin typeface="Consolas" panose="020B0609020204030204" pitchFamily="49" charset="0"/>
+                <a:cs typeface="Courier New" panose="02070309020205020404" pitchFamily="49" charset="0"/>
+              </a:rPr>
+              <a:t>print(funcPlus(5, </a:t>
+            </a:r>
+            <a:r>
+              <a:rPr lang="en-US" sz="1100">
+                <a:solidFill>
+                  <a:schemeClr val="accent1"/>
+                </a:solidFill>
+                <a:latin typeface="Consolas" panose="020B0609020204030204" pitchFamily="49" charset="0"/>
+                <a:cs typeface="Courier New" panose="02070309020205020404" pitchFamily="49" charset="0"/>
+              </a:rPr>
+              <a:t>lambda</a:t>
+            </a:r>
+            <a:r>
+              <a:rPr lang="en-US" sz="1100">
+                <a:latin typeface="Consolas" panose="020B0609020204030204" pitchFamily="49" charset="0"/>
+                <a:cs typeface="Courier New" panose="02070309020205020404" pitchFamily="49" charset="0"/>
+              </a:rPr>
+              <a:t> x</a:t>
+            </a:r>
+            <a:r>
+              <a:rPr lang="en-US" sz="1100">
+                <a:solidFill>
+                  <a:schemeClr val="accent1"/>
+                </a:solidFill>
+                <a:latin typeface="Consolas" panose="020B0609020204030204" pitchFamily="49" charset="0"/>
+                <a:cs typeface="Courier New" panose="02070309020205020404" pitchFamily="49" charset="0"/>
+              </a:rPr>
+              <a:t>:</a:t>
+            </a:r>
+            <a:r>
+              <a:rPr lang="en-US" sz="1100">
+                <a:latin typeface="Consolas" panose="020B0609020204030204" pitchFamily="49" charset="0"/>
+                <a:cs typeface="Courier New" panose="02070309020205020404" pitchFamily="49" charset="0"/>
+              </a:rPr>
+              <a:t> x * x))</a:t>
+            </a:r>
+          </a:p>
+        </p:txBody>
+      </p:sp>
+      <p:sp>
+        <p:nvSpPr>
+          <p:cNvPr id="4" name="Slide Number Placeholder 3">
+            <a:extLst>
+              <a:ext uri="{FF2B5EF4-FFF2-40B4-BE49-F238E27FC236}">
+                <a16:creationId xmlns:a16="http://schemas.microsoft.com/office/drawing/2014/main" id="{64987AE6-EC0E-43DD-9376-95A5602EE5E1}"/>
+              </a:ext>
+            </a:extLst>
+          </p:cNvPr>
+          <p:cNvSpPr>
+            <a:spLocks noGrp="1"/>
+          </p:cNvSpPr>
+          <p:nvPr>
+            <p:ph type="sldNum" idx="12"/>
+          </p:nvPr>
+        </p:nvSpPr>
+        <p:spPr/>
+        <p:txBody>
+          <a:bodyPr/>
+          <a:lstStyle/>
+          <a:p>
+            <a:pPr marL="0" lvl="0" indent="0" algn="r" rtl="0">
+              <a:spcBef>
+                <a:spcPts val="0"/>
+              </a:spcBef>
+              <a:spcAft>
+                <a:spcPts val="0"/>
+              </a:spcAft>
+              <a:buNone/>
+            </a:pPr>
+            <a:fld id="{00000000-1234-1234-1234-123412341234}" type="slidenum">
+              <a:rPr lang="en" smtClean="0"/>
+              <a:t>37</a:t>
+            </a:fld>
+            <a:endParaRPr lang="en"/>
+          </a:p>
+        </p:txBody>
+      </p:sp>
+    </p:spTree>
+    <p:extLst>
+      <p:ext uri="{BB962C8B-B14F-4D97-AF65-F5344CB8AC3E}">
+        <p14:creationId xmlns:p14="http://schemas.microsoft.com/office/powerpoint/2010/main" val="774862470"/>
+      </p:ext>
+    </p:extLst>
   </p:cSld>
   <p:clrMapOvr>
     <a:masterClrMapping/>
@@ -21147,7 +21209,7 @@
                 <a:latin typeface="Consolas" panose="020B0609020204030204" pitchFamily="49" charset="0"/>
                 <a:cs typeface="Courier New" panose="02070309020205020404" pitchFamily="49" charset="0"/>
               </a:rPr>
-              <a:t> ' World!')</a:t>
+              <a:t> 'World!')</a:t>
             </a:r>
             <a:endParaRPr lang="en-US" sz="1100">
               <a:solidFill>
@@ -21183,7 +21245,7 @@
                 <a:latin typeface="Consolas" panose="020B0609020204030204" pitchFamily="49" charset="0"/>
                 <a:cs typeface="Courier New" panose="02070309020205020404" pitchFamily="49" charset="0"/>
               </a:rPr>
-              <a:t> ' World!')</a:t>
+              <a:t> 'World!')</a:t>
             </a:r>
           </a:p>
           <a:p>
@@ -21212,7 +21274,7 @@
                 <a:latin typeface="Consolas" panose="020B0609020204030204" pitchFamily="49" charset="0"/>
                 <a:cs typeface="Courier New" panose="02070309020205020404" pitchFamily="49" charset="0"/>
               </a:rPr>
-              <a:t>' ', </a:t>
+              <a:t>'-', </a:t>
             </a:r>
             <a:r>
               <a:rPr lang="en-US" sz="1100">

--- a/1 Python Basics.pptx
+++ b/1 Python Basics.pptx
@@ -5,10 +5,10 @@
     <p:sldMasterId id="2147483658" r:id="rId1"/>
   </p:sldMasterIdLst>
   <p:notesMasterIdLst>
-    <p:notesMasterId r:id="rId39"/>
+    <p:notesMasterId r:id="rId45"/>
   </p:notesMasterIdLst>
   <p:handoutMasterIdLst>
-    <p:handoutMasterId r:id="rId40"/>
+    <p:handoutMasterId r:id="rId46"/>
   </p:handoutMasterIdLst>
   <p:sldIdLst>
     <p:sldId id="256" r:id="rId2"/>
@@ -48,35 +48,41 @@
     <p:sldId id="310" r:id="rId36"/>
     <p:sldId id="317" r:id="rId37"/>
     <p:sldId id="316" r:id="rId38"/>
+    <p:sldId id="339" r:id="rId39"/>
+    <p:sldId id="328" r:id="rId40"/>
+    <p:sldId id="338" r:id="rId41"/>
+    <p:sldId id="329" r:id="rId42"/>
+    <p:sldId id="327" r:id="rId43"/>
+    <p:sldId id="325" r:id="rId44"/>
   </p:sldIdLst>
   <p:sldSz cx="9144000" cy="5143500" type="screen16x9"/>
   <p:notesSz cx="6858000" cy="9144000"/>
   <p:embeddedFontLst>
     <p:embeddedFont>
       <p:font typeface="Consolas" panose="020B0609020204030204" pitchFamily="49" charset="0"/>
-      <p:regular r:id="rId41"/>
-      <p:bold r:id="rId42"/>
-      <p:italic r:id="rId43"/>
-      <p:boldItalic r:id="rId44"/>
-    </p:embeddedFont>
-    <p:embeddedFont>
-      <p:font typeface="Roboto Slab" panose="020B0604020202020204" charset="0"/>
-      <p:regular r:id="rId45"/>
-      <p:bold r:id="rId46"/>
-    </p:embeddedFont>
-    <p:embeddedFont>
-      <p:font typeface="Source Sans Pro" panose="020B0503030403020204" pitchFamily="34" charset="0"/>
       <p:regular r:id="rId47"/>
       <p:bold r:id="rId48"/>
       <p:italic r:id="rId49"/>
       <p:boldItalic r:id="rId50"/>
     </p:embeddedFont>
     <p:embeddedFont>
-      <p:font typeface="Trebuchet MS" panose="020B0603020202020204" pitchFamily="34" charset="0"/>
+      <p:font typeface="Roboto Slab" panose="020B0604020202020204" charset="0"/>
       <p:regular r:id="rId51"/>
       <p:bold r:id="rId52"/>
-      <p:italic r:id="rId53"/>
-      <p:boldItalic r:id="rId54"/>
+    </p:embeddedFont>
+    <p:embeddedFont>
+      <p:font typeface="Source Sans Pro" panose="020B0503030403020204" pitchFamily="34" charset="0"/>
+      <p:regular r:id="rId53"/>
+      <p:bold r:id="rId54"/>
+      <p:italic r:id="rId55"/>
+      <p:boldItalic r:id="rId56"/>
+    </p:embeddedFont>
+    <p:embeddedFont>
+      <p:font typeface="Trebuchet MS" panose="020B0603020202020204" pitchFamily="34" charset="0"/>
+      <p:regular r:id="rId57"/>
+      <p:bold r:id="rId58"/>
+      <p:italic r:id="rId59"/>
+      <p:boldItalic r:id="rId60"/>
     </p:embeddedFont>
   </p:embeddedFontLst>
   <p:defaultTextStyle>
@@ -320,6 +326,753 @@
 </file>
 
 <file path=ppt/diagrams/colors1.xml><?xml version="1.0" encoding="utf-8"?>
+<dgm:colorsDef xmlns:dgm="http://schemas.openxmlformats.org/drawingml/2006/diagram" xmlns:a="http://schemas.openxmlformats.org/drawingml/2006/main" uniqueId="urn:microsoft.com/office/officeart/2005/8/colors/accent1_2">
+  <dgm:title val=""/>
+  <dgm:desc val=""/>
+  <dgm:catLst>
+    <dgm:cat type="accent1" pri="11200"/>
+  </dgm:catLst>
+  <dgm:styleLbl name="node0">
+    <dgm:fillClrLst meth="repeat">
+      <a:schemeClr val="accent1"/>
+    </dgm:fillClrLst>
+    <dgm:linClrLst meth="repeat">
+      <a:schemeClr val="lt1"/>
+    </dgm:linClrLst>
+    <dgm:effectClrLst/>
+    <dgm:txLinClrLst/>
+    <dgm:txFillClrLst/>
+    <dgm:txEffectClrLst/>
+  </dgm:styleLbl>
+  <dgm:styleLbl name="alignNode1">
+    <dgm:fillClrLst meth="repeat">
+      <a:schemeClr val="accent1"/>
+    </dgm:fillClrLst>
+    <dgm:linClrLst meth="repeat">
+      <a:schemeClr val="accent1"/>
+    </dgm:linClrLst>
+    <dgm:effectClrLst/>
+    <dgm:txLinClrLst/>
+    <dgm:txFillClrLst/>
+    <dgm:txEffectClrLst/>
+  </dgm:styleLbl>
+  <dgm:styleLbl name="node1">
+    <dgm:fillClrLst meth="repeat">
+      <a:schemeClr val="accent1"/>
+    </dgm:fillClrLst>
+    <dgm:linClrLst meth="repeat">
+      <a:schemeClr val="lt1"/>
+    </dgm:linClrLst>
+    <dgm:effectClrLst/>
+    <dgm:txLinClrLst/>
+    <dgm:txFillClrLst/>
+    <dgm:txEffectClrLst/>
+  </dgm:styleLbl>
+  <dgm:styleLbl name="lnNode1">
+    <dgm:fillClrLst meth="repeat">
+      <a:schemeClr val="accent1"/>
+    </dgm:fillClrLst>
+    <dgm:linClrLst meth="repeat">
+      <a:schemeClr val="lt1"/>
+    </dgm:linClrLst>
+    <dgm:effectClrLst/>
+    <dgm:txLinClrLst/>
+    <dgm:txFillClrLst/>
+    <dgm:txEffectClrLst/>
+  </dgm:styleLbl>
+  <dgm:styleLbl name="vennNode1">
+    <dgm:fillClrLst meth="repeat">
+      <a:schemeClr val="accent1">
+        <a:alpha val="50000"/>
+      </a:schemeClr>
+    </dgm:fillClrLst>
+    <dgm:linClrLst meth="repeat">
+      <a:schemeClr val="lt1"/>
+    </dgm:linClrLst>
+    <dgm:effectClrLst/>
+    <dgm:txLinClrLst/>
+    <dgm:txFillClrLst/>
+    <dgm:txEffectClrLst/>
+  </dgm:styleLbl>
+  <dgm:styleLbl name="node2">
+    <dgm:fillClrLst meth="repeat">
+      <a:schemeClr val="accent1"/>
+    </dgm:fillClrLst>
+    <dgm:linClrLst meth="repeat">
+      <a:schemeClr val="lt1"/>
+    </dgm:linClrLst>
+    <dgm:effectClrLst/>
+    <dgm:txLinClrLst/>
+    <dgm:txFillClrLst/>
+    <dgm:txEffectClrLst/>
+  </dgm:styleLbl>
+  <dgm:styleLbl name="node3">
+    <dgm:fillClrLst meth="repeat">
+      <a:schemeClr val="accent1"/>
+    </dgm:fillClrLst>
+    <dgm:linClrLst meth="repeat">
+      <a:schemeClr val="lt1"/>
+    </dgm:linClrLst>
+    <dgm:effectClrLst/>
+    <dgm:txLinClrLst/>
+    <dgm:txFillClrLst/>
+    <dgm:txEffectClrLst/>
+  </dgm:styleLbl>
+  <dgm:styleLbl name="node4">
+    <dgm:fillClrLst meth="repeat">
+      <a:schemeClr val="accent1"/>
+    </dgm:fillClrLst>
+    <dgm:linClrLst meth="repeat">
+      <a:schemeClr val="lt1"/>
+    </dgm:linClrLst>
+    <dgm:effectClrLst/>
+    <dgm:txLinClrLst/>
+    <dgm:txFillClrLst/>
+    <dgm:txEffectClrLst/>
+  </dgm:styleLbl>
+  <dgm:styleLbl name="fgImgPlace1">
+    <dgm:fillClrLst meth="repeat">
+      <a:schemeClr val="accent1">
+        <a:tint val="50000"/>
+      </a:schemeClr>
+    </dgm:fillClrLst>
+    <dgm:linClrLst meth="repeat">
+      <a:schemeClr val="lt1"/>
+    </dgm:linClrLst>
+    <dgm:effectClrLst/>
+    <dgm:txLinClrLst/>
+    <dgm:txFillClrLst meth="repeat">
+      <a:schemeClr val="lt1"/>
+    </dgm:txFillClrLst>
+    <dgm:txEffectClrLst/>
+  </dgm:styleLbl>
+  <dgm:styleLbl name="alignImgPlace1">
+    <dgm:fillClrLst meth="repeat">
+      <a:schemeClr val="accent1">
+        <a:tint val="50000"/>
+      </a:schemeClr>
+    </dgm:fillClrLst>
+    <dgm:linClrLst meth="repeat">
+      <a:schemeClr val="lt1"/>
+    </dgm:linClrLst>
+    <dgm:effectClrLst/>
+    <dgm:txLinClrLst/>
+    <dgm:txFillClrLst meth="repeat">
+      <a:schemeClr val="lt1"/>
+    </dgm:txFillClrLst>
+    <dgm:txEffectClrLst/>
+  </dgm:styleLbl>
+  <dgm:styleLbl name="bgImgPlace1">
+    <dgm:fillClrLst meth="repeat">
+      <a:schemeClr val="accent1">
+        <a:tint val="50000"/>
+      </a:schemeClr>
+    </dgm:fillClrLst>
+    <dgm:linClrLst meth="repeat">
+      <a:schemeClr val="lt1"/>
+    </dgm:linClrLst>
+    <dgm:effectClrLst/>
+    <dgm:txLinClrLst/>
+    <dgm:txFillClrLst meth="repeat">
+      <a:schemeClr val="lt1"/>
+    </dgm:txFillClrLst>
+    <dgm:txEffectClrLst/>
+  </dgm:styleLbl>
+  <dgm:styleLbl name="sibTrans2D1">
+    <dgm:fillClrLst meth="repeat">
+      <a:schemeClr val="accent1">
+        <a:tint val="60000"/>
+      </a:schemeClr>
+    </dgm:fillClrLst>
+    <dgm:linClrLst meth="repeat">
+      <a:schemeClr val="accent1">
+        <a:tint val="60000"/>
+      </a:schemeClr>
+    </dgm:linClrLst>
+    <dgm:effectClrLst/>
+    <dgm:txLinClrLst/>
+    <dgm:txFillClrLst/>
+    <dgm:txEffectClrLst/>
+  </dgm:styleLbl>
+  <dgm:styleLbl name="fgSibTrans2D1">
+    <dgm:fillClrLst meth="repeat">
+      <a:schemeClr val="accent1">
+        <a:tint val="60000"/>
+      </a:schemeClr>
+    </dgm:fillClrLst>
+    <dgm:linClrLst meth="repeat">
+      <a:schemeClr val="accent1">
+        <a:tint val="60000"/>
+      </a:schemeClr>
+    </dgm:linClrLst>
+    <dgm:effectClrLst/>
+    <dgm:txLinClrLst/>
+    <dgm:txFillClrLst/>
+    <dgm:txEffectClrLst/>
+  </dgm:styleLbl>
+  <dgm:styleLbl name="bgSibTrans2D1">
+    <dgm:fillClrLst meth="repeat">
+      <a:schemeClr val="accent1">
+        <a:tint val="60000"/>
+      </a:schemeClr>
+    </dgm:fillClrLst>
+    <dgm:linClrLst meth="repeat">
+      <a:schemeClr val="accent1">
+        <a:tint val="60000"/>
+      </a:schemeClr>
+    </dgm:linClrLst>
+    <dgm:effectClrLst/>
+    <dgm:txLinClrLst/>
+    <dgm:txFillClrLst/>
+    <dgm:txEffectClrLst/>
+  </dgm:styleLbl>
+  <dgm:styleLbl name="sibTrans1D1">
+    <dgm:fillClrLst meth="repeat">
+      <a:schemeClr val="accent1"/>
+    </dgm:fillClrLst>
+    <dgm:linClrLst meth="repeat">
+      <a:schemeClr val="accent1"/>
+    </dgm:linClrLst>
+    <dgm:effectClrLst/>
+    <dgm:txLinClrLst/>
+    <dgm:txFillClrLst meth="repeat">
+      <a:schemeClr val="tx1"/>
+    </dgm:txFillClrLst>
+    <dgm:txEffectClrLst/>
+  </dgm:styleLbl>
+  <dgm:styleLbl name="callout">
+    <dgm:fillClrLst meth="repeat">
+      <a:schemeClr val="accent1"/>
+    </dgm:fillClrLst>
+    <dgm:linClrLst meth="repeat">
+      <a:schemeClr val="accent1">
+        <a:tint val="50000"/>
+      </a:schemeClr>
+    </dgm:linClrLst>
+    <dgm:effectClrLst/>
+    <dgm:txLinClrLst/>
+    <dgm:txFillClrLst meth="repeat">
+      <a:schemeClr val="tx1"/>
+    </dgm:txFillClrLst>
+    <dgm:txEffectClrLst/>
+  </dgm:styleLbl>
+  <dgm:styleLbl name="asst0">
+    <dgm:fillClrLst meth="repeat">
+      <a:schemeClr val="accent1"/>
+    </dgm:fillClrLst>
+    <dgm:linClrLst meth="repeat">
+      <a:schemeClr val="lt1"/>
+    </dgm:linClrLst>
+    <dgm:effectClrLst/>
+    <dgm:txLinClrLst/>
+    <dgm:txFillClrLst/>
+    <dgm:txEffectClrLst/>
+  </dgm:styleLbl>
+  <dgm:styleLbl name="asst1">
+    <dgm:fillClrLst meth="repeat">
+      <a:schemeClr val="accent1"/>
+    </dgm:fillClrLst>
+    <dgm:linClrLst meth="repeat">
+      <a:schemeClr val="lt1"/>
+    </dgm:linClrLst>
+    <dgm:effectClrLst/>
+    <dgm:txLinClrLst/>
+    <dgm:txFillClrLst/>
+    <dgm:txEffectClrLst/>
+  </dgm:styleLbl>
+  <dgm:styleLbl name="asst2">
+    <dgm:fillClrLst meth="repeat">
+      <a:schemeClr val="accent1"/>
+    </dgm:fillClrLst>
+    <dgm:linClrLst meth="repeat">
+      <a:schemeClr val="lt1"/>
+    </dgm:linClrLst>
+    <dgm:effectClrLst/>
+    <dgm:txLinClrLst/>
+    <dgm:txFillClrLst/>
+    <dgm:txEffectClrLst/>
+  </dgm:styleLbl>
+  <dgm:styleLbl name="asst3">
+    <dgm:fillClrLst meth="repeat">
+      <a:schemeClr val="accent1"/>
+    </dgm:fillClrLst>
+    <dgm:linClrLst meth="repeat">
+      <a:schemeClr val="lt1"/>
+    </dgm:linClrLst>
+    <dgm:effectClrLst/>
+    <dgm:txLinClrLst/>
+    <dgm:txFillClrLst/>
+    <dgm:txEffectClrLst/>
+  </dgm:styleLbl>
+  <dgm:styleLbl name="asst4">
+    <dgm:fillClrLst meth="repeat">
+      <a:schemeClr val="accent1"/>
+    </dgm:fillClrLst>
+    <dgm:linClrLst meth="repeat">
+      <a:schemeClr val="lt1"/>
+    </dgm:linClrLst>
+    <dgm:effectClrLst/>
+    <dgm:txLinClrLst/>
+    <dgm:txFillClrLst/>
+    <dgm:txEffectClrLst/>
+  </dgm:styleLbl>
+  <dgm:styleLbl name="parChTrans2D1">
+    <dgm:fillClrLst meth="repeat">
+      <a:schemeClr val="accent1">
+        <a:tint val="60000"/>
+      </a:schemeClr>
+    </dgm:fillClrLst>
+    <dgm:linClrLst meth="repeat">
+      <a:schemeClr val="accent1">
+        <a:tint val="60000"/>
+      </a:schemeClr>
+    </dgm:linClrLst>
+    <dgm:effectClrLst/>
+    <dgm:txLinClrLst/>
+    <dgm:txFillClrLst meth="repeat">
+      <a:schemeClr val="lt1"/>
+    </dgm:txFillClrLst>
+    <dgm:txEffectClrLst/>
+  </dgm:styleLbl>
+  <dgm:styleLbl name="parChTrans2D2">
+    <dgm:fillClrLst meth="repeat">
+      <a:schemeClr val="accent1"/>
+    </dgm:fillClrLst>
+    <dgm:linClrLst meth="repeat">
+      <a:schemeClr val="accent1"/>
+    </dgm:linClrLst>
+    <dgm:effectClrLst/>
+    <dgm:txLinClrLst/>
+    <dgm:txFillClrLst meth="repeat">
+      <a:schemeClr val="lt1"/>
+    </dgm:txFillClrLst>
+    <dgm:txEffectClrLst/>
+  </dgm:styleLbl>
+  <dgm:styleLbl name="parChTrans2D3">
+    <dgm:fillClrLst meth="repeat">
+      <a:schemeClr val="accent1"/>
+    </dgm:fillClrLst>
+    <dgm:linClrLst meth="repeat">
+      <a:schemeClr val="accent1"/>
+    </dgm:linClrLst>
+    <dgm:effectClrLst/>
+    <dgm:txLinClrLst/>
+    <dgm:txFillClrLst meth="repeat">
+      <a:schemeClr val="lt1"/>
+    </dgm:txFillClrLst>
+    <dgm:txEffectClrLst/>
+  </dgm:styleLbl>
+  <dgm:styleLbl name="parChTrans2D4">
+    <dgm:fillClrLst meth="repeat">
+      <a:schemeClr val="accent1"/>
+    </dgm:fillClrLst>
+    <dgm:linClrLst meth="repeat">
+      <a:schemeClr val="accent1"/>
+    </dgm:linClrLst>
+    <dgm:effectClrLst/>
+    <dgm:txLinClrLst/>
+    <dgm:txFillClrLst meth="repeat">
+      <a:schemeClr val="lt1"/>
+    </dgm:txFillClrLst>
+    <dgm:txEffectClrLst/>
+  </dgm:styleLbl>
+  <dgm:styleLbl name="parChTrans1D1">
+    <dgm:fillClrLst meth="repeat">
+      <a:schemeClr val="accent1"/>
+    </dgm:fillClrLst>
+    <dgm:linClrLst meth="repeat">
+      <a:schemeClr val="accent1">
+        <a:shade val="60000"/>
+      </a:schemeClr>
+    </dgm:linClrLst>
+    <dgm:effectClrLst/>
+    <dgm:txLinClrLst/>
+    <dgm:txFillClrLst meth="repeat">
+      <a:schemeClr val="tx1"/>
+    </dgm:txFillClrLst>
+    <dgm:txEffectClrLst/>
+  </dgm:styleLbl>
+  <dgm:styleLbl name="parChTrans1D2">
+    <dgm:fillClrLst meth="repeat">
+      <a:schemeClr val="accent1"/>
+    </dgm:fillClrLst>
+    <dgm:linClrLst meth="repeat">
+      <a:schemeClr val="accent1">
+        <a:shade val="60000"/>
+      </a:schemeClr>
+    </dgm:linClrLst>
+    <dgm:effectClrLst/>
+    <dgm:txLinClrLst/>
+    <dgm:txFillClrLst meth="repeat">
+      <a:schemeClr val="tx1"/>
+    </dgm:txFillClrLst>
+    <dgm:txEffectClrLst/>
+  </dgm:styleLbl>
+  <dgm:styleLbl name="parChTrans1D3">
+    <dgm:fillClrLst meth="repeat">
+      <a:schemeClr val="accent1"/>
+    </dgm:fillClrLst>
+    <dgm:linClrLst meth="repeat">
+      <a:schemeClr val="accent1">
+        <a:shade val="80000"/>
+      </a:schemeClr>
+    </dgm:linClrLst>
+    <dgm:effectClrLst/>
+    <dgm:txLinClrLst/>
+    <dgm:txFillClrLst meth="repeat">
+      <a:schemeClr val="tx1"/>
+    </dgm:txFillClrLst>
+    <dgm:txEffectClrLst/>
+  </dgm:styleLbl>
+  <dgm:styleLbl name="parChTrans1D4">
+    <dgm:fillClrLst meth="repeat">
+      <a:schemeClr val="accent1"/>
+    </dgm:fillClrLst>
+    <dgm:linClrLst meth="repeat">
+      <a:schemeClr val="accent1">
+        <a:shade val="80000"/>
+      </a:schemeClr>
+    </dgm:linClrLst>
+    <dgm:effectClrLst/>
+    <dgm:txLinClrLst/>
+    <dgm:txFillClrLst meth="repeat">
+      <a:schemeClr val="tx1"/>
+    </dgm:txFillClrLst>
+    <dgm:txEffectClrLst/>
+  </dgm:styleLbl>
+  <dgm:styleLbl name="fgAcc1">
+    <dgm:fillClrLst meth="repeat">
+      <a:schemeClr val="lt1">
+        <a:alpha val="90000"/>
+      </a:schemeClr>
+    </dgm:fillClrLst>
+    <dgm:linClrLst meth="repeat">
+      <a:schemeClr val="accent1"/>
+    </dgm:linClrLst>
+    <dgm:effectClrLst/>
+    <dgm:txLinClrLst/>
+    <dgm:txFillClrLst meth="repeat">
+      <a:schemeClr val="dk1"/>
+    </dgm:txFillClrLst>
+    <dgm:txEffectClrLst/>
+  </dgm:styleLbl>
+  <dgm:styleLbl name="conFgAcc1">
+    <dgm:fillClrLst meth="repeat">
+      <a:schemeClr val="lt1">
+        <a:alpha val="90000"/>
+      </a:schemeClr>
+    </dgm:fillClrLst>
+    <dgm:linClrLst meth="repeat">
+      <a:schemeClr val="accent1"/>
+    </dgm:linClrLst>
+    <dgm:effectClrLst/>
+    <dgm:txLinClrLst/>
+    <dgm:txFillClrLst meth="repeat">
+      <a:schemeClr val="dk1"/>
+    </dgm:txFillClrLst>
+    <dgm:txEffectClrLst/>
+  </dgm:styleLbl>
+  <dgm:styleLbl name="alignAcc1">
+    <dgm:fillClrLst meth="repeat">
+      <a:schemeClr val="lt1">
+        <a:alpha val="90000"/>
+      </a:schemeClr>
+    </dgm:fillClrLst>
+    <dgm:linClrLst meth="repeat">
+      <a:schemeClr val="accent1"/>
+    </dgm:linClrLst>
+    <dgm:effectClrLst/>
+    <dgm:txLinClrLst/>
+    <dgm:txFillClrLst meth="repeat">
+      <a:schemeClr val="dk1"/>
+    </dgm:txFillClrLst>
+    <dgm:txEffectClrLst/>
+  </dgm:styleLbl>
+  <dgm:styleLbl name="trAlignAcc1">
+    <dgm:fillClrLst meth="repeat">
+      <a:schemeClr val="lt1">
+        <a:alpha val="40000"/>
+      </a:schemeClr>
+    </dgm:fillClrLst>
+    <dgm:linClrLst meth="repeat">
+      <a:schemeClr val="accent1"/>
+    </dgm:linClrLst>
+    <dgm:effectClrLst/>
+    <dgm:txLinClrLst/>
+    <dgm:txFillClrLst meth="repeat">
+      <a:schemeClr val="dk1"/>
+    </dgm:txFillClrLst>
+    <dgm:txEffectClrLst/>
+  </dgm:styleLbl>
+  <dgm:styleLbl name="bgAcc1">
+    <dgm:fillClrLst meth="repeat">
+      <a:schemeClr val="lt1">
+        <a:alpha val="90000"/>
+      </a:schemeClr>
+    </dgm:fillClrLst>
+    <dgm:linClrLst meth="repeat">
+      <a:schemeClr val="accent1"/>
+    </dgm:linClrLst>
+    <dgm:effectClrLst/>
+    <dgm:txLinClrLst/>
+    <dgm:txFillClrLst meth="repeat">
+      <a:schemeClr val="dk1"/>
+    </dgm:txFillClrLst>
+    <dgm:txEffectClrLst/>
+  </dgm:styleLbl>
+  <dgm:styleLbl name="solidFgAcc1">
+    <dgm:fillClrLst meth="repeat">
+      <a:schemeClr val="lt1"/>
+    </dgm:fillClrLst>
+    <dgm:linClrLst meth="repeat">
+      <a:schemeClr val="accent1"/>
+    </dgm:linClrLst>
+    <dgm:effectClrLst/>
+    <dgm:txLinClrLst/>
+    <dgm:txFillClrLst meth="repeat">
+      <a:schemeClr val="dk1"/>
+    </dgm:txFillClrLst>
+    <dgm:txEffectClrLst/>
+  </dgm:styleLbl>
+  <dgm:styleLbl name="solidAlignAcc1">
+    <dgm:fillClrLst meth="repeat">
+      <a:schemeClr val="lt1"/>
+    </dgm:fillClrLst>
+    <dgm:linClrLst meth="repeat">
+      <a:schemeClr val="accent1"/>
+    </dgm:linClrLst>
+    <dgm:effectClrLst/>
+    <dgm:txLinClrLst/>
+    <dgm:txFillClrLst meth="repeat">
+      <a:schemeClr val="dk1"/>
+    </dgm:txFillClrLst>
+    <dgm:txEffectClrLst/>
+  </dgm:styleLbl>
+  <dgm:styleLbl name="solidBgAcc1">
+    <dgm:fillClrLst meth="repeat">
+      <a:schemeClr val="lt1"/>
+    </dgm:fillClrLst>
+    <dgm:linClrLst meth="repeat">
+      <a:schemeClr val="accent1"/>
+    </dgm:linClrLst>
+    <dgm:effectClrLst/>
+    <dgm:txLinClrLst/>
+    <dgm:txFillClrLst meth="repeat">
+      <a:schemeClr val="dk1"/>
+    </dgm:txFillClrLst>
+    <dgm:txEffectClrLst/>
+  </dgm:styleLbl>
+  <dgm:styleLbl name="fgAccFollowNode1">
+    <dgm:fillClrLst meth="repeat">
+      <a:schemeClr val="accent1">
+        <a:alpha val="90000"/>
+        <a:tint val="40000"/>
+      </a:schemeClr>
+    </dgm:fillClrLst>
+    <dgm:linClrLst meth="repeat">
+      <a:schemeClr val="accent1">
+        <a:alpha val="90000"/>
+        <a:tint val="40000"/>
+      </a:schemeClr>
+    </dgm:linClrLst>
+    <dgm:effectClrLst/>
+    <dgm:txLinClrLst/>
+    <dgm:txFillClrLst meth="repeat">
+      <a:schemeClr val="dk1"/>
+    </dgm:txFillClrLst>
+    <dgm:txEffectClrLst/>
+  </dgm:styleLbl>
+  <dgm:styleLbl name="alignAccFollowNode1">
+    <dgm:fillClrLst meth="repeat">
+      <a:schemeClr val="accent1">
+        <a:alpha val="90000"/>
+        <a:tint val="40000"/>
+      </a:schemeClr>
+    </dgm:fillClrLst>
+    <dgm:linClrLst meth="repeat">
+      <a:schemeClr val="accent1">
+        <a:alpha val="90000"/>
+        <a:tint val="40000"/>
+      </a:schemeClr>
+    </dgm:linClrLst>
+    <dgm:effectClrLst/>
+    <dgm:txLinClrLst/>
+    <dgm:txFillClrLst meth="repeat">
+      <a:schemeClr val="dk1"/>
+    </dgm:txFillClrLst>
+    <dgm:txEffectClrLst/>
+  </dgm:styleLbl>
+  <dgm:styleLbl name="bgAccFollowNode1">
+    <dgm:fillClrLst meth="repeat">
+      <a:schemeClr val="accent1">
+        <a:alpha val="90000"/>
+        <a:tint val="40000"/>
+      </a:schemeClr>
+    </dgm:fillClrLst>
+    <dgm:linClrLst meth="repeat">
+      <a:schemeClr val="accent1">
+        <a:alpha val="90000"/>
+        <a:tint val="40000"/>
+      </a:schemeClr>
+    </dgm:linClrLst>
+    <dgm:effectClrLst/>
+    <dgm:txLinClrLst/>
+    <dgm:txFillClrLst meth="repeat">
+      <a:schemeClr val="dk1"/>
+    </dgm:txFillClrLst>
+    <dgm:txEffectClrLst/>
+  </dgm:styleLbl>
+  <dgm:styleLbl name="fgAcc0">
+    <dgm:fillClrLst meth="repeat">
+      <a:schemeClr val="lt1">
+        <a:alpha val="90000"/>
+      </a:schemeClr>
+    </dgm:fillClrLst>
+    <dgm:linClrLst meth="repeat">
+      <a:schemeClr val="accent1"/>
+    </dgm:linClrLst>
+    <dgm:effectClrLst/>
+    <dgm:txLinClrLst/>
+    <dgm:txFillClrLst meth="repeat">
+      <a:schemeClr val="dk1"/>
+    </dgm:txFillClrLst>
+    <dgm:txEffectClrLst/>
+  </dgm:styleLbl>
+  <dgm:styleLbl name="fgAcc2">
+    <dgm:fillClrLst meth="repeat">
+      <a:schemeClr val="lt1">
+        <a:alpha val="90000"/>
+      </a:schemeClr>
+    </dgm:fillClrLst>
+    <dgm:linClrLst meth="repeat">
+      <a:schemeClr val="accent1"/>
+    </dgm:linClrLst>
+    <dgm:effectClrLst/>
+    <dgm:txLinClrLst/>
+    <dgm:txFillClrLst meth="repeat">
+      <a:schemeClr val="dk1"/>
+    </dgm:txFillClrLst>
+    <dgm:txEffectClrLst/>
+  </dgm:styleLbl>
+  <dgm:styleLbl name="fgAcc3">
+    <dgm:fillClrLst meth="repeat">
+      <a:schemeClr val="lt1">
+        <a:alpha val="90000"/>
+      </a:schemeClr>
+    </dgm:fillClrLst>
+    <dgm:linClrLst meth="repeat">
+      <a:schemeClr val="accent1"/>
+    </dgm:linClrLst>
+    <dgm:effectClrLst/>
+    <dgm:txLinClrLst/>
+    <dgm:txFillClrLst meth="repeat">
+      <a:schemeClr val="dk1"/>
+    </dgm:txFillClrLst>
+    <dgm:txEffectClrLst/>
+  </dgm:styleLbl>
+  <dgm:styleLbl name="fgAcc4">
+    <dgm:fillClrLst meth="repeat">
+      <a:schemeClr val="lt1">
+        <a:alpha val="90000"/>
+      </a:schemeClr>
+    </dgm:fillClrLst>
+    <dgm:linClrLst meth="repeat">
+      <a:schemeClr val="accent1"/>
+    </dgm:linClrLst>
+    <dgm:effectClrLst/>
+    <dgm:txLinClrLst/>
+    <dgm:txFillClrLst meth="repeat">
+      <a:schemeClr val="dk1"/>
+    </dgm:txFillClrLst>
+    <dgm:txEffectClrLst/>
+  </dgm:styleLbl>
+  <dgm:styleLbl name="bgShp">
+    <dgm:fillClrLst meth="repeat">
+      <a:schemeClr val="accent1">
+        <a:tint val="40000"/>
+      </a:schemeClr>
+    </dgm:fillClrLst>
+    <dgm:linClrLst meth="repeat">
+      <a:schemeClr val="accent1"/>
+    </dgm:linClrLst>
+    <dgm:effectClrLst/>
+    <dgm:txLinClrLst/>
+    <dgm:txFillClrLst meth="repeat">
+      <a:schemeClr val="dk1"/>
+    </dgm:txFillClrLst>
+    <dgm:txEffectClrLst/>
+  </dgm:styleLbl>
+  <dgm:styleLbl name="dkBgShp">
+    <dgm:fillClrLst meth="repeat">
+      <a:schemeClr val="accent1">
+        <a:shade val="80000"/>
+      </a:schemeClr>
+    </dgm:fillClrLst>
+    <dgm:linClrLst meth="repeat">
+      <a:schemeClr val="accent1"/>
+    </dgm:linClrLst>
+    <dgm:effectClrLst/>
+    <dgm:txLinClrLst/>
+    <dgm:txFillClrLst meth="repeat">
+      <a:schemeClr val="lt1"/>
+    </dgm:txFillClrLst>
+    <dgm:txEffectClrLst/>
+  </dgm:styleLbl>
+  <dgm:styleLbl name="trBgShp">
+    <dgm:fillClrLst meth="repeat">
+      <a:schemeClr val="accent1">
+        <a:tint val="50000"/>
+        <a:alpha val="40000"/>
+      </a:schemeClr>
+    </dgm:fillClrLst>
+    <dgm:linClrLst meth="repeat">
+      <a:schemeClr val="accent1"/>
+    </dgm:linClrLst>
+    <dgm:effectClrLst/>
+    <dgm:txLinClrLst/>
+    <dgm:txFillClrLst meth="repeat">
+      <a:schemeClr val="lt1"/>
+    </dgm:txFillClrLst>
+    <dgm:txEffectClrLst/>
+  </dgm:styleLbl>
+  <dgm:styleLbl name="fgShp">
+    <dgm:fillClrLst meth="repeat">
+      <a:schemeClr val="accent1">
+        <a:tint val="60000"/>
+      </a:schemeClr>
+    </dgm:fillClrLst>
+    <dgm:linClrLst meth="repeat">
+      <a:schemeClr val="lt1"/>
+    </dgm:linClrLst>
+    <dgm:effectClrLst/>
+    <dgm:txLinClrLst/>
+    <dgm:txFillClrLst meth="repeat">
+      <a:schemeClr val="dk1"/>
+    </dgm:txFillClrLst>
+    <dgm:txEffectClrLst/>
+  </dgm:styleLbl>
+  <dgm:styleLbl name="revTx">
+    <dgm:fillClrLst meth="repeat">
+      <a:schemeClr val="lt1">
+        <a:alpha val="0"/>
+      </a:schemeClr>
+    </dgm:fillClrLst>
+    <dgm:linClrLst meth="repeat">
+      <a:schemeClr val="dk1">
+        <a:alpha val="0"/>
+      </a:schemeClr>
+    </dgm:linClrLst>
+    <dgm:effectClrLst/>
+    <dgm:txLinClrLst/>
+    <dgm:txFillClrLst meth="repeat">
+      <a:schemeClr val="tx1"/>
+    </dgm:txFillClrLst>
+    <dgm:txEffectClrLst/>
+  </dgm:styleLbl>
+</dgm:colorsDef>
+</file>
+
+<file path=ppt/diagrams/colors2.xml><?xml version="1.0" encoding="utf-8"?>
 <dgm:colorsDef xmlns:dgm="http://schemas.openxmlformats.org/drawingml/2006/diagram" xmlns:a="http://schemas.openxmlformats.org/drawingml/2006/main" uniqueId="urn:microsoft.com/office/officeart/2005/8/colors/accent1_2">
   <dgm:title val=""/>
   <dgm:desc val=""/>
@@ -2654,6 +3407,988 @@
     </a:ext>
     <a:ext uri="{C62137D5-CB1D-491B-B009-E17868A290BF}">
       <dgm14:recolorImg xmlns:dgm14="http://schemas.microsoft.com/office/drawing/2010/diagram" val="1"/>
+    </a:ext>
+  </dgm:extLst>
+</dgm:dataModel>
+</file>
+
+<file path=ppt/diagrams/data2.xml><?xml version="1.0" encoding="utf-8"?>
+<dgm:dataModel xmlns:dgm="http://schemas.openxmlformats.org/drawingml/2006/diagram" xmlns:a="http://schemas.openxmlformats.org/drawingml/2006/main">
+  <dgm:ptLst>
+    <dgm:pt modelId="{B03FEEC4-BD42-4FA2-AFF5-06A3CBF58EBF}" type="doc">
+      <dgm:prSet loTypeId="urn:microsoft.com/office/officeart/2005/8/layout/lProcess2" loCatId="list" qsTypeId="urn:microsoft.com/office/officeart/2005/8/quickstyle/simple1" qsCatId="simple" csTypeId="urn:microsoft.com/office/officeart/2005/8/colors/accent1_2" csCatId="accent1" phldr="1"/>
+      <dgm:spPr/>
+    </dgm:pt>
+    <dgm:pt modelId="{29F5B089-C020-47A1-BA6E-C53ACFE01AFD}">
+      <dgm:prSet phldrT="[Text]" custT="1"/>
+      <dgm:spPr/>
+      <dgm:t>
+        <a:bodyPr/>
+        <a:lstStyle/>
+        <a:p>
+          <a:pPr rtl="1"/>
+          <a:r>
+            <a:rPr lang="en-US" sz="900">
+              <a:latin typeface="Trebuchet MS" panose="020B0603020202020204" pitchFamily="34" charset="0"/>
+            </a:rPr>
+            <a:t>String</a:t>
+          </a:r>
+          <a:endParaRPr lang="fa-IR" sz="900" dirty="0">
+            <a:latin typeface="Trebuchet MS" panose="020B0603020202020204" pitchFamily="34" charset="0"/>
+          </a:endParaRPr>
+        </a:p>
+      </dgm:t>
+    </dgm:pt>
+    <dgm:pt modelId="{A85AC2BB-83FA-45F3-978D-E891BA88757B}" type="parTrans" cxnId="{F120F302-A9A7-4FFD-86B2-F4D5D37DDD16}">
+      <dgm:prSet/>
+      <dgm:spPr/>
+      <dgm:t>
+        <a:bodyPr/>
+        <a:lstStyle/>
+        <a:p>
+          <a:pPr rtl="1"/>
+          <a:endParaRPr lang="fa-IR" sz="900">
+            <a:latin typeface="Trebuchet MS" panose="020B0603020202020204" pitchFamily="34" charset="0"/>
+          </a:endParaRPr>
+        </a:p>
+      </dgm:t>
+    </dgm:pt>
+    <dgm:pt modelId="{6BA38F68-82C0-4F02-82B2-1892C3DFE91E}" type="sibTrans" cxnId="{F120F302-A9A7-4FFD-86B2-F4D5D37DDD16}">
+      <dgm:prSet/>
+      <dgm:spPr/>
+      <dgm:t>
+        <a:bodyPr/>
+        <a:lstStyle/>
+        <a:p>
+          <a:pPr rtl="1"/>
+          <a:endParaRPr lang="fa-IR" sz="900">
+            <a:latin typeface="Trebuchet MS" panose="020B0603020202020204" pitchFamily="34" charset="0"/>
+          </a:endParaRPr>
+        </a:p>
+      </dgm:t>
+    </dgm:pt>
+    <dgm:pt modelId="{45235256-D067-4271-BB39-BA3EC220D0B7}">
+      <dgm:prSet phldrT="[Text]" custT="1"/>
+      <dgm:spPr/>
+      <dgm:t>
+        <a:bodyPr/>
+        <a:lstStyle/>
+        <a:p>
+          <a:pPr rtl="1"/>
+          <a:r>
+            <a:rPr lang="en-US" sz="900">
+              <a:latin typeface="Trebuchet MS" panose="020B0603020202020204" pitchFamily="34" charset="0"/>
+            </a:rPr>
+            <a:t>Number</a:t>
+          </a:r>
+          <a:endParaRPr lang="fa-IR" sz="900" dirty="0">
+            <a:latin typeface="Trebuchet MS" panose="020B0603020202020204" pitchFamily="34" charset="0"/>
+          </a:endParaRPr>
+        </a:p>
+      </dgm:t>
+    </dgm:pt>
+    <dgm:pt modelId="{F4ECF28A-7D26-4B25-90A7-E76F150A8A0B}" type="parTrans" cxnId="{059A0B89-0DCC-40AF-B124-DC7A7ADDCE48}">
+      <dgm:prSet/>
+      <dgm:spPr/>
+      <dgm:t>
+        <a:bodyPr/>
+        <a:lstStyle/>
+        <a:p>
+          <a:pPr rtl="1"/>
+          <a:endParaRPr lang="fa-IR" sz="900">
+            <a:latin typeface="Trebuchet MS" panose="020B0603020202020204" pitchFamily="34" charset="0"/>
+          </a:endParaRPr>
+        </a:p>
+      </dgm:t>
+    </dgm:pt>
+    <dgm:pt modelId="{D82707F2-F034-4677-95BF-39F51020E969}" type="sibTrans" cxnId="{059A0B89-0DCC-40AF-B124-DC7A7ADDCE48}">
+      <dgm:prSet/>
+      <dgm:spPr/>
+      <dgm:t>
+        <a:bodyPr/>
+        <a:lstStyle/>
+        <a:p>
+          <a:pPr rtl="1"/>
+          <a:endParaRPr lang="fa-IR" sz="900">
+            <a:latin typeface="Trebuchet MS" panose="020B0603020202020204" pitchFamily="34" charset="0"/>
+          </a:endParaRPr>
+        </a:p>
+      </dgm:t>
+    </dgm:pt>
+    <dgm:pt modelId="{F475BC23-2EE4-4FF2-A798-32AFA96F15A4}">
+      <dgm:prSet phldrT="[Text]" custT="1"/>
+      <dgm:spPr/>
+      <dgm:t>
+        <a:bodyPr/>
+        <a:lstStyle/>
+        <a:p>
+          <a:pPr rtl="1"/>
+          <a:r>
+            <a:rPr lang="en-US" sz="900">
+              <a:latin typeface="Trebuchet MS" panose="020B0603020202020204" pitchFamily="34" charset="0"/>
+            </a:rPr>
+            <a:t>Array</a:t>
+          </a:r>
+          <a:endParaRPr lang="fa-IR" sz="900" dirty="0">
+            <a:latin typeface="Trebuchet MS" panose="020B0603020202020204" pitchFamily="34" charset="0"/>
+          </a:endParaRPr>
+        </a:p>
+      </dgm:t>
+    </dgm:pt>
+    <dgm:pt modelId="{01DCFC0A-E82A-4141-9695-23BEFE753FE1}" type="parTrans" cxnId="{55DD4C4B-429F-4285-B5F5-75A2B544E15B}">
+      <dgm:prSet/>
+      <dgm:spPr/>
+      <dgm:t>
+        <a:bodyPr/>
+        <a:lstStyle/>
+        <a:p>
+          <a:pPr rtl="1"/>
+          <a:endParaRPr lang="fa-IR" sz="900">
+            <a:latin typeface="Trebuchet MS" panose="020B0603020202020204" pitchFamily="34" charset="0"/>
+          </a:endParaRPr>
+        </a:p>
+      </dgm:t>
+    </dgm:pt>
+    <dgm:pt modelId="{DD7247CE-05C9-4A1D-A3F7-67BBABDDAB4E}" type="sibTrans" cxnId="{55DD4C4B-429F-4285-B5F5-75A2B544E15B}">
+      <dgm:prSet/>
+      <dgm:spPr/>
+      <dgm:t>
+        <a:bodyPr/>
+        <a:lstStyle/>
+        <a:p>
+          <a:pPr rtl="1"/>
+          <a:endParaRPr lang="fa-IR" sz="900">
+            <a:latin typeface="Trebuchet MS" panose="020B0603020202020204" pitchFamily="34" charset="0"/>
+          </a:endParaRPr>
+        </a:p>
+      </dgm:t>
+    </dgm:pt>
+    <dgm:pt modelId="{10D6A351-883B-4D66-AB4E-DE2C9FFAC93F}">
+      <dgm:prSet phldrT="[Text]" custT="1"/>
+      <dgm:spPr/>
+      <dgm:t>
+        <a:bodyPr/>
+        <a:lstStyle/>
+        <a:p>
+          <a:pPr rtl="1"/>
+          <a:r>
+            <a:rPr lang="en-US" sz="900">
+              <a:latin typeface="Trebuchet MS" panose="020B0603020202020204" pitchFamily="34" charset="0"/>
+            </a:rPr>
+            <a:t>str</a:t>
+          </a:r>
+          <a:endParaRPr lang="fa-IR" sz="900" dirty="0">
+            <a:latin typeface="Trebuchet MS" panose="020B0603020202020204" pitchFamily="34" charset="0"/>
+          </a:endParaRPr>
+        </a:p>
+      </dgm:t>
+    </dgm:pt>
+    <dgm:pt modelId="{3733719A-6E56-4CC0-94B8-166C613E7C3A}" type="parTrans" cxnId="{3047CB60-8D2B-4173-8AF3-37249CBACA87}">
+      <dgm:prSet/>
+      <dgm:spPr/>
+      <dgm:t>
+        <a:bodyPr/>
+        <a:lstStyle/>
+        <a:p>
+          <a:pPr rtl="1"/>
+          <a:endParaRPr lang="fa-IR" sz="900">
+            <a:latin typeface="Trebuchet MS" panose="020B0603020202020204" pitchFamily="34" charset="0"/>
+          </a:endParaRPr>
+        </a:p>
+      </dgm:t>
+    </dgm:pt>
+    <dgm:pt modelId="{9791C711-5DCC-4C82-BB84-C54204B45D7E}" type="sibTrans" cxnId="{3047CB60-8D2B-4173-8AF3-37249CBACA87}">
+      <dgm:prSet/>
+      <dgm:spPr/>
+      <dgm:t>
+        <a:bodyPr/>
+        <a:lstStyle/>
+        <a:p>
+          <a:pPr rtl="1"/>
+          <a:endParaRPr lang="fa-IR" sz="900">
+            <a:latin typeface="Trebuchet MS" panose="020B0603020202020204" pitchFamily="34" charset="0"/>
+          </a:endParaRPr>
+        </a:p>
+      </dgm:t>
+    </dgm:pt>
+    <dgm:pt modelId="{4802AFEA-D6BF-4435-9337-AEAAF82FE91D}">
+      <dgm:prSet phldrT="[Text]" custT="1"/>
+      <dgm:spPr/>
+      <dgm:t>
+        <a:bodyPr/>
+        <a:lstStyle/>
+        <a:p>
+          <a:pPr rtl="1"/>
+          <a:r>
+            <a:rPr lang="en-US" sz="900">
+              <a:latin typeface="Trebuchet MS" panose="020B0603020202020204" pitchFamily="34" charset="0"/>
+            </a:rPr>
+            <a:t>int</a:t>
+          </a:r>
+          <a:endParaRPr lang="fa-IR" sz="900" dirty="0">
+            <a:latin typeface="Trebuchet MS" panose="020B0603020202020204" pitchFamily="34" charset="0"/>
+          </a:endParaRPr>
+        </a:p>
+      </dgm:t>
+    </dgm:pt>
+    <dgm:pt modelId="{6F5A433A-3519-4549-A33D-F8CB7B68CF7B}" type="parTrans" cxnId="{C8762A39-3EE0-43B4-B30D-2F3E56E07E8B}">
+      <dgm:prSet/>
+      <dgm:spPr/>
+      <dgm:t>
+        <a:bodyPr/>
+        <a:lstStyle/>
+        <a:p>
+          <a:pPr rtl="1"/>
+          <a:endParaRPr lang="fa-IR" sz="900">
+            <a:latin typeface="Trebuchet MS" panose="020B0603020202020204" pitchFamily="34" charset="0"/>
+          </a:endParaRPr>
+        </a:p>
+      </dgm:t>
+    </dgm:pt>
+    <dgm:pt modelId="{D0F1D3BA-3428-480E-B04D-23F95355FA7E}" type="sibTrans" cxnId="{C8762A39-3EE0-43B4-B30D-2F3E56E07E8B}">
+      <dgm:prSet/>
+      <dgm:spPr/>
+      <dgm:t>
+        <a:bodyPr/>
+        <a:lstStyle/>
+        <a:p>
+          <a:pPr rtl="1"/>
+          <a:endParaRPr lang="fa-IR" sz="900">
+            <a:latin typeface="Trebuchet MS" panose="020B0603020202020204" pitchFamily="34" charset="0"/>
+          </a:endParaRPr>
+        </a:p>
+      </dgm:t>
+    </dgm:pt>
+    <dgm:pt modelId="{B4608957-16BD-4D27-B20E-263F8C3281F6}">
+      <dgm:prSet phldrT="[Text]" custT="1"/>
+      <dgm:spPr/>
+      <dgm:t>
+        <a:bodyPr/>
+        <a:lstStyle/>
+        <a:p>
+          <a:pPr rtl="1"/>
+          <a:r>
+            <a:rPr lang="en-US" sz="900">
+              <a:latin typeface="Trebuchet MS" panose="020B0603020202020204" pitchFamily="34" charset="0"/>
+            </a:rPr>
+            <a:t>float</a:t>
+          </a:r>
+          <a:endParaRPr lang="fa-IR" sz="900" dirty="0">
+            <a:latin typeface="Trebuchet MS" panose="020B0603020202020204" pitchFamily="34" charset="0"/>
+          </a:endParaRPr>
+        </a:p>
+      </dgm:t>
+    </dgm:pt>
+    <dgm:pt modelId="{3810E11D-D340-4B72-BA42-646FD5AE5F87}" type="parTrans" cxnId="{6F13B339-37D2-47DE-B46E-BFD8F4C3EEFE}">
+      <dgm:prSet/>
+      <dgm:spPr/>
+      <dgm:t>
+        <a:bodyPr/>
+        <a:lstStyle/>
+        <a:p>
+          <a:pPr rtl="1"/>
+          <a:endParaRPr lang="fa-IR" sz="900">
+            <a:latin typeface="Trebuchet MS" panose="020B0603020202020204" pitchFamily="34" charset="0"/>
+          </a:endParaRPr>
+        </a:p>
+      </dgm:t>
+    </dgm:pt>
+    <dgm:pt modelId="{C8D49C54-2448-4952-B22C-999DED23B32C}" type="sibTrans" cxnId="{6F13B339-37D2-47DE-B46E-BFD8F4C3EEFE}">
+      <dgm:prSet/>
+      <dgm:spPr/>
+      <dgm:t>
+        <a:bodyPr/>
+        <a:lstStyle/>
+        <a:p>
+          <a:pPr rtl="1"/>
+          <a:endParaRPr lang="fa-IR" sz="900">
+            <a:latin typeface="Trebuchet MS" panose="020B0603020202020204" pitchFamily="34" charset="0"/>
+          </a:endParaRPr>
+        </a:p>
+      </dgm:t>
+    </dgm:pt>
+    <dgm:pt modelId="{B25004D7-C6AA-4204-9549-262323E3EB14}">
+      <dgm:prSet phldrT="[Text]" custT="1"/>
+      <dgm:spPr/>
+      <dgm:t>
+        <a:bodyPr/>
+        <a:lstStyle/>
+        <a:p>
+          <a:pPr rtl="1"/>
+          <a:r>
+            <a:rPr lang="en-US" sz="900">
+              <a:latin typeface="Trebuchet MS" panose="020B0603020202020204" pitchFamily="34" charset="0"/>
+            </a:rPr>
+            <a:t>list</a:t>
+          </a:r>
+          <a:endParaRPr lang="fa-IR" sz="900" dirty="0">
+            <a:latin typeface="Trebuchet MS" panose="020B0603020202020204" pitchFamily="34" charset="0"/>
+          </a:endParaRPr>
+        </a:p>
+      </dgm:t>
+    </dgm:pt>
+    <dgm:pt modelId="{EC04DD09-4DDE-4BD7-9448-7CB9D9595206}" type="parTrans" cxnId="{D972823A-A32F-42C3-A4F7-0DCAD821E1C8}">
+      <dgm:prSet/>
+      <dgm:spPr/>
+      <dgm:t>
+        <a:bodyPr/>
+        <a:lstStyle/>
+        <a:p>
+          <a:pPr rtl="1"/>
+          <a:endParaRPr lang="fa-IR" sz="900">
+            <a:latin typeface="Trebuchet MS" panose="020B0603020202020204" pitchFamily="34" charset="0"/>
+          </a:endParaRPr>
+        </a:p>
+      </dgm:t>
+    </dgm:pt>
+    <dgm:pt modelId="{E1B11007-19FC-40D2-8A02-EB0BC0A4C00F}" type="sibTrans" cxnId="{D972823A-A32F-42C3-A4F7-0DCAD821E1C8}">
+      <dgm:prSet/>
+      <dgm:spPr/>
+      <dgm:t>
+        <a:bodyPr/>
+        <a:lstStyle/>
+        <a:p>
+          <a:pPr rtl="1"/>
+          <a:endParaRPr lang="fa-IR" sz="900">
+            <a:latin typeface="Trebuchet MS" panose="020B0603020202020204" pitchFamily="34" charset="0"/>
+          </a:endParaRPr>
+        </a:p>
+      </dgm:t>
+    </dgm:pt>
+    <dgm:pt modelId="{4B7A8A3F-C0A6-4847-86C6-FCEDF752C394}">
+      <dgm:prSet phldrT="[Text]" custT="1"/>
+      <dgm:spPr/>
+      <dgm:t>
+        <a:bodyPr/>
+        <a:lstStyle/>
+        <a:p>
+          <a:pPr rtl="1"/>
+          <a:r>
+            <a:rPr lang="en-US" sz="900">
+              <a:latin typeface="Trebuchet MS" panose="020B0603020202020204" pitchFamily="34" charset="0"/>
+            </a:rPr>
+            <a:t>tuple</a:t>
+          </a:r>
+          <a:endParaRPr lang="fa-IR" sz="900" dirty="0">
+            <a:latin typeface="Trebuchet MS" panose="020B0603020202020204" pitchFamily="34" charset="0"/>
+          </a:endParaRPr>
+        </a:p>
+      </dgm:t>
+    </dgm:pt>
+    <dgm:pt modelId="{14115282-25A5-4B44-91AC-B7D44E68433E}" type="parTrans" cxnId="{9BF2918E-8D39-4BC9-B971-28E5FB02E5C7}">
+      <dgm:prSet/>
+      <dgm:spPr/>
+      <dgm:t>
+        <a:bodyPr/>
+        <a:lstStyle/>
+        <a:p>
+          <a:pPr rtl="1"/>
+          <a:endParaRPr lang="fa-IR" sz="900">
+            <a:latin typeface="Trebuchet MS" panose="020B0603020202020204" pitchFamily="34" charset="0"/>
+          </a:endParaRPr>
+        </a:p>
+      </dgm:t>
+    </dgm:pt>
+    <dgm:pt modelId="{A96B9AFE-E771-4293-A370-5E0D2C8701A8}" type="sibTrans" cxnId="{9BF2918E-8D39-4BC9-B971-28E5FB02E5C7}">
+      <dgm:prSet/>
+      <dgm:spPr/>
+      <dgm:t>
+        <a:bodyPr/>
+        <a:lstStyle/>
+        <a:p>
+          <a:pPr rtl="1"/>
+          <a:endParaRPr lang="fa-IR" sz="900">
+            <a:latin typeface="Trebuchet MS" panose="020B0603020202020204" pitchFamily="34" charset="0"/>
+          </a:endParaRPr>
+        </a:p>
+      </dgm:t>
+    </dgm:pt>
+    <dgm:pt modelId="{DA7A0BE8-9D8C-4592-A2B0-558E481D6D55}">
+      <dgm:prSet phldrT="[Text]" custT="1"/>
+      <dgm:spPr/>
+      <dgm:t>
+        <a:bodyPr/>
+        <a:lstStyle/>
+        <a:p>
+          <a:pPr rtl="1"/>
+          <a:r>
+            <a:rPr lang="en-US" sz="900">
+              <a:latin typeface="Trebuchet MS" panose="020B0603020202020204" pitchFamily="34" charset="0"/>
+            </a:rPr>
+            <a:t>Object</a:t>
+          </a:r>
+          <a:endParaRPr lang="fa-IR" sz="900" dirty="0">
+            <a:latin typeface="Trebuchet MS" panose="020B0603020202020204" pitchFamily="34" charset="0"/>
+          </a:endParaRPr>
+        </a:p>
+      </dgm:t>
+    </dgm:pt>
+    <dgm:pt modelId="{39D63D8D-24D2-4FF9-BDEB-764CF936016B}" type="parTrans" cxnId="{D1539457-FFF3-4F69-BD92-7F7462B7165C}">
+      <dgm:prSet/>
+      <dgm:spPr/>
+      <dgm:t>
+        <a:bodyPr/>
+        <a:lstStyle/>
+        <a:p>
+          <a:endParaRPr lang="en-US" sz="900">
+            <a:latin typeface="Trebuchet MS" panose="020B0603020202020204" pitchFamily="34" charset="0"/>
+          </a:endParaRPr>
+        </a:p>
+      </dgm:t>
+    </dgm:pt>
+    <dgm:pt modelId="{C7FFDC20-6E03-4700-94B7-EF3AF7E2C443}" type="sibTrans" cxnId="{D1539457-FFF3-4F69-BD92-7F7462B7165C}">
+      <dgm:prSet/>
+      <dgm:spPr/>
+      <dgm:t>
+        <a:bodyPr/>
+        <a:lstStyle/>
+        <a:p>
+          <a:endParaRPr lang="en-US" sz="900">
+            <a:latin typeface="Trebuchet MS" panose="020B0603020202020204" pitchFamily="34" charset="0"/>
+          </a:endParaRPr>
+        </a:p>
+      </dgm:t>
+    </dgm:pt>
+    <dgm:pt modelId="{E3E440A0-E579-47E4-A67E-2A07A484421A}">
+      <dgm:prSet phldrT="[Text]" custT="1"/>
+      <dgm:spPr/>
+      <dgm:t>
+        <a:bodyPr/>
+        <a:lstStyle/>
+        <a:p>
+          <a:pPr rtl="1"/>
+          <a:r>
+            <a:rPr lang="en-US" sz="900">
+              <a:latin typeface="Trebuchet MS" panose="020B0603020202020204" pitchFamily="34" charset="0"/>
+            </a:rPr>
+            <a:t>Boolean</a:t>
+          </a:r>
+          <a:endParaRPr lang="fa-IR" sz="900" dirty="0">
+            <a:latin typeface="Trebuchet MS" panose="020B0603020202020204" pitchFamily="34" charset="0"/>
+          </a:endParaRPr>
+        </a:p>
+      </dgm:t>
+    </dgm:pt>
+    <dgm:pt modelId="{E74B4EB3-2D68-476B-8E4F-BAD987C2ABF0}" type="parTrans" cxnId="{6BA33A9F-3AC9-4A9D-AAD6-97D2EB6CFAE9}">
+      <dgm:prSet/>
+      <dgm:spPr/>
+      <dgm:t>
+        <a:bodyPr/>
+        <a:lstStyle/>
+        <a:p>
+          <a:endParaRPr lang="en-US" sz="900">
+            <a:latin typeface="Trebuchet MS" panose="020B0603020202020204" pitchFamily="34" charset="0"/>
+          </a:endParaRPr>
+        </a:p>
+      </dgm:t>
+    </dgm:pt>
+    <dgm:pt modelId="{ADA9BAAA-4683-41E4-904A-4297BAAEC844}" type="sibTrans" cxnId="{6BA33A9F-3AC9-4A9D-AAD6-97D2EB6CFAE9}">
+      <dgm:prSet/>
+      <dgm:spPr/>
+      <dgm:t>
+        <a:bodyPr/>
+        <a:lstStyle/>
+        <a:p>
+          <a:endParaRPr lang="en-US" sz="900">
+            <a:latin typeface="Trebuchet MS" panose="020B0603020202020204" pitchFamily="34" charset="0"/>
+          </a:endParaRPr>
+        </a:p>
+      </dgm:t>
+    </dgm:pt>
+    <dgm:pt modelId="{1D554287-9858-42D9-8006-845A9F9660BF}">
+      <dgm:prSet phldrT="[Text]" custT="1"/>
+      <dgm:spPr/>
+      <dgm:t>
+        <a:bodyPr/>
+        <a:lstStyle/>
+        <a:p>
+          <a:pPr rtl="1"/>
+          <a:r>
+            <a:rPr lang="en-US" sz="900">
+              <a:latin typeface="Trebuchet MS" panose="020B0603020202020204" pitchFamily="34" charset="0"/>
+            </a:rPr>
+            <a:t>Null</a:t>
+          </a:r>
+          <a:endParaRPr lang="fa-IR" sz="900" dirty="0">
+            <a:latin typeface="Trebuchet MS" panose="020B0603020202020204" pitchFamily="34" charset="0"/>
+          </a:endParaRPr>
+        </a:p>
+      </dgm:t>
+    </dgm:pt>
+    <dgm:pt modelId="{FB9C908B-8A73-42F5-AA42-9E929EDC5274}" type="parTrans" cxnId="{90B753EC-ABD5-435B-866F-9F93FA1E140F}">
+      <dgm:prSet/>
+      <dgm:spPr/>
+      <dgm:t>
+        <a:bodyPr/>
+        <a:lstStyle/>
+        <a:p>
+          <a:endParaRPr lang="en-US" sz="900">
+            <a:latin typeface="Trebuchet MS" panose="020B0603020202020204" pitchFamily="34" charset="0"/>
+          </a:endParaRPr>
+        </a:p>
+      </dgm:t>
+    </dgm:pt>
+    <dgm:pt modelId="{90F55C09-2A49-48D7-B8CE-1A4AA40E7B3D}" type="sibTrans" cxnId="{90B753EC-ABD5-435B-866F-9F93FA1E140F}">
+      <dgm:prSet/>
+      <dgm:spPr/>
+      <dgm:t>
+        <a:bodyPr/>
+        <a:lstStyle/>
+        <a:p>
+          <a:endParaRPr lang="en-US" sz="900">
+            <a:latin typeface="Trebuchet MS" panose="020B0603020202020204" pitchFamily="34" charset="0"/>
+          </a:endParaRPr>
+        </a:p>
+      </dgm:t>
+    </dgm:pt>
+    <dgm:pt modelId="{2BBD3A30-A00E-4E9B-8930-786EEB97150D}">
+      <dgm:prSet phldrT="[Text]" custT="1"/>
+      <dgm:spPr/>
+      <dgm:t>
+        <a:bodyPr/>
+        <a:lstStyle/>
+        <a:p>
+          <a:pPr rtl="1"/>
+          <a:r>
+            <a:rPr lang="en-US" sz="900">
+              <a:latin typeface="Trebuchet MS" panose="020B0603020202020204" pitchFamily="34" charset="0"/>
+            </a:rPr>
+            <a:t>dict</a:t>
+          </a:r>
+          <a:endParaRPr lang="fa-IR" sz="900" dirty="0">
+            <a:latin typeface="Trebuchet MS" panose="020B0603020202020204" pitchFamily="34" charset="0"/>
+          </a:endParaRPr>
+        </a:p>
+      </dgm:t>
+    </dgm:pt>
+    <dgm:pt modelId="{DBE721E7-8CDB-4EDC-AB1E-F2D5036AAFFC}" type="parTrans" cxnId="{E663521F-EBFA-48C8-8CFE-8D68A39FC921}">
+      <dgm:prSet/>
+      <dgm:spPr/>
+      <dgm:t>
+        <a:bodyPr/>
+        <a:lstStyle/>
+        <a:p>
+          <a:endParaRPr lang="en-US" sz="900">
+            <a:latin typeface="Trebuchet MS" panose="020B0603020202020204" pitchFamily="34" charset="0"/>
+          </a:endParaRPr>
+        </a:p>
+      </dgm:t>
+    </dgm:pt>
+    <dgm:pt modelId="{085A94E7-9E17-4ACF-897E-D5CAF2043E83}" type="sibTrans" cxnId="{E663521F-EBFA-48C8-8CFE-8D68A39FC921}">
+      <dgm:prSet/>
+      <dgm:spPr/>
+      <dgm:t>
+        <a:bodyPr/>
+        <a:lstStyle/>
+        <a:p>
+          <a:endParaRPr lang="en-US" sz="900">
+            <a:latin typeface="Trebuchet MS" panose="020B0603020202020204" pitchFamily="34" charset="0"/>
+          </a:endParaRPr>
+        </a:p>
+      </dgm:t>
+    </dgm:pt>
+    <dgm:pt modelId="{1B5042C9-2484-4FEE-B87E-01798395B413}">
+      <dgm:prSet phldrT="[Text]" custT="1"/>
+      <dgm:spPr/>
+      <dgm:t>
+        <a:bodyPr/>
+        <a:lstStyle/>
+        <a:p>
+          <a:pPr rtl="1"/>
+          <a:r>
+            <a:rPr lang="en-US" sz="900">
+              <a:latin typeface="Trebuchet MS" panose="020B0603020202020204" pitchFamily="34" charset="0"/>
+            </a:rPr>
+            <a:t>bool</a:t>
+          </a:r>
+          <a:endParaRPr lang="fa-IR" sz="900" dirty="0">
+            <a:latin typeface="Trebuchet MS" panose="020B0603020202020204" pitchFamily="34" charset="0"/>
+          </a:endParaRPr>
+        </a:p>
+      </dgm:t>
+    </dgm:pt>
+    <dgm:pt modelId="{D8559DE4-1D3D-4987-A6F6-3C4606A8593C}" type="parTrans" cxnId="{713C1460-6770-40F3-A247-F9B494ACF21E}">
+      <dgm:prSet/>
+      <dgm:spPr/>
+      <dgm:t>
+        <a:bodyPr/>
+        <a:lstStyle/>
+        <a:p>
+          <a:endParaRPr lang="en-US" sz="900">
+            <a:latin typeface="Trebuchet MS" panose="020B0603020202020204" pitchFamily="34" charset="0"/>
+          </a:endParaRPr>
+        </a:p>
+      </dgm:t>
+    </dgm:pt>
+    <dgm:pt modelId="{5E389DB9-E3B9-46C2-AA10-A646C17D9DF0}" type="sibTrans" cxnId="{713C1460-6770-40F3-A247-F9B494ACF21E}">
+      <dgm:prSet/>
+      <dgm:spPr/>
+      <dgm:t>
+        <a:bodyPr/>
+        <a:lstStyle/>
+        <a:p>
+          <a:endParaRPr lang="en-US" sz="900">
+            <a:latin typeface="Trebuchet MS" panose="020B0603020202020204" pitchFamily="34" charset="0"/>
+          </a:endParaRPr>
+        </a:p>
+      </dgm:t>
+    </dgm:pt>
+    <dgm:pt modelId="{63109884-56AF-49D5-8398-E8CA23A9D31F}">
+      <dgm:prSet phldrT="[Text]" custT="1"/>
+      <dgm:spPr/>
+      <dgm:t>
+        <a:bodyPr/>
+        <a:lstStyle/>
+        <a:p>
+          <a:pPr rtl="1"/>
+          <a:r>
+            <a:rPr lang="en-US" sz="900">
+              <a:latin typeface="Trebuchet MS" panose="020B0603020202020204" pitchFamily="34" charset="0"/>
+            </a:rPr>
+            <a:t>NoneType</a:t>
+          </a:r>
+          <a:endParaRPr lang="fa-IR" sz="900" dirty="0">
+            <a:latin typeface="Trebuchet MS" panose="020B0603020202020204" pitchFamily="34" charset="0"/>
+          </a:endParaRPr>
+        </a:p>
+      </dgm:t>
+    </dgm:pt>
+    <dgm:pt modelId="{96E58618-5827-4DE7-9732-AE198BDC26EF}" type="parTrans" cxnId="{4B921DAD-CC6A-42E3-B9FE-8027A91D3C19}">
+      <dgm:prSet/>
+      <dgm:spPr/>
+      <dgm:t>
+        <a:bodyPr/>
+        <a:lstStyle/>
+        <a:p>
+          <a:endParaRPr lang="en-US" sz="900">
+            <a:latin typeface="Trebuchet MS" panose="020B0603020202020204" pitchFamily="34" charset="0"/>
+          </a:endParaRPr>
+        </a:p>
+      </dgm:t>
+    </dgm:pt>
+    <dgm:pt modelId="{04B8CFA0-8EBB-4366-A653-CEA5B19AD849}" type="sibTrans" cxnId="{4B921DAD-CC6A-42E3-B9FE-8027A91D3C19}">
+      <dgm:prSet/>
+      <dgm:spPr/>
+      <dgm:t>
+        <a:bodyPr/>
+        <a:lstStyle/>
+        <a:p>
+          <a:endParaRPr lang="en-US" sz="900">
+            <a:latin typeface="Trebuchet MS" panose="020B0603020202020204" pitchFamily="34" charset="0"/>
+          </a:endParaRPr>
+        </a:p>
+      </dgm:t>
+    </dgm:pt>
+    <dgm:pt modelId="{D87B6FC8-262E-41EC-892F-8CC363420B2B}" type="pres">
+      <dgm:prSet presAssocID="{B03FEEC4-BD42-4FA2-AFF5-06A3CBF58EBF}" presName="theList" presStyleCnt="0">
+        <dgm:presLayoutVars>
+          <dgm:dir/>
+          <dgm:animLvl val="lvl"/>
+          <dgm:resizeHandles val="exact"/>
+        </dgm:presLayoutVars>
+      </dgm:prSet>
+      <dgm:spPr/>
+    </dgm:pt>
+    <dgm:pt modelId="{2A3E5BBC-097F-43C6-8DBC-F281ECD7007B}" type="pres">
+      <dgm:prSet presAssocID="{29F5B089-C020-47A1-BA6E-C53ACFE01AFD}" presName="compNode" presStyleCnt="0"/>
+      <dgm:spPr/>
+    </dgm:pt>
+    <dgm:pt modelId="{64D8D2BB-20B0-47FE-BDA0-4232677CD376}" type="pres">
+      <dgm:prSet presAssocID="{29F5B089-C020-47A1-BA6E-C53ACFE01AFD}" presName="aNode" presStyleLbl="bgShp" presStyleIdx="0" presStyleCnt="6"/>
+      <dgm:spPr/>
+    </dgm:pt>
+    <dgm:pt modelId="{F9CE335E-E3DD-49C3-AB6C-18D0EB887E60}" type="pres">
+      <dgm:prSet presAssocID="{29F5B089-C020-47A1-BA6E-C53ACFE01AFD}" presName="textNode" presStyleLbl="bgShp" presStyleIdx="0" presStyleCnt="6"/>
+      <dgm:spPr/>
+    </dgm:pt>
+    <dgm:pt modelId="{002CBD17-5B3B-4560-AAF6-0D982765BF37}" type="pres">
+      <dgm:prSet presAssocID="{29F5B089-C020-47A1-BA6E-C53ACFE01AFD}" presName="compChildNode" presStyleCnt="0"/>
+      <dgm:spPr/>
+    </dgm:pt>
+    <dgm:pt modelId="{C8FF22D7-2D0B-4029-AE95-9BAD11476D1D}" type="pres">
+      <dgm:prSet presAssocID="{29F5B089-C020-47A1-BA6E-C53ACFE01AFD}" presName="theInnerList" presStyleCnt="0"/>
+      <dgm:spPr/>
+    </dgm:pt>
+    <dgm:pt modelId="{47BBA44C-4E23-4EC7-B4B9-6763A87153D9}" type="pres">
+      <dgm:prSet presAssocID="{10D6A351-883B-4D66-AB4E-DE2C9FFAC93F}" presName="childNode" presStyleLbl="node1" presStyleIdx="0" presStyleCnt="8">
+        <dgm:presLayoutVars>
+          <dgm:bulletEnabled val="1"/>
+        </dgm:presLayoutVars>
+      </dgm:prSet>
+      <dgm:spPr/>
+    </dgm:pt>
+    <dgm:pt modelId="{624F9F63-0435-481D-A0F6-5D571CC13F2A}" type="pres">
+      <dgm:prSet presAssocID="{29F5B089-C020-47A1-BA6E-C53ACFE01AFD}" presName="aSpace" presStyleCnt="0"/>
+      <dgm:spPr/>
+    </dgm:pt>
+    <dgm:pt modelId="{DC580A4A-7BC0-44EC-860D-FB1CE313DCD4}" type="pres">
+      <dgm:prSet presAssocID="{45235256-D067-4271-BB39-BA3EC220D0B7}" presName="compNode" presStyleCnt="0"/>
+      <dgm:spPr/>
+    </dgm:pt>
+    <dgm:pt modelId="{1630C2DF-9DCE-451A-8C62-21405789F2EB}" type="pres">
+      <dgm:prSet presAssocID="{45235256-D067-4271-BB39-BA3EC220D0B7}" presName="aNode" presStyleLbl="bgShp" presStyleIdx="1" presStyleCnt="6"/>
+      <dgm:spPr/>
+    </dgm:pt>
+    <dgm:pt modelId="{495C4F81-0CE5-4DCE-92E6-0434CF84FB14}" type="pres">
+      <dgm:prSet presAssocID="{45235256-D067-4271-BB39-BA3EC220D0B7}" presName="textNode" presStyleLbl="bgShp" presStyleIdx="1" presStyleCnt="6"/>
+      <dgm:spPr/>
+    </dgm:pt>
+    <dgm:pt modelId="{244E4E83-EB2F-461C-BAC4-42BC00E0ABF8}" type="pres">
+      <dgm:prSet presAssocID="{45235256-D067-4271-BB39-BA3EC220D0B7}" presName="compChildNode" presStyleCnt="0"/>
+      <dgm:spPr/>
+    </dgm:pt>
+    <dgm:pt modelId="{374B4FFD-D005-447A-9EF8-97AB973C7B5E}" type="pres">
+      <dgm:prSet presAssocID="{45235256-D067-4271-BB39-BA3EC220D0B7}" presName="theInnerList" presStyleCnt="0"/>
+      <dgm:spPr/>
+    </dgm:pt>
+    <dgm:pt modelId="{AB4E0267-B8C1-4B76-B4D6-08108DE5A630}" type="pres">
+      <dgm:prSet presAssocID="{4802AFEA-D6BF-4435-9337-AEAAF82FE91D}" presName="childNode" presStyleLbl="node1" presStyleIdx="1" presStyleCnt="8">
+        <dgm:presLayoutVars>
+          <dgm:bulletEnabled val="1"/>
+        </dgm:presLayoutVars>
+      </dgm:prSet>
+      <dgm:spPr/>
+    </dgm:pt>
+    <dgm:pt modelId="{96F674B4-F613-45A4-92C4-B5C5F729FF3A}" type="pres">
+      <dgm:prSet presAssocID="{4802AFEA-D6BF-4435-9337-AEAAF82FE91D}" presName="aSpace2" presStyleCnt="0"/>
+      <dgm:spPr/>
+    </dgm:pt>
+    <dgm:pt modelId="{8289D31D-920D-4A2E-809B-E8C770179FAD}" type="pres">
+      <dgm:prSet presAssocID="{B4608957-16BD-4D27-B20E-263F8C3281F6}" presName="childNode" presStyleLbl="node1" presStyleIdx="2" presStyleCnt="8">
+        <dgm:presLayoutVars>
+          <dgm:bulletEnabled val="1"/>
+        </dgm:presLayoutVars>
+      </dgm:prSet>
+      <dgm:spPr/>
+    </dgm:pt>
+    <dgm:pt modelId="{7DAE6E7C-1519-4B82-8DA0-91A4390D925C}" type="pres">
+      <dgm:prSet presAssocID="{45235256-D067-4271-BB39-BA3EC220D0B7}" presName="aSpace" presStyleCnt="0"/>
+      <dgm:spPr/>
+    </dgm:pt>
+    <dgm:pt modelId="{7762A7C0-59DD-4DD7-9F03-05052DA3B464}" type="pres">
+      <dgm:prSet presAssocID="{F475BC23-2EE4-4FF2-A798-32AFA96F15A4}" presName="compNode" presStyleCnt="0"/>
+      <dgm:spPr/>
+    </dgm:pt>
+    <dgm:pt modelId="{5E5096A3-BBB4-456C-81E1-B54F3A39AA32}" type="pres">
+      <dgm:prSet presAssocID="{F475BC23-2EE4-4FF2-A798-32AFA96F15A4}" presName="aNode" presStyleLbl="bgShp" presStyleIdx="2" presStyleCnt="6"/>
+      <dgm:spPr/>
+    </dgm:pt>
+    <dgm:pt modelId="{6D45AA89-6BE0-42DF-AF24-3E6F7DBEF874}" type="pres">
+      <dgm:prSet presAssocID="{F475BC23-2EE4-4FF2-A798-32AFA96F15A4}" presName="textNode" presStyleLbl="bgShp" presStyleIdx="2" presStyleCnt="6"/>
+      <dgm:spPr/>
+    </dgm:pt>
+    <dgm:pt modelId="{7DB569C3-132B-404F-B6A8-5B8C413F728D}" type="pres">
+      <dgm:prSet presAssocID="{F475BC23-2EE4-4FF2-A798-32AFA96F15A4}" presName="compChildNode" presStyleCnt="0"/>
+      <dgm:spPr/>
+    </dgm:pt>
+    <dgm:pt modelId="{6F2C7286-9535-4483-85B9-D8AAC1616427}" type="pres">
+      <dgm:prSet presAssocID="{F475BC23-2EE4-4FF2-A798-32AFA96F15A4}" presName="theInnerList" presStyleCnt="0"/>
+      <dgm:spPr/>
+    </dgm:pt>
+    <dgm:pt modelId="{70476262-9C72-4B90-B06C-730A1960AAAF}" type="pres">
+      <dgm:prSet presAssocID="{B25004D7-C6AA-4204-9549-262323E3EB14}" presName="childNode" presStyleLbl="node1" presStyleIdx="3" presStyleCnt="8">
+        <dgm:presLayoutVars>
+          <dgm:bulletEnabled val="1"/>
+        </dgm:presLayoutVars>
+      </dgm:prSet>
+      <dgm:spPr/>
+    </dgm:pt>
+    <dgm:pt modelId="{111C35C2-D3E0-4383-93A4-2C90E945093F}" type="pres">
+      <dgm:prSet presAssocID="{B25004D7-C6AA-4204-9549-262323E3EB14}" presName="aSpace2" presStyleCnt="0"/>
+      <dgm:spPr/>
+    </dgm:pt>
+    <dgm:pt modelId="{0F351286-CFBF-47ED-A59E-C97C84010752}" type="pres">
+      <dgm:prSet presAssocID="{4B7A8A3F-C0A6-4847-86C6-FCEDF752C394}" presName="childNode" presStyleLbl="node1" presStyleIdx="4" presStyleCnt="8">
+        <dgm:presLayoutVars>
+          <dgm:bulletEnabled val="1"/>
+        </dgm:presLayoutVars>
+      </dgm:prSet>
+      <dgm:spPr/>
+    </dgm:pt>
+    <dgm:pt modelId="{45DD3970-C44C-4209-902C-C2B8663F9AB1}" type="pres">
+      <dgm:prSet presAssocID="{F475BC23-2EE4-4FF2-A798-32AFA96F15A4}" presName="aSpace" presStyleCnt="0"/>
+      <dgm:spPr/>
+    </dgm:pt>
+    <dgm:pt modelId="{368B23C1-C527-4291-A4CD-3DF8F788BD3E}" type="pres">
+      <dgm:prSet presAssocID="{DA7A0BE8-9D8C-4592-A2B0-558E481D6D55}" presName="compNode" presStyleCnt="0"/>
+      <dgm:spPr/>
+    </dgm:pt>
+    <dgm:pt modelId="{AF7BC0AB-C8AA-4AEE-AF94-DF413838A7CA}" type="pres">
+      <dgm:prSet presAssocID="{DA7A0BE8-9D8C-4592-A2B0-558E481D6D55}" presName="aNode" presStyleLbl="bgShp" presStyleIdx="3" presStyleCnt="6"/>
+      <dgm:spPr/>
+    </dgm:pt>
+    <dgm:pt modelId="{FDEB5FFD-2482-48D9-9239-6594D4379B02}" type="pres">
+      <dgm:prSet presAssocID="{DA7A0BE8-9D8C-4592-A2B0-558E481D6D55}" presName="textNode" presStyleLbl="bgShp" presStyleIdx="3" presStyleCnt="6"/>
+      <dgm:spPr/>
+    </dgm:pt>
+    <dgm:pt modelId="{D63B4628-755E-497F-9AD9-68279EE79BF4}" type="pres">
+      <dgm:prSet presAssocID="{DA7A0BE8-9D8C-4592-A2B0-558E481D6D55}" presName="compChildNode" presStyleCnt="0"/>
+      <dgm:spPr/>
+    </dgm:pt>
+    <dgm:pt modelId="{D984D75E-37E1-487B-91D9-58D2941B4D16}" type="pres">
+      <dgm:prSet presAssocID="{DA7A0BE8-9D8C-4592-A2B0-558E481D6D55}" presName="theInnerList" presStyleCnt="0"/>
+      <dgm:spPr/>
+    </dgm:pt>
+    <dgm:pt modelId="{2B8BB693-3130-4291-A895-B14D170E4268}" type="pres">
+      <dgm:prSet presAssocID="{2BBD3A30-A00E-4E9B-8930-786EEB97150D}" presName="childNode" presStyleLbl="node1" presStyleIdx="5" presStyleCnt="8">
+        <dgm:presLayoutVars>
+          <dgm:bulletEnabled val="1"/>
+        </dgm:presLayoutVars>
+      </dgm:prSet>
+      <dgm:spPr/>
+    </dgm:pt>
+    <dgm:pt modelId="{27564529-1480-413D-9A9A-8AFDF20D50C5}" type="pres">
+      <dgm:prSet presAssocID="{DA7A0BE8-9D8C-4592-A2B0-558E481D6D55}" presName="aSpace" presStyleCnt="0"/>
+      <dgm:spPr/>
+    </dgm:pt>
+    <dgm:pt modelId="{752ACD10-D9FB-483B-B9B2-04B5A5B046D3}" type="pres">
+      <dgm:prSet presAssocID="{E3E440A0-E579-47E4-A67E-2A07A484421A}" presName="compNode" presStyleCnt="0"/>
+      <dgm:spPr/>
+    </dgm:pt>
+    <dgm:pt modelId="{CF11258F-8AA7-493F-A815-D62B60769D0B}" type="pres">
+      <dgm:prSet presAssocID="{E3E440A0-E579-47E4-A67E-2A07A484421A}" presName="aNode" presStyleLbl="bgShp" presStyleIdx="4" presStyleCnt="6"/>
+      <dgm:spPr/>
+    </dgm:pt>
+    <dgm:pt modelId="{04D9F3A0-CB2D-4132-9E71-4D13B98659E9}" type="pres">
+      <dgm:prSet presAssocID="{E3E440A0-E579-47E4-A67E-2A07A484421A}" presName="textNode" presStyleLbl="bgShp" presStyleIdx="4" presStyleCnt="6"/>
+      <dgm:spPr/>
+    </dgm:pt>
+    <dgm:pt modelId="{E259DD24-C99B-42DB-BE09-B72C024533A3}" type="pres">
+      <dgm:prSet presAssocID="{E3E440A0-E579-47E4-A67E-2A07A484421A}" presName="compChildNode" presStyleCnt="0"/>
+      <dgm:spPr/>
+    </dgm:pt>
+    <dgm:pt modelId="{9EC1DE91-A93B-4709-802B-0EB622FC9037}" type="pres">
+      <dgm:prSet presAssocID="{E3E440A0-E579-47E4-A67E-2A07A484421A}" presName="theInnerList" presStyleCnt="0"/>
+      <dgm:spPr/>
+    </dgm:pt>
+    <dgm:pt modelId="{10C2826D-413D-46EE-8FB2-A29C12048495}" type="pres">
+      <dgm:prSet presAssocID="{1B5042C9-2484-4FEE-B87E-01798395B413}" presName="childNode" presStyleLbl="node1" presStyleIdx="6" presStyleCnt="8">
+        <dgm:presLayoutVars>
+          <dgm:bulletEnabled val="1"/>
+        </dgm:presLayoutVars>
+      </dgm:prSet>
+      <dgm:spPr/>
+    </dgm:pt>
+    <dgm:pt modelId="{070A9B04-F865-4FC4-825F-85F113605A1B}" type="pres">
+      <dgm:prSet presAssocID="{E3E440A0-E579-47E4-A67E-2A07A484421A}" presName="aSpace" presStyleCnt="0"/>
+      <dgm:spPr/>
+    </dgm:pt>
+    <dgm:pt modelId="{42A5CBA3-3C06-4A2C-8BC1-F19E2DBF28D4}" type="pres">
+      <dgm:prSet presAssocID="{1D554287-9858-42D9-8006-845A9F9660BF}" presName="compNode" presStyleCnt="0"/>
+      <dgm:spPr/>
+    </dgm:pt>
+    <dgm:pt modelId="{5D274D34-9A04-4BAB-BF2D-F55EA91221D2}" type="pres">
+      <dgm:prSet presAssocID="{1D554287-9858-42D9-8006-845A9F9660BF}" presName="aNode" presStyleLbl="bgShp" presStyleIdx="5" presStyleCnt="6" custScaleX="156436"/>
+      <dgm:spPr/>
+    </dgm:pt>
+    <dgm:pt modelId="{7303FD77-F051-4E21-A92B-66283E503B2B}" type="pres">
+      <dgm:prSet presAssocID="{1D554287-9858-42D9-8006-845A9F9660BF}" presName="textNode" presStyleLbl="bgShp" presStyleIdx="5" presStyleCnt="6"/>
+      <dgm:spPr/>
+    </dgm:pt>
+    <dgm:pt modelId="{AA7F6BCC-17FB-496B-B7FC-960A0D046B2A}" type="pres">
+      <dgm:prSet presAssocID="{1D554287-9858-42D9-8006-845A9F9660BF}" presName="compChildNode" presStyleCnt="0"/>
+      <dgm:spPr/>
+    </dgm:pt>
+    <dgm:pt modelId="{F95F1498-8465-432B-9480-A935DBE3A87A}" type="pres">
+      <dgm:prSet presAssocID="{1D554287-9858-42D9-8006-845A9F9660BF}" presName="theInnerList" presStyleCnt="0"/>
+      <dgm:spPr/>
+    </dgm:pt>
+    <dgm:pt modelId="{9076CBF7-A7C5-4370-9330-BB5E6AFF0DE4}" type="pres">
+      <dgm:prSet presAssocID="{63109884-56AF-49D5-8398-E8CA23A9D31F}" presName="childNode" presStyleLbl="node1" presStyleIdx="7" presStyleCnt="8" custScaleX="155343">
+        <dgm:presLayoutVars>
+          <dgm:bulletEnabled val="1"/>
+        </dgm:presLayoutVars>
+      </dgm:prSet>
+      <dgm:spPr/>
+    </dgm:pt>
+  </dgm:ptLst>
+  <dgm:cxnLst>
+    <dgm:cxn modelId="{F120F302-A9A7-4FFD-86B2-F4D5D37DDD16}" srcId="{B03FEEC4-BD42-4FA2-AFF5-06A3CBF58EBF}" destId="{29F5B089-C020-47A1-BA6E-C53ACFE01AFD}" srcOrd="0" destOrd="0" parTransId="{A85AC2BB-83FA-45F3-978D-E891BA88757B}" sibTransId="{6BA38F68-82C0-4F02-82B2-1892C3DFE91E}"/>
+    <dgm:cxn modelId="{BE8C9A1E-5EA4-4C33-8C3C-D3CCED2DECEF}" type="presOf" srcId="{4B7A8A3F-C0A6-4847-86C6-FCEDF752C394}" destId="{0F351286-CFBF-47ED-A59E-C97C84010752}" srcOrd="0" destOrd="0" presId="urn:microsoft.com/office/officeart/2005/8/layout/lProcess2"/>
+    <dgm:cxn modelId="{E663521F-EBFA-48C8-8CFE-8D68A39FC921}" srcId="{DA7A0BE8-9D8C-4592-A2B0-558E481D6D55}" destId="{2BBD3A30-A00E-4E9B-8930-786EEB97150D}" srcOrd="0" destOrd="0" parTransId="{DBE721E7-8CDB-4EDC-AB1E-F2D5036AAFFC}" sibTransId="{085A94E7-9E17-4ACF-897E-D5CAF2043E83}"/>
+    <dgm:cxn modelId="{D9DDCF21-DC05-45EC-86FD-EC9EEE486EE2}" type="presOf" srcId="{F475BC23-2EE4-4FF2-A798-32AFA96F15A4}" destId="{5E5096A3-BBB4-456C-81E1-B54F3A39AA32}" srcOrd="0" destOrd="0" presId="urn:microsoft.com/office/officeart/2005/8/layout/lProcess2"/>
+    <dgm:cxn modelId="{396C2329-C716-4521-968C-905259AC031C}" type="presOf" srcId="{2BBD3A30-A00E-4E9B-8930-786EEB97150D}" destId="{2B8BB693-3130-4291-A895-B14D170E4268}" srcOrd="0" destOrd="0" presId="urn:microsoft.com/office/officeart/2005/8/layout/lProcess2"/>
+    <dgm:cxn modelId="{C8762A39-3EE0-43B4-B30D-2F3E56E07E8B}" srcId="{45235256-D067-4271-BB39-BA3EC220D0B7}" destId="{4802AFEA-D6BF-4435-9337-AEAAF82FE91D}" srcOrd="0" destOrd="0" parTransId="{6F5A433A-3519-4549-A33D-F8CB7B68CF7B}" sibTransId="{D0F1D3BA-3428-480E-B04D-23F95355FA7E}"/>
+    <dgm:cxn modelId="{6F13B339-37D2-47DE-B46E-BFD8F4C3EEFE}" srcId="{45235256-D067-4271-BB39-BA3EC220D0B7}" destId="{B4608957-16BD-4D27-B20E-263F8C3281F6}" srcOrd="1" destOrd="0" parTransId="{3810E11D-D340-4B72-BA42-646FD5AE5F87}" sibTransId="{C8D49C54-2448-4952-B22C-999DED23B32C}"/>
+    <dgm:cxn modelId="{D972823A-A32F-42C3-A4F7-0DCAD821E1C8}" srcId="{F475BC23-2EE4-4FF2-A798-32AFA96F15A4}" destId="{B25004D7-C6AA-4204-9549-262323E3EB14}" srcOrd="0" destOrd="0" parTransId="{EC04DD09-4DDE-4BD7-9448-7CB9D9595206}" sibTransId="{E1B11007-19FC-40D2-8A02-EB0BC0A4C00F}"/>
+    <dgm:cxn modelId="{BA422B5B-A6A4-4D99-B7F2-FB363B6C7CBC}" type="presOf" srcId="{F475BC23-2EE4-4FF2-A798-32AFA96F15A4}" destId="{6D45AA89-6BE0-42DF-AF24-3E6F7DBEF874}" srcOrd="1" destOrd="0" presId="urn:microsoft.com/office/officeart/2005/8/layout/lProcess2"/>
+    <dgm:cxn modelId="{A409C05D-3013-4550-87E4-C4A804258EF4}" type="presOf" srcId="{DA7A0BE8-9D8C-4592-A2B0-558E481D6D55}" destId="{AF7BC0AB-C8AA-4AEE-AF94-DF413838A7CA}" srcOrd="0" destOrd="0" presId="urn:microsoft.com/office/officeart/2005/8/layout/lProcess2"/>
+    <dgm:cxn modelId="{713C1460-6770-40F3-A247-F9B494ACF21E}" srcId="{E3E440A0-E579-47E4-A67E-2A07A484421A}" destId="{1B5042C9-2484-4FEE-B87E-01798395B413}" srcOrd="0" destOrd="0" parTransId="{D8559DE4-1D3D-4987-A6F6-3C4606A8593C}" sibTransId="{5E389DB9-E3B9-46C2-AA10-A646C17D9DF0}"/>
+    <dgm:cxn modelId="{3047CB60-8D2B-4173-8AF3-37249CBACA87}" srcId="{29F5B089-C020-47A1-BA6E-C53ACFE01AFD}" destId="{10D6A351-883B-4D66-AB4E-DE2C9FFAC93F}" srcOrd="0" destOrd="0" parTransId="{3733719A-6E56-4CC0-94B8-166C613E7C3A}" sibTransId="{9791C711-5DCC-4C82-BB84-C54204B45D7E}"/>
+    <dgm:cxn modelId="{AA661A41-01C2-47B9-87A7-661605E365F0}" type="presOf" srcId="{B4608957-16BD-4D27-B20E-263F8C3281F6}" destId="{8289D31D-920D-4A2E-809B-E8C770179FAD}" srcOrd="0" destOrd="0" presId="urn:microsoft.com/office/officeart/2005/8/layout/lProcess2"/>
+    <dgm:cxn modelId="{65F3D868-1C6C-46F8-B425-03E736C54013}" type="presOf" srcId="{63109884-56AF-49D5-8398-E8CA23A9D31F}" destId="{9076CBF7-A7C5-4370-9330-BB5E6AFF0DE4}" srcOrd="0" destOrd="0" presId="urn:microsoft.com/office/officeart/2005/8/layout/lProcess2"/>
+    <dgm:cxn modelId="{2EDA154A-6275-405F-A4A8-FF230BEBE382}" type="presOf" srcId="{B25004D7-C6AA-4204-9549-262323E3EB14}" destId="{70476262-9C72-4B90-B06C-730A1960AAAF}" srcOrd="0" destOrd="0" presId="urn:microsoft.com/office/officeart/2005/8/layout/lProcess2"/>
+    <dgm:cxn modelId="{C6C0E36A-FE62-4A2C-A436-E8FCB1F1BE49}" type="presOf" srcId="{45235256-D067-4271-BB39-BA3EC220D0B7}" destId="{495C4F81-0CE5-4DCE-92E6-0434CF84FB14}" srcOrd="1" destOrd="0" presId="urn:microsoft.com/office/officeart/2005/8/layout/lProcess2"/>
+    <dgm:cxn modelId="{55DD4C4B-429F-4285-B5F5-75A2B544E15B}" srcId="{B03FEEC4-BD42-4FA2-AFF5-06A3CBF58EBF}" destId="{F475BC23-2EE4-4FF2-A798-32AFA96F15A4}" srcOrd="2" destOrd="0" parTransId="{01DCFC0A-E82A-4141-9695-23BEFE753FE1}" sibTransId="{DD7247CE-05C9-4A1D-A3F7-67BBABDDAB4E}"/>
+    <dgm:cxn modelId="{D1539457-FFF3-4F69-BD92-7F7462B7165C}" srcId="{B03FEEC4-BD42-4FA2-AFF5-06A3CBF58EBF}" destId="{DA7A0BE8-9D8C-4592-A2B0-558E481D6D55}" srcOrd="3" destOrd="0" parTransId="{39D63D8D-24D2-4FF9-BDEB-764CF936016B}" sibTransId="{C7FFDC20-6E03-4700-94B7-EF3AF7E2C443}"/>
+    <dgm:cxn modelId="{77C48478-4E71-4B16-8C07-11035E5FD740}" type="presOf" srcId="{29F5B089-C020-47A1-BA6E-C53ACFE01AFD}" destId="{F9CE335E-E3DD-49C3-AB6C-18D0EB887E60}" srcOrd="1" destOrd="0" presId="urn:microsoft.com/office/officeart/2005/8/layout/lProcess2"/>
+    <dgm:cxn modelId="{059A0B89-0DCC-40AF-B124-DC7A7ADDCE48}" srcId="{B03FEEC4-BD42-4FA2-AFF5-06A3CBF58EBF}" destId="{45235256-D067-4271-BB39-BA3EC220D0B7}" srcOrd="1" destOrd="0" parTransId="{F4ECF28A-7D26-4B25-90A7-E76F150A8A0B}" sibTransId="{D82707F2-F034-4677-95BF-39F51020E969}"/>
+    <dgm:cxn modelId="{9BF2918E-8D39-4BC9-B971-28E5FB02E5C7}" srcId="{F475BC23-2EE4-4FF2-A798-32AFA96F15A4}" destId="{4B7A8A3F-C0A6-4847-86C6-FCEDF752C394}" srcOrd="1" destOrd="0" parTransId="{14115282-25A5-4B44-91AC-B7D44E68433E}" sibTransId="{A96B9AFE-E771-4293-A370-5E0D2C8701A8}"/>
+    <dgm:cxn modelId="{4815D68E-4DBA-457E-9538-A4CA794F0143}" type="presOf" srcId="{DA7A0BE8-9D8C-4592-A2B0-558E481D6D55}" destId="{FDEB5FFD-2482-48D9-9239-6594D4379B02}" srcOrd="1" destOrd="0" presId="urn:microsoft.com/office/officeart/2005/8/layout/lProcess2"/>
+    <dgm:cxn modelId="{6E6E8C93-8437-4040-95DA-723310B7F604}" type="presOf" srcId="{1D554287-9858-42D9-8006-845A9F9660BF}" destId="{7303FD77-F051-4E21-A92B-66283E503B2B}" srcOrd="1" destOrd="0" presId="urn:microsoft.com/office/officeart/2005/8/layout/lProcess2"/>
+    <dgm:cxn modelId="{33EA359E-C493-4058-908F-F7DF03B8796E}" type="presOf" srcId="{29F5B089-C020-47A1-BA6E-C53ACFE01AFD}" destId="{64D8D2BB-20B0-47FE-BDA0-4232677CD376}" srcOrd="0" destOrd="0" presId="urn:microsoft.com/office/officeart/2005/8/layout/lProcess2"/>
+    <dgm:cxn modelId="{B3A1369F-5CAA-481B-B918-A4C9F28B193D}" type="presOf" srcId="{45235256-D067-4271-BB39-BA3EC220D0B7}" destId="{1630C2DF-9DCE-451A-8C62-21405789F2EB}" srcOrd="0" destOrd="0" presId="urn:microsoft.com/office/officeart/2005/8/layout/lProcess2"/>
+    <dgm:cxn modelId="{6BA33A9F-3AC9-4A9D-AAD6-97D2EB6CFAE9}" srcId="{B03FEEC4-BD42-4FA2-AFF5-06A3CBF58EBF}" destId="{E3E440A0-E579-47E4-A67E-2A07A484421A}" srcOrd="4" destOrd="0" parTransId="{E74B4EB3-2D68-476B-8E4F-BAD987C2ABF0}" sibTransId="{ADA9BAAA-4683-41E4-904A-4297BAAEC844}"/>
+    <dgm:cxn modelId="{F0035CA7-F924-43FF-92AA-906F97190185}" type="presOf" srcId="{1B5042C9-2484-4FEE-B87E-01798395B413}" destId="{10C2826D-413D-46EE-8FB2-A29C12048495}" srcOrd="0" destOrd="0" presId="urn:microsoft.com/office/officeart/2005/8/layout/lProcess2"/>
+    <dgm:cxn modelId="{4B921DAD-CC6A-42E3-B9FE-8027A91D3C19}" srcId="{1D554287-9858-42D9-8006-845A9F9660BF}" destId="{63109884-56AF-49D5-8398-E8CA23A9D31F}" srcOrd="0" destOrd="0" parTransId="{96E58618-5827-4DE7-9732-AE198BDC26EF}" sibTransId="{04B8CFA0-8EBB-4366-A653-CEA5B19AD849}"/>
+    <dgm:cxn modelId="{27EC6BBB-8416-4B38-952B-1CF2744724EF}" type="presOf" srcId="{1D554287-9858-42D9-8006-845A9F9660BF}" destId="{5D274D34-9A04-4BAB-BF2D-F55EA91221D2}" srcOrd="0" destOrd="0" presId="urn:microsoft.com/office/officeart/2005/8/layout/lProcess2"/>
+    <dgm:cxn modelId="{EB2E1CC8-C9C5-4196-B845-3383BD5BC6D0}" type="presOf" srcId="{10D6A351-883B-4D66-AB4E-DE2C9FFAC93F}" destId="{47BBA44C-4E23-4EC7-B4B9-6763A87153D9}" srcOrd="0" destOrd="0" presId="urn:microsoft.com/office/officeart/2005/8/layout/lProcess2"/>
+    <dgm:cxn modelId="{04539ECA-E35E-4F6A-9CFA-469639DA32D6}" type="presOf" srcId="{E3E440A0-E579-47E4-A67E-2A07A484421A}" destId="{04D9F3A0-CB2D-4132-9E71-4D13B98659E9}" srcOrd="1" destOrd="0" presId="urn:microsoft.com/office/officeart/2005/8/layout/lProcess2"/>
+    <dgm:cxn modelId="{E52F3AD7-8B07-4A99-8A1C-3BA37C076524}" type="presOf" srcId="{4802AFEA-D6BF-4435-9337-AEAAF82FE91D}" destId="{AB4E0267-B8C1-4B76-B4D6-08108DE5A630}" srcOrd="0" destOrd="0" presId="urn:microsoft.com/office/officeart/2005/8/layout/lProcess2"/>
+    <dgm:cxn modelId="{555567D9-2D02-40BC-96E8-19C5A074C276}" type="presOf" srcId="{B03FEEC4-BD42-4FA2-AFF5-06A3CBF58EBF}" destId="{D87B6FC8-262E-41EC-892F-8CC363420B2B}" srcOrd="0" destOrd="0" presId="urn:microsoft.com/office/officeart/2005/8/layout/lProcess2"/>
+    <dgm:cxn modelId="{90B753EC-ABD5-435B-866F-9F93FA1E140F}" srcId="{B03FEEC4-BD42-4FA2-AFF5-06A3CBF58EBF}" destId="{1D554287-9858-42D9-8006-845A9F9660BF}" srcOrd="5" destOrd="0" parTransId="{FB9C908B-8A73-42F5-AA42-9E929EDC5274}" sibTransId="{90F55C09-2A49-48D7-B8CE-1A4AA40E7B3D}"/>
+    <dgm:cxn modelId="{D80AB1FD-F1FC-49BF-BFE2-B02670D31D39}" type="presOf" srcId="{E3E440A0-E579-47E4-A67E-2A07A484421A}" destId="{CF11258F-8AA7-493F-A815-D62B60769D0B}" srcOrd="0" destOrd="0" presId="urn:microsoft.com/office/officeart/2005/8/layout/lProcess2"/>
+    <dgm:cxn modelId="{9A5C7BDD-99FC-42E7-B95E-3CB07FD38EEF}" type="presParOf" srcId="{D87B6FC8-262E-41EC-892F-8CC363420B2B}" destId="{2A3E5BBC-097F-43C6-8DBC-F281ECD7007B}" srcOrd="0" destOrd="0" presId="urn:microsoft.com/office/officeart/2005/8/layout/lProcess2"/>
+    <dgm:cxn modelId="{58FBB31C-B21C-4F39-B8C8-5680CFFDE382}" type="presParOf" srcId="{2A3E5BBC-097F-43C6-8DBC-F281ECD7007B}" destId="{64D8D2BB-20B0-47FE-BDA0-4232677CD376}" srcOrd="0" destOrd="0" presId="urn:microsoft.com/office/officeart/2005/8/layout/lProcess2"/>
+    <dgm:cxn modelId="{1D49BD06-278C-4E1B-8C5F-A7E4C376518E}" type="presParOf" srcId="{2A3E5BBC-097F-43C6-8DBC-F281ECD7007B}" destId="{F9CE335E-E3DD-49C3-AB6C-18D0EB887E60}" srcOrd="1" destOrd="0" presId="urn:microsoft.com/office/officeart/2005/8/layout/lProcess2"/>
+    <dgm:cxn modelId="{9CC6AD97-AB54-48FB-B1BE-8E720038B9AF}" type="presParOf" srcId="{2A3E5BBC-097F-43C6-8DBC-F281ECD7007B}" destId="{002CBD17-5B3B-4560-AAF6-0D982765BF37}" srcOrd="2" destOrd="0" presId="urn:microsoft.com/office/officeart/2005/8/layout/lProcess2"/>
+    <dgm:cxn modelId="{26864271-AD2D-492A-B1BD-5B165BCD4306}" type="presParOf" srcId="{002CBD17-5B3B-4560-AAF6-0D982765BF37}" destId="{C8FF22D7-2D0B-4029-AE95-9BAD11476D1D}" srcOrd="0" destOrd="0" presId="urn:microsoft.com/office/officeart/2005/8/layout/lProcess2"/>
+    <dgm:cxn modelId="{D541333A-A9AD-4803-8076-44F1B6C008F9}" type="presParOf" srcId="{C8FF22D7-2D0B-4029-AE95-9BAD11476D1D}" destId="{47BBA44C-4E23-4EC7-B4B9-6763A87153D9}" srcOrd="0" destOrd="0" presId="urn:microsoft.com/office/officeart/2005/8/layout/lProcess2"/>
+    <dgm:cxn modelId="{0655B76C-82E9-4D73-ACF3-8A889E9B4924}" type="presParOf" srcId="{D87B6FC8-262E-41EC-892F-8CC363420B2B}" destId="{624F9F63-0435-481D-A0F6-5D571CC13F2A}" srcOrd="1" destOrd="0" presId="urn:microsoft.com/office/officeart/2005/8/layout/lProcess2"/>
+    <dgm:cxn modelId="{4C2E5434-A2C1-4CF6-A202-36BCFB21EDF9}" type="presParOf" srcId="{D87B6FC8-262E-41EC-892F-8CC363420B2B}" destId="{DC580A4A-7BC0-44EC-860D-FB1CE313DCD4}" srcOrd="2" destOrd="0" presId="urn:microsoft.com/office/officeart/2005/8/layout/lProcess2"/>
+    <dgm:cxn modelId="{3E4A689B-D043-46D2-86AF-9E5CF264E933}" type="presParOf" srcId="{DC580A4A-7BC0-44EC-860D-FB1CE313DCD4}" destId="{1630C2DF-9DCE-451A-8C62-21405789F2EB}" srcOrd="0" destOrd="0" presId="urn:microsoft.com/office/officeart/2005/8/layout/lProcess2"/>
+    <dgm:cxn modelId="{90CD37CF-030C-40F7-AD6B-FECC4E134CA9}" type="presParOf" srcId="{DC580A4A-7BC0-44EC-860D-FB1CE313DCD4}" destId="{495C4F81-0CE5-4DCE-92E6-0434CF84FB14}" srcOrd="1" destOrd="0" presId="urn:microsoft.com/office/officeart/2005/8/layout/lProcess2"/>
+    <dgm:cxn modelId="{D2FE4D51-80E8-46E2-91B2-44DD1AAADC47}" type="presParOf" srcId="{DC580A4A-7BC0-44EC-860D-FB1CE313DCD4}" destId="{244E4E83-EB2F-461C-BAC4-42BC00E0ABF8}" srcOrd="2" destOrd="0" presId="urn:microsoft.com/office/officeart/2005/8/layout/lProcess2"/>
+    <dgm:cxn modelId="{B1888E2E-6F52-4005-8496-146D5D66D427}" type="presParOf" srcId="{244E4E83-EB2F-461C-BAC4-42BC00E0ABF8}" destId="{374B4FFD-D005-447A-9EF8-97AB973C7B5E}" srcOrd="0" destOrd="0" presId="urn:microsoft.com/office/officeart/2005/8/layout/lProcess2"/>
+    <dgm:cxn modelId="{BE1B1CB4-6542-45C5-930D-DABCE9DD5C06}" type="presParOf" srcId="{374B4FFD-D005-447A-9EF8-97AB973C7B5E}" destId="{AB4E0267-B8C1-4B76-B4D6-08108DE5A630}" srcOrd="0" destOrd="0" presId="urn:microsoft.com/office/officeart/2005/8/layout/lProcess2"/>
+    <dgm:cxn modelId="{F9A0FD64-A1D6-4AD6-BDE2-CE0F1C2A1A5F}" type="presParOf" srcId="{374B4FFD-D005-447A-9EF8-97AB973C7B5E}" destId="{96F674B4-F613-45A4-92C4-B5C5F729FF3A}" srcOrd="1" destOrd="0" presId="urn:microsoft.com/office/officeart/2005/8/layout/lProcess2"/>
+    <dgm:cxn modelId="{EEE70E45-87D9-4AEF-AA66-8D24F3C83028}" type="presParOf" srcId="{374B4FFD-D005-447A-9EF8-97AB973C7B5E}" destId="{8289D31D-920D-4A2E-809B-E8C770179FAD}" srcOrd="2" destOrd="0" presId="urn:microsoft.com/office/officeart/2005/8/layout/lProcess2"/>
+    <dgm:cxn modelId="{68EEF19D-3C45-46DD-9DFD-B12895452A5F}" type="presParOf" srcId="{D87B6FC8-262E-41EC-892F-8CC363420B2B}" destId="{7DAE6E7C-1519-4B82-8DA0-91A4390D925C}" srcOrd="3" destOrd="0" presId="urn:microsoft.com/office/officeart/2005/8/layout/lProcess2"/>
+    <dgm:cxn modelId="{7F69CA2F-BC3E-49DD-9F68-99F6BA141FA6}" type="presParOf" srcId="{D87B6FC8-262E-41EC-892F-8CC363420B2B}" destId="{7762A7C0-59DD-4DD7-9F03-05052DA3B464}" srcOrd="4" destOrd="0" presId="urn:microsoft.com/office/officeart/2005/8/layout/lProcess2"/>
+    <dgm:cxn modelId="{521AD226-5B91-4034-9E1D-AF421276F7C9}" type="presParOf" srcId="{7762A7C0-59DD-4DD7-9F03-05052DA3B464}" destId="{5E5096A3-BBB4-456C-81E1-B54F3A39AA32}" srcOrd="0" destOrd="0" presId="urn:microsoft.com/office/officeart/2005/8/layout/lProcess2"/>
+    <dgm:cxn modelId="{C8641CB7-8AC6-4242-9238-FB7698B053D4}" type="presParOf" srcId="{7762A7C0-59DD-4DD7-9F03-05052DA3B464}" destId="{6D45AA89-6BE0-42DF-AF24-3E6F7DBEF874}" srcOrd="1" destOrd="0" presId="urn:microsoft.com/office/officeart/2005/8/layout/lProcess2"/>
+    <dgm:cxn modelId="{DDA344C1-F4CA-445B-9B14-8BAC7EC6F420}" type="presParOf" srcId="{7762A7C0-59DD-4DD7-9F03-05052DA3B464}" destId="{7DB569C3-132B-404F-B6A8-5B8C413F728D}" srcOrd="2" destOrd="0" presId="urn:microsoft.com/office/officeart/2005/8/layout/lProcess2"/>
+    <dgm:cxn modelId="{D6CBB95E-63A7-41D6-B2AC-EC1BA1E8BE56}" type="presParOf" srcId="{7DB569C3-132B-404F-B6A8-5B8C413F728D}" destId="{6F2C7286-9535-4483-85B9-D8AAC1616427}" srcOrd="0" destOrd="0" presId="urn:microsoft.com/office/officeart/2005/8/layout/lProcess2"/>
+    <dgm:cxn modelId="{765F06AA-7BD5-410D-9693-7FD627D0E442}" type="presParOf" srcId="{6F2C7286-9535-4483-85B9-D8AAC1616427}" destId="{70476262-9C72-4B90-B06C-730A1960AAAF}" srcOrd="0" destOrd="0" presId="urn:microsoft.com/office/officeart/2005/8/layout/lProcess2"/>
+    <dgm:cxn modelId="{9FF7D290-23CA-4DC5-976A-285149C3B80B}" type="presParOf" srcId="{6F2C7286-9535-4483-85B9-D8AAC1616427}" destId="{111C35C2-D3E0-4383-93A4-2C90E945093F}" srcOrd="1" destOrd="0" presId="urn:microsoft.com/office/officeart/2005/8/layout/lProcess2"/>
+    <dgm:cxn modelId="{2994AFC2-A10D-43F7-9235-3D23C64B9341}" type="presParOf" srcId="{6F2C7286-9535-4483-85B9-D8AAC1616427}" destId="{0F351286-CFBF-47ED-A59E-C97C84010752}" srcOrd="2" destOrd="0" presId="urn:microsoft.com/office/officeart/2005/8/layout/lProcess2"/>
+    <dgm:cxn modelId="{0B939156-63B3-49BD-9969-BF7E2F3CFBD8}" type="presParOf" srcId="{D87B6FC8-262E-41EC-892F-8CC363420B2B}" destId="{45DD3970-C44C-4209-902C-C2B8663F9AB1}" srcOrd="5" destOrd="0" presId="urn:microsoft.com/office/officeart/2005/8/layout/lProcess2"/>
+    <dgm:cxn modelId="{DD129EA5-668A-4F77-B16C-7F7CB66608E9}" type="presParOf" srcId="{D87B6FC8-262E-41EC-892F-8CC363420B2B}" destId="{368B23C1-C527-4291-A4CD-3DF8F788BD3E}" srcOrd="6" destOrd="0" presId="urn:microsoft.com/office/officeart/2005/8/layout/lProcess2"/>
+    <dgm:cxn modelId="{9315D4EB-06AC-411E-9218-6080841EA34F}" type="presParOf" srcId="{368B23C1-C527-4291-A4CD-3DF8F788BD3E}" destId="{AF7BC0AB-C8AA-4AEE-AF94-DF413838A7CA}" srcOrd="0" destOrd="0" presId="urn:microsoft.com/office/officeart/2005/8/layout/lProcess2"/>
+    <dgm:cxn modelId="{A023A17F-9B41-4E51-A223-A36BC5E27F92}" type="presParOf" srcId="{368B23C1-C527-4291-A4CD-3DF8F788BD3E}" destId="{FDEB5FFD-2482-48D9-9239-6594D4379B02}" srcOrd="1" destOrd="0" presId="urn:microsoft.com/office/officeart/2005/8/layout/lProcess2"/>
+    <dgm:cxn modelId="{9878AF84-2964-4F13-8AA1-A75FD8D40EFE}" type="presParOf" srcId="{368B23C1-C527-4291-A4CD-3DF8F788BD3E}" destId="{D63B4628-755E-497F-9AD9-68279EE79BF4}" srcOrd="2" destOrd="0" presId="urn:microsoft.com/office/officeart/2005/8/layout/lProcess2"/>
+    <dgm:cxn modelId="{7C19F402-E99F-421F-AA82-51ED3D66FFCF}" type="presParOf" srcId="{D63B4628-755E-497F-9AD9-68279EE79BF4}" destId="{D984D75E-37E1-487B-91D9-58D2941B4D16}" srcOrd="0" destOrd="0" presId="urn:microsoft.com/office/officeart/2005/8/layout/lProcess2"/>
+    <dgm:cxn modelId="{729D2C53-6D14-4A6D-9B6A-6BFEE10DDF12}" type="presParOf" srcId="{D984D75E-37E1-487B-91D9-58D2941B4D16}" destId="{2B8BB693-3130-4291-A895-B14D170E4268}" srcOrd="0" destOrd="0" presId="urn:microsoft.com/office/officeart/2005/8/layout/lProcess2"/>
+    <dgm:cxn modelId="{51176605-5E91-4A4A-8532-7CDF13379D70}" type="presParOf" srcId="{D87B6FC8-262E-41EC-892F-8CC363420B2B}" destId="{27564529-1480-413D-9A9A-8AFDF20D50C5}" srcOrd="7" destOrd="0" presId="urn:microsoft.com/office/officeart/2005/8/layout/lProcess2"/>
+    <dgm:cxn modelId="{00796619-3CB7-49A9-A0D3-3499BA2C9AAC}" type="presParOf" srcId="{D87B6FC8-262E-41EC-892F-8CC363420B2B}" destId="{752ACD10-D9FB-483B-B9B2-04B5A5B046D3}" srcOrd="8" destOrd="0" presId="urn:microsoft.com/office/officeart/2005/8/layout/lProcess2"/>
+    <dgm:cxn modelId="{EADC679E-7C7B-405A-9B8C-4997882D48C7}" type="presParOf" srcId="{752ACD10-D9FB-483B-B9B2-04B5A5B046D3}" destId="{CF11258F-8AA7-493F-A815-D62B60769D0B}" srcOrd="0" destOrd="0" presId="urn:microsoft.com/office/officeart/2005/8/layout/lProcess2"/>
+    <dgm:cxn modelId="{38E2CFEE-6CFD-4EB4-A25B-395BAE75D8CC}" type="presParOf" srcId="{752ACD10-D9FB-483B-B9B2-04B5A5B046D3}" destId="{04D9F3A0-CB2D-4132-9E71-4D13B98659E9}" srcOrd="1" destOrd="0" presId="urn:microsoft.com/office/officeart/2005/8/layout/lProcess2"/>
+    <dgm:cxn modelId="{8D974FF3-9360-40B0-9D37-C84EBDA718C4}" type="presParOf" srcId="{752ACD10-D9FB-483B-B9B2-04B5A5B046D3}" destId="{E259DD24-C99B-42DB-BE09-B72C024533A3}" srcOrd="2" destOrd="0" presId="urn:microsoft.com/office/officeart/2005/8/layout/lProcess2"/>
+    <dgm:cxn modelId="{D52DA9DE-9768-4A14-8BFC-0C6D989D850E}" type="presParOf" srcId="{E259DD24-C99B-42DB-BE09-B72C024533A3}" destId="{9EC1DE91-A93B-4709-802B-0EB622FC9037}" srcOrd="0" destOrd="0" presId="urn:microsoft.com/office/officeart/2005/8/layout/lProcess2"/>
+    <dgm:cxn modelId="{5809F3C6-3696-458E-A136-2630D55CF26B}" type="presParOf" srcId="{9EC1DE91-A93B-4709-802B-0EB622FC9037}" destId="{10C2826D-413D-46EE-8FB2-A29C12048495}" srcOrd="0" destOrd="0" presId="urn:microsoft.com/office/officeart/2005/8/layout/lProcess2"/>
+    <dgm:cxn modelId="{48392B3B-CC1A-4FDC-96DE-06524D9CD696}" type="presParOf" srcId="{D87B6FC8-262E-41EC-892F-8CC363420B2B}" destId="{070A9B04-F865-4FC4-825F-85F113605A1B}" srcOrd="9" destOrd="0" presId="urn:microsoft.com/office/officeart/2005/8/layout/lProcess2"/>
+    <dgm:cxn modelId="{E8BDAC19-2B49-4D96-A118-9149CAE7D6FE}" type="presParOf" srcId="{D87B6FC8-262E-41EC-892F-8CC363420B2B}" destId="{42A5CBA3-3C06-4A2C-8BC1-F19E2DBF28D4}" srcOrd="10" destOrd="0" presId="urn:microsoft.com/office/officeart/2005/8/layout/lProcess2"/>
+    <dgm:cxn modelId="{72C2E669-1B67-4395-B2DE-733DB7D0D5DC}" type="presParOf" srcId="{42A5CBA3-3C06-4A2C-8BC1-F19E2DBF28D4}" destId="{5D274D34-9A04-4BAB-BF2D-F55EA91221D2}" srcOrd="0" destOrd="0" presId="urn:microsoft.com/office/officeart/2005/8/layout/lProcess2"/>
+    <dgm:cxn modelId="{95D28474-00B4-45BD-9434-3F5C375B2191}" type="presParOf" srcId="{42A5CBA3-3C06-4A2C-8BC1-F19E2DBF28D4}" destId="{7303FD77-F051-4E21-A92B-66283E503B2B}" srcOrd="1" destOrd="0" presId="urn:microsoft.com/office/officeart/2005/8/layout/lProcess2"/>
+    <dgm:cxn modelId="{063AC8BC-7DE9-4BCA-AFD6-6113AF7891FD}" type="presParOf" srcId="{42A5CBA3-3C06-4A2C-8BC1-F19E2DBF28D4}" destId="{AA7F6BCC-17FB-496B-B7FC-960A0D046B2A}" srcOrd="2" destOrd="0" presId="urn:microsoft.com/office/officeart/2005/8/layout/lProcess2"/>
+    <dgm:cxn modelId="{F8C74622-ADA5-48FE-8A7E-C8CF6D905C23}" type="presParOf" srcId="{AA7F6BCC-17FB-496B-B7FC-960A0D046B2A}" destId="{F95F1498-8465-432B-9480-A935DBE3A87A}" srcOrd="0" destOrd="0" presId="urn:microsoft.com/office/officeart/2005/8/layout/lProcess2"/>
+    <dgm:cxn modelId="{4A817CDF-5C97-4737-82F6-2118968F48CF}" type="presParOf" srcId="{F95F1498-8465-432B-9480-A935DBE3A87A}" destId="{9076CBF7-A7C5-4370-9330-BB5E6AFF0DE4}" srcOrd="0" destOrd="0" presId="urn:microsoft.com/office/officeart/2005/8/layout/lProcess2"/>
+  </dgm:cxnLst>
+  <dgm:bg/>
+  <dgm:whole/>
+  <dgm:extLst>
+    <a:ext uri="http://schemas.microsoft.com/office/drawing/2008/diagram">
+      <dsp:dataModelExt xmlns:dsp="http://schemas.microsoft.com/office/drawing/2008/diagram" relId="rId6" minVer="http://schemas.openxmlformats.org/drawingml/2006/diagram"/>
     </a:ext>
   </dgm:extLst>
 </dgm:dataModel>
@@ -5458,6 +7193,1140 @@
 </dsp:drawing>
 </file>
 
+<file path=ppt/diagrams/drawing2.xml><?xml version="1.0" encoding="utf-8"?>
+<dsp:drawing xmlns:dgm="http://schemas.openxmlformats.org/drawingml/2006/diagram" xmlns:dsp="http://schemas.microsoft.com/office/drawing/2008/diagram" xmlns:a="http://schemas.openxmlformats.org/drawingml/2006/main">
+  <dsp:spTree>
+    <dsp:nvGrpSpPr>
+      <dsp:cNvPr id="0" name=""/>
+      <dsp:cNvGrpSpPr/>
+    </dsp:nvGrpSpPr>
+    <dsp:grpSpPr/>
+    <dsp:sp modelId="{64D8D2BB-20B0-47FE-BDA0-4232677CD376}">
+      <dsp:nvSpPr>
+        <dsp:cNvPr id="0" name=""/>
+        <dsp:cNvSpPr/>
+      </dsp:nvSpPr>
+      <dsp:spPr>
+        <a:xfrm>
+          <a:off x="739" y="0"/>
+          <a:ext cx="490866" cy="1473122"/>
+        </a:xfrm>
+        <a:prstGeom prst="roundRect">
+          <a:avLst>
+            <a:gd name="adj" fmla="val 10000"/>
+          </a:avLst>
+        </a:prstGeom>
+        <a:solidFill>
+          <a:schemeClr val="accent1">
+            <a:tint val="40000"/>
+            <a:hueOff val="0"/>
+            <a:satOff val="0"/>
+            <a:lumOff val="0"/>
+            <a:alphaOff val="0"/>
+          </a:schemeClr>
+        </a:solidFill>
+        <a:ln>
+          <a:noFill/>
+        </a:ln>
+        <a:effectLst/>
+      </dsp:spPr>
+      <dsp:style>
+        <a:lnRef idx="0">
+          <a:scrgbClr r="0" g="0" b="0"/>
+        </a:lnRef>
+        <a:fillRef idx="1">
+          <a:scrgbClr r="0" g="0" b="0"/>
+        </a:fillRef>
+        <a:effectRef idx="0">
+          <a:scrgbClr r="0" g="0" b="0"/>
+        </a:effectRef>
+        <a:fontRef idx="minor"/>
+      </dsp:style>
+      <dsp:txBody>
+        <a:bodyPr spcFirstLastPara="0" vert="horz" wrap="square" lIns="34290" tIns="34290" rIns="34290" bIns="34290" numCol="1" spcCol="1270" anchor="ctr" anchorCtr="0">
+          <a:noAutofit/>
+        </a:bodyPr>
+        <a:lstStyle/>
+        <a:p>
+          <a:pPr marL="0" lvl="0" indent="0" algn="ctr" defTabSz="400050" rtl="1">
+            <a:lnSpc>
+              <a:spcPct val="90000"/>
+            </a:lnSpc>
+            <a:spcBef>
+              <a:spcPct val="0"/>
+            </a:spcBef>
+            <a:spcAft>
+              <a:spcPct val="35000"/>
+            </a:spcAft>
+            <a:buNone/>
+          </a:pPr>
+          <a:r>
+            <a:rPr lang="en-US" sz="900" kern="1200">
+              <a:latin typeface="Trebuchet MS" panose="020B0603020202020204" pitchFamily="34" charset="0"/>
+            </a:rPr>
+            <a:t>String</a:t>
+          </a:r>
+          <a:endParaRPr lang="fa-IR" sz="900" kern="1200" dirty="0">
+            <a:latin typeface="Trebuchet MS" panose="020B0603020202020204" pitchFamily="34" charset="0"/>
+          </a:endParaRPr>
+        </a:p>
+      </dsp:txBody>
+      <dsp:txXfrm>
+        <a:off x="739" y="0"/>
+        <a:ext cx="490866" cy="441936"/>
+      </dsp:txXfrm>
+    </dsp:sp>
+    <dsp:sp modelId="{47BBA44C-4E23-4EC7-B4B9-6763A87153D9}">
+      <dsp:nvSpPr>
+        <dsp:cNvPr id="0" name=""/>
+        <dsp:cNvSpPr/>
+      </dsp:nvSpPr>
+      <dsp:spPr>
+        <a:xfrm>
+          <a:off x="49826" y="441936"/>
+          <a:ext cx="392692" cy="957529"/>
+        </a:xfrm>
+        <a:prstGeom prst="roundRect">
+          <a:avLst>
+            <a:gd name="adj" fmla="val 10000"/>
+          </a:avLst>
+        </a:prstGeom>
+        <a:solidFill>
+          <a:schemeClr val="accent1">
+            <a:hueOff val="0"/>
+            <a:satOff val="0"/>
+            <a:lumOff val="0"/>
+            <a:alphaOff val="0"/>
+          </a:schemeClr>
+        </a:solidFill>
+        <a:ln w="25400" cap="flat" cmpd="sng" algn="ctr">
+          <a:solidFill>
+            <a:schemeClr val="lt1">
+              <a:hueOff val="0"/>
+              <a:satOff val="0"/>
+              <a:lumOff val="0"/>
+              <a:alphaOff val="0"/>
+            </a:schemeClr>
+          </a:solidFill>
+          <a:prstDash val="solid"/>
+        </a:ln>
+        <a:effectLst/>
+      </dsp:spPr>
+      <dsp:style>
+        <a:lnRef idx="2">
+          <a:scrgbClr r="0" g="0" b="0"/>
+        </a:lnRef>
+        <a:fillRef idx="1">
+          <a:scrgbClr r="0" g="0" b="0"/>
+        </a:fillRef>
+        <a:effectRef idx="0">
+          <a:scrgbClr r="0" g="0" b="0"/>
+        </a:effectRef>
+        <a:fontRef idx="minor">
+          <a:schemeClr val="lt1"/>
+        </a:fontRef>
+      </dsp:style>
+      <dsp:txBody>
+        <a:bodyPr spcFirstLastPara="0" vert="horz" wrap="square" lIns="22860" tIns="17145" rIns="22860" bIns="17145" numCol="1" spcCol="1270" anchor="ctr" anchorCtr="0">
+          <a:noAutofit/>
+        </a:bodyPr>
+        <a:lstStyle/>
+        <a:p>
+          <a:pPr marL="0" lvl="0" indent="0" algn="ctr" defTabSz="400050" rtl="1">
+            <a:lnSpc>
+              <a:spcPct val="90000"/>
+            </a:lnSpc>
+            <a:spcBef>
+              <a:spcPct val="0"/>
+            </a:spcBef>
+            <a:spcAft>
+              <a:spcPct val="35000"/>
+            </a:spcAft>
+            <a:buNone/>
+          </a:pPr>
+          <a:r>
+            <a:rPr lang="en-US" sz="900" kern="1200">
+              <a:latin typeface="Trebuchet MS" panose="020B0603020202020204" pitchFamily="34" charset="0"/>
+            </a:rPr>
+            <a:t>str</a:t>
+          </a:r>
+          <a:endParaRPr lang="fa-IR" sz="900" kern="1200" dirty="0">
+            <a:latin typeface="Trebuchet MS" panose="020B0603020202020204" pitchFamily="34" charset="0"/>
+          </a:endParaRPr>
+        </a:p>
+      </dsp:txBody>
+      <dsp:txXfrm>
+        <a:off x="61328" y="453438"/>
+        <a:ext cx="369688" cy="934525"/>
+      </dsp:txXfrm>
+    </dsp:sp>
+    <dsp:sp modelId="{1630C2DF-9DCE-451A-8C62-21405789F2EB}">
+      <dsp:nvSpPr>
+        <dsp:cNvPr id="0" name=""/>
+        <dsp:cNvSpPr/>
+      </dsp:nvSpPr>
+      <dsp:spPr>
+        <a:xfrm>
+          <a:off x="528420" y="0"/>
+          <a:ext cx="490866" cy="1473122"/>
+        </a:xfrm>
+        <a:prstGeom prst="roundRect">
+          <a:avLst>
+            <a:gd name="adj" fmla="val 10000"/>
+          </a:avLst>
+        </a:prstGeom>
+        <a:solidFill>
+          <a:schemeClr val="accent1">
+            <a:tint val="40000"/>
+            <a:hueOff val="0"/>
+            <a:satOff val="0"/>
+            <a:lumOff val="0"/>
+            <a:alphaOff val="0"/>
+          </a:schemeClr>
+        </a:solidFill>
+        <a:ln>
+          <a:noFill/>
+        </a:ln>
+        <a:effectLst/>
+      </dsp:spPr>
+      <dsp:style>
+        <a:lnRef idx="0">
+          <a:scrgbClr r="0" g="0" b="0"/>
+        </a:lnRef>
+        <a:fillRef idx="1">
+          <a:scrgbClr r="0" g="0" b="0"/>
+        </a:fillRef>
+        <a:effectRef idx="0">
+          <a:scrgbClr r="0" g="0" b="0"/>
+        </a:effectRef>
+        <a:fontRef idx="minor"/>
+      </dsp:style>
+      <dsp:txBody>
+        <a:bodyPr spcFirstLastPara="0" vert="horz" wrap="square" lIns="34290" tIns="34290" rIns="34290" bIns="34290" numCol="1" spcCol="1270" anchor="ctr" anchorCtr="0">
+          <a:noAutofit/>
+        </a:bodyPr>
+        <a:lstStyle/>
+        <a:p>
+          <a:pPr marL="0" lvl="0" indent="0" algn="ctr" defTabSz="400050" rtl="1">
+            <a:lnSpc>
+              <a:spcPct val="90000"/>
+            </a:lnSpc>
+            <a:spcBef>
+              <a:spcPct val="0"/>
+            </a:spcBef>
+            <a:spcAft>
+              <a:spcPct val="35000"/>
+            </a:spcAft>
+            <a:buNone/>
+          </a:pPr>
+          <a:r>
+            <a:rPr lang="en-US" sz="900" kern="1200">
+              <a:latin typeface="Trebuchet MS" panose="020B0603020202020204" pitchFamily="34" charset="0"/>
+            </a:rPr>
+            <a:t>Number</a:t>
+          </a:r>
+          <a:endParaRPr lang="fa-IR" sz="900" kern="1200" dirty="0">
+            <a:latin typeface="Trebuchet MS" panose="020B0603020202020204" pitchFamily="34" charset="0"/>
+          </a:endParaRPr>
+        </a:p>
+      </dsp:txBody>
+      <dsp:txXfrm>
+        <a:off x="528420" y="0"/>
+        <a:ext cx="490866" cy="441936"/>
+      </dsp:txXfrm>
+    </dsp:sp>
+    <dsp:sp modelId="{AB4E0267-B8C1-4B76-B4D6-08108DE5A630}">
+      <dsp:nvSpPr>
+        <dsp:cNvPr id="0" name=""/>
+        <dsp:cNvSpPr/>
+      </dsp:nvSpPr>
+      <dsp:spPr>
+        <a:xfrm>
+          <a:off x="577507" y="442368"/>
+          <a:ext cx="392692" cy="444166"/>
+        </a:xfrm>
+        <a:prstGeom prst="roundRect">
+          <a:avLst>
+            <a:gd name="adj" fmla="val 10000"/>
+          </a:avLst>
+        </a:prstGeom>
+        <a:solidFill>
+          <a:schemeClr val="accent1">
+            <a:hueOff val="0"/>
+            <a:satOff val="0"/>
+            <a:lumOff val="0"/>
+            <a:alphaOff val="0"/>
+          </a:schemeClr>
+        </a:solidFill>
+        <a:ln w="25400" cap="flat" cmpd="sng" algn="ctr">
+          <a:solidFill>
+            <a:schemeClr val="lt1">
+              <a:hueOff val="0"/>
+              <a:satOff val="0"/>
+              <a:lumOff val="0"/>
+              <a:alphaOff val="0"/>
+            </a:schemeClr>
+          </a:solidFill>
+          <a:prstDash val="solid"/>
+        </a:ln>
+        <a:effectLst/>
+      </dsp:spPr>
+      <dsp:style>
+        <a:lnRef idx="2">
+          <a:scrgbClr r="0" g="0" b="0"/>
+        </a:lnRef>
+        <a:fillRef idx="1">
+          <a:scrgbClr r="0" g="0" b="0"/>
+        </a:fillRef>
+        <a:effectRef idx="0">
+          <a:scrgbClr r="0" g="0" b="0"/>
+        </a:effectRef>
+        <a:fontRef idx="minor">
+          <a:schemeClr val="lt1"/>
+        </a:fontRef>
+      </dsp:style>
+      <dsp:txBody>
+        <a:bodyPr spcFirstLastPara="0" vert="horz" wrap="square" lIns="22860" tIns="17145" rIns="22860" bIns="17145" numCol="1" spcCol="1270" anchor="ctr" anchorCtr="0">
+          <a:noAutofit/>
+        </a:bodyPr>
+        <a:lstStyle/>
+        <a:p>
+          <a:pPr marL="0" lvl="0" indent="0" algn="ctr" defTabSz="400050" rtl="1">
+            <a:lnSpc>
+              <a:spcPct val="90000"/>
+            </a:lnSpc>
+            <a:spcBef>
+              <a:spcPct val="0"/>
+            </a:spcBef>
+            <a:spcAft>
+              <a:spcPct val="35000"/>
+            </a:spcAft>
+            <a:buNone/>
+          </a:pPr>
+          <a:r>
+            <a:rPr lang="en-US" sz="900" kern="1200">
+              <a:latin typeface="Trebuchet MS" panose="020B0603020202020204" pitchFamily="34" charset="0"/>
+            </a:rPr>
+            <a:t>int</a:t>
+          </a:r>
+          <a:endParaRPr lang="fa-IR" sz="900" kern="1200" dirty="0">
+            <a:latin typeface="Trebuchet MS" panose="020B0603020202020204" pitchFamily="34" charset="0"/>
+          </a:endParaRPr>
+        </a:p>
+      </dsp:txBody>
+      <dsp:txXfrm>
+        <a:off x="589009" y="453870"/>
+        <a:ext cx="369688" cy="421162"/>
+      </dsp:txXfrm>
+    </dsp:sp>
+    <dsp:sp modelId="{8289D31D-920D-4A2E-809B-E8C770179FAD}">
+      <dsp:nvSpPr>
+        <dsp:cNvPr id="0" name=""/>
+        <dsp:cNvSpPr/>
+      </dsp:nvSpPr>
+      <dsp:spPr>
+        <a:xfrm>
+          <a:off x="577507" y="954868"/>
+          <a:ext cx="392692" cy="444166"/>
+        </a:xfrm>
+        <a:prstGeom prst="roundRect">
+          <a:avLst>
+            <a:gd name="adj" fmla="val 10000"/>
+          </a:avLst>
+        </a:prstGeom>
+        <a:solidFill>
+          <a:schemeClr val="accent1">
+            <a:hueOff val="0"/>
+            <a:satOff val="0"/>
+            <a:lumOff val="0"/>
+            <a:alphaOff val="0"/>
+          </a:schemeClr>
+        </a:solidFill>
+        <a:ln w="25400" cap="flat" cmpd="sng" algn="ctr">
+          <a:solidFill>
+            <a:schemeClr val="lt1">
+              <a:hueOff val="0"/>
+              <a:satOff val="0"/>
+              <a:lumOff val="0"/>
+              <a:alphaOff val="0"/>
+            </a:schemeClr>
+          </a:solidFill>
+          <a:prstDash val="solid"/>
+        </a:ln>
+        <a:effectLst/>
+      </dsp:spPr>
+      <dsp:style>
+        <a:lnRef idx="2">
+          <a:scrgbClr r="0" g="0" b="0"/>
+        </a:lnRef>
+        <a:fillRef idx="1">
+          <a:scrgbClr r="0" g="0" b="0"/>
+        </a:fillRef>
+        <a:effectRef idx="0">
+          <a:scrgbClr r="0" g="0" b="0"/>
+        </a:effectRef>
+        <a:fontRef idx="minor">
+          <a:schemeClr val="lt1"/>
+        </a:fontRef>
+      </dsp:style>
+      <dsp:txBody>
+        <a:bodyPr spcFirstLastPara="0" vert="horz" wrap="square" lIns="22860" tIns="17145" rIns="22860" bIns="17145" numCol="1" spcCol="1270" anchor="ctr" anchorCtr="0">
+          <a:noAutofit/>
+        </a:bodyPr>
+        <a:lstStyle/>
+        <a:p>
+          <a:pPr marL="0" lvl="0" indent="0" algn="ctr" defTabSz="400050" rtl="1">
+            <a:lnSpc>
+              <a:spcPct val="90000"/>
+            </a:lnSpc>
+            <a:spcBef>
+              <a:spcPct val="0"/>
+            </a:spcBef>
+            <a:spcAft>
+              <a:spcPct val="35000"/>
+            </a:spcAft>
+            <a:buNone/>
+          </a:pPr>
+          <a:r>
+            <a:rPr lang="en-US" sz="900" kern="1200">
+              <a:latin typeface="Trebuchet MS" panose="020B0603020202020204" pitchFamily="34" charset="0"/>
+            </a:rPr>
+            <a:t>float</a:t>
+          </a:r>
+          <a:endParaRPr lang="fa-IR" sz="900" kern="1200" dirty="0">
+            <a:latin typeface="Trebuchet MS" panose="020B0603020202020204" pitchFamily="34" charset="0"/>
+          </a:endParaRPr>
+        </a:p>
+      </dsp:txBody>
+      <dsp:txXfrm>
+        <a:off x="589009" y="966370"/>
+        <a:ext cx="369688" cy="421162"/>
+      </dsp:txXfrm>
+    </dsp:sp>
+    <dsp:sp modelId="{5E5096A3-BBB4-456C-81E1-B54F3A39AA32}">
+      <dsp:nvSpPr>
+        <dsp:cNvPr id="0" name=""/>
+        <dsp:cNvSpPr/>
+      </dsp:nvSpPr>
+      <dsp:spPr>
+        <a:xfrm>
+          <a:off x="1056101" y="0"/>
+          <a:ext cx="490866" cy="1473122"/>
+        </a:xfrm>
+        <a:prstGeom prst="roundRect">
+          <a:avLst>
+            <a:gd name="adj" fmla="val 10000"/>
+          </a:avLst>
+        </a:prstGeom>
+        <a:solidFill>
+          <a:schemeClr val="accent1">
+            <a:tint val="40000"/>
+            <a:hueOff val="0"/>
+            <a:satOff val="0"/>
+            <a:lumOff val="0"/>
+            <a:alphaOff val="0"/>
+          </a:schemeClr>
+        </a:solidFill>
+        <a:ln>
+          <a:noFill/>
+        </a:ln>
+        <a:effectLst/>
+      </dsp:spPr>
+      <dsp:style>
+        <a:lnRef idx="0">
+          <a:scrgbClr r="0" g="0" b="0"/>
+        </a:lnRef>
+        <a:fillRef idx="1">
+          <a:scrgbClr r="0" g="0" b="0"/>
+        </a:fillRef>
+        <a:effectRef idx="0">
+          <a:scrgbClr r="0" g="0" b="0"/>
+        </a:effectRef>
+        <a:fontRef idx="minor"/>
+      </dsp:style>
+      <dsp:txBody>
+        <a:bodyPr spcFirstLastPara="0" vert="horz" wrap="square" lIns="34290" tIns="34290" rIns="34290" bIns="34290" numCol="1" spcCol="1270" anchor="ctr" anchorCtr="0">
+          <a:noAutofit/>
+        </a:bodyPr>
+        <a:lstStyle/>
+        <a:p>
+          <a:pPr marL="0" lvl="0" indent="0" algn="ctr" defTabSz="400050" rtl="1">
+            <a:lnSpc>
+              <a:spcPct val="90000"/>
+            </a:lnSpc>
+            <a:spcBef>
+              <a:spcPct val="0"/>
+            </a:spcBef>
+            <a:spcAft>
+              <a:spcPct val="35000"/>
+            </a:spcAft>
+            <a:buNone/>
+          </a:pPr>
+          <a:r>
+            <a:rPr lang="en-US" sz="900" kern="1200">
+              <a:latin typeface="Trebuchet MS" panose="020B0603020202020204" pitchFamily="34" charset="0"/>
+            </a:rPr>
+            <a:t>Array</a:t>
+          </a:r>
+          <a:endParaRPr lang="fa-IR" sz="900" kern="1200" dirty="0">
+            <a:latin typeface="Trebuchet MS" panose="020B0603020202020204" pitchFamily="34" charset="0"/>
+          </a:endParaRPr>
+        </a:p>
+      </dsp:txBody>
+      <dsp:txXfrm>
+        <a:off x="1056101" y="0"/>
+        <a:ext cx="490866" cy="441936"/>
+      </dsp:txXfrm>
+    </dsp:sp>
+    <dsp:sp modelId="{70476262-9C72-4B90-B06C-730A1960AAAF}">
+      <dsp:nvSpPr>
+        <dsp:cNvPr id="0" name=""/>
+        <dsp:cNvSpPr/>
+      </dsp:nvSpPr>
+      <dsp:spPr>
+        <a:xfrm>
+          <a:off x="1105188" y="442368"/>
+          <a:ext cx="392692" cy="444166"/>
+        </a:xfrm>
+        <a:prstGeom prst="roundRect">
+          <a:avLst>
+            <a:gd name="adj" fmla="val 10000"/>
+          </a:avLst>
+        </a:prstGeom>
+        <a:solidFill>
+          <a:schemeClr val="accent1">
+            <a:hueOff val="0"/>
+            <a:satOff val="0"/>
+            <a:lumOff val="0"/>
+            <a:alphaOff val="0"/>
+          </a:schemeClr>
+        </a:solidFill>
+        <a:ln w="25400" cap="flat" cmpd="sng" algn="ctr">
+          <a:solidFill>
+            <a:schemeClr val="lt1">
+              <a:hueOff val="0"/>
+              <a:satOff val="0"/>
+              <a:lumOff val="0"/>
+              <a:alphaOff val="0"/>
+            </a:schemeClr>
+          </a:solidFill>
+          <a:prstDash val="solid"/>
+        </a:ln>
+        <a:effectLst/>
+      </dsp:spPr>
+      <dsp:style>
+        <a:lnRef idx="2">
+          <a:scrgbClr r="0" g="0" b="0"/>
+        </a:lnRef>
+        <a:fillRef idx="1">
+          <a:scrgbClr r="0" g="0" b="0"/>
+        </a:fillRef>
+        <a:effectRef idx="0">
+          <a:scrgbClr r="0" g="0" b="0"/>
+        </a:effectRef>
+        <a:fontRef idx="minor">
+          <a:schemeClr val="lt1"/>
+        </a:fontRef>
+      </dsp:style>
+      <dsp:txBody>
+        <a:bodyPr spcFirstLastPara="0" vert="horz" wrap="square" lIns="22860" tIns="17145" rIns="22860" bIns="17145" numCol="1" spcCol="1270" anchor="ctr" anchorCtr="0">
+          <a:noAutofit/>
+        </a:bodyPr>
+        <a:lstStyle/>
+        <a:p>
+          <a:pPr marL="0" lvl="0" indent="0" algn="ctr" defTabSz="400050" rtl="1">
+            <a:lnSpc>
+              <a:spcPct val="90000"/>
+            </a:lnSpc>
+            <a:spcBef>
+              <a:spcPct val="0"/>
+            </a:spcBef>
+            <a:spcAft>
+              <a:spcPct val="35000"/>
+            </a:spcAft>
+            <a:buNone/>
+          </a:pPr>
+          <a:r>
+            <a:rPr lang="en-US" sz="900" kern="1200">
+              <a:latin typeface="Trebuchet MS" panose="020B0603020202020204" pitchFamily="34" charset="0"/>
+            </a:rPr>
+            <a:t>list</a:t>
+          </a:r>
+          <a:endParaRPr lang="fa-IR" sz="900" kern="1200" dirty="0">
+            <a:latin typeface="Trebuchet MS" panose="020B0603020202020204" pitchFamily="34" charset="0"/>
+          </a:endParaRPr>
+        </a:p>
+      </dsp:txBody>
+      <dsp:txXfrm>
+        <a:off x="1116690" y="453870"/>
+        <a:ext cx="369688" cy="421162"/>
+      </dsp:txXfrm>
+    </dsp:sp>
+    <dsp:sp modelId="{0F351286-CFBF-47ED-A59E-C97C84010752}">
+      <dsp:nvSpPr>
+        <dsp:cNvPr id="0" name=""/>
+        <dsp:cNvSpPr/>
+      </dsp:nvSpPr>
+      <dsp:spPr>
+        <a:xfrm>
+          <a:off x="1105188" y="954868"/>
+          <a:ext cx="392692" cy="444166"/>
+        </a:xfrm>
+        <a:prstGeom prst="roundRect">
+          <a:avLst>
+            <a:gd name="adj" fmla="val 10000"/>
+          </a:avLst>
+        </a:prstGeom>
+        <a:solidFill>
+          <a:schemeClr val="accent1">
+            <a:hueOff val="0"/>
+            <a:satOff val="0"/>
+            <a:lumOff val="0"/>
+            <a:alphaOff val="0"/>
+          </a:schemeClr>
+        </a:solidFill>
+        <a:ln w="25400" cap="flat" cmpd="sng" algn="ctr">
+          <a:solidFill>
+            <a:schemeClr val="lt1">
+              <a:hueOff val="0"/>
+              <a:satOff val="0"/>
+              <a:lumOff val="0"/>
+              <a:alphaOff val="0"/>
+            </a:schemeClr>
+          </a:solidFill>
+          <a:prstDash val="solid"/>
+        </a:ln>
+        <a:effectLst/>
+      </dsp:spPr>
+      <dsp:style>
+        <a:lnRef idx="2">
+          <a:scrgbClr r="0" g="0" b="0"/>
+        </a:lnRef>
+        <a:fillRef idx="1">
+          <a:scrgbClr r="0" g="0" b="0"/>
+        </a:fillRef>
+        <a:effectRef idx="0">
+          <a:scrgbClr r="0" g="0" b="0"/>
+        </a:effectRef>
+        <a:fontRef idx="minor">
+          <a:schemeClr val="lt1"/>
+        </a:fontRef>
+      </dsp:style>
+      <dsp:txBody>
+        <a:bodyPr spcFirstLastPara="0" vert="horz" wrap="square" lIns="22860" tIns="17145" rIns="22860" bIns="17145" numCol="1" spcCol="1270" anchor="ctr" anchorCtr="0">
+          <a:noAutofit/>
+        </a:bodyPr>
+        <a:lstStyle/>
+        <a:p>
+          <a:pPr marL="0" lvl="0" indent="0" algn="ctr" defTabSz="400050" rtl="1">
+            <a:lnSpc>
+              <a:spcPct val="90000"/>
+            </a:lnSpc>
+            <a:spcBef>
+              <a:spcPct val="0"/>
+            </a:spcBef>
+            <a:spcAft>
+              <a:spcPct val="35000"/>
+            </a:spcAft>
+            <a:buNone/>
+          </a:pPr>
+          <a:r>
+            <a:rPr lang="en-US" sz="900" kern="1200">
+              <a:latin typeface="Trebuchet MS" panose="020B0603020202020204" pitchFamily="34" charset="0"/>
+            </a:rPr>
+            <a:t>tuple</a:t>
+          </a:r>
+          <a:endParaRPr lang="fa-IR" sz="900" kern="1200" dirty="0">
+            <a:latin typeface="Trebuchet MS" panose="020B0603020202020204" pitchFamily="34" charset="0"/>
+          </a:endParaRPr>
+        </a:p>
+      </dsp:txBody>
+      <dsp:txXfrm>
+        <a:off x="1116690" y="966370"/>
+        <a:ext cx="369688" cy="421162"/>
+      </dsp:txXfrm>
+    </dsp:sp>
+    <dsp:sp modelId="{AF7BC0AB-C8AA-4AEE-AF94-DF413838A7CA}">
+      <dsp:nvSpPr>
+        <dsp:cNvPr id="0" name=""/>
+        <dsp:cNvSpPr/>
+      </dsp:nvSpPr>
+      <dsp:spPr>
+        <a:xfrm>
+          <a:off x="1583782" y="0"/>
+          <a:ext cx="490866" cy="1473122"/>
+        </a:xfrm>
+        <a:prstGeom prst="roundRect">
+          <a:avLst>
+            <a:gd name="adj" fmla="val 10000"/>
+          </a:avLst>
+        </a:prstGeom>
+        <a:solidFill>
+          <a:schemeClr val="accent1">
+            <a:tint val="40000"/>
+            <a:hueOff val="0"/>
+            <a:satOff val="0"/>
+            <a:lumOff val="0"/>
+            <a:alphaOff val="0"/>
+          </a:schemeClr>
+        </a:solidFill>
+        <a:ln>
+          <a:noFill/>
+        </a:ln>
+        <a:effectLst/>
+      </dsp:spPr>
+      <dsp:style>
+        <a:lnRef idx="0">
+          <a:scrgbClr r="0" g="0" b="0"/>
+        </a:lnRef>
+        <a:fillRef idx="1">
+          <a:scrgbClr r="0" g="0" b="0"/>
+        </a:fillRef>
+        <a:effectRef idx="0">
+          <a:scrgbClr r="0" g="0" b="0"/>
+        </a:effectRef>
+        <a:fontRef idx="minor"/>
+      </dsp:style>
+      <dsp:txBody>
+        <a:bodyPr spcFirstLastPara="0" vert="horz" wrap="square" lIns="34290" tIns="34290" rIns="34290" bIns="34290" numCol="1" spcCol="1270" anchor="ctr" anchorCtr="0">
+          <a:noAutofit/>
+        </a:bodyPr>
+        <a:lstStyle/>
+        <a:p>
+          <a:pPr marL="0" lvl="0" indent="0" algn="ctr" defTabSz="400050" rtl="1">
+            <a:lnSpc>
+              <a:spcPct val="90000"/>
+            </a:lnSpc>
+            <a:spcBef>
+              <a:spcPct val="0"/>
+            </a:spcBef>
+            <a:spcAft>
+              <a:spcPct val="35000"/>
+            </a:spcAft>
+            <a:buNone/>
+          </a:pPr>
+          <a:r>
+            <a:rPr lang="en-US" sz="900" kern="1200">
+              <a:latin typeface="Trebuchet MS" panose="020B0603020202020204" pitchFamily="34" charset="0"/>
+            </a:rPr>
+            <a:t>Object</a:t>
+          </a:r>
+          <a:endParaRPr lang="fa-IR" sz="900" kern="1200" dirty="0">
+            <a:latin typeface="Trebuchet MS" panose="020B0603020202020204" pitchFamily="34" charset="0"/>
+          </a:endParaRPr>
+        </a:p>
+      </dsp:txBody>
+      <dsp:txXfrm>
+        <a:off x="1583782" y="0"/>
+        <a:ext cx="490866" cy="441936"/>
+      </dsp:txXfrm>
+    </dsp:sp>
+    <dsp:sp modelId="{2B8BB693-3130-4291-A895-B14D170E4268}">
+      <dsp:nvSpPr>
+        <dsp:cNvPr id="0" name=""/>
+        <dsp:cNvSpPr/>
+      </dsp:nvSpPr>
+      <dsp:spPr>
+        <a:xfrm>
+          <a:off x="1632869" y="441936"/>
+          <a:ext cx="392692" cy="957529"/>
+        </a:xfrm>
+        <a:prstGeom prst="roundRect">
+          <a:avLst>
+            <a:gd name="adj" fmla="val 10000"/>
+          </a:avLst>
+        </a:prstGeom>
+        <a:solidFill>
+          <a:schemeClr val="accent1">
+            <a:hueOff val="0"/>
+            <a:satOff val="0"/>
+            <a:lumOff val="0"/>
+            <a:alphaOff val="0"/>
+          </a:schemeClr>
+        </a:solidFill>
+        <a:ln w="25400" cap="flat" cmpd="sng" algn="ctr">
+          <a:solidFill>
+            <a:schemeClr val="lt1">
+              <a:hueOff val="0"/>
+              <a:satOff val="0"/>
+              <a:lumOff val="0"/>
+              <a:alphaOff val="0"/>
+            </a:schemeClr>
+          </a:solidFill>
+          <a:prstDash val="solid"/>
+        </a:ln>
+        <a:effectLst/>
+      </dsp:spPr>
+      <dsp:style>
+        <a:lnRef idx="2">
+          <a:scrgbClr r="0" g="0" b="0"/>
+        </a:lnRef>
+        <a:fillRef idx="1">
+          <a:scrgbClr r="0" g="0" b="0"/>
+        </a:fillRef>
+        <a:effectRef idx="0">
+          <a:scrgbClr r="0" g="0" b="0"/>
+        </a:effectRef>
+        <a:fontRef idx="minor">
+          <a:schemeClr val="lt1"/>
+        </a:fontRef>
+      </dsp:style>
+      <dsp:txBody>
+        <a:bodyPr spcFirstLastPara="0" vert="horz" wrap="square" lIns="22860" tIns="17145" rIns="22860" bIns="17145" numCol="1" spcCol="1270" anchor="ctr" anchorCtr="0">
+          <a:noAutofit/>
+        </a:bodyPr>
+        <a:lstStyle/>
+        <a:p>
+          <a:pPr marL="0" lvl="0" indent="0" algn="ctr" defTabSz="400050" rtl="1">
+            <a:lnSpc>
+              <a:spcPct val="90000"/>
+            </a:lnSpc>
+            <a:spcBef>
+              <a:spcPct val="0"/>
+            </a:spcBef>
+            <a:spcAft>
+              <a:spcPct val="35000"/>
+            </a:spcAft>
+            <a:buNone/>
+          </a:pPr>
+          <a:r>
+            <a:rPr lang="en-US" sz="900" kern="1200">
+              <a:latin typeface="Trebuchet MS" panose="020B0603020202020204" pitchFamily="34" charset="0"/>
+            </a:rPr>
+            <a:t>dict</a:t>
+          </a:r>
+          <a:endParaRPr lang="fa-IR" sz="900" kern="1200" dirty="0">
+            <a:latin typeface="Trebuchet MS" panose="020B0603020202020204" pitchFamily="34" charset="0"/>
+          </a:endParaRPr>
+        </a:p>
+      </dsp:txBody>
+      <dsp:txXfrm>
+        <a:off x="1644371" y="453438"/>
+        <a:ext cx="369688" cy="934525"/>
+      </dsp:txXfrm>
+    </dsp:sp>
+    <dsp:sp modelId="{CF11258F-8AA7-493F-A815-D62B60769D0B}">
+      <dsp:nvSpPr>
+        <dsp:cNvPr id="0" name=""/>
+        <dsp:cNvSpPr/>
+      </dsp:nvSpPr>
+      <dsp:spPr>
+        <a:xfrm>
+          <a:off x="2111463" y="0"/>
+          <a:ext cx="490866" cy="1473122"/>
+        </a:xfrm>
+        <a:prstGeom prst="roundRect">
+          <a:avLst>
+            <a:gd name="adj" fmla="val 10000"/>
+          </a:avLst>
+        </a:prstGeom>
+        <a:solidFill>
+          <a:schemeClr val="accent1">
+            <a:tint val="40000"/>
+            <a:hueOff val="0"/>
+            <a:satOff val="0"/>
+            <a:lumOff val="0"/>
+            <a:alphaOff val="0"/>
+          </a:schemeClr>
+        </a:solidFill>
+        <a:ln>
+          <a:noFill/>
+        </a:ln>
+        <a:effectLst/>
+      </dsp:spPr>
+      <dsp:style>
+        <a:lnRef idx="0">
+          <a:scrgbClr r="0" g="0" b="0"/>
+        </a:lnRef>
+        <a:fillRef idx="1">
+          <a:scrgbClr r="0" g="0" b="0"/>
+        </a:fillRef>
+        <a:effectRef idx="0">
+          <a:scrgbClr r="0" g="0" b="0"/>
+        </a:effectRef>
+        <a:fontRef idx="minor"/>
+      </dsp:style>
+      <dsp:txBody>
+        <a:bodyPr spcFirstLastPara="0" vert="horz" wrap="square" lIns="34290" tIns="34290" rIns="34290" bIns="34290" numCol="1" spcCol="1270" anchor="ctr" anchorCtr="0">
+          <a:noAutofit/>
+        </a:bodyPr>
+        <a:lstStyle/>
+        <a:p>
+          <a:pPr marL="0" lvl="0" indent="0" algn="ctr" defTabSz="400050" rtl="1">
+            <a:lnSpc>
+              <a:spcPct val="90000"/>
+            </a:lnSpc>
+            <a:spcBef>
+              <a:spcPct val="0"/>
+            </a:spcBef>
+            <a:spcAft>
+              <a:spcPct val="35000"/>
+            </a:spcAft>
+            <a:buNone/>
+          </a:pPr>
+          <a:r>
+            <a:rPr lang="en-US" sz="900" kern="1200">
+              <a:latin typeface="Trebuchet MS" panose="020B0603020202020204" pitchFamily="34" charset="0"/>
+            </a:rPr>
+            <a:t>Boolean</a:t>
+          </a:r>
+          <a:endParaRPr lang="fa-IR" sz="900" kern="1200" dirty="0">
+            <a:latin typeface="Trebuchet MS" panose="020B0603020202020204" pitchFamily="34" charset="0"/>
+          </a:endParaRPr>
+        </a:p>
+      </dsp:txBody>
+      <dsp:txXfrm>
+        <a:off x="2111463" y="0"/>
+        <a:ext cx="490866" cy="441936"/>
+      </dsp:txXfrm>
+    </dsp:sp>
+    <dsp:sp modelId="{10C2826D-413D-46EE-8FB2-A29C12048495}">
+      <dsp:nvSpPr>
+        <dsp:cNvPr id="0" name=""/>
+        <dsp:cNvSpPr/>
+      </dsp:nvSpPr>
+      <dsp:spPr>
+        <a:xfrm>
+          <a:off x="2160550" y="441936"/>
+          <a:ext cx="392692" cy="957529"/>
+        </a:xfrm>
+        <a:prstGeom prst="roundRect">
+          <a:avLst>
+            <a:gd name="adj" fmla="val 10000"/>
+          </a:avLst>
+        </a:prstGeom>
+        <a:solidFill>
+          <a:schemeClr val="accent1">
+            <a:hueOff val="0"/>
+            <a:satOff val="0"/>
+            <a:lumOff val="0"/>
+            <a:alphaOff val="0"/>
+          </a:schemeClr>
+        </a:solidFill>
+        <a:ln w="25400" cap="flat" cmpd="sng" algn="ctr">
+          <a:solidFill>
+            <a:schemeClr val="lt1">
+              <a:hueOff val="0"/>
+              <a:satOff val="0"/>
+              <a:lumOff val="0"/>
+              <a:alphaOff val="0"/>
+            </a:schemeClr>
+          </a:solidFill>
+          <a:prstDash val="solid"/>
+        </a:ln>
+        <a:effectLst/>
+      </dsp:spPr>
+      <dsp:style>
+        <a:lnRef idx="2">
+          <a:scrgbClr r="0" g="0" b="0"/>
+        </a:lnRef>
+        <a:fillRef idx="1">
+          <a:scrgbClr r="0" g="0" b="0"/>
+        </a:fillRef>
+        <a:effectRef idx="0">
+          <a:scrgbClr r="0" g="0" b="0"/>
+        </a:effectRef>
+        <a:fontRef idx="minor">
+          <a:schemeClr val="lt1"/>
+        </a:fontRef>
+      </dsp:style>
+      <dsp:txBody>
+        <a:bodyPr spcFirstLastPara="0" vert="horz" wrap="square" lIns="22860" tIns="17145" rIns="22860" bIns="17145" numCol="1" spcCol="1270" anchor="ctr" anchorCtr="0">
+          <a:noAutofit/>
+        </a:bodyPr>
+        <a:lstStyle/>
+        <a:p>
+          <a:pPr marL="0" lvl="0" indent="0" algn="ctr" defTabSz="400050" rtl="1">
+            <a:lnSpc>
+              <a:spcPct val="90000"/>
+            </a:lnSpc>
+            <a:spcBef>
+              <a:spcPct val="0"/>
+            </a:spcBef>
+            <a:spcAft>
+              <a:spcPct val="35000"/>
+            </a:spcAft>
+            <a:buNone/>
+          </a:pPr>
+          <a:r>
+            <a:rPr lang="en-US" sz="900" kern="1200">
+              <a:latin typeface="Trebuchet MS" panose="020B0603020202020204" pitchFamily="34" charset="0"/>
+            </a:rPr>
+            <a:t>bool</a:t>
+          </a:r>
+          <a:endParaRPr lang="fa-IR" sz="900" kern="1200" dirty="0">
+            <a:latin typeface="Trebuchet MS" panose="020B0603020202020204" pitchFamily="34" charset="0"/>
+          </a:endParaRPr>
+        </a:p>
+      </dsp:txBody>
+      <dsp:txXfrm>
+        <a:off x="2172052" y="453438"/>
+        <a:ext cx="369688" cy="934525"/>
+      </dsp:txXfrm>
+    </dsp:sp>
+    <dsp:sp modelId="{5D274D34-9A04-4BAB-BF2D-F55EA91221D2}">
+      <dsp:nvSpPr>
+        <dsp:cNvPr id="0" name=""/>
+        <dsp:cNvSpPr/>
+      </dsp:nvSpPr>
+      <dsp:spPr>
+        <a:xfrm>
+          <a:off x="2639145" y="0"/>
+          <a:ext cx="767891" cy="1473122"/>
+        </a:xfrm>
+        <a:prstGeom prst="roundRect">
+          <a:avLst>
+            <a:gd name="adj" fmla="val 10000"/>
+          </a:avLst>
+        </a:prstGeom>
+        <a:solidFill>
+          <a:schemeClr val="accent1">
+            <a:tint val="40000"/>
+            <a:hueOff val="0"/>
+            <a:satOff val="0"/>
+            <a:lumOff val="0"/>
+            <a:alphaOff val="0"/>
+          </a:schemeClr>
+        </a:solidFill>
+        <a:ln>
+          <a:noFill/>
+        </a:ln>
+        <a:effectLst/>
+      </dsp:spPr>
+      <dsp:style>
+        <a:lnRef idx="0">
+          <a:scrgbClr r="0" g="0" b="0"/>
+        </a:lnRef>
+        <a:fillRef idx="1">
+          <a:scrgbClr r="0" g="0" b="0"/>
+        </a:fillRef>
+        <a:effectRef idx="0">
+          <a:scrgbClr r="0" g="0" b="0"/>
+        </a:effectRef>
+        <a:fontRef idx="minor"/>
+      </dsp:style>
+      <dsp:txBody>
+        <a:bodyPr spcFirstLastPara="0" vert="horz" wrap="square" lIns="34290" tIns="34290" rIns="34290" bIns="34290" numCol="1" spcCol="1270" anchor="ctr" anchorCtr="0">
+          <a:noAutofit/>
+        </a:bodyPr>
+        <a:lstStyle/>
+        <a:p>
+          <a:pPr marL="0" lvl="0" indent="0" algn="ctr" defTabSz="400050" rtl="1">
+            <a:lnSpc>
+              <a:spcPct val="90000"/>
+            </a:lnSpc>
+            <a:spcBef>
+              <a:spcPct val="0"/>
+            </a:spcBef>
+            <a:spcAft>
+              <a:spcPct val="35000"/>
+            </a:spcAft>
+            <a:buNone/>
+          </a:pPr>
+          <a:r>
+            <a:rPr lang="en-US" sz="900" kern="1200">
+              <a:latin typeface="Trebuchet MS" panose="020B0603020202020204" pitchFamily="34" charset="0"/>
+            </a:rPr>
+            <a:t>Null</a:t>
+          </a:r>
+          <a:endParaRPr lang="fa-IR" sz="900" kern="1200" dirty="0">
+            <a:latin typeface="Trebuchet MS" panose="020B0603020202020204" pitchFamily="34" charset="0"/>
+          </a:endParaRPr>
+        </a:p>
+      </dsp:txBody>
+      <dsp:txXfrm>
+        <a:off x="2639145" y="0"/>
+        <a:ext cx="767891" cy="441936"/>
+      </dsp:txXfrm>
+    </dsp:sp>
+    <dsp:sp modelId="{9076CBF7-A7C5-4370-9330-BB5E6AFF0DE4}">
+      <dsp:nvSpPr>
+        <dsp:cNvPr id="0" name=""/>
+        <dsp:cNvSpPr/>
+      </dsp:nvSpPr>
+      <dsp:spPr>
+        <a:xfrm>
+          <a:off x="2718080" y="442404"/>
+          <a:ext cx="610020" cy="956594"/>
+        </a:xfrm>
+        <a:prstGeom prst="roundRect">
+          <a:avLst>
+            <a:gd name="adj" fmla="val 10000"/>
+          </a:avLst>
+        </a:prstGeom>
+        <a:solidFill>
+          <a:schemeClr val="accent1">
+            <a:hueOff val="0"/>
+            <a:satOff val="0"/>
+            <a:lumOff val="0"/>
+            <a:alphaOff val="0"/>
+          </a:schemeClr>
+        </a:solidFill>
+        <a:ln w="25400" cap="flat" cmpd="sng" algn="ctr">
+          <a:solidFill>
+            <a:schemeClr val="lt1">
+              <a:hueOff val="0"/>
+              <a:satOff val="0"/>
+              <a:lumOff val="0"/>
+              <a:alphaOff val="0"/>
+            </a:schemeClr>
+          </a:solidFill>
+          <a:prstDash val="solid"/>
+        </a:ln>
+        <a:effectLst/>
+      </dsp:spPr>
+      <dsp:style>
+        <a:lnRef idx="2">
+          <a:scrgbClr r="0" g="0" b="0"/>
+        </a:lnRef>
+        <a:fillRef idx="1">
+          <a:scrgbClr r="0" g="0" b="0"/>
+        </a:fillRef>
+        <a:effectRef idx="0">
+          <a:scrgbClr r="0" g="0" b="0"/>
+        </a:effectRef>
+        <a:fontRef idx="minor">
+          <a:schemeClr val="lt1"/>
+        </a:fontRef>
+      </dsp:style>
+      <dsp:txBody>
+        <a:bodyPr spcFirstLastPara="0" vert="horz" wrap="square" lIns="22860" tIns="17145" rIns="22860" bIns="17145" numCol="1" spcCol="1270" anchor="ctr" anchorCtr="0">
+          <a:noAutofit/>
+        </a:bodyPr>
+        <a:lstStyle/>
+        <a:p>
+          <a:pPr marL="0" lvl="0" indent="0" algn="ctr" defTabSz="400050" rtl="1">
+            <a:lnSpc>
+              <a:spcPct val="90000"/>
+            </a:lnSpc>
+            <a:spcBef>
+              <a:spcPct val="0"/>
+            </a:spcBef>
+            <a:spcAft>
+              <a:spcPct val="35000"/>
+            </a:spcAft>
+            <a:buNone/>
+          </a:pPr>
+          <a:r>
+            <a:rPr lang="en-US" sz="900" kern="1200">
+              <a:latin typeface="Trebuchet MS" panose="020B0603020202020204" pitchFamily="34" charset="0"/>
+            </a:rPr>
+            <a:t>NoneType</a:t>
+          </a:r>
+          <a:endParaRPr lang="fa-IR" sz="900" kern="1200" dirty="0">
+            <a:latin typeface="Trebuchet MS" panose="020B0603020202020204" pitchFamily="34" charset="0"/>
+          </a:endParaRPr>
+        </a:p>
+      </dsp:txBody>
+      <dsp:txXfrm>
+        <a:off x="2735947" y="460271"/>
+        <a:ext cx="574286" cy="920860"/>
+      </dsp:txXfrm>
+    </dsp:sp>
+  </dsp:spTree>
+</dsp:drawing>
+</file>
+
 <file path=ppt/diagrams/layout1.xml><?xml version="1.0" encoding="utf-8"?>
 <dgm:layoutDef xmlns:dgm="http://schemas.openxmlformats.org/drawingml/2006/diagram" xmlns:a="http://schemas.openxmlformats.org/drawingml/2006/main" uniqueId="urn:microsoft.com/office/officeart/2005/8/layout/hierarchy3">
   <dgm:title val=""/>
@@ -5750,7 +8619,1268 @@
 </dgm:layoutDef>
 </file>
 
+<file path=ppt/diagrams/layout2.xml><?xml version="1.0" encoding="utf-8"?>
+<dgm:layoutDef xmlns:dgm="http://schemas.openxmlformats.org/drawingml/2006/diagram" xmlns:a="http://schemas.openxmlformats.org/drawingml/2006/main" uniqueId="urn:microsoft.com/office/officeart/2005/8/layout/lProcess2">
+  <dgm:title val=""/>
+  <dgm:desc val=""/>
+  <dgm:catLst>
+    <dgm:cat type="list" pri="10000"/>
+    <dgm:cat type="relationship" pri="13000"/>
+  </dgm:catLst>
+  <dgm:sampData>
+    <dgm:dataModel>
+      <dgm:ptLst>
+        <dgm:pt modelId="0" type="doc"/>
+        <dgm:pt modelId="1">
+          <dgm:prSet phldr="1"/>
+        </dgm:pt>
+        <dgm:pt modelId="11">
+          <dgm:prSet phldr="1"/>
+        </dgm:pt>
+        <dgm:pt modelId="12">
+          <dgm:prSet phldr="1"/>
+        </dgm:pt>
+        <dgm:pt modelId="2">
+          <dgm:prSet phldr="1"/>
+        </dgm:pt>
+        <dgm:pt modelId="21">
+          <dgm:prSet phldr="1"/>
+        </dgm:pt>
+        <dgm:pt modelId="22">
+          <dgm:prSet phldr="1"/>
+        </dgm:pt>
+        <dgm:pt modelId="3">
+          <dgm:prSet phldr="1"/>
+        </dgm:pt>
+        <dgm:pt modelId="31">
+          <dgm:prSet phldr="1"/>
+        </dgm:pt>
+        <dgm:pt modelId="32">
+          <dgm:prSet phldr="1"/>
+        </dgm:pt>
+      </dgm:ptLst>
+      <dgm:cxnLst>
+        <dgm:cxn modelId="4" srcId="0" destId="1" srcOrd="0" destOrd="0"/>
+        <dgm:cxn modelId="5" srcId="0" destId="2" srcOrd="1" destOrd="0"/>
+        <dgm:cxn modelId="13" srcId="1" destId="11" srcOrd="0" destOrd="0"/>
+        <dgm:cxn modelId="14" srcId="1" destId="12" srcOrd="0" destOrd="0"/>
+        <dgm:cxn modelId="23" srcId="2" destId="21" srcOrd="0" destOrd="0"/>
+        <dgm:cxn modelId="24" srcId="2" destId="22" srcOrd="0" destOrd="0"/>
+        <dgm:cxn modelId="33" srcId="3" destId="31" srcOrd="0" destOrd="0"/>
+        <dgm:cxn modelId="34" srcId="3" destId="32" srcOrd="0" destOrd="0"/>
+      </dgm:cxnLst>
+      <dgm:bg/>
+      <dgm:whole/>
+    </dgm:dataModel>
+  </dgm:sampData>
+  <dgm:styleData useDef="1">
+    <dgm:dataModel>
+      <dgm:ptLst/>
+      <dgm:bg/>
+      <dgm:whole/>
+    </dgm:dataModel>
+  </dgm:styleData>
+  <dgm:clrData useDef="1">
+    <dgm:dataModel>
+      <dgm:ptLst/>
+      <dgm:bg/>
+      <dgm:whole/>
+    </dgm:dataModel>
+  </dgm:clrData>
+  <dgm:layoutNode name="theList">
+    <dgm:varLst>
+      <dgm:dir/>
+      <dgm:animLvl val="lvl"/>
+      <dgm:resizeHandles val="exact"/>
+    </dgm:varLst>
+    <dgm:choose name="Name0">
+      <dgm:if name="Name1" func="var" arg="dir" op="equ" val="norm">
+        <dgm:alg type="lin"/>
+      </dgm:if>
+      <dgm:else name="Name2">
+        <dgm:alg type="lin">
+          <dgm:param type="linDir" val="fromR"/>
+        </dgm:alg>
+      </dgm:else>
+    </dgm:choose>
+    <dgm:shape xmlns:r="http://schemas.openxmlformats.org/officeDocument/2006/relationships" r:blip="">
+      <dgm:adjLst/>
+    </dgm:shape>
+    <dgm:presOf/>
+    <dgm:constrLst>
+      <dgm:constr type="w" for="ch" forName="compNode" refType="w"/>
+      <dgm:constr type="h" for="ch" forName="compNode" refType="h"/>
+      <dgm:constr type="w" for="ch" forName="aSpace" refType="w" fact="0.075"/>
+      <dgm:constr type="h" for="des" forName="aSpace2" refType="h" fact="0.1"/>
+      <dgm:constr type="primFontSz" for="des" forName="textNode" op="equ"/>
+      <dgm:constr type="primFontSz" for="des" forName="childNode" op="equ"/>
+    </dgm:constrLst>
+    <dgm:ruleLst/>
+    <dgm:forEach name="aNodeForEach" axis="ch" ptType="node">
+      <dgm:layoutNode name="compNode">
+        <dgm:alg type="composite"/>
+        <dgm:shape xmlns:r="http://schemas.openxmlformats.org/officeDocument/2006/relationships" r:blip="">
+          <dgm:adjLst/>
+        </dgm:shape>
+        <dgm:presOf/>
+        <dgm:constrLst>
+          <dgm:constr type="w" for="ch" forName="aNode" refType="w"/>
+          <dgm:constr type="h" for="ch" forName="aNode" refType="h"/>
+          <dgm:constr type="w" for="ch" forName="textNode" refType="w"/>
+          <dgm:constr type="h" for="ch" forName="textNode" refType="h" fact="0.3"/>
+          <dgm:constr type="ctrX" for="ch" forName="textNode" refType="w" fact="0.5"/>
+          <dgm:constr type="w" for="ch" forName="compChildNode" refType="w" fact="0.8"/>
+          <dgm:constr type="h" for="ch" forName="compChildNode" refType="h" fact="0.65"/>
+          <dgm:constr type="t" for="ch" forName="compChildNode" refType="h" fact="0.3"/>
+          <dgm:constr type="ctrX" for="ch" forName="compChildNode" refType="w" fact="0.5"/>
+        </dgm:constrLst>
+        <dgm:ruleLst/>
+        <dgm:layoutNode name="aNode" styleLbl="bgShp">
+          <dgm:alg type="sp"/>
+          <dgm:shape xmlns:r="http://schemas.openxmlformats.org/officeDocument/2006/relationships" type="roundRect" r:blip="">
+            <dgm:adjLst>
+              <dgm:adj idx="1" val="0.1"/>
+            </dgm:adjLst>
+          </dgm:shape>
+          <dgm:presOf axis="self"/>
+          <dgm:constrLst/>
+          <dgm:ruleLst/>
+        </dgm:layoutNode>
+        <dgm:layoutNode name="textNode" styleLbl="bgShp">
+          <dgm:alg type="tx"/>
+          <dgm:shape xmlns:r="http://schemas.openxmlformats.org/officeDocument/2006/relationships" type="rect" r:blip="" hideGeom="1">
+            <dgm:adjLst>
+              <dgm:adj idx="1" val="0.1"/>
+            </dgm:adjLst>
+          </dgm:shape>
+          <dgm:presOf axis="self"/>
+          <dgm:constrLst>
+            <dgm:constr type="primFontSz" val="65"/>
+            <dgm:constr type="lMarg" refType="primFontSz" fact="0.3"/>
+            <dgm:constr type="rMarg" refType="primFontSz" fact="0.3"/>
+            <dgm:constr type="tMarg" refType="primFontSz" fact="0.3"/>
+            <dgm:constr type="bMarg" refType="primFontSz" fact="0.3"/>
+          </dgm:constrLst>
+          <dgm:ruleLst>
+            <dgm:rule type="primFontSz" val="5" fact="NaN" max="NaN"/>
+          </dgm:ruleLst>
+        </dgm:layoutNode>
+        <dgm:layoutNode name="compChildNode">
+          <dgm:alg type="composite"/>
+          <dgm:shape xmlns:r="http://schemas.openxmlformats.org/officeDocument/2006/relationships" r:blip="">
+            <dgm:adjLst/>
+          </dgm:shape>
+          <dgm:presOf/>
+          <dgm:constrLst>
+            <dgm:constr type="w" for="des" forName="childNode" refType="w"/>
+            <dgm:constr type="h" for="des" forName="childNode" refType="h"/>
+          </dgm:constrLst>
+          <dgm:ruleLst/>
+          <dgm:layoutNode name="theInnerList">
+            <dgm:alg type="lin">
+              <dgm:param type="linDir" val="fromT"/>
+            </dgm:alg>
+            <dgm:shape xmlns:r="http://schemas.openxmlformats.org/officeDocument/2006/relationships" r:blip="">
+              <dgm:adjLst/>
+            </dgm:shape>
+            <dgm:presOf/>
+            <dgm:constrLst/>
+            <dgm:ruleLst/>
+            <dgm:forEach name="childNodeForEach" axis="ch" ptType="node">
+              <dgm:layoutNode name="childNode" styleLbl="node1">
+                <dgm:varLst>
+                  <dgm:bulletEnabled val="1"/>
+                </dgm:varLst>
+                <dgm:alg type="tx"/>
+                <dgm:shape xmlns:r="http://schemas.openxmlformats.org/officeDocument/2006/relationships" type="roundRect" r:blip="">
+                  <dgm:adjLst>
+                    <dgm:adj idx="1" val="0.1"/>
+                  </dgm:adjLst>
+                </dgm:shape>
+                <dgm:presOf axis="desOrSelf" ptType="node"/>
+                <dgm:constrLst>
+                  <dgm:constr type="primFontSz" val="65"/>
+                  <dgm:constr type="tMarg" refType="primFontSz" fact="0.15"/>
+                  <dgm:constr type="bMarg" refType="primFontSz" fact="0.15"/>
+                  <dgm:constr type="lMarg" refType="primFontSz" fact="0.2"/>
+                  <dgm:constr type="rMarg" refType="primFontSz" fact="0.2"/>
+                </dgm:constrLst>
+                <dgm:ruleLst>
+                  <dgm:rule type="primFontSz" val="5" fact="NaN" max="NaN"/>
+                </dgm:ruleLst>
+              </dgm:layoutNode>
+              <dgm:choose name="Name3">
+                <dgm:if name="Name4" axis="self" ptType="node" func="revPos" op="equ" val="1"/>
+                <dgm:else name="Name5">
+                  <dgm:layoutNode name="aSpace2">
+                    <dgm:alg type="sp"/>
+                    <dgm:shape xmlns:r="http://schemas.openxmlformats.org/officeDocument/2006/relationships" r:blip="">
+                      <dgm:adjLst/>
+                    </dgm:shape>
+                    <dgm:presOf/>
+                    <dgm:constrLst/>
+                    <dgm:ruleLst/>
+                  </dgm:layoutNode>
+                </dgm:else>
+              </dgm:choose>
+            </dgm:forEach>
+          </dgm:layoutNode>
+        </dgm:layoutNode>
+      </dgm:layoutNode>
+      <dgm:choose name="Name6">
+        <dgm:if name="Name7" axis="self" ptType="node" func="revPos" op="equ" val="1"/>
+        <dgm:else name="Name8">
+          <dgm:layoutNode name="aSpace">
+            <dgm:alg type="sp"/>
+            <dgm:shape xmlns:r="http://schemas.openxmlformats.org/officeDocument/2006/relationships" r:blip="">
+              <dgm:adjLst/>
+            </dgm:shape>
+            <dgm:presOf/>
+            <dgm:constrLst/>
+            <dgm:ruleLst/>
+          </dgm:layoutNode>
+        </dgm:else>
+      </dgm:choose>
+    </dgm:forEach>
+  </dgm:layoutNode>
+</dgm:layoutDef>
+</file>
+
 <file path=ppt/diagrams/quickStyle1.xml><?xml version="1.0" encoding="utf-8"?>
+<dgm:styleDef xmlns:dgm="http://schemas.openxmlformats.org/drawingml/2006/diagram" xmlns:a="http://schemas.openxmlformats.org/drawingml/2006/main" uniqueId="urn:microsoft.com/office/officeart/2005/8/quickstyle/simple1">
+  <dgm:title val=""/>
+  <dgm:desc val=""/>
+  <dgm:catLst>
+    <dgm:cat type="simple" pri="10100"/>
+  </dgm:catLst>
+  <dgm:scene3d>
+    <a:camera prst="orthographicFront"/>
+    <a:lightRig rig="threePt" dir="t"/>
+  </dgm:scene3d>
+  <dgm:styleLbl name="node0">
+    <dgm:scene3d>
+      <a:camera prst="orthographicFront"/>
+      <a:lightRig rig="threePt" dir="t"/>
+    </dgm:scene3d>
+    <dgm:sp3d/>
+    <dgm:txPr/>
+    <dgm:style>
+      <a:lnRef idx="2">
+        <a:scrgbClr r="0" g="0" b="0"/>
+      </a:lnRef>
+      <a:fillRef idx="1">
+        <a:scrgbClr r="0" g="0" b="0"/>
+      </a:fillRef>
+      <a:effectRef idx="0">
+        <a:scrgbClr r="0" g="0" b="0"/>
+      </a:effectRef>
+      <a:fontRef idx="minor">
+        <a:schemeClr val="lt1"/>
+      </a:fontRef>
+    </dgm:style>
+  </dgm:styleLbl>
+  <dgm:styleLbl name="lnNode1">
+    <dgm:scene3d>
+      <a:camera prst="orthographicFront"/>
+      <a:lightRig rig="threePt" dir="t"/>
+    </dgm:scene3d>
+    <dgm:sp3d/>
+    <dgm:txPr/>
+    <dgm:style>
+      <a:lnRef idx="2">
+        <a:scrgbClr r="0" g="0" b="0"/>
+      </a:lnRef>
+      <a:fillRef idx="1">
+        <a:scrgbClr r="0" g="0" b="0"/>
+      </a:fillRef>
+      <a:effectRef idx="0">
+        <a:scrgbClr r="0" g="0" b="0"/>
+      </a:effectRef>
+      <a:fontRef idx="minor">
+        <a:schemeClr val="lt1"/>
+      </a:fontRef>
+    </dgm:style>
+  </dgm:styleLbl>
+  <dgm:styleLbl name="vennNode1">
+    <dgm:scene3d>
+      <a:camera prst="orthographicFront"/>
+      <a:lightRig rig="threePt" dir="t"/>
+    </dgm:scene3d>
+    <dgm:sp3d/>
+    <dgm:txPr/>
+    <dgm:style>
+      <a:lnRef idx="2">
+        <a:scrgbClr r="0" g="0" b="0"/>
+      </a:lnRef>
+      <a:fillRef idx="1">
+        <a:scrgbClr r="0" g="0" b="0"/>
+      </a:fillRef>
+      <a:effectRef idx="0">
+        <a:scrgbClr r="0" g="0" b="0"/>
+      </a:effectRef>
+      <a:fontRef idx="minor">
+        <a:schemeClr val="tx1"/>
+      </a:fontRef>
+    </dgm:style>
+  </dgm:styleLbl>
+  <dgm:styleLbl name="alignNode1">
+    <dgm:scene3d>
+      <a:camera prst="orthographicFront"/>
+      <a:lightRig rig="threePt" dir="t"/>
+    </dgm:scene3d>
+    <dgm:sp3d/>
+    <dgm:txPr/>
+    <dgm:style>
+      <a:lnRef idx="2">
+        <a:scrgbClr r="0" g="0" b="0"/>
+      </a:lnRef>
+      <a:fillRef idx="1">
+        <a:scrgbClr r="0" g="0" b="0"/>
+      </a:fillRef>
+      <a:effectRef idx="0">
+        <a:scrgbClr r="0" g="0" b="0"/>
+      </a:effectRef>
+      <a:fontRef idx="minor">
+        <a:schemeClr val="lt1"/>
+      </a:fontRef>
+    </dgm:style>
+  </dgm:styleLbl>
+  <dgm:styleLbl name="node1">
+    <dgm:scene3d>
+      <a:camera prst="orthographicFront"/>
+      <a:lightRig rig="threePt" dir="t"/>
+    </dgm:scene3d>
+    <dgm:sp3d/>
+    <dgm:txPr/>
+    <dgm:style>
+      <a:lnRef idx="2">
+        <a:scrgbClr r="0" g="0" b="0"/>
+      </a:lnRef>
+      <a:fillRef idx="1">
+        <a:scrgbClr r="0" g="0" b="0"/>
+      </a:fillRef>
+      <a:effectRef idx="0">
+        <a:scrgbClr r="0" g="0" b="0"/>
+      </a:effectRef>
+      <a:fontRef idx="minor">
+        <a:schemeClr val="lt1"/>
+      </a:fontRef>
+    </dgm:style>
+  </dgm:styleLbl>
+  <dgm:styleLbl name="node2">
+    <dgm:scene3d>
+      <a:camera prst="orthographicFront"/>
+      <a:lightRig rig="threePt" dir="t"/>
+    </dgm:scene3d>
+    <dgm:sp3d/>
+    <dgm:txPr/>
+    <dgm:style>
+      <a:lnRef idx="2">
+        <a:scrgbClr r="0" g="0" b="0"/>
+      </a:lnRef>
+      <a:fillRef idx="1">
+        <a:scrgbClr r="0" g="0" b="0"/>
+      </a:fillRef>
+      <a:effectRef idx="0">
+        <a:scrgbClr r="0" g="0" b="0"/>
+      </a:effectRef>
+      <a:fontRef idx="minor">
+        <a:schemeClr val="lt1"/>
+      </a:fontRef>
+    </dgm:style>
+  </dgm:styleLbl>
+  <dgm:styleLbl name="node3">
+    <dgm:scene3d>
+      <a:camera prst="orthographicFront"/>
+      <a:lightRig rig="threePt" dir="t"/>
+    </dgm:scene3d>
+    <dgm:sp3d/>
+    <dgm:txPr/>
+    <dgm:style>
+      <a:lnRef idx="2">
+        <a:scrgbClr r="0" g="0" b="0"/>
+      </a:lnRef>
+      <a:fillRef idx="1">
+        <a:scrgbClr r="0" g="0" b="0"/>
+      </a:fillRef>
+      <a:effectRef idx="0">
+        <a:scrgbClr r="0" g="0" b="0"/>
+      </a:effectRef>
+      <a:fontRef idx="minor">
+        <a:schemeClr val="lt1"/>
+      </a:fontRef>
+    </dgm:style>
+  </dgm:styleLbl>
+  <dgm:styleLbl name="node4">
+    <dgm:scene3d>
+      <a:camera prst="orthographicFront"/>
+      <a:lightRig rig="threePt" dir="t"/>
+    </dgm:scene3d>
+    <dgm:sp3d/>
+    <dgm:txPr/>
+    <dgm:style>
+      <a:lnRef idx="2">
+        <a:scrgbClr r="0" g="0" b="0"/>
+      </a:lnRef>
+      <a:fillRef idx="1">
+        <a:scrgbClr r="0" g="0" b="0"/>
+      </a:fillRef>
+      <a:effectRef idx="0">
+        <a:scrgbClr r="0" g="0" b="0"/>
+      </a:effectRef>
+      <a:fontRef idx="minor">
+        <a:schemeClr val="lt1"/>
+      </a:fontRef>
+    </dgm:style>
+  </dgm:styleLbl>
+  <dgm:styleLbl name="fgImgPlace1">
+    <dgm:scene3d>
+      <a:camera prst="orthographicFront"/>
+      <a:lightRig rig="threePt" dir="t"/>
+    </dgm:scene3d>
+    <dgm:sp3d/>
+    <dgm:txPr/>
+    <dgm:style>
+      <a:lnRef idx="2">
+        <a:scrgbClr r="0" g="0" b="0"/>
+      </a:lnRef>
+      <a:fillRef idx="1">
+        <a:scrgbClr r="0" g="0" b="0"/>
+      </a:fillRef>
+      <a:effectRef idx="0">
+        <a:scrgbClr r="0" g="0" b="0"/>
+      </a:effectRef>
+      <a:fontRef idx="minor"/>
+    </dgm:style>
+  </dgm:styleLbl>
+  <dgm:styleLbl name="alignImgPlace1">
+    <dgm:scene3d>
+      <a:camera prst="orthographicFront"/>
+      <a:lightRig rig="threePt" dir="t"/>
+    </dgm:scene3d>
+    <dgm:sp3d/>
+    <dgm:txPr/>
+    <dgm:style>
+      <a:lnRef idx="2">
+        <a:scrgbClr r="0" g="0" b="0"/>
+      </a:lnRef>
+      <a:fillRef idx="1">
+        <a:scrgbClr r="0" g="0" b="0"/>
+      </a:fillRef>
+      <a:effectRef idx="0">
+        <a:scrgbClr r="0" g="0" b="0"/>
+      </a:effectRef>
+      <a:fontRef idx="minor"/>
+    </dgm:style>
+  </dgm:styleLbl>
+  <dgm:styleLbl name="bgImgPlace1">
+    <dgm:scene3d>
+      <a:camera prst="orthographicFront"/>
+      <a:lightRig rig="threePt" dir="t"/>
+    </dgm:scene3d>
+    <dgm:sp3d/>
+    <dgm:txPr/>
+    <dgm:style>
+      <a:lnRef idx="2">
+        <a:scrgbClr r="0" g="0" b="0"/>
+      </a:lnRef>
+      <a:fillRef idx="1">
+        <a:scrgbClr r="0" g="0" b="0"/>
+      </a:fillRef>
+      <a:effectRef idx="0">
+        <a:scrgbClr r="0" g="0" b="0"/>
+      </a:effectRef>
+      <a:fontRef idx="minor"/>
+    </dgm:style>
+  </dgm:styleLbl>
+  <dgm:styleLbl name="sibTrans2D1">
+    <dgm:scene3d>
+      <a:camera prst="orthographicFront"/>
+      <a:lightRig rig="threePt" dir="t"/>
+    </dgm:scene3d>
+    <dgm:sp3d/>
+    <dgm:txPr/>
+    <dgm:style>
+      <a:lnRef idx="0">
+        <a:scrgbClr r="0" g="0" b="0"/>
+      </a:lnRef>
+      <a:fillRef idx="1">
+        <a:scrgbClr r="0" g="0" b="0"/>
+      </a:fillRef>
+      <a:effectRef idx="0">
+        <a:scrgbClr r="0" g="0" b="0"/>
+      </a:effectRef>
+      <a:fontRef idx="minor">
+        <a:schemeClr val="lt1"/>
+      </a:fontRef>
+    </dgm:style>
+  </dgm:styleLbl>
+  <dgm:styleLbl name="fgSibTrans2D1">
+    <dgm:scene3d>
+      <a:camera prst="orthographicFront"/>
+      <a:lightRig rig="threePt" dir="t"/>
+    </dgm:scene3d>
+    <dgm:sp3d/>
+    <dgm:txPr/>
+    <dgm:style>
+      <a:lnRef idx="0">
+        <a:scrgbClr r="0" g="0" b="0"/>
+      </a:lnRef>
+      <a:fillRef idx="1">
+        <a:scrgbClr r="0" g="0" b="0"/>
+      </a:fillRef>
+      <a:effectRef idx="0">
+        <a:scrgbClr r="0" g="0" b="0"/>
+      </a:effectRef>
+      <a:fontRef idx="minor">
+        <a:schemeClr val="lt1"/>
+      </a:fontRef>
+    </dgm:style>
+  </dgm:styleLbl>
+  <dgm:styleLbl name="bgSibTrans2D1">
+    <dgm:scene3d>
+      <a:camera prst="orthographicFront"/>
+      <a:lightRig rig="threePt" dir="t"/>
+    </dgm:scene3d>
+    <dgm:sp3d/>
+    <dgm:txPr/>
+    <dgm:style>
+      <a:lnRef idx="0">
+        <a:scrgbClr r="0" g="0" b="0"/>
+      </a:lnRef>
+      <a:fillRef idx="1">
+        <a:scrgbClr r="0" g="0" b="0"/>
+      </a:fillRef>
+      <a:effectRef idx="0">
+        <a:scrgbClr r="0" g="0" b="0"/>
+      </a:effectRef>
+      <a:fontRef idx="minor">
+        <a:schemeClr val="lt1"/>
+      </a:fontRef>
+    </dgm:style>
+  </dgm:styleLbl>
+  <dgm:styleLbl name="sibTrans1D1">
+    <dgm:scene3d>
+      <a:camera prst="orthographicFront"/>
+      <a:lightRig rig="threePt" dir="t"/>
+    </dgm:scene3d>
+    <dgm:sp3d/>
+    <dgm:txPr/>
+    <dgm:style>
+      <a:lnRef idx="1">
+        <a:scrgbClr r="0" g="0" b="0"/>
+      </a:lnRef>
+      <a:fillRef idx="0">
+        <a:scrgbClr r="0" g="0" b="0"/>
+      </a:fillRef>
+      <a:effectRef idx="0">
+        <a:scrgbClr r="0" g="0" b="0"/>
+      </a:effectRef>
+      <a:fontRef idx="minor"/>
+    </dgm:style>
+  </dgm:styleLbl>
+  <dgm:styleLbl name="callout">
+    <dgm:scene3d>
+      <a:camera prst="orthographicFront"/>
+      <a:lightRig rig="threePt" dir="t"/>
+    </dgm:scene3d>
+    <dgm:sp3d/>
+    <dgm:txPr/>
+    <dgm:style>
+      <a:lnRef idx="2">
+        <a:scrgbClr r="0" g="0" b="0"/>
+      </a:lnRef>
+      <a:fillRef idx="1">
+        <a:scrgbClr r="0" g="0" b="0"/>
+      </a:fillRef>
+      <a:effectRef idx="0">
+        <a:scrgbClr r="0" g="0" b="0"/>
+      </a:effectRef>
+      <a:fontRef idx="minor"/>
+    </dgm:style>
+  </dgm:styleLbl>
+  <dgm:styleLbl name="asst0">
+    <dgm:scene3d>
+      <a:camera prst="orthographicFront"/>
+      <a:lightRig rig="threePt" dir="t"/>
+    </dgm:scene3d>
+    <dgm:sp3d/>
+    <dgm:txPr/>
+    <dgm:style>
+      <a:lnRef idx="2">
+        <a:scrgbClr r="0" g="0" b="0"/>
+      </a:lnRef>
+      <a:fillRef idx="1">
+        <a:scrgbClr r="0" g="0" b="0"/>
+      </a:fillRef>
+      <a:effectRef idx="0">
+        <a:scrgbClr r="0" g="0" b="0"/>
+      </a:effectRef>
+      <a:fontRef idx="minor">
+        <a:schemeClr val="lt1"/>
+      </a:fontRef>
+    </dgm:style>
+  </dgm:styleLbl>
+  <dgm:styleLbl name="asst1">
+    <dgm:scene3d>
+      <a:camera prst="orthographicFront"/>
+      <a:lightRig rig="threePt" dir="t"/>
+    </dgm:scene3d>
+    <dgm:sp3d/>
+    <dgm:txPr/>
+    <dgm:style>
+      <a:lnRef idx="2">
+        <a:scrgbClr r="0" g="0" b="0"/>
+      </a:lnRef>
+      <a:fillRef idx="1">
+        <a:scrgbClr r="0" g="0" b="0"/>
+      </a:fillRef>
+      <a:effectRef idx="0">
+        <a:scrgbClr r="0" g="0" b="0"/>
+      </a:effectRef>
+      <a:fontRef idx="minor">
+        <a:schemeClr val="lt1"/>
+      </a:fontRef>
+    </dgm:style>
+  </dgm:styleLbl>
+  <dgm:styleLbl name="asst2">
+    <dgm:scene3d>
+      <a:camera prst="orthographicFront"/>
+      <a:lightRig rig="threePt" dir="t"/>
+    </dgm:scene3d>
+    <dgm:sp3d/>
+    <dgm:txPr/>
+    <dgm:style>
+      <a:lnRef idx="2">
+        <a:scrgbClr r="0" g="0" b="0"/>
+      </a:lnRef>
+      <a:fillRef idx="1">
+        <a:scrgbClr r="0" g="0" b="0"/>
+      </a:fillRef>
+      <a:effectRef idx="0">
+        <a:scrgbClr r="0" g="0" b="0"/>
+      </a:effectRef>
+      <a:fontRef idx="minor">
+        <a:schemeClr val="lt1"/>
+      </a:fontRef>
+    </dgm:style>
+  </dgm:styleLbl>
+  <dgm:styleLbl name="asst3">
+    <dgm:scene3d>
+      <a:camera prst="orthographicFront"/>
+      <a:lightRig rig="threePt" dir="t"/>
+    </dgm:scene3d>
+    <dgm:sp3d/>
+    <dgm:txPr/>
+    <dgm:style>
+      <a:lnRef idx="2">
+        <a:scrgbClr r="0" g="0" b="0"/>
+      </a:lnRef>
+      <a:fillRef idx="1">
+        <a:scrgbClr r="0" g="0" b="0"/>
+      </a:fillRef>
+      <a:effectRef idx="0">
+        <a:scrgbClr r="0" g="0" b="0"/>
+      </a:effectRef>
+      <a:fontRef idx="minor">
+        <a:schemeClr val="lt1"/>
+      </a:fontRef>
+    </dgm:style>
+  </dgm:styleLbl>
+  <dgm:styleLbl name="asst4">
+    <dgm:scene3d>
+      <a:camera prst="orthographicFront"/>
+      <a:lightRig rig="threePt" dir="t"/>
+    </dgm:scene3d>
+    <dgm:sp3d/>
+    <dgm:txPr/>
+    <dgm:style>
+      <a:lnRef idx="2">
+        <a:scrgbClr r="0" g="0" b="0"/>
+      </a:lnRef>
+      <a:fillRef idx="1">
+        <a:scrgbClr r="0" g="0" b="0"/>
+      </a:fillRef>
+      <a:effectRef idx="0">
+        <a:scrgbClr r="0" g="0" b="0"/>
+      </a:effectRef>
+      <a:fontRef idx="minor">
+        <a:schemeClr val="lt1"/>
+      </a:fontRef>
+    </dgm:style>
+  </dgm:styleLbl>
+  <dgm:styleLbl name="parChTrans2D1">
+    <dgm:scene3d>
+      <a:camera prst="orthographicFront"/>
+      <a:lightRig rig="threePt" dir="t"/>
+    </dgm:scene3d>
+    <dgm:sp3d/>
+    <dgm:txPr/>
+    <dgm:style>
+      <a:lnRef idx="2">
+        <a:scrgbClr r="0" g="0" b="0"/>
+      </a:lnRef>
+      <a:fillRef idx="1">
+        <a:scrgbClr r="0" g="0" b="0"/>
+      </a:fillRef>
+      <a:effectRef idx="0">
+        <a:scrgbClr r="0" g="0" b="0"/>
+      </a:effectRef>
+      <a:fontRef idx="minor">
+        <a:schemeClr val="lt1"/>
+      </a:fontRef>
+    </dgm:style>
+  </dgm:styleLbl>
+  <dgm:styleLbl name="parChTrans2D2">
+    <dgm:scene3d>
+      <a:camera prst="orthographicFront"/>
+      <a:lightRig rig="threePt" dir="t"/>
+    </dgm:scene3d>
+    <dgm:sp3d/>
+    <dgm:txPr/>
+    <dgm:style>
+      <a:lnRef idx="2">
+        <a:scrgbClr r="0" g="0" b="0"/>
+      </a:lnRef>
+      <a:fillRef idx="1">
+        <a:scrgbClr r="0" g="0" b="0"/>
+      </a:fillRef>
+      <a:effectRef idx="0">
+        <a:scrgbClr r="0" g="0" b="0"/>
+      </a:effectRef>
+      <a:fontRef idx="minor">
+        <a:schemeClr val="lt1"/>
+      </a:fontRef>
+    </dgm:style>
+  </dgm:styleLbl>
+  <dgm:styleLbl name="parChTrans2D3">
+    <dgm:scene3d>
+      <a:camera prst="orthographicFront"/>
+      <a:lightRig rig="threePt" dir="t"/>
+    </dgm:scene3d>
+    <dgm:sp3d/>
+    <dgm:txPr/>
+    <dgm:style>
+      <a:lnRef idx="2">
+        <a:scrgbClr r="0" g="0" b="0"/>
+      </a:lnRef>
+      <a:fillRef idx="1">
+        <a:scrgbClr r="0" g="0" b="0"/>
+      </a:fillRef>
+      <a:effectRef idx="0">
+        <a:scrgbClr r="0" g="0" b="0"/>
+      </a:effectRef>
+      <a:fontRef idx="minor">
+        <a:schemeClr val="lt1"/>
+      </a:fontRef>
+    </dgm:style>
+  </dgm:styleLbl>
+  <dgm:styleLbl name="parChTrans2D4">
+    <dgm:scene3d>
+      <a:camera prst="orthographicFront"/>
+      <a:lightRig rig="threePt" dir="t"/>
+    </dgm:scene3d>
+    <dgm:sp3d/>
+    <dgm:txPr/>
+    <dgm:style>
+      <a:lnRef idx="2">
+        <a:scrgbClr r="0" g="0" b="0"/>
+      </a:lnRef>
+      <a:fillRef idx="1">
+        <a:scrgbClr r="0" g="0" b="0"/>
+      </a:fillRef>
+      <a:effectRef idx="0">
+        <a:scrgbClr r="0" g="0" b="0"/>
+      </a:effectRef>
+      <a:fontRef idx="minor">
+        <a:schemeClr val="lt1"/>
+      </a:fontRef>
+    </dgm:style>
+  </dgm:styleLbl>
+  <dgm:styleLbl name="parChTrans1D1">
+    <dgm:scene3d>
+      <a:camera prst="orthographicFront"/>
+      <a:lightRig rig="threePt" dir="t"/>
+    </dgm:scene3d>
+    <dgm:sp3d/>
+    <dgm:txPr/>
+    <dgm:style>
+      <a:lnRef idx="2">
+        <a:scrgbClr r="0" g="0" b="0"/>
+      </a:lnRef>
+      <a:fillRef idx="0">
+        <a:scrgbClr r="0" g="0" b="0"/>
+      </a:fillRef>
+      <a:effectRef idx="0">
+        <a:scrgbClr r="0" g="0" b="0"/>
+      </a:effectRef>
+      <a:fontRef idx="minor"/>
+    </dgm:style>
+  </dgm:styleLbl>
+  <dgm:styleLbl name="parChTrans1D2">
+    <dgm:scene3d>
+      <a:camera prst="orthographicFront"/>
+      <a:lightRig rig="threePt" dir="t"/>
+    </dgm:scene3d>
+    <dgm:sp3d/>
+    <dgm:txPr/>
+    <dgm:style>
+      <a:lnRef idx="2">
+        <a:scrgbClr r="0" g="0" b="0"/>
+      </a:lnRef>
+      <a:fillRef idx="0">
+        <a:scrgbClr r="0" g="0" b="0"/>
+      </a:fillRef>
+      <a:effectRef idx="0">
+        <a:scrgbClr r="0" g="0" b="0"/>
+      </a:effectRef>
+      <a:fontRef idx="minor"/>
+    </dgm:style>
+  </dgm:styleLbl>
+  <dgm:styleLbl name="parChTrans1D3">
+    <dgm:scene3d>
+      <a:camera prst="orthographicFront"/>
+      <a:lightRig rig="threePt" dir="t"/>
+    </dgm:scene3d>
+    <dgm:sp3d/>
+    <dgm:txPr/>
+    <dgm:style>
+      <a:lnRef idx="2">
+        <a:scrgbClr r="0" g="0" b="0"/>
+      </a:lnRef>
+      <a:fillRef idx="0">
+        <a:scrgbClr r="0" g="0" b="0"/>
+      </a:fillRef>
+      <a:effectRef idx="0">
+        <a:scrgbClr r="0" g="0" b="0"/>
+      </a:effectRef>
+      <a:fontRef idx="minor"/>
+    </dgm:style>
+  </dgm:styleLbl>
+  <dgm:styleLbl name="parChTrans1D4">
+    <dgm:scene3d>
+      <a:camera prst="orthographicFront"/>
+      <a:lightRig rig="threePt" dir="t"/>
+    </dgm:scene3d>
+    <dgm:sp3d/>
+    <dgm:txPr/>
+    <dgm:style>
+      <a:lnRef idx="2">
+        <a:scrgbClr r="0" g="0" b="0"/>
+      </a:lnRef>
+      <a:fillRef idx="0">
+        <a:scrgbClr r="0" g="0" b="0"/>
+      </a:fillRef>
+      <a:effectRef idx="0">
+        <a:scrgbClr r="0" g="0" b="0"/>
+      </a:effectRef>
+      <a:fontRef idx="minor"/>
+    </dgm:style>
+  </dgm:styleLbl>
+  <dgm:styleLbl name="fgAcc1">
+    <dgm:scene3d>
+      <a:camera prst="orthographicFront"/>
+      <a:lightRig rig="threePt" dir="t"/>
+    </dgm:scene3d>
+    <dgm:sp3d/>
+    <dgm:txPr/>
+    <dgm:style>
+      <a:lnRef idx="2">
+        <a:scrgbClr r="0" g="0" b="0"/>
+      </a:lnRef>
+      <a:fillRef idx="1">
+        <a:scrgbClr r="0" g="0" b="0"/>
+      </a:fillRef>
+      <a:effectRef idx="0">
+        <a:scrgbClr r="0" g="0" b="0"/>
+      </a:effectRef>
+      <a:fontRef idx="minor"/>
+    </dgm:style>
+  </dgm:styleLbl>
+  <dgm:styleLbl name="conFgAcc1">
+    <dgm:scene3d>
+      <a:camera prst="orthographicFront"/>
+      <a:lightRig rig="threePt" dir="t"/>
+    </dgm:scene3d>
+    <dgm:sp3d/>
+    <dgm:txPr/>
+    <dgm:style>
+      <a:lnRef idx="2">
+        <a:scrgbClr r="0" g="0" b="0"/>
+      </a:lnRef>
+      <a:fillRef idx="1">
+        <a:scrgbClr r="0" g="0" b="0"/>
+      </a:fillRef>
+      <a:effectRef idx="0">
+        <a:scrgbClr r="0" g="0" b="0"/>
+      </a:effectRef>
+      <a:fontRef idx="minor"/>
+    </dgm:style>
+  </dgm:styleLbl>
+  <dgm:styleLbl name="alignAcc1">
+    <dgm:scene3d>
+      <a:camera prst="orthographicFront"/>
+      <a:lightRig rig="threePt" dir="t"/>
+    </dgm:scene3d>
+    <dgm:sp3d/>
+    <dgm:txPr/>
+    <dgm:style>
+      <a:lnRef idx="2">
+        <a:scrgbClr r="0" g="0" b="0"/>
+      </a:lnRef>
+      <a:fillRef idx="1">
+        <a:scrgbClr r="0" g="0" b="0"/>
+      </a:fillRef>
+      <a:effectRef idx="0">
+        <a:scrgbClr r="0" g="0" b="0"/>
+      </a:effectRef>
+      <a:fontRef idx="minor"/>
+    </dgm:style>
+  </dgm:styleLbl>
+  <dgm:styleLbl name="trAlignAcc1">
+    <dgm:scene3d>
+      <a:camera prst="orthographicFront"/>
+      <a:lightRig rig="threePt" dir="t"/>
+    </dgm:scene3d>
+    <dgm:sp3d/>
+    <dgm:txPr/>
+    <dgm:style>
+      <a:lnRef idx="1">
+        <a:scrgbClr r="0" g="0" b="0"/>
+      </a:lnRef>
+      <a:fillRef idx="1">
+        <a:scrgbClr r="0" g="0" b="0"/>
+      </a:fillRef>
+      <a:effectRef idx="0">
+        <a:scrgbClr r="0" g="0" b="0"/>
+      </a:effectRef>
+      <a:fontRef idx="minor"/>
+    </dgm:style>
+  </dgm:styleLbl>
+  <dgm:styleLbl name="bgAcc1">
+    <dgm:scene3d>
+      <a:camera prst="orthographicFront"/>
+      <a:lightRig rig="threePt" dir="t"/>
+    </dgm:scene3d>
+    <dgm:sp3d/>
+    <dgm:txPr/>
+    <dgm:style>
+      <a:lnRef idx="2">
+        <a:scrgbClr r="0" g="0" b="0"/>
+      </a:lnRef>
+      <a:fillRef idx="1">
+        <a:scrgbClr r="0" g="0" b="0"/>
+      </a:fillRef>
+      <a:effectRef idx="0">
+        <a:scrgbClr r="0" g="0" b="0"/>
+      </a:effectRef>
+      <a:fontRef idx="minor"/>
+    </dgm:style>
+  </dgm:styleLbl>
+  <dgm:styleLbl name="solidFgAcc1">
+    <dgm:scene3d>
+      <a:camera prst="orthographicFront"/>
+      <a:lightRig rig="threePt" dir="t"/>
+    </dgm:scene3d>
+    <dgm:sp3d/>
+    <dgm:txPr/>
+    <dgm:style>
+      <a:lnRef idx="2">
+        <a:scrgbClr r="0" g="0" b="0"/>
+      </a:lnRef>
+      <a:fillRef idx="1">
+        <a:scrgbClr r="0" g="0" b="0"/>
+      </a:fillRef>
+      <a:effectRef idx="0">
+        <a:scrgbClr r="0" g="0" b="0"/>
+      </a:effectRef>
+      <a:fontRef idx="minor"/>
+    </dgm:style>
+  </dgm:styleLbl>
+  <dgm:styleLbl name="solidAlignAcc1">
+    <dgm:scene3d>
+      <a:camera prst="orthographicFront"/>
+      <a:lightRig rig="threePt" dir="t"/>
+    </dgm:scene3d>
+    <dgm:sp3d/>
+    <dgm:txPr/>
+    <dgm:style>
+      <a:lnRef idx="2">
+        <a:scrgbClr r="0" g="0" b="0"/>
+      </a:lnRef>
+      <a:fillRef idx="1">
+        <a:scrgbClr r="0" g="0" b="0"/>
+      </a:fillRef>
+      <a:effectRef idx="0">
+        <a:scrgbClr r="0" g="0" b="0"/>
+      </a:effectRef>
+      <a:fontRef idx="minor"/>
+    </dgm:style>
+  </dgm:styleLbl>
+  <dgm:styleLbl name="solidBgAcc1">
+    <dgm:scene3d>
+      <a:camera prst="orthographicFront"/>
+      <a:lightRig rig="threePt" dir="t"/>
+    </dgm:scene3d>
+    <dgm:sp3d/>
+    <dgm:txPr/>
+    <dgm:style>
+      <a:lnRef idx="2">
+        <a:scrgbClr r="0" g="0" b="0"/>
+      </a:lnRef>
+      <a:fillRef idx="1">
+        <a:scrgbClr r="0" g="0" b="0"/>
+      </a:fillRef>
+      <a:effectRef idx="0">
+        <a:scrgbClr r="0" g="0" b="0"/>
+      </a:effectRef>
+      <a:fontRef idx="minor"/>
+    </dgm:style>
+  </dgm:styleLbl>
+  <dgm:styleLbl name="fgAccFollowNode1">
+    <dgm:scene3d>
+      <a:camera prst="orthographicFront"/>
+      <a:lightRig rig="threePt" dir="t"/>
+    </dgm:scene3d>
+    <dgm:sp3d/>
+    <dgm:txPr/>
+    <dgm:style>
+      <a:lnRef idx="2">
+        <a:scrgbClr r="0" g="0" b="0"/>
+      </a:lnRef>
+      <a:fillRef idx="1">
+        <a:scrgbClr r="0" g="0" b="0"/>
+      </a:fillRef>
+      <a:effectRef idx="0">
+        <a:scrgbClr r="0" g="0" b="0"/>
+      </a:effectRef>
+      <a:fontRef idx="minor"/>
+    </dgm:style>
+  </dgm:styleLbl>
+  <dgm:styleLbl name="alignAccFollowNode1">
+    <dgm:scene3d>
+      <a:camera prst="orthographicFront"/>
+      <a:lightRig rig="threePt" dir="t"/>
+    </dgm:scene3d>
+    <dgm:sp3d/>
+    <dgm:txPr/>
+    <dgm:style>
+      <a:lnRef idx="2">
+        <a:scrgbClr r="0" g="0" b="0"/>
+      </a:lnRef>
+      <a:fillRef idx="1">
+        <a:scrgbClr r="0" g="0" b="0"/>
+      </a:fillRef>
+      <a:effectRef idx="0">
+        <a:scrgbClr r="0" g="0" b="0"/>
+      </a:effectRef>
+      <a:fontRef idx="minor"/>
+    </dgm:style>
+  </dgm:styleLbl>
+  <dgm:styleLbl name="bgAccFollowNode1">
+    <dgm:scene3d>
+      <a:camera prst="orthographicFront"/>
+      <a:lightRig rig="threePt" dir="t"/>
+    </dgm:scene3d>
+    <dgm:sp3d/>
+    <dgm:txPr/>
+    <dgm:style>
+      <a:lnRef idx="2">
+        <a:scrgbClr r="0" g="0" b="0"/>
+      </a:lnRef>
+      <a:fillRef idx="1">
+        <a:scrgbClr r="0" g="0" b="0"/>
+      </a:fillRef>
+      <a:effectRef idx="0">
+        <a:scrgbClr r="0" g="0" b="0"/>
+      </a:effectRef>
+      <a:fontRef idx="minor"/>
+    </dgm:style>
+  </dgm:styleLbl>
+  <dgm:styleLbl name="fgAcc0">
+    <dgm:scene3d>
+      <a:camera prst="orthographicFront"/>
+      <a:lightRig rig="threePt" dir="t"/>
+    </dgm:scene3d>
+    <dgm:sp3d/>
+    <dgm:txPr/>
+    <dgm:style>
+      <a:lnRef idx="2">
+        <a:scrgbClr r="0" g="0" b="0"/>
+      </a:lnRef>
+      <a:fillRef idx="1">
+        <a:scrgbClr r="0" g="0" b="0"/>
+      </a:fillRef>
+      <a:effectRef idx="0">
+        <a:scrgbClr r="0" g="0" b="0"/>
+      </a:effectRef>
+      <a:fontRef idx="minor"/>
+    </dgm:style>
+  </dgm:styleLbl>
+  <dgm:styleLbl name="fgAcc2">
+    <dgm:scene3d>
+      <a:camera prst="orthographicFront"/>
+      <a:lightRig rig="threePt" dir="t"/>
+    </dgm:scene3d>
+    <dgm:sp3d/>
+    <dgm:txPr/>
+    <dgm:style>
+      <a:lnRef idx="2">
+        <a:scrgbClr r="0" g="0" b="0"/>
+      </a:lnRef>
+      <a:fillRef idx="1">
+        <a:scrgbClr r="0" g="0" b="0"/>
+      </a:fillRef>
+      <a:effectRef idx="0">
+        <a:scrgbClr r="0" g="0" b="0"/>
+      </a:effectRef>
+      <a:fontRef idx="minor"/>
+    </dgm:style>
+  </dgm:styleLbl>
+  <dgm:styleLbl name="fgAcc3">
+    <dgm:scene3d>
+      <a:camera prst="orthographicFront"/>
+      <a:lightRig rig="threePt" dir="t"/>
+    </dgm:scene3d>
+    <dgm:sp3d/>
+    <dgm:txPr/>
+    <dgm:style>
+      <a:lnRef idx="2">
+        <a:scrgbClr r="0" g="0" b="0"/>
+      </a:lnRef>
+      <a:fillRef idx="1">
+        <a:scrgbClr r="0" g="0" b="0"/>
+      </a:fillRef>
+      <a:effectRef idx="0">
+        <a:scrgbClr r="0" g="0" b="0"/>
+      </a:effectRef>
+      <a:fontRef idx="minor"/>
+    </dgm:style>
+  </dgm:styleLbl>
+  <dgm:styleLbl name="fgAcc4">
+    <dgm:scene3d>
+      <a:camera prst="orthographicFront"/>
+      <a:lightRig rig="threePt" dir="t"/>
+    </dgm:scene3d>
+    <dgm:sp3d/>
+    <dgm:txPr/>
+    <dgm:style>
+      <a:lnRef idx="2">
+        <a:scrgbClr r="0" g="0" b="0"/>
+      </a:lnRef>
+      <a:fillRef idx="1">
+        <a:scrgbClr r="0" g="0" b="0"/>
+      </a:fillRef>
+      <a:effectRef idx="0">
+        <a:scrgbClr r="0" g="0" b="0"/>
+      </a:effectRef>
+      <a:fontRef idx="minor"/>
+    </dgm:style>
+  </dgm:styleLbl>
+  <dgm:styleLbl name="bgShp">
+    <dgm:scene3d>
+      <a:camera prst="orthographicFront"/>
+      <a:lightRig rig="threePt" dir="t"/>
+    </dgm:scene3d>
+    <dgm:sp3d/>
+    <dgm:txPr/>
+    <dgm:style>
+      <a:lnRef idx="0">
+        <a:scrgbClr r="0" g="0" b="0"/>
+      </a:lnRef>
+      <a:fillRef idx="1">
+        <a:scrgbClr r="0" g="0" b="0"/>
+      </a:fillRef>
+      <a:effectRef idx="0">
+        <a:scrgbClr r="0" g="0" b="0"/>
+      </a:effectRef>
+      <a:fontRef idx="minor"/>
+    </dgm:style>
+  </dgm:styleLbl>
+  <dgm:styleLbl name="dkBgShp">
+    <dgm:scene3d>
+      <a:camera prst="orthographicFront"/>
+      <a:lightRig rig="threePt" dir="t"/>
+    </dgm:scene3d>
+    <dgm:sp3d/>
+    <dgm:txPr/>
+    <dgm:style>
+      <a:lnRef idx="0">
+        <a:scrgbClr r="0" g="0" b="0"/>
+      </a:lnRef>
+      <a:fillRef idx="1">
+        <a:scrgbClr r="0" g="0" b="0"/>
+      </a:fillRef>
+      <a:effectRef idx="0">
+        <a:scrgbClr r="0" g="0" b="0"/>
+      </a:effectRef>
+      <a:fontRef idx="minor"/>
+    </dgm:style>
+  </dgm:styleLbl>
+  <dgm:styleLbl name="trBgShp">
+    <dgm:scene3d>
+      <a:camera prst="orthographicFront"/>
+      <a:lightRig rig="threePt" dir="t"/>
+    </dgm:scene3d>
+    <dgm:sp3d/>
+    <dgm:txPr/>
+    <dgm:style>
+      <a:lnRef idx="0">
+        <a:scrgbClr r="0" g="0" b="0"/>
+      </a:lnRef>
+      <a:fillRef idx="1">
+        <a:scrgbClr r="0" g="0" b="0"/>
+      </a:fillRef>
+      <a:effectRef idx="0">
+        <a:scrgbClr r="0" g="0" b="0"/>
+      </a:effectRef>
+      <a:fontRef idx="minor"/>
+    </dgm:style>
+  </dgm:styleLbl>
+  <dgm:styleLbl name="fgShp">
+    <dgm:scene3d>
+      <a:camera prst="orthographicFront"/>
+      <a:lightRig rig="threePt" dir="t"/>
+    </dgm:scene3d>
+    <dgm:sp3d/>
+    <dgm:txPr/>
+    <dgm:style>
+      <a:lnRef idx="2">
+        <a:scrgbClr r="0" g="0" b="0"/>
+      </a:lnRef>
+      <a:fillRef idx="1">
+        <a:scrgbClr r="0" g="0" b="0"/>
+      </a:fillRef>
+      <a:effectRef idx="0">
+        <a:scrgbClr r="0" g="0" b="0"/>
+      </a:effectRef>
+      <a:fontRef idx="minor"/>
+    </dgm:style>
+  </dgm:styleLbl>
+  <dgm:styleLbl name="revTx">
+    <dgm:scene3d>
+      <a:camera prst="orthographicFront"/>
+      <a:lightRig rig="threePt" dir="t"/>
+    </dgm:scene3d>
+    <dgm:sp3d/>
+    <dgm:txPr/>
+    <dgm:style>
+      <a:lnRef idx="0">
+        <a:scrgbClr r="0" g="0" b="0"/>
+      </a:lnRef>
+      <a:fillRef idx="0">
+        <a:scrgbClr r="0" g="0" b="0"/>
+      </a:fillRef>
+      <a:effectRef idx="0">
+        <a:scrgbClr r="0" g="0" b="0"/>
+      </a:effectRef>
+      <a:fontRef idx="minor"/>
+    </dgm:style>
+  </dgm:styleLbl>
+</dgm:styleDef>
+</file>
+
+<file path=ppt/diagrams/quickStyle2.xml><?xml version="1.0" encoding="utf-8"?>
 <dgm:styleDef xmlns:dgm="http://schemas.openxmlformats.org/drawingml/2006/diagram" xmlns:a="http://schemas.openxmlformats.org/drawingml/2006/main" uniqueId="urn:microsoft.com/office/officeart/2005/8/quickstyle/simple1">
   <dgm:title val=""/>
   <dgm:desc val=""/>
@@ -8264,6 +12394,115 @@
         </p:txBody>
       </p:sp>
     </p:spTree>
+  </p:cSld>
+  <p:clrMapOvr>
+    <a:masterClrMapping/>
+  </p:clrMapOvr>
+</p:notes>
+</file>
+
+<file path=ppt/notesSlides/notesSlide9.xml><?xml version="1.0" encoding="utf-8"?>
+<p:notes xmlns:a="http://schemas.openxmlformats.org/drawingml/2006/main" xmlns:r="http://schemas.openxmlformats.org/officeDocument/2006/relationships" xmlns:p="http://schemas.openxmlformats.org/presentationml/2006/main" showMasterSp="0" showMasterPhAnim="0">
+  <p:cSld>
+    <p:spTree>
+      <p:nvGrpSpPr>
+        <p:cNvPr id="1" name="Shape 93"/>
+        <p:cNvGrpSpPr/>
+        <p:nvPr/>
+      </p:nvGrpSpPr>
+      <p:grpSpPr>
+        <a:xfrm>
+          <a:off x="0" y="0"/>
+          <a:ext cx="0" cy="0"/>
+          <a:chOff x="0" y="0"/>
+          <a:chExt cx="0" cy="0"/>
+        </a:xfrm>
+      </p:grpSpPr>
+      <p:sp>
+        <p:nvSpPr>
+          <p:cNvPr id="94" name="Google Shape;94;g35f391192_029:notes"/>
+          <p:cNvSpPr>
+            <a:spLocks noGrp="1" noRot="1" noChangeAspect="1"/>
+          </p:cNvSpPr>
+          <p:nvPr>
+            <p:ph type="sldImg" idx="2"/>
+          </p:nvPr>
+        </p:nvSpPr>
+        <p:spPr>
+          <a:xfrm>
+            <a:off x="381000" y="685800"/>
+            <a:ext cx="6096000" cy="3429000"/>
+          </a:xfrm>
+          <a:custGeom>
+            <a:avLst/>
+            <a:gdLst/>
+            <a:ahLst/>
+            <a:cxnLst/>
+            <a:rect l="l" t="t" r="r" b="b"/>
+            <a:pathLst>
+              <a:path w="120000" h="120000" extrusionOk="0">
+                <a:moveTo>
+                  <a:pt x="0" y="0"/>
+                </a:moveTo>
+                <a:lnTo>
+                  <a:pt x="120000" y="0"/>
+                </a:lnTo>
+                <a:lnTo>
+                  <a:pt x="120000" y="120000"/>
+                </a:lnTo>
+                <a:lnTo>
+                  <a:pt x="0" y="120000"/>
+                </a:lnTo>
+                <a:close/>
+              </a:path>
+            </a:pathLst>
+          </a:custGeom>
+        </p:spPr>
+      </p:sp>
+      <p:sp>
+        <p:nvSpPr>
+          <p:cNvPr id="95" name="Google Shape;95;g35f391192_029:notes"/>
+          <p:cNvSpPr txBox="1">
+            <a:spLocks noGrp="1"/>
+          </p:cNvSpPr>
+          <p:nvPr>
+            <p:ph type="body" idx="1"/>
+          </p:nvPr>
+        </p:nvSpPr>
+        <p:spPr>
+          <a:xfrm>
+            <a:off x="685800" y="4343400"/>
+            <a:ext cx="5486400" cy="4114800"/>
+          </a:xfrm>
+          <a:prstGeom prst="rect">
+            <a:avLst/>
+          </a:prstGeom>
+        </p:spPr>
+        <p:txBody>
+          <a:bodyPr spcFirstLastPara="1" wrap="square" lIns="91425" tIns="91425" rIns="91425" bIns="91425" anchor="t" anchorCtr="0">
+            <a:noAutofit/>
+          </a:bodyPr>
+          <a:lstStyle/>
+          <a:p>
+            <a:pPr marL="0" lvl="0" indent="0" algn="l" rtl="0">
+              <a:spcBef>
+                <a:spcPts val="0"/>
+              </a:spcBef>
+              <a:spcAft>
+                <a:spcPts val="0"/>
+              </a:spcAft>
+              <a:buNone/>
+            </a:pPr>
+            <a:endParaRPr/>
+          </a:p>
+        </p:txBody>
+      </p:sp>
+    </p:spTree>
+    <p:extLst>
+      <p:ext uri="{BB962C8B-B14F-4D97-AF65-F5344CB8AC3E}">
+        <p14:creationId xmlns:p14="http://schemas.microsoft.com/office/powerpoint/2010/main" val="1295939630"/>
+      </p:ext>
+    </p:extLst>
   </p:cSld>
   <p:clrMapOvr>
     <a:masterClrMapping/>
@@ -20603,6 +24842,517 @@
 </p:sld>
 </file>
 
+<file path=ppt/slides/slide38.xml><?xml version="1.0" encoding="utf-8"?>
+<p:sld xmlns:a="http://schemas.openxmlformats.org/drawingml/2006/main" xmlns:r="http://schemas.openxmlformats.org/officeDocument/2006/relationships" xmlns:p="http://schemas.openxmlformats.org/presentationml/2006/main" show="0">
+  <p:cSld>
+    <p:spTree>
+      <p:nvGrpSpPr>
+        <p:cNvPr id="1" name="Shape 96"/>
+        <p:cNvGrpSpPr/>
+        <p:nvPr/>
+      </p:nvGrpSpPr>
+      <p:grpSpPr>
+        <a:xfrm>
+          <a:off x="0" y="0"/>
+          <a:ext cx="0" cy="0"/>
+          <a:chOff x="0" y="0"/>
+          <a:chExt cx="0" cy="0"/>
+        </a:xfrm>
+      </p:grpSpPr>
+      <p:sp>
+        <p:nvSpPr>
+          <p:cNvPr id="97" name="Google Shape;97;p15"/>
+          <p:cNvSpPr txBox="1">
+            <a:spLocks noGrp="1"/>
+          </p:cNvSpPr>
+          <p:nvPr>
+            <p:ph type="ctrTitle"/>
+          </p:nvPr>
+        </p:nvSpPr>
+        <p:spPr>
+          <a:xfrm>
+            <a:off x="1655700" y="1991850"/>
+            <a:ext cx="5832600" cy="1159800"/>
+          </a:xfrm>
+          <a:prstGeom prst="rect">
+            <a:avLst/>
+          </a:prstGeom>
+        </p:spPr>
+        <p:txBody>
+          <a:bodyPr spcFirstLastPara="1" wrap="square" lIns="91425" tIns="91425" rIns="91425" bIns="91425" anchor="ctr" anchorCtr="0">
+            <a:noAutofit/>
+          </a:bodyPr>
+          <a:lstStyle/>
+          <a:p>
+            <a:pPr marL="0" lvl="0" indent="0" algn="ctr" rtl="0">
+              <a:spcBef>
+                <a:spcPts val="0"/>
+              </a:spcBef>
+              <a:spcAft>
+                <a:spcPts val="0"/>
+              </a:spcAft>
+              <a:buNone/>
+            </a:pPr>
+            <a:r>
+              <a:rPr lang="en-US" sz="6000">
+                <a:solidFill>
+                  <a:srgbClr val="E6E6E6"/>
+                </a:solidFill>
+              </a:rPr>
+              <a:t>6</a:t>
+            </a:r>
+            <a:endParaRPr sz="6000">
+              <a:solidFill>
+                <a:srgbClr val="E6E6E6"/>
+              </a:solidFill>
+            </a:endParaRPr>
+          </a:p>
+          <a:p>
+            <a:pPr marL="0" lvl="0" indent="0" algn="ctr" rtl="0">
+              <a:spcBef>
+                <a:spcPts val="0"/>
+              </a:spcBef>
+              <a:spcAft>
+                <a:spcPts val="0"/>
+              </a:spcAft>
+              <a:buNone/>
+            </a:pPr>
+            <a:r>
+              <a:rPr lang="en-US"/>
+              <a:t>Modules</a:t>
+            </a:r>
+          </a:p>
+        </p:txBody>
+      </p:sp>
+      <p:sp>
+        <p:nvSpPr>
+          <p:cNvPr id="99" name="Google Shape;99;p15"/>
+          <p:cNvSpPr txBox="1">
+            <a:spLocks noGrp="1"/>
+          </p:cNvSpPr>
+          <p:nvPr>
+            <p:ph type="sldNum" idx="4294967295"/>
+          </p:nvPr>
+        </p:nvSpPr>
+        <p:spPr>
+          <a:xfrm>
+            <a:off x="8404384" y="4749851"/>
+            <a:ext cx="548700" cy="393600"/>
+          </a:xfrm>
+          <a:prstGeom prst="rect">
+            <a:avLst/>
+          </a:prstGeom>
+        </p:spPr>
+        <p:txBody>
+          <a:bodyPr spcFirstLastPara="1" wrap="square" lIns="91425" tIns="91425" rIns="91425" bIns="91425" anchor="t" anchorCtr="0">
+            <a:noAutofit/>
+          </a:bodyPr>
+          <a:lstStyle/>
+          <a:p>
+            <a:pPr marL="0" lvl="0" indent="0" algn="r" rtl="0">
+              <a:spcBef>
+                <a:spcPts val="0"/>
+              </a:spcBef>
+              <a:spcAft>
+                <a:spcPts val="0"/>
+              </a:spcAft>
+              <a:buNone/>
+            </a:pPr>
+            <a:fld id="{00000000-1234-1234-1234-123412341234}" type="slidenum">
+              <a:rPr lang="en"/>
+              <a:t>38</a:t>
+            </a:fld>
+            <a:endParaRPr/>
+          </a:p>
+        </p:txBody>
+      </p:sp>
+    </p:spTree>
+    <p:extLst>
+      <p:ext uri="{BB962C8B-B14F-4D97-AF65-F5344CB8AC3E}">
+        <p14:creationId xmlns:p14="http://schemas.microsoft.com/office/powerpoint/2010/main" val="3810264144"/>
+      </p:ext>
+    </p:extLst>
+  </p:cSld>
+  <p:clrMapOvr>
+    <a:masterClrMapping/>
+  </p:clrMapOvr>
+</p:sld>
+</file>
+
+<file path=ppt/slides/slide39.xml><?xml version="1.0" encoding="utf-8"?>
+<p:sld xmlns:a="http://schemas.openxmlformats.org/drawingml/2006/main" xmlns:r="http://schemas.openxmlformats.org/officeDocument/2006/relationships" xmlns:p="http://schemas.openxmlformats.org/presentationml/2006/main" show="0">
+  <p:cSld>
+    <p:spTree>
+      <p:nvGrpSpPr>
+        <p:cNvPr id="1" name=""/>
+        <p:cNvGrpSpPr/>
+        <p:nvPr/>
+      </p:nvGrpSpPr>
+      <p:grpSpPr>
+        <a:xfrm>
+          <a:off x="0" y="0"/>
+          <a:ext cx="0" cy="0"/>
+          <a:chOff x="0" y="0"/>
+          <a:chExt cx="0" cy="0"/>
+        </a:xfrm>
+      </p:grpSpPr>
+      <p:sp>
+        <p:nvSpPr>
+          <p:cNvPr id="2" name="Title 1">
+            <a:extLst>
+              <a:ext uri="{FF2B5EF4-FFF2-40B4-BE49-F238E27FC236}">
+                <a16:creationId xmlns:a16="http://schemas.microsoft.com/office/drawing/2014/main" id="{024AD384-5AD1-4435-A943-1241B2FACD62}"/>
+              </a:ext>
+            </a:extLst>
+          </p:cNvPr>
+          <p:cNvSpPr>
+            <a:spLocks noGrp="1"/>
+          </p:cNvSpPr>
+          <p:nvPr>
+            <p:ph type="title"/>
+          </p:nvPr>
+        </p:nvSpPr>
+        <p:spPr/>
+        <p:txBody>
+          <a:bodyPr/>
+          <a:lstStyle/>
+          <a:p>
+            <a:r>
+              <a:rPr lang="en-US"/>
+              <a:t>Modules</a:t>
+            </a:r>
+            <a:endParaRPr lang="fa-IR"/>
+          </a:p>
+        </p:txBody>
+      </p:sp>
+      <p:sp>
+        <p:nvSpPr>
+          <p:cNvPr id="3" name="Text Placeholder 2">
+            <a:extLst>
+              <a:ext uri="{FF2B5EF4-FFF2-40B4-BE49-F238E27FC236}">
+                <a16:creationId xmlns:a16="http://schemas.microsoft.com/office/drawing/2014/main" id="{58BE3078-8B89-4550-B497-93E4DADBD57E}"/>
+              </a:ext>
+            </a:extLst>
+          </p:cNvPr>
+          <p:cNvSpPr>
+            <a:spLocks noGrp="1"/>
+          </p:cNvSpPr>
+          <p:nvPr>
+            <p:ph type="body" idx="1"/>
+          </p:nvPr>
+        </p:nvSpPr>
+        <p:spPr>
+          <a:xfrm>
+            <a:off x="786150" y="1142608"/>
+            <a:ext cx="7571700" cy="3626431"/>
+          </a:xfrm>
+        </p:spPr>
+        <p:txBody>
+          <a:bodyPr/>
+          <a:lstStyle/>
+          <a:p>
+            <a:pPr marL="76200" indent="0">
+              <a:buNone/>
+            </a:pPr>
+            <a:r>
+              <a:rPr lang="en-US" sz="1400"/>
+              <a:t>A module is a file containing a set of functions you want to include in your application.</a:t>
+            </a:r>
+          </a:p>
+          <a:p>
+            <a:pPr marL="76200" indent="0">
+              <a:buNone/>
+            </a:pPr>
+            <a:r>
+              <a:rPr lang="en-US" sz="1400"/>
+              <a:t>To create a module just save the code you want in a file with the file extension </a:t>
+            </a:r>
+            <a:r>
+              <a:rPr lang="en-US" sz="1400">
+                <a:solidFill>
+                  <a:schemeClr val="accent1"/>
+                </a:solidFill>
+              </a:rPr>
+              <a:t>.py</a:t>
+            </a:r>
+            <a:r>
+              <a:rPr lang="en-US" sz="1400"/>
+              <a:t>.</a:t>
+            </a:r>
+          </a:p>
+          <a:p>
+            <a:pPr marL="76200" indent="0">
+              <a:buNone/>
+            </a:pPr>
+            <a:r>
+              <a:rPr lang="en-US" sz="1400"/>
+              <a:t>Python module index: </a:t>
+            </a:r>
+            <a:r>
+              <a:rPr lang="en-US" sz="1100">
+                <a:latin typeface="Consolas" panose="020B0609020204030204" pitchFamily="49" charset="0"/>
+                <a:hlinkClick r:id="rId2"/>
+              </a:rPr>
+              <a:t>https://docs.python.org/3/py-modindex.html</a:t>
+            </a:r>
+            <a:endParaRPr lang="en-US" sz="1100">
+              <a:latin typeface="Consolas" panose="020B0609020204030204" pitchFamily="49" charset="0"/>
+            </a:endParaRPr>
+          </a:p>
+          <a:p>
+            <a:pPr marL="76200" indent="0">
+              <a:buNone/>
+            </a:pPr>
+            <a:endParaRPr lang="en-US" sz="1100">
+              <a:latin typeface="Consolas" panose="020B0609020204030204" pitchFamily="49" charset="0"/>
+            </a:endParaRPr>
+          </a:p>
+          <a:p>
+            <a:pPr marL="76200" indent="0">
+              <a:buNone/>
+            </a:pPr>
+            <a:r>
+              <a:rPr lang="en-US" sz="1400"/>
+              <a:t>Using a module</a:t>
+            </a:r>
+          </a:p>
+          <a:p>
+            <a:pPr marL="76200" indent="0">
+              <a:buNone/>
+            </a:pPr>
+            <a:r>
+              <a:rPr lang="en-US" sz="1100">
+                <a:solidFill>
+                  <a:schemeClr val="accent1"/>
+                </a:solidFill>
+                <a:latin typeface="Consolas" panose="020B0609020204030204" pitchFamily="49" charset="0"/>
+              </a:rPr>
+              <a:t>import</a:t>
+            </a:r>
+            <a:r>
+              <a:rPr lang="en-US" sz="1100">
+                <a:latin typeface="Consolas" panose="020B0609020204030204" pitchFamily="49" charset="0"/>
+              </a:rPr>
+              <a:t> myModule </a:t>
+            </a:r>
+            <a:r>
+              <a:rPr lang="en-US" sz="1100">
+                <a:solidFill>
+                  <a:schemeClr val="accent1"/>
+                </a:solidFill>
+                <a:latin typeface="Consolas" panose="020B0609020204030204" pitchFamily="49" charset="0"/>
+              </a:rPr>
+              <a:t>as</a:t>
+            </a:r>
+            <a:r>
+              <a:rPr lang="en-US" sz="1100">
+                <a:latin typeface="Consolas" panose="020B0609020204030204" pitchFamily="49" charset="0"/>
+              </a:rPr>
+              <a:t> m</a:t>
+            </a:r>
+          </a:p>
+          <a:p>
+            <a:pPr marL="76200" indent="0">
+              <a:buNone/>
+            </a:pPr>
+            <a:r>
+              <a:rPr lang="en-US" sz="1100">
+                <a:latin typeface="Consolas" panose="020B0609020204030204" pitchFamily="49" charset="0"/>
+              </a:rPr>
+              <a:t>m</a:t>
+            </a:r>
+            <a:r>
+              <a:rPr lang="en-US" sz="1100">
+                <a:solidFill>
+                  <a:schemeClr val="accent1"/>
+                </a:solidFill>
+                <a:latin typeface="Consolas" panose="020B0609020204030204" pitchFamily="49" charset="0"/>
+              </a:rPr>
+              <a:t>.</a:t>
+            </a:r>
+            <a:r>
+              <a:rPr lang="en-US" sz="1100">
+                <a:latin typeface="Consolas" panose="020B0609020204030204" pitchFamily="49" charset="0"/>
+              </a:rPr>
+              <a:t>greeter</a:t>
+            </a:r>
+            <a:r>
+              <a:rPr lang="en-US" sz="1100">
+                <a:solidFill>
+                  <a:schemeClr val="accent1"/>
+                </a:solidFill>
+                <a:latin typeface="Consolas" panose="020B0609020204030204" pitchFamily="49" charset="0"/>
+              </a:rPr>
+              <a:t>(</a:t>
+            </a:r>
+            <a:r>
+              <a:rPr lang="en-US" sz="1100">
+                <a:latin typeface="Consolas" panose="020B0609020204030204" pitchFamily="49" charset="0"/>
+              </a:rPr>
+              <a:t>'Alireza'</a:t>
+            </a:r>
+            <a:r>
+              <a:rPr lang="en-US" sz="1100">
+                <a:solidFill>
+                  <a:schemeClr val="accent1"/>
+                </a:solidFill>
+                <a:latin typeface="Consolas" panose="020B0609020204030204" pitchFamily="49" charset="0"/>
+              </a:rPr>
+              <a:t>)</a:t>
+            </a:r>
+            <a:r>
+              <a:rPr lang="en-US" sz="1100">
+                <a:latin typeface="Consolas" panose="020B0609020204030204" pitchFamily="49" charset="0"/>
+              </a:rPr>
+              <a:t>   # Functions</a:t>
+            </a:r>
+          </a:p>
+          <a:p>
+            <a:pPr marL="76200" indent="0">
+              <a:buNone/>
+            </a:pPr>
+            <a:r>
+              <a:rPr lang="en-US" sz="1100">
+                <a:latin typeface="Consolas" panose="020B0609020204030204" pitchFamily="49" charset="0"/>
+              </a:rPr>
+              <a:t>importedName = m</a:t>
+            </a:r>
+            <a:r>
+              <a:rPr lang="en-US" sz="1100">
+                <a:solidFill>
+                  <a:schemeClr val="accent1"/>
+                </a:solidFill>
+                <a:latin typeface="Consolas" panose="020B0609020204030204" pitchFamily="49" charset="0"/>
+              </a:rPr>
+              <a:t>.</a:t>
+            </a:r>
+            <a:r>
+              <a:rPr lang="en-US" sz="1100">
+                <a:latin typeface="Consolas" panose="020B0609020204030204" pitchFamily="49" charset="0"/>
+              </a:rPr>
+              <a:t>name  # Variables</a:t>
+            </a:r>
+          </a:p>
+          <a:p>
+            <a:pPr marL="76200" indent="0">
+              <a:buNone/>
+            </a:pPr>
+            <a:endParaRPr lang="en-US" sz="1100">
+              <a:latin typeface="Consolas" panose="020B0609020204030204" pitchFamily="49" charset="0"/>
+            </a:endParaRPr>
+          </a:p>
+          <a:p>
+            <a:pPr marL="76200" indent="0">
+              <a:buNone/>
+            </a:pPr>
+            <a:r>
+              <a:rPr lang="en-US" sz="1400"/>
+              <a:t>Import from a module</a:t>
+            </a:r>
+          </a:p>
+          <a:p>
+            <a:pPr marL="76200" indent="0">
+              <a:buNone/>
+            </a:pPr>
+            <a:r>
+              <a:rPr lang="en-US" sz="1100">
+                <a:solidFill>
+                  <a:schemeClr val="accent1"/>
+                </a:solidFill>
+                <a:latin typeface="Consolas" panose="020B0609020204030204" pitchFamily="49" charset="0"/>
+              </a:rPr>
+              <a:t>from</a:t>
+            </a:r>
+            <a:r>
+              <a:rPr lang="en-US" sz="1100">
+                <a:latin typeface="Consolas" panose="020B0609020204030204" pitchFamily="49" charset="0"/>
+              </a:rPr>
+              <a:t> mymodule </a:t>
+            </a:r>
+            <a:r>
+              <a:rPr lang="en-US" sz="1100">
+                <a:solidFill>
+                  <a:schemeClr val="accent1"/>
+                </a:solidFill>
+                <a:latin typeface="Consolas" panose="020B0609020204030204" pitchFamily="49" charset="0"/>
+              </a:rPr>
+              <a:t>import</a:t>
+            </a:r>
+            <a:r>
+              <a:rPr lang="en-US" sz="1100">
+                <a:latin typeface="Consolas" panose="020B0609020204030204" pitchFamily="49" charset="0"/>
+              </a:rPr>
+              <a:t> greeter</a:t>
+            </a:r>
+            <a:r>
+              <a:rPr lang="en-US" sz="1100">
+                <a:solidFill>
+                  <a:schemeClr val="accent1"/>
+                </a:solidFill>
+                <a:latin typeface="Consolas" panose="020B0609020204030204" pitchFamily="49" charset="0"/>
+              </a:rPr>
+              <a:t>,</a:t>
+            </a:r>
+            <a:r>
+              <a:rPr lang="en-US" sz="1100">
+                <a:latin typeface="Consolas" panose="020B0609020204030204" pitchFamily="49" charset="0"/>
+              </a:rPr>
+              <a:t> name</a:t>
+            </a:r>
+          </a:p>
+        </p:txBody>
+      </p:sp>
+      <p:sp>
+        <p:nvSpPr>
+          <p:cNvPr id="4" name="Slide Number Placeholder 3">
+            <a:extLst>
+              <a:ext uri="{FF2B5EF4-FFF2-40B4-BE49-F238E27FC236}">
+                <a16:creationId xmlns:a16="http://schemas.microsoft.com/office/drawing/2014/main" id="{64987AE6-EC0E-43DD-9376-95A5602EE5E1}"/>
+              </a:ext>
+            </a:extLst>
+          </p:cNvPr>
+          <p:cNvSpPr>
+            <a:spLocks noGrp="1"/>
+          </p:cNvSpPr>
+          <p:nvPr>
+            <p:ph type="sldNum" idx="12"/>
+          </p:nvPr>
+        </p:nvSpPr>
+        <p:spPr/>
+        <p:txBody>
+          <a:bodyPr/>
+          <a:lstStyle/>
+          <a:p>
+            <a:pPr marL="0" lvl="0" indent="0" algn="r" rtl="0">
+              <a:spcBef>
+                <a:spcPts val="0"/>
+              </a:spcBef>
+              <a:spcAft>
+                <a:spcPts val="0"/>
+              </a:spcAft>
+              <a:buNone/>
+            </a:pPr>
+            <a:fld id="{00000000-1234-1234-1234-123412341234}" type="slidenum">
+              <a:rPr lang="en" smtClean="0"/>
+              <a:t>39</a:t>
+            </a:fld>
+            <a:endParaRPr lang="en"/>
+          </a:p>
+        </p:txBody>
+      </p:sp>
+    </p:spTree>
+    <p:extLst>
+      <p:ext uri="{BB962C8B-B14F-4D97-AF65-F5344CB8AC3E}">
+        <p14:creationId xmlns:p14="http://schemas.microsoft.com/office/powerpoint/2010/main" val="3825030696"/>
+      </p:ext>
+    </p:extLst>
+  </p:cSld>
+  <p:clrMapOvr>
+    <a:masterClrMapping/>
+  </p:clrMapOvr>
+</p:sld>
+</file>
+
 <file path=ppt/slides/slide4.xml><?xml version="1.0" encoding="utf-8"?>
 <p:sld xmlns:a="http://schemas.openxmlformats.org/drawingml/2006/main" xmlns:r="http://schemas.openxmlformats.org/officeDocument/2006/relationships" xmlns:p="http://schemas.openxmlformats.org/presentationml/2006/main">
   <p:cSld>
@@ -20796,6 +25546,1176 @@
     <p:extLst>
       <p:ext uri="{BB962C8B-B14F-4D97-AF65-F5344CB8AC3E}">
         <p14:creationId xmlns:p14="http://schemas.microsoft.com/office/powerpoint/2010/main" val="741222802"/>
+      </p:ext>
+    </p:extLst>
+  </p:cSld>
+  <p:clrMapOvr>
+    <a:masterClrMapping/>
+  </p:clrMapOvr>
+</p:sld>
+</file>
+
+<file path=ppt/slides/slide40.xml><?xml version="1.0" encoding="utf-8"?>
+<p:sld xmlns:a="http://schemas.openxmlformats.org/drawingml/2006/main" xmlns:r="http://schemas.openxmlformats.org/officeDocument/2006/relationships" xmlns:p="http://schemas.openxmlformats.org/presentationml/2006/main" show="0">
+  <p:cSld>
+    <p:spTree>
+      <p:nvGrpSpPr>
+        <p:cNvPr id="1" name=""/>
+        <p:cNvGrpSpPr/>
+        <p:nvPr/>
+      </p:nvGrpSpPr>
+      <p:grpSpPr>
+        <a:xfrm>
+          <a:off x="0" y="0"/>
+          <a:ext cx="0" cy="0"/>
+          <a:chOff x="0" y="0"/>
+          <a:chExt cx="0" cy="0"/>
+        </a:xfrm>
+      </p:grpSpPr>
+      <p:sp>
+        <p:nvSpPr>
+          <p:cNvPr id="2" name="Title 1">
+            <a:extLst>
+              <a:ext uri="{FF2B5EF4-FFF2-40B4-BE49-F238E27FC236}">
+                <a16:creationId xmlns:a16="http://schemas.microsoft.com/office/drawing/2014/main" id="{024AD384-5AD1-4435-A943-1241B2FACD62}"/>
+              </a:ext>
+            </a:extLst>
+          </p:cNvPr>
+          <p:cNvSpPr>
+            <a:spLocks noGrp="1"/>
+          </p:cNvSpPr>
+          <p:nvPr>
+            <p:ph type="title"/>
+          </p:nvPr>
+        </p:nvSpPr>
+        <p:spPr/>
+        <p:txBody>
+          <a:bodyPr/>
+          <a:lstStyle/>
+          <a:p>
+            <a:r>
+              <a:rPr lang="en-US"/>
+              <a:t>Packages</a:t>
+            </a:r>
+            <a:endParaRPr lang="fa-IR"/>
+          </a:p>
+        </p:txBody>
+      </p:sp>
+      <p:sp>
+        <p:nvSpPr>
+          <p:cNvPr id="3" name="Text Placeholder 2">
+            <a:extLst>
+              <a:ext uri="{FF2B5EF4-FFF2-40B4-BE49-F238E27FC236}">
+                <a16:creationId xmlns:a16="http://schemas.microsoft.com/office/drawing/2014/main" id="{58BE3078-8B89-4550-B497-93E4DADBD57E}"/>
+              </a:ext>
+            </a:extLst>
+          </p:cNvPr>
+          <p:cNvSpPr>
+            <a:spLocks noGrp="1"/>
+          </p:cNvSpPr>
+          <p:nvPr>
+            <p:ph type="body" idx="1"/>
+          </p:nvPr>
+        </p:nvSpPr>
+        <p:spPr>
+          <a:xfrm>
+            <a:off x="786150" y="1142608"/>
+            <a:ext cx="7571700" cy="3626431"/>
+          </a:xfrm>
+        </p:spPr>
+        <p:txBody>
+          <a:bodyPr/>
+          <a:lstStyle/>
+          <a:p>
+            <a:pPr marL="76200" indent="0">
+              <a:buNone/>
+            </a:pPr>
+            <a:r>
+              <a:rPr lang="en-US" sz="1400"/>
+              <a:t>A package contains all the files you need for a module.</a:t>
+            </a:r>
+          </a:p>
+          <a:p>
+            <a:pPr marL="76200" indent="0">
+              <a:buNone/>
+            </a:pPr>
+            <a:r>
+              <a:rPr lang="en-US" sz="1400">
+                <a:solidFill>
+                  <a:schemeClr val="accent1"/>
+                </a:solidFill>
+              </a:rPr>
+              <a:t>PIP</a:t>
+            </a:r>
+            <a:r>
+              <a:rPr lang="en-US" sz="1400"/>
+              <a:t> is a package manager for Python packages, or modules if you like.</a:t>
+            </a:r>
+          </a:p>
+          <a:p>
+            <a:pPr marL="76200" indent="0">
+              <a:buNone/>
+            </a:pPr>
+            <a:r>
+              <a:rPr lang="en-US" sz="1400"/>
+              <a:t>Python package index: </a:t>
+            </a:r>
+            <a:r>
+              <a:rPr lang="en-US" sz="1100">
+                <a:latin typeface="Consolas" panose="020B0609020204030204" pitchFamily="49" charset="0"/>
+                <a:hlinkClick r:id="rId2"/>
+              </a:rPr>
+              <a:t>https://pypi.org/</a:t>
+            </a:r>
+            <a:endParaRPr lang="en-US" sz="1100">
+              <a:latin typeface="Consolas" panose="020B0609020204030204" pitchFamily="49" charset="0"/>
+            </a:endParaRPr>
+          </a:p>
+          <a:p>
+            <a:pPr marL="76200" indent="0">
+              <a:buNone/>
+            </a:pPr>
+            <a:endParaRPr lang="en-US" sz="1100">
+              <a:latin typeface="Consolas" panose="020B0609020204030204" pitchFamily="49" charset="0"/>
+            </a:endParaRPr>
+          </a:p>
+          <a:p>
+            <a:pPr marL="76200" indent="0">
+              <a:buNone/>
+            </a:pPr>
+            <a:r>
+              <a:rPr lang="en-US" sz="1400"/>
+              <a:t>Download a package</a:t>
+            </a:r>
+          </a:p>
+          <a:p>
+            <a:pPr marL="76200" indent="0">
+              <a:buNone/>
+            </a:pPr>
+            <a:r>
+              <a:rPr lang="en-US" sz="1100">
+                <a:solidFill>
+                  <a:schemeClr val="accent1"/>
+                </a:solidFill>
+                <a:latin typeface="Consolas" panose="020B0609020204030204" pitchFamily="49" charset="0"/>
+              </a:rPr>
+              <a:t>pip install </a:t>
+            </a:r>
+            <a:r>
+              <a:rPr lang="en-US" sz="1100">
+                <a:latin typeface="Consolas" panose="020B0609020204030204" pitchFamily="49" charset="0"/>
+              </a:rPr>
+              <a:t>numpy</a:t>
+            </a:r>
+          </a:p>
+          <a:p>
+            <a:pPr marL="76200" indent="0">
+              <a:buNone/>
+            </a:pPr>
+            <a:endParaRPr lang="en-US" sz="1100">
+              <a:latin typeface="Consolas" panose="020B0609020204030204" pitchFamily="49" charset="0"/>
+            </a:endParaRPr>
+          </a:p>
+          <a:p>
+            <a:pPr marL="76200" indent="0">
+              <a:buNone/>
+            </a:pPr>
+            <a:r>
+              <a:rPr lang="en-US" sz="1400"/>
+              <a:t>Remove a package</a:t>
+            </a:r>
+          </a:p>
+          <a:p>
+            <a:pPr marL="76200" indent="0">
+              <a:buNone/>
+            </a:pPr>
+            <a:r>
+              <a:rPr lang="en-US" sz="1100">
+                <a:latin typeface="Consolas" panose="020B0609020204030204" pitchFamily="49" charset="0"/>
+              </a:rPr>
+              <a:t>pip </a:t>
+            </a:r>
+            <a:r>
+              <a:rPr lang="en-US" sz="1100">
+                <a:solidFill>
+                  <a:schemeClr val="accent1"/>
+                </a:solidFill>
+                <a:latin typeface="Consolas" panose="020B0609020204030204" pitchFamily="49" charset="0"/>
+              </a:rPr>
+              <a:t>uninstall</a:t>
+            </a:r>
+            <a:r>
+              <a:rPr lang="en-US" sz="1100">
+                <a:latin typeface="Consolas" panose="020B0609020204030204" pitchFamily="49" charset="0"/>
+              </a:rPr>
+              <a:t> numpy</a:t>
+            </a:r>
+          </a:p>
+          <a:p>
+            <a:pPr marL="76200" indent="0">
+              <a:buNone/>
+            </a:pPr>
+            <a:endParaRPr lang="en-US" sz="1100">
+              <a:latin typeface="Consolas" panose="020B0609020204030204" pitchFamily="49" charset="0"/>
+            </a:endParaRPr>
+          </a:p>
+          <a:p>
+            <a:pPr marL="76200" indent="0">
+              <a:buNone/>
+            </a:pPr>
+            <a:r>
+              <a:rPr lang="en-US" sz="1400"/>
+              <a:t>List packages</a:t>
+            </a:r>
+          </a:p>
+          <a:p>
+            <a:pPr marL="76200" indent="0">
+              <a:buNone/>
+            </a:pPr>
+            <a:r>
+              <a:rPr lang="en-US" sz="1100">
+                <a:latin typeface="Consolas" panose="020B0609020204030204" pitchFamily="49" charset="0"/>
+              </a:rPr>
+              <a:t>pip </a:t>
+            </a:r>
+            <a:r>
+              <a:rPr lang="en-US" sz="1100">
+                <a:solidFill>
+                  <a:schemeClr val="accent1"/>
+                </a:solidFill>
+                <a:latin typeface="Consolas" panose="020B0609020204030204" pitchFamily="49" charset="0"/>
+              </a:rPr>
+              <a:t>list</a:t>
+            </a:r>
+          </a:p>
+        </p:txBody>
+      </p:sp>
+      <p:sp>
+        <p:nvSpPr>
+          <p:cNvPr id="4" name="Slide Number Placeholder 3">
+            <a:extLst>
+              <a:ext uri="{FF2B5EF4-FFF2-40B4-BE49-F238E27FC236}">
+                <a16:creationId xmlns:a16="http://schemas.microsoft.com/office/drawing/2014/main" id="{64987AE6-EC0E-43DD-9376-95A5602EE5E1}"/>
+              </a:ext>
+            </a:extLst>
+          </p:cNvPr>
+          <p:cNvSpPr>
+            <a:spLocks noGrp="1"/>
+          </p:cNvSpPr>
+          <p:nvPr>
+            <p:ph type="sldNum" idx="12"/>
+          </p:nvPr>
+        </p:nvSpPr>
+        <p:spPr/>
+        <p:txBody>
+          <a:bodyPr/>
+          <a:lstStyle/>
+          <a:p>
+            <a:pPr marL="0" lvl="0" indent="0" algn="r" rtl="0">
+              <a:spcBef>
+                <a:spcPts val="0"/>
+              </a:spcBef>
+              <a:spcAft>
+                <a:spcPts val="0"/>
+              </a:spcAft>
+              <a:buNone/>
+            </a:pPr>
+            <a:fld id="{00000000-1234-1234-1234-123412341234}" type="slidenum">
+              <a:rPr lang="en" smtClean="0"/>
+              <a:t>40</a:t>
+            </a:fld>
+            <a:endParaRPr lang="en"/>
+          </a:p>
+        </p:txBody>
+      </p:sp>
+    </p:spTree>
+    <p:extLst>
+      <p:ext uri="{BB962C8B-B14F-4D97-AF65-F5344CB8AC3E}">
+        <p14:creationId xmlns:p14="http://schemas.microsoft.com/office/powerpoint/2010/main" val="2988877096"/>
+      </p:ext>
+    </p:extLst>
+  </p:cSld>
+  <p:clrMapOvr>
+    <a:masterClrMapping/>
+  </p:clrMapOvr>
+</p:sld>
+</file>
+
+<file path=ppt/slides/slide41.xml><?xml version="1.0" encoding="utf-8"?>
+<p:sld xmlns:a="http://schemas.openxmlformats.org/drawingml/2006/main" xmlns:r="http://schemas.openxmlformats.org/officeDocument/2006/relationships" xmlns:p="http://schemas.openxmlformats.org/presentationml/2006/main" show="0">
+  <p:cSld>
+    <p:spTree>
+      <p:nvGrpSpPr>
+        <p:cNvPr id="1" name=""/>
+        <p:cNvGrpSpPr/>
+        <p:nvPr/>
+      </p:nvGrpSpPr>
+      <p:grpSpPr>
+        <a:xfrm>
+          <a:off x="0" y="0"/>
+          <a:ext cx="0" cy="0"/>
+          <a:chOff x="0" y="0"/>
+          <a:chExt cx="0" cy="0"/>
+        </a:xfrm>
+      </p:grpSpPr>
+      <p:sp>
+        <p:nvSpPr>
+          <p:cNvPr id="2" name="Title 1">
+            <a:extLst>
+              <a:ext uri="{FF2B5EF4-FFF2-40B4-BE49-F238E27FC236}">
+                <a16:creationId xmlns:a16="http://schemas.microsoft.com/office/drawing/2014/main" id="{024AD384-5AD1-4435-A943-1241B2FACD62}"/>
+              </a:ext>
+            </a:extLst>
+          </p:cNvPr>
+          <p:cNvSpPr>
+            <a:spLocks noGrp="1"/>
+          </p:cNvSpPr>
+          <p:nvPr>
+            <p:ph type="title"/>
+          </p:nvPr>
+        </p:nvSpPr>
+        <p:spPr/>
+        <p:txBody>
+          <a:bodyPr/>
+          <a:lstStyle/>
+          <a:p>
+            <a:r>
+              <a:rPr lang="en-US"/>
+              <a:t>Datetime</a:t>
+            </a:r>
+            <a:endParaRPr lang="fa-IR"/>
+          </a:p>
+        </p:txBody>
+      </p:sp>
+      <p:sp>
+        <p:nvSpPr>
+          <p:cNvPr id="3" name="Text Placeholder 2">
+            <a:extLst>
+              <a:ext uri="{FF2B5EF4-FFF2-40B4-BE49-F238E27FC236}">
+                <a16:creationId xmlns:a16="http://schemas.microsoft.com/office/drawing/2014/main" id="{58BE3078-8B89-4550-B497-93E4DADBD57E}"/>
+              </a:ext>
+            </a:extLst>
+          </p:cNvPr>
+          <p:cNvSpPr>
+            <a:spLocks noGrp="1"/>
+          </p:cNvSpPr>
+          <p:nvPr>
+            <p:ph type="body" idx="1"/>
+          </p:nvPr>
+        </p:nvSpPr>
+        <p:spPr>
+          <a:xfrm>
+            <a:off x="786150" y="1142608"/>
+            <a:ext cx="7571700" cy="3626431"/>
+          </a:xfrm>
+        </p:spPr>
+        <p:txBody>
+          <a:bodyPr/>
+          <a:lstStyle/>
+          <a:p>
+            <a:pPr marL="76200" indent="0">
+              <a:buNone/>
+            </a:pPr>
+            <a:r>
+              <a:rPr lang="en-US" sz="1400"/>
+              <a:t>Import and use datetime</a:t>
+            </a:r>
+          </a:p>
+          <a:p>
+            <a:pPr marL="76200" indent="0">
+              <a:buNone/>
+            </a:pPr>
+            <a:r>
+              <a:rPr lang="en-US" sz="1100">
+                <a:latin typeface="Consolas" panose="020B0609020204030204" pitchFamily="49" charset="0"/>
+              </a:rPr>
+              <a:t>import </a:t>
+            </a:r>
+            <a:r>
+              <a:rPr lang="en-US" sz="1100">
+                <a:solidFill>
+                  <a:schemeClr val="accent1"/>
+                </a:solidFill>
+                <a:latin typeface="Consolas" panose="020B0609020204030204" pitchFamily="49" charset="0"/>
+              </a:rPr>
+              <a:t>datetime</a:t>
+            </a:r>
+          </a:p>
+          <a:p>
+            <a:pPr marL="76200" indent="0">
+              <a:buNone/>
+            </a:pPr>
+            <a:r>
+              <a:rPr lang="en-US" sz="1100">
+                <a:latin typeface="Consolas" panose="020B0609020204030204" pitchFamily="49" charset="0"/>
+              </a:rPr>
+              <a:t>now = datetime</a:t>
+            </a:r>
+            <a:r>
+              <a:rPr lang="en-US" sz="1100">
+                <a:solidFill>
+                  <a:schemeClr val="accent1"/>
+                </a:solidFill>
+                <a:latin typeface="Consolas" panose="020B0609020204030204" pitchFamily="49" charset="0"/>
+              </a:rPr>
+              <a:t>.datetime.now()</a:t>
+            </a:r>
+          </a:p>
+          <a:p>
+            <a:pPr marL="76200" indent="0">
+              <a:buNone/>
+            </a:pPr>
+            <a:r>
+              <a:rPr lang="en-US" sz="1100">
+                <a:latin typeface="Consolas" panose="020B0609020204030204" pitchFamily="49" charset="0"/>
+              </a:rPr>
+              <a:t>print(now)</a:t>
+            </a:r>
+          </a:p>
+          <a:p>
+            <a:pPr marL="76200" indent="0">
+              <a:buNone/>
+            </a:pPr>
+            <a:r>
+              <a:rPr lang="en-US" sz="1100">
+                <a:latin typeface="Consolas" panose="020B0609020204030204" pitchFamily="49" charset="0"/>
+              </a:rPr>
+              <a:t>myBirthday = </a:t>
+            </a:r>
+            <a:r>
+              <a:rPr lang="nn-NO" sz="1100">
+                <a:latin typeface="Consolas" panose="020B0609020204030204" pitchFamily="49" charset="0"/>
+              </a:rPr>
+              <a:t>datetime</a:t>
+            </a:r>
+            <a:r>
+              <a:rPr lang="nn-NO" sz="1100">
+                <a:solidFill>
+                  <a:schemeClr val="accent1"/>
+                </a:solidFill>
+                <a:latin typeface="Consolas" panose="020B0609020204030204" pitchFamily="49" charset="0"/>
+              </a:rPr>
+              <a:t>.datetime(1999, 1, 5)</a:t>
+            </a:r>
+            <a:endParaRPr lang="en-US" sz="1100">
+              <a:solidFill>
+                <a:schemeClr val="accent1"/>
+              </a:solidFill>
+              <a:latin typeface="Consolas" panose="020B0609020204030204" pitchFamily="49" charset="0"/>
+            </a:endParaRPr>
+          </a:p>
+          <a:p>
+            <a:pPr marL="76200" indent="0">
+              <a:buNone/>
+            </a:pPr>
+            <a:r>
+              <a:rPr lang="en-US" sz="1100">
+                <a:latin typeface="Consolas" panose="020B0609020204030204" pitchFamily="49" charset="0"/>
+              </a:rPr>
+              <a:t>print(myBirthday</a:t>
+            </a:r>
+            <a:r>
+              <a:rPr lang="en-US" sz="1100">
+                <a:solidFill>
+                  <a:schemeClr val="accent1"/>
+                </a:solidFill>
+                <a:latin typeface="Consolas" panose="020B0609020204030204" pitchFamily="49" charset="0"/>
+              </a:rPr>
+              <a:t>.strftime('%x')</a:t>
+            </a:r>
+            <a:r>
+              <a:rPr lang="en-US" sz="1100">
+                <a:latin typeface="Consolas" panose="020B0609020204030204" pitchFamily="49" charset="0"/>
+              </a:rPr>
+              <a:t>)</a:t>
+            </a:r>
+          </a:p>
+          <a:p>
+            <a:pPr marL="76200" indent="0">
+              <a:buNone/>
+            </a:pPr>
+            <a:r>
+              <a:rPr lang="en-US" sz="1100">
+                <a:latin typeface="Consolas" panose="020B0609020204030204" pitchFamily="49" charset="0"/>
+              </a:rPr>
+              <a:t>print(myBirthday.strftime(</a:t>
+            </a:r>
+            <a:r>
+              <a:rPr lang="en-US" sz="1100">
+                <a:solidFill>
+                  <a:schemeClr val="accent1"/>
+                </a:solidFill>
+                <a:latin typeface="Consolas" panose="020B0609020204030204" pitchFamily="49" charset="0"/>
+              </a:rPr>
+              <a:t>'%A'</a:t>
+            </a:r>
+            <a:r>
+              <a:rPr lang="en-US" sz="1100">
+                <a:latin typeface="Consolas" panose="020B0609020204030204" pitchFamily="49" charset="0"/>
+              </a:rPr>
+              <a:t>))</a:t>
+            </a:r>
+          </a:p>
+          <a:p>
+            <a:pPr marL="76200" indent="0">
+              <a:buNone/>
+            </a:pPr>
+            <a:r>
+              <a:rPr lang="en-US" sz="1100">
+                <a:latin typeface="Consolas" panose="020B0609020204030204" pitchFamily="49" charset="0"/>
+              </a:rPr>
+              <a:t>print((now </a:t>
+            </a:r>
+            <a:r>
+              <a:rPr lang="en-US" sz="1100">
+                <a:solidFill>
+                  <a:schemeClr val="accent1"/>
+                </a:solidFill>
+                <a:latin typeface="Consolas" panose="020B0609020204030204" pitchFamily="49" charset="0"/>
+              </a:rPr>
+              <a:t>-</a:t>
+            </a:r>
+            <a:r>
+              <a:rPr lang="en-US" sz="1100">
+                <a:latin typeface="Consolas" panose="020B0609020204030204" pitchFamily="49" charset="0"/>
+              </a:rPr>
+              <a:t> myBirthday)</a:t>
+            </a:r>
+            <a:r>
+              <a:rPr lang="en-US" sz="1100">
+                <a:solidFill>
+                  <a:schemeClr val="accent1"/>
+                </a:solidFill>
+                <a:latin typeface="Consolas" panose="020B0609020204030204" pitchFamily="49" charset="0"/>
+              </a:rPr>
+              <a:t>.days</a:t>
+            </a:r>
+            <a:r>
+              <a:rPr lang="en-US" sz="1100">
+                <a:latin typeface="Consolas" panose="020B0609020204030204" pitchFamily="49" charset="0"/>
+              </a:rPr>
+              <a:t>)</a:t>
+            </a:r>
+          </a:p>
+        </p:txBody>
+      </p:sp>
+      <p:sp>
+        <p:nvSpPr>
+          <p:cNvPr id="4" name="Slide Number Placeholder 3">
+            <a:extLst>
+              <a:ext uri="{FF2B5EF4-FFF2-40B4-BE49-F238E27FC236}">
+                <a16:creationId xmlns:a16="http://schemas.microsoft.com/office/drawing/2014/main" id="{64987AE6-EC0E-43DD-9376-95A5602EE5E1}"/>
+              </a:ext>
+            </a:extLst>
+          </p:cNvPr>
+          <p:cNvSpPr>
+            <a:spLocks noGrp="1"/>
+          </p:cNvSpPr>
+          <p:nvPr>
+            <p:ph type="sldNum" idx="12"/>
+          </p:nvPr>
+        </p:nvSpPr>
+        <p:spPr/>
+        <p:txBody>
+          <a:bodyPr/>
+          <a:lstStyle/>
+          <a:p>
+            <a:pPr marL="0" lvl="0" indent="0" algn="r" rtl="0">
+              <a:spcBef>
+                <a:spcPts val="0"/>
+              </a:spcBef>
+              <a:spcAft>
+                <a:spcPts val="0"/>
+              </a:spcAft>
+              <a:buNone/>
+            </a:pPr>
+            <a:fld id="{00000000-1234-1234-1234-123412341234}" type="slidenum">
+              <a:rPr lang="en" smtClean="0"/>
+              <a:t>41</a:t>
+            </a:fld>
+            <a:endParaRPr lang="en"/>
+          </a:p>
+        </p:txBody>
+      </p:sp>
+    </p:spTree>
+    <p:extLst>
+      <p:ext uri="{BB962C8B-B14F-4D97-AF65-F5344CB8AC3E}">
+        <p14:creationId xmlns:p14="http://schemas.microsoft.com/office/powerpoint/2010/main" val="2927642387"/>
+      </p:ext>
+    </p:extLst>
+  </p:cSld>
+  <p:clrMapOvr>
+    <a:masterClrMapping/>
+  </p:clrMapOvr>
+</p:sld>
+</file>
+
+<file path=ppt/slides/slide42.xml><?xml version="1.0" encoding="utf-8"?>
+<p:sld xmlns:a="http://schemas.openxmlformats.org/drawingml/2006/main" xmlns:r="http://schemas.openxmlformats.org/officeDocument/2006/relationships" xmlns:p="http://schemas.openxmlformats.org/presentationml/2006/main" show="0">
+  <p:cSld>
+    <p:spTree>
+      <p:nvGrpSpPr>
+        <p:cNvPr id="1" name=""/>
+        <p:cNvGrpSpPr/>
+        <p:nvPr/>
+      </p:nvGrpSpPr>
+      <p:grpSpPr>
+        <a:xfrm>
+          <a:off x="0" y="0"/>
+          <a:ext cx="0" cy="0"/>
+          <a:chOff x="0" y="0"/>
+          <a:chExt cx="0" cy="0"/>
+        </a:xfrm>
+      </p:grpSpPr>
+      <p:sp>
+        <p:nvSpPr>
+          <p:cNvPr id="2" name="Title 1">
+            <a:extLst>
+              <a:ext uri="{FF2B5EF4-FFF2-40B4-BE49-F238E27FC236}">
+                <a16:creationId xmlns:a16="http://schemas.microsoft.com/office/drawing/2014/main" id="{024AD384-5AD1-4435-A943-1241B2FACD62}"/>
+              </a:ext>
+            </a:extLst>
+          </p:cNvPr>
+          <p:cNvSpPr>
+            <a:spLocks noGrp="1"/>
+          </p:cNvSpPr>
+          <p:nvPr>
+            <p:ph type="title"/>
+          </p:nvPr>
+        </p:nvSpPr>
+        <p:spPr/>
+        <p:txBody>
+          <a:bodyPr/>
+          <a:lstStyle/>
+          <a:p>
+            <a:r>
+              <a:rPr lang="en"/>
+              <a:t>Math</a:t>
+            </a:r>
+            <a:endParaRPr lang="fa-IR"/>
+          </a:p>
+        </p:txBody>
+      </p:sp>
+      <p:sp>
+        <p:nvSpPr>
+          <p:cNvPr id="3" name="Text Placeholder 2">
+            <a:extLst>
+              <a:ext uri="{FF2B5EF4-FFF2-40B4-BE49-F238E27FC236}">
+                <a16:creationId xmlns:a16="http://schemas.microsoft.com/office/drawing/2014/main" id="{58BE3078-8B89-4550-B497-93E4DADBD57E}"/>
+              </a:ext>
+            </a:extLst>
+          </p:cNvPr>
+          <p:cNvSpPr>
+            <a:spLocks noGrp="1"/>
+          </p:cNvSpPr>
+          <p:nvPr>
+            <p:ph type="body" idx="1"/>
+          </p:nvPr>
+        </p:nvSpPr>
+        <p:spPr>
+          <a:xfrm>
+            <a:off x="786150" y="1142608"/>
+            <a:ext cx="7571700" cy="3626431"/>
+          </a:xfrm>
+        </p:spPr>
+        <p:txBody>
+          <a:bodyPr/>
+          <a:lstStyle/>
+          <a:p>
+            <a:pPr marL="76200" indent="0">
+              <a:buNone/>
+            </a:pPr>
+            <a:r>
+              <a:rPr lang="en-US" sz="1400"/>
+              <a:t>Import and use math</a:t>
+            </a:r>
+          </a:p>
+          <a:p>
+            <a:pPr marL="76200" indent="0">
+              <a:buNone/>
+            </a:pPr>
+            <a:r>
+              <a:rPr lang="en-US" sz="1100">
+                <a:latin typeface="Consolas" panose="020B0609020204030204" pitchFamily="49" charset="0"/>
+              </a:rPr>
+              <a:t>import </a:t>
+            </a:r>
+            <a:r>
+              <a:rPr lang="en-US" sz="1100">
+                <a:solidFill>
+                  <a:schemeClr val="accent1"/>
+                </a:solidFill>
+                <a:latin typeface="Consolas" panose="020B0609020204030204" pitchFamily="49" charset="0"/>
+              </a:rPr>
+              <a:t>math</a:t>
+            </a:r>
+          </a:p>
+          <a:p>
+            <a:pPr marL="76200" indent="0">
+              <a:buNone/>
+            </a:pPr>
+            <a:r>
+              <a:rPr lang="en-US" sz="1100">
+                <a:latin typeface="Consolas" panose="020B0609020204030204" pitchFamily="49" charset="0"/>
+              </a:rPr>
+              <a:t>print(math</a:t>
+            </a:r>
+            <a:r>
+              <a:rPr lang="en-US" sz="1100">
+                <a:solidFill>
+                  <a:schemeClr val="accent1"/>
+                </a:solidFill>
+                <a:latin typeface="Consolas" panose="020B0609020204030204" pitchFamily="49" charset="0"/>
+              </a:rPr>
+              <a:t>.sqrt(</a:t>
+            </a:r>
+            <a:r>
+              <a:rPr lang="en-US" sz="1100">
+                <a:latin typeface="Consolas" panose="020B0609020204030204" pitchFamily="49" charset="0"/>
+              </a:rPr>
+              <a:t>64</a:t>
+            </a:r>
+            <a:r>
+              <a:rPr lang="en-US" sz="1100">
+                <a:solidFill>
+                  <a:schemeClr val="accent1"/>
+                </a:solidFill>
+                <a:latin typeface="Consolas" panose="020B0609020204030204" pitchFamily="49" charset="0"/>
+              </a:rPr>
+              <a:t>)</a:t>
+            </a:r>
+            <a:r>
+              <a:rPr lang="en-US" sz="1100">
+                <a:latin typeface="Consolas" panose="020B0609020204030204" pitchFamily="49" charset="0"/>
+              </a:rPr>
+              <a:t>)</a:t>
+            </a:r>
+          </a:p>
+          <a:p>
+            <a:pPr marL="76200" indent="0">
+              <a:buNone/>
+            </a:pPr>
+            <a:r>
+              <a:rPr lang="en-US" sz="1100">
+                <a:latin typeface="Consolas" panose="020B0609020204030204" pitchFamily="49" charset="0"/>
+              </a:rPr>
+              <a:t>print(math</a:t>
+            </a:r>
+            <a:r>
+              <a:rPr lang="en-US" sz="1100">
+                <a:solidFill>
+                  <a:schemeClr val="accent1"/>
+                </a:solidFill>
+                <a:latin typeface="Consolas" panose="020B0609020204030204" pitchFamily="49" charset="0"/>
+              </a:rPr>
+              <a:t>.ceil(</a:t>
+            </a:r>
+            <a:r>
+              <a:rPr lang="en-US" sz="1100">
+                <a:latin typeface="Consolas" panose="020B0609020204030204" pitchFamily="49" charset="0"/>
+              </a:rPr>
+              <a:t>1.4</a:t>
+            </a:r>
+            <a:r>
+              <a:rPr lang="en-US" sz="1100">
+                <a:solidFill>
+                  <a:schemeClr val="accent1"/>
+                </a:solidFill>
+                <a:latin typeface="Consolas" panose="020B0609020204030204" pitchFamily="49" charset="0"/>
+              </a:rPr>
+              <a:t>)</a:t>
+            </a:r>
+            <a:r>
+              <a:rPr lang="en-US" sz="1100">
+                <a:latin typeface="Consolas" panose="020B0609020204030204" pitchFamily="49" charset="0"/>
+              </a:rPr>
+              <a:t>)</a:t>
+            </a:r>
+          </a:p>
+          <a:p>
+            <a:pPr marL="76200" indent="0">
+              <a:buNone/>
+            </a:pPr>
+            <a:r>
+              <a:rPr lang="en-US" sz="1100">
+                <a:latin typeface="Consolas" panose="020B0609020204030204" pitchFamily="49" charset="0"/>
+              </a:rPr>
+              <a:t>print(math</a:t>
+            </a:r>
+            <a:r>
+              <a:rPr lang="en-US" sz="1100">
+                <a:solidFill>
+                  <a:schemeClr val="accent1"/>
+                </a:solidFill>
+                <a:latin typeface="Consolas" panose="020B0609020204030204" pitchFamily="49" charset="0"/>
+              </a:rPr>
+              <a:t>.floor(</a:t>
+            </a:r>
+            <a:r>
+              <a:rPr lang="en-US" sz="1100">
+                <a:latin typeface="Consolas" panose="020B0609020204030204" pitchFamily="49" charset="0"/>
+              </a:rPr>
+              <a:t>1.4</a:t>
+            </a:r>
+            <a:r>
+              <a:rPr lang="en-US" sz="1100">
+                <a:solidFill>
+                  <a:schemeClr val="accent1"/>
+                </a:solidFill>
+                <a:latin typeface="Consolas" panose="020B0609020204030204" pitchFamily="49" charset="0"/>
+              </a:rPr>
+              <a:t>)</a:t>
+            </a:r>
+            <a:r>
+              <a:rPr lang="en-US" sz="1100">
+                <a:latin typeface="Consolas" panose="020B0609020204030204" pitchFamily="49" charset="0"/>
+              </a:rPr>
+              <a:t>)</a:t>
+            </a:r>
+          </a:p>
+          <a:p>
+            <a:pPr marL="76200" indent="0">
+              <a:buNone/>
+            </a:pPr>
+            <a:r>
+              <a:rPr lang="en-US" sz="1100">
+                <a:latin typeface="Consolas" panose="020B0609020204030204" pitchFamily="49" charset="0"/>
+              </a:rPr>
+              <a:t>print(math</a:t>
+            </a:r>
+            <a:r>
+              <a:rPr lang="en-US" sz="1100">
+                <a:solidFill>
+                  <a:schemeClr val="accent1"/>
+                </a:solidFill>
+                <a:latin typeface="Consolas" panose="020B0609020204030204" pitchFamily="49" charset="0"/>
+              </a:rPr>
+              <a:t>.pi</a:t>
+            </a:r>
+            <a:r>
+              <a:rPr lang="en-US" sz="1100">
+                <a:latin typeface="Consolas" panose="020B0609020204030204" pitchFamily="49" charset="0"/>
+              </a:rPr>
+              <a:t>)</a:t>
+            </a:r>
+          </a:p>
+        </p:txBody>
+      </p:sp>
+      <p:sp>
+        <p:nvSpPr>
+          <p:cNvPr id="4" name="Slide Number Placeholder 3">
+            <a:extLst>
+              <a:ext uri="{FF2B5EF4-FFF2-40B4-BE49-F238E27FC236}">
+                <a16:creationId xmlns:a16="http://schemas.microsoft.com/office/drawing/2014/main" id="{64987AE6-EC0E-43DD-9376-95A5602EE5E1}"/>
+              </a:ext>
+            </a:extLst>
+          </p:cNvPr>
+          <p:cNvSpPr>
+            <a:spLocks noGrp="1"/>
+          </p:cNvSpPr>
+          <p:nvPr>
+            <p:ph type="sldNum" idx="12"/>
+          </p:nvPr>
+        </p:nvSpPr>
+        <p:spPr/>
+        <p:txBody>
+          <a:bodyPr/>
+          <a:lstStyle/>
+          <a:p>
+            <a:pPr marL="0" lvl="0" indent="0" algn="r" rtl="0">
+              <a:spcBef>
+                <a:spcPts val="0"/>
+              </a:spcBef>
+              <a:spcAft>
+                <a:spcPts val="0"/>
+              </a:spcAft>
+              <a:buNone/>
+            </a:pPr>
+            <a:fld id="{00000000-1234-1234-1234-123412341234}" type="slidenum">
+              <a:rPr lang="en" smtClean="0"/>
+              <a:t>42</a:t>
+            </a:fld>
+            <a:endParaRPr lang="en"/>
+          </a:p>
+        </p:txBody>
+      </p:sp>
+    </p:spTree>
+    <p:extLst>
+      <p:ext uri="{BB962C8B-B14F-4D97-AF65-F5344CB8AC3E}">
+        <p14:creationId xmlns:p14="http://schemas.microsoft.com/office/powerpoint/2010/main" val="3717683448"/>
+      </p:ext>
+    </p:extLst>
+  </p:cSld>
+  <p:clrMapOvr>
+    <a:masterClrMapping/>
+  </p:clrMapOvr>
+</p:sld>
+</file>
+
+<file path=ppt/slides/slide43.xml><?xml version="1.0" encoding="utf-8"?>
+<p:sld xmlns:a="http://schemas.openxmlformats.org/drawingml/2006/main" xmlns:r="http://schemas.openxmlformats.org/officeDocument/2006/relationships" xmlns:p="http://schemas.openxmlformats.org/presentationml/2006/main" show="0">
+  <p:cSld>
+    <p:spTree>
+      <p:nvGrpSpPr>
+        <p:cNvPr id="1" name=""/>
+        <p:cNvGrpSpPr/>
+        <p:nvPr/>
+      </p:nvGrpSpPr>
+      <p:grpSpPr>
+        <a:xfrm>
+          <a:off x="0" y="0"/>
+          <a:ext cx="0" cy="0"/>
+          <a:chOff x="0" y="0"/>
+          <a:chExt cx="0" cy="0"/>
+        </a:xfrm>
+      </p:grpSpPr>
+      <p:sp>
+        <p:nvSpPr>
+          <p:cNvPr id="2" name="Title 1">
+            <a:extLst>
+              <a:ext uri="{FF2B5EF4-FFF2-40B4-BE49-F238E27FC236}">
+                <a16:creationId xmlns:a16="http://schemas.microsoft.com/office/drawing/2014/main" id="{024AD384-5AD1-4435-A943-1241B2FACD62}"/>
+              </a:ext>
+            </a:extLst>
+          </p:cNvPr>
+          <p:cNvSpPr>
+            <a:spLocks noGrp="1"/>
+          </p:cNvSpPr>
+          <p:nvPr>
+            <p:ph type="title"/>
+          </p:nvPr>
+        </p:nvSpPr>
+        <p:spPr/>
+        <p:txBody>
+          <a:bodyPr/>
+          <a:lstStyle/>
+          <a:p>
+            <a:r>
+              <a:rPr lang="en"/>
+              <a:t>JSON</a:t>
+            </a:r>
+            <a:endParaRPr lang="fa-IR"/>
+          </a:p>
+        </p:txBody>
+      </p:sp>
+      <p:sp>
+        <p:nvSpPr>
+          <p:cNvPr id="3" name="Text Placeholder 2">
+            <a:extLst>
+              <a:ext uri="{FF2B5EF4-FFF2-40B4-BE49-F238E27FC236}">
+                <a16:creationId xmlns:a16="http://schemas.microsoft.com/office/drawing/2014/main" id="{58BE3078-8B89-4550-B497-93E4DADBD57E}"/>
+              </a:ext>
+            </a:extLst>
+          </p:cNvPr>
+          <p:cNvSpPr>
+            <a:spLocks noGrp="1"/>
+          </p:cNvSpPr>
+          <p:nvPr>
+            <p:ph type="body" idx="1"/>
+          </p:nvPr>
+        </p:nvSpPr>
+        <p:spPr>
+          <a:xfrm>
+            <a:off x="786150" y="1142608"/>
+            <a:ext cx="7571700" cy="3626431"/>
+          </a:xfrm>
+        </p:spPr>
+        <p:txBody>
+          <a:bodyPr/>
+          <a:lstStyle/>
+          <a:p>
+            <a:pPr marL="76200" indent="0">
+              <a:buNone/>
+            </a:pPr>
+            <a:r>
+              <a:rPr lang="en-US" sz="1400"/>
+              <a:t>JSON is a syntax for storing and exchanging data.</a:t>
+            </a:r>
+          </a:p>
+          <a:p>
+            <a:pPr marL="76200" indent="0">
+              <a:buNone/>
+            </a:pPr>
+            <a:endParaRPr lang="en-US" sz="1400"/>
+          </a:p>
+          <a:p>
+            <a:pPr marL="76200" indent="0">
+              <a:buNone/>
+            </a:pPr>
+            <a:r>
+              <a:rPr lang="en-US" sz="1400"/>
+              <a:t>Import and use math</a:t>
+            </a:r>
+          </a:p>
+          <a:p>
+            <a:pPr marL="76200" indent="0">
+              <a:buNone/>
+            </a:pPr>
+            <a:r>
+              <a:rPr lang="en-US" sz="1100">
+                <a:latin typeface="Consolas" panose="020B0609020204030204" pitchFamily="49" charset="0"/>
+              </a:rPr>
+              <a:t>import json</a:t>
+            </a:r>
+          </a:p>
+          <a:p>
+            <a:pPr marL="76200" indent="0">
+              <a:buNone/>
+            </a:pPr>
+            <a:r>
+              <a:rPr lang="en-US" sz="1100">
+                <a:latin typeface="Consolas" panose="020B0609020204030204" pitchFamily="49" charset="0"/>
+              </a:rPr>
+              <a:t>myJson = '{ "name": "Alireza", "age": 24}'</a:t>
+            </a:r>
+          </a:p>
+          <a:p>
+            <a:pPr marL="76200" indent="0">
+              <a:buNone/>
+            </a:pPr>
+            <a:r>
+              <a:rPr lang="en-US" sz="1100">
+                <a:latin typeface="Consolas" panose="020B0609020204030204" pitchFamily="49" charset="0"/>
+              </a:rPr>
+              <a:t>myDict = json</a:t>
+            </a:r>
+            <a:r>
+              <a:rPr lang="en-US" sz="1100">
+                <a:solidFill>
+                  <a:schemeClr val="accent1"/>
+                </a:solidFill>
+                <a:latin typeface="Consolas" panose="020B0609020204030204" pitchFamily="49" charset="0"/>
+              </a:rPr>
+              <a:t>.loads(</a:t>
+            </a:r>
+            <a:r>
+              <a:rPr lang="en-US" sz="1100">
+                <a:latin typeface="Consolas" panose="020B0609020204030204" pitchFamily="49" charset="0"/>
+              </a:rPr>
+              <a:t>x</a:t>
+            </a:r>
+            <a:r>
+              <a:rPr lang="en-US" sz="1100">
+                <a:solidFill>
+                  <a:schemeClr val="accent1"/>
+                </a:solidFill>
+                <a:latin typeface="Consolas" panose="020B0609020204030204" pitchFamily="49" charset="0"/>
+              </a:rPr>
+              <a:t>)</a:t>
+            </a:r>
+          </a:p>
+          <a:p>
+            <a:pPr marL="76200" indent="0">
+              <a:buNone/>
+            </a:pPr>
+            <a:r>
+              <a:rPr lang="en-US" sz="1100">
+                <a:latin typeface="Consolas" panose="020B0609020204030204" pitchFamily="49" charset="0"/>
+              </a:rPr>
+              <a:t>myDict['age'] = 29</a:t>
+            </a:r>
+          </a:p>
+          <a:p>
+            <a:pPr marL="76200" indent="0">
+              <a:buNone/>
+            </a:pPr>
+            <a:r>
+              <a:rPr lang="en-US" sz="1100">
+                <a:latin typeface="Consolas" panose="020B0609020204030204" pitchFamily="49" charset="0"/>
+              </a:rPr>
+              <a:t>anotherJson = json</a:t>
+            </a:r>
+            <a:r>
+              <a:rPr lang="en-US" sz="1100">
+                <a:solidFill>
+                  <a:schemeClr val="accent1"/>
+                </a:solidFill>
+                <a:latin typeface="Consolas" panose="020B0609020204030204" pitchFamily="49" charset="0"/>
+              </a:rPr>
+              <a:t>.dumps(</a:t>
+            </a:r>
+            <a:r>
+              <a:rPr lang="en-US" sz="1100">
+                <a:latin typeface="Consolas" panose="020B0609020204030204" pitchFamily="49" charset="0"/>
+              </a:rPr>
+              <a:t>x</a:t>
+            </a:r>
+            <a:r>
+              <a:rPr lang="en-US" sz="1100">
+                <a:solidFill>
+                  <a:schemeClr val="accent1"/>
+                </a:solidFill>
+                <a:latin typeface="Consolas" panose="020B0609020204030204" pitchFamily="49" charset="0"/>
+              </a:rPr>
+              <a:t>)</a:t>
+            </a:r>
+          </a:p>
+        </p:txBody>
+      </p:sp>
+      <p:sp>
+        <p:nvSpPr>
+          <p:cNvPr id="4" name="Slide Number Placeholder 3">
+            <a:extLst>
+              <a:ext uri="{FF2B5EF4-FFF2-40B4-BE49-F238E27FC236}">
+                <a16:creationId xmlns:a16="http://schemas.microsoft.com/office/drawing/2014/main" id="{64987AE6-EC0E-43DD-9376-95A5602EE5E1}"/>
+              </a:ext>
+            </a:extLst>
+          </p:cNvPr>
+          <p:cNvSpPr>
+            <a:spLocks noGrp="1"/>
+          </p:cNvSpPr>
+          <p:nvPr>
+            <p:ph type="sldNum" idx="12"/>
+          </p:nvPr>
+        </p:nvSpPr>
+        <p:spPr/>
+        <p:txBody>
+          <a:bodyPr/>
+          <a:lstStyle/>
+          <a:p>
+            <a:pPr marL="0" lvl="0" indent="0" algn="r" rtl="0">
+              <a:spcBef>
+                <a:spcPts val="0"/>
+              </a:spcBef>
+              <a:spcAft>
+                <a:spcPts val="0"/>
+              </a:spcAft>
+              <a:buNone/>
+            </a:pPr>
+            <a:fld id="{00000000-1234-1234-1234-123412341234}" type="slidenum">
+              <a:rPr lang="en" smtClean="0"/>
+              <a:t>43</a:t>
+            </a:fld>
+            <a:endParaRPr lang="en"/>
+          </a:p>
+        </p:txBody>
+      </p:sp>
+      <p:graphicFrame>
+        <p:nvGraphicFramePr>
+          <p:cNvPr id="5" name="Diagram 4">
+            <a:extLst>
+              <a:ext uri="{FF2B5EF4-FFF2-40B4-BE49-F238E27FC236}">
+                <a16:creationId xmlns:a16="http://schemas.microsoft.com/office/drawing/2014/main" id="{7BCC041E-0A69-498B-A73D-6F8FB9BAD963}"/>
+              </a:ext>
+            </a:extLst>
+          </p:cNvPr>
+          <p:cNvGraphicFramePr/>
+          <p:nvPr/>
+        </p:nvGraphicFramePr>
+        <p:xfrm>
+          <a:off x="4996608" y="2219261"/>
+          <a:ext cx="3407776" cy="1473123"/>
+        </p:xfrm>
+        <a:graphic>
+          <a:graphicData uri="http://schemas.openxmlformats.org/drawingml/2006/diagram">
+            <dgm:relIds xmlns:dgm="http://schemas.openxmlformats.org/drawingml/2006/diagram" xmlns:r="http://schemas.openxmlformats.org/officeDocument/2006/relationships" r:dm="rId2" r:lo="rId3" r:qs="rId4" r:cs="rId5"/>
+          </a:graphicData>
+        </a:graphic>
+      </p:graphicFrame>
+    </p:spTree>
+    <p:extLst>
+      <p:ext uri="{BB962C8B-B14F-4D97-AF65-F5344CB8AC3E}">
+        <p14:creationId xmlns:p14="http://schemas.microsoft.com/office/powerpoint/2010/main" val="3481581763"/>
       </p:ext>
     </p:extLst>
   </p:cSld>

--- a/1 Python Basics.pptx
+++ b/1 Python Basics.pptx
@@ -5,10 +5,10 @@
     <p:sldMasterId id="2147483658" r:id="rId1"/>
   </p:sldMasterIdLst>
   <p:notesMasterIdLst>
-    <p:notesMasterId r:id="rId45"/>
+    <p:notesMasterId r:id="rId46"/>
   </p:notesMasterIdLst>
   <p:handoutMasterIdLst>
-    <p:handoutMasterId r:id="rId46"/>
+    <p:handoutMasterId r:id="rId47"/>
   </p:handoutMasterIdLst>
   <p:sldIdLst>
     <p:sldId id="256" r:id="rId2"/>
@@ -54,35 +54,36 @@
     <p:sldId id="329" r:id="rId42"/>
     <p:sldId id="327" r:id="rId43"/>
     <p:sldId id="325" r:id="rId44"/>
+    <p:sldId id="340" r:id="rId45"/>
   </p:sldIdLst>
   <p:sldSz cx="9144000" cy="5143500" type="screen16x9"/>
   <p:notesSz cx="6858000" cy="9144000"/>
   <p:embeddedFontLst>
     <p:embeddedFont>
       <p:font typeface="Consolas" panose="020B0609020204030204" pitchFamily="49" charset="0"/>
-      <p:regular r:id="rId47"/>
-      <p:bold r:id="rId48"/>
-      <p:italic r:id="rId49"/>
-      <p:boldItalic r:id="rId50"/>
+      <p:regular r:id="rId48"/>
+      <p:bold r:id="rId49"/>
+      <p:italic r:id="rId50"/>
+      <p:boldItalic r:id="rId51"/>
     </p:embeddedFont>
     <p:embeddedFont>
       <p:font typeface="Roboto Slab" panose="020B0604020202020204" charset="0"/>
-      <p:regular r:id="rId51"/>
-      <p:bold r:id="rId52"/>
+      <p:regular r:id="rId52"/>
+      <p:bold r:id="rId53"/>
     </p:embeddedFont>
     <p:embeddedFont>
       <p:font typeface="Source Sans Pro" panose="020B0503030403020204" pitchFamily="34" charset="0"/>
-      <p:regular r:id="rId53"/>
-      <p:bold r:id="rId54"/>
-      <p:italic r:id="rId55"/>
-      <p:boldItalic r:id="rId56"/>
+      <p:regular r:id="rId54"/>
+      <p:bold r:id="rId55"/>
+      <p:italic r:id="rId56"/>
+      <p:boldItalic r:id="rId57"/>
     </p:embeddedFont>
     <p:embeddedFont>
       <p:font typeface="Trebuchet MS" panose="020B0603020202020204" pitchFamily="34" charset="0"/>
-      <p:regular r:id="rId57"/>
-      <p:bold r:id="rId58"/>
-      <p:italic r:id="rId59"/>
-      <p:boldItalic r:id="rId60"/>
+      <p:regular r:id="rId58"/>
+      <p:bold r:id="rId59"/>
+      <p:italic r:id="rId60"/>
+      <p:boldItalic r:id="rId61"/>
     </p:embeddedFont>
   </p:embeddedFontLst>
   <p:defaultTextStyle>
@@ -26390,7 +26391,156 @@
                 </a:solidFill>
                 <a:latin typeface="Consolas" panose="020B0609020204030204" pitchFamily="49" charset="0"/>
               </a:rPr>
+              <a:t>.exp(</a:t>
+            </a:r>
+            <a:r>
+              <a:rPr lang="en-US" sz="1100">
+                <a:latin typeface="Consolas" panose="020B0609020204030204" pitchFamily="49" charset="0"/>
+              </a:rPr>
+              <a:t>5</a:t>
+            </a:r>
+            <a:r>
+              <a:rPr lang="en-US" sz="1100">
+                <a:solidFill>
+                  <a:schemeClr val="accent1"/>
+                </a:solidFill>
+                <a:latin typeface="Consolas" panose="020B0609020204030204" pitchFamily="49" charset="0"/>
+              </a:rPr>
+              <a:t>)</a:t>
+            </a:r>
+            <a:r>
+              <a:rPr lang="en-US" sz="1100">
+                <a:latin typeface="Consolas" panose="020B0609020204030204" pitchFamily="49" charset="0"/>
+              </a:rPr>
+              <a:t>)</a:t>
+            </a:r>
+          </a:p>
+          <a:p>
+            <a:pPr marL="76200" indent="0">
+              <a:buNone/>
+            </a:pPr>
+            <a:r>
+              <a:rPr lang="en-US" sz="1100">
+                <a:latin typeface="Consolas" panose="020B0609020204030204" pitchFamily="49" charset="0"/>
+              </a:rPr>
+              <a:t>print(math</a:t>
+            </a:r>
+            <a:r>
+              <a:rPr lang="en-US" sz="1100">
+                <a:solidFill>
+                  <a:schemeClr val="accent1"/>
+                </a:solidFill>
+                <a:latin typeface="Consolas" panose="020B0609020204030204" pitchFamily="49" charset="0"/>
+              </a:rPr>
+              <a:t>.factorial(</a:t>
+            </a:r>
+            <a:r>
+              <a:rPr lang="en-US" sz="1100">
+                <a:latin typeface="Consolas" panose="020B0609020204030204" pitchFamily="49" charset="0"/>
+              </a:rPr>
+              <a:t>5</a:t>
+            </a:r>
+            <a:r>
+              <a:rPr lang="en-US" sz="1100">
+                <a:solidFill>
+                  <a:schemeClr val="accent1"/>
+                </a:solidFill>
+                <a:latin typeface="Consolas" panose="020B0609020204030204" pitchFamily="49" charset="0"/>
+              </a:rPr>
+              <a:t>)</a:t>
+            </a:r>
+            <a:r>
+              <a:rPr lang="en-US" sz="1100">
+                <a:latin typeface="Consolas" panose="020B0609020204030204" pitchFamily="49" charset="0"/>
+              </a:rPr>
+              <a:t>)</a:t>
+            </a:r>
+          </a:p>
+          <a:p>
+            <a:pPr marL="76200" indent="0">
+              <a:buNone/>
+            </a:pPr>
+            <a:r>
+              <a:rPr lang="en-US" sz="1100">
+                <a:latin typeface="Consolas" panose="020B0609020204030204" pitchFamily="49" charset="0"/>
+              </a:rPr>
+              <a:t>print(math</a:t>
+            </a:r>
+            <a:r>
+              <a:rPr lang="en-US" sz="1100">
+                <a:solidFill>
+                  <a:schemeClr val="accent1"/>
+                </a:solidFill>
+                <a:latin typeface="Consolas" panose="020B0609020204030204" pitchFamily="49" charset="0"/>
+              </a:rPr>
+              <a:t>.log(</a:t>
+            </a:r>
+            <a:r>
+              <a:rPr lang="en-US" sz="1100">
+                <a:latin typeface="Consolas" panose="020B0609020204030204" pitchFamily="49" charset="0"/>
+              </a:rPr>
+              <a:t>5</a:t>
+            </a:r>
+            <a:r>
+              <a:rPr lang="en-US" sz="1100">
+                <a:solidFill>
+                  <a:schemeClr val="accent1"/>
+                </a:solidFill>
+                <a:latin typeface="Consolas" panose="020B0609020204030204" pitchFamily="49" charset="0"/>
+              </a:rPr>
+              <a:t>)</a:t>
+            </a:r>
+            <a:r>
+              <a:rPr lang="en-US" sz="1100">
+                <a:latin typeface="Consolas" panose="020B0609020204030204" pitchFamily="49" charset="0"/>
+              </a:rPr>
+              <a:t>)</a:t>
+            </a:r>
+          </a:p>
+          <a:p>
+            <a:pPr marL="76200" indent="0">
+              <a:buNone/>
+            </a:pPr>
+            <a:r>
+              <a:rPr lang="en-US" sz="1100">
+                <a:latin typeface="Consolas" panose="020B0609020204030204" pitchFamily="49" charset="0"/>
+              </a:rPr>
+              <a:t>print(math</a:t>
+            </a:r>
+            <a:r>
+              <a:rPr lang="en-US" sz="1100">
+                <a:solidFill>
+                  <a:schemeClr val="accent1"/>
+                </a:solidFill>
+                <a:latin typeface="Consolas" panose="020B0609020204030204" pitchFamily="49" charset="0"/>
+              </a:rPr>
               <a:t>.pi</a:t>
+            </a:r>
+            <a:r>
+              <a:rPr lang="en-US" sz="1100">
+                <a:latin typeface="Consolas" panose="020B0609020204030204" pitchFamily="49" charset="0"/>
+              </a:rPr>
+              <a:t>)</a:t>
+            </a:r>
+          </a:p>
+          <a:p>
+            <a:pPr marL="76200" indent="0">
+              <a:buNone/>
+            </a:pPr>
+            <a:r>
+              <a:rPr lang="en-US" sz="1100">
+                <a:latin typeface="Consolas" panose="020B0609020204030204" pitchFamily="49" charset="0"/>
+              </a:rPr>
+              <a:t>print(math</a:t>
+            </a:r>
+            <a:r>
+              <a:rPr lang="en-US" sz="1100">
+                <a:solidFill>
+                  <a:schemeClr val="accent1"/>
+                </a:solidFill>
+                <a:latin typeface="Consolas" panose="020B0609020204030204" pitchFamily="49" charset="0"/>
+              </a:rPr>
+              <a:t>.e</a:t>
             </a:r>
             <a:r>
               <a:rPr lang="en-US" sz="1100">
@@ -26566,7 +26716,7 @@
               <a:rPr lang="en-US" sz="1100">
                 <a:latin typeface="Consolas" panose="020B0609020204030204" pitchFamily="49" charset="0"/>
               </a:rPr>
-              <a:t>myJson = '{ "name": "Alireza", "age": 24}'</a:t>
+              <a:t>myJson = '{ "name": "Alireza", "age": 24 }'</a:t>
             </a:r>
           </a:p>
           <a:p>
@@ -26716,6 +26866,298 @@
     <p:extLst>
       <p:ext uri="{BB962C8B-B14F-4D97-AF65-F5344CB8AC3E}">
         <p14:creationId xmlns:p14="http://schemas.microsoft.com/office/powerpoint/2010/main" val="3481581763"/>
+      </p:ext>
+    </p:extLst>
+  </p:cSld>
+  <p:clrMapOvr>
+    <a:masterClrMapping/>
+  </p:clrMapOvr>
+</p:sld>
+</file>
+
+<file path=ppt/slides/slide44.xml><?xml version="1.0" encoding="utf-8"?>
+<p:sld xmlns:a="http://schemas.openxmlformats.org/drawingml/2006/main" xmlns:r="http://schemas.openxmlformats.org/officeDocument/2006/relationships" xmlns:p="http://schemas.openxmlformats.org/presentationml/2006/main" show="0">
+  <p:cSld>
+    <p:spTree>
+      <p:nvGrpSpPr>
+        <p:cNvPr id="1" name=""/>
+        <p:cNvGrpSpPr/>
+        <p:nvPr/>
+      </p:nvGrpSpPr>
+      <p:grpSpPr>
+        <a:xfrm>
+          <a:off x="0" y="0"/>
+          <a:ext cx="0" cy="0"/>
+          <a:chOff x="0" y="0"/>
+          <a:chExt cx="0" cy="0"/>
+        </a:xfrm>
+      </p:grpSpPr>
+      <p:sp>
+        <p:nvSpPr>
+          <p:cNvPr id="2" name="Title 1">
+            <a:extLst>
+              <a:ext uri="{FF2B5EF4-FFF2-40B4-BE49-F238E27FC236}">
+                <a16:creationId xmlns:a16="http://schemas.microsoft.com/office/drawing/2014/main" id="{024AD384-5AD1-4435-A943-1241B2FACD62}"/>
+              </a:ext>
+            </a:extLst>
+          </p:cNvPr>
+          <p:cNvSpPr>
+            <a:spLocks noGrp="1"/>
+          </p:cNvSpPr>
+          <p:nvPr>
+            <p:ph type="title"/>
+          </p:nvPr>
+        </p:nvSpPr>
+        <p:spPr/>
+        <p:txBody>
+          <a:bodyPr/>
+          <a:lstStyle/>
+          <a:p>
+            <a:r>
+              <a:rPr lang="en"/>
+              <a:t>Requests</a:t>
+            </a:r>
+            <a:endParaRPr lang="fa-IR"/>
+          </a:p>
+        </p:txBody>
+      </p:sp>
+      <p:sp>
+        <p:nvSpPr>
+          <p:cNvPr id="3" name="Text Placeholder 2">
+            <a:extLst>
+              <a:ext uri="{FF2B5EF4-FFF2-40B4-BE49-F238E27FC236}">
+                <a16:creationId xmlns:a16="http://schemas.microsoft.com/office/drawing/2014/main" id="{58BE3078-8B89-4550-B497-93E4DADBD57E}"/>
+              </a:ext>
+            </a:extLst>
+          </p:cNvPr>
+          <p:cNvSpPr>
+            <a:spLocks noGrp="1"/>
+          </p:cNvSpPr>
+          <p:nvPr>
+            <p:ph type="body" idx="1"/>
+          </p:nvPr>
+        </p:nvSpPr>
+        <p:spPr>
+          <a:xfrm>
+            <a:off x="786150" y="1142608"/>
+            <a:ext cx="7571700" cy="3626431"/>
+          </a:xfrm>
+        </p:spPr>
+        <p:txBody>
+          <a:bodyPr/>
+          <a:lstStyle/>
+          <a:p>
+            <a:pPr marL="76200" indent="0">
+              <a:buNone/>
+            </a:pPr>
+            <a:r>
+              <a:rPr lang="en-US" sz="1400"/>
+              <a:t>Import and use math</a:t>
+            </a:r>
+          </a:p>
+          <a:p>
+            <a:pPr marL="76200" indent="0">
+              <a:buNone/>
+            </a:pPr>
+            <a:r>
+              <a:rPr lang="en-US" sz="1100">
+                <a:latin typeface="Consolas" panose="020B0609020204030204" pitchFamily="49" charset="0"/>
+              </a:rPr>
+              <a:t>import </a:t>
+            </a:r>
+            <a:r>
+              <a:rPr lang="en-US" sz="1100">
+                <a:solidFill>
+                  <a:schemeClr val="accent1"/>
+                </a:solidFill>
+                <a:latin typeface="Consolas" panose="020B0609020204030204" pitchFamily="49" charset="0"/>
+              </a:rPr>
+              <a:t>requests</a:t>
+            </a:r>
+          </a:p>
+          <a:p>
+            <a:pPr marL="76200" indent="0">
+              <a:buNone/>
+            </a:pPr>
+            <a:r>
+              <a:rPr lang="en-US" sz="1100">
+                <a:latin typeface="Consolas" panose="020B0609020204030204" pitchFamily="49" charset="0"/>
+              </a:rPr>
+              <a:t>response = requests</a:t>
+            </a:r>
+            <a:r>
+              <a:rPr lang="en-US" sz="1100">
+                <a:solidFill>
+                  <a:schemeClr val="accent1"/>
+                </a:solidFill>
+                <a:latin typeface="Consolas" panose="020B0609020204030204" pitchFamily="49" charset="0"/>
+              </a:rPr>
+              <a:t>.get(</a:t>
+            </a:r>
+            <a:r>
+              <a:rPr lang="en-US" sz="1100">
+                <a:latin typeface="Consolas" panose="020B0609020204030204" pitchFamily="49" charset="0"/>
+              </a:rPr>
+              <a:t>'https://fipiran.com', </a:t>
+            </a:r>
+            <a:r>
+              <a:rPr lang="en-US" sz="1100">
+                <a:solidFill>
+                  <a:schemeClr val="accent1"/>
+                </a:solidFill>
+                <a:latin typeface="Consolas" panose="020B0609020204030204" pitchFamily="49" charset="0"/>
+              </a:rPr>
+              <a:t>timeout</a:t>
+            </a:r>
+            <a:r>
+              <a:rPr lang="en-US" sz="1100">
+                <a:latin typeface="Consolas" panose="020B0609020204030204" pitchFamily="49" charset="0"/>
+              </a:rPr>
+              <a:t> = 1</a:t>
+            </a:r>
+            <a:r>
+              <a:rPr lang="en-US" sz="1100">
+                <a:solidFill>
+                  <a:schemeClr val="accent1"/>
+                </a:solidFill>
+                <a:latin typeface="Consolas" panose="020B0609020204030204" pitchFamily="49" charset="0"/>
+              </a:rPr>
+              <a:t>)</a:t>
+            </a:r>
+          </a:p>
+          <a:p>
+            <a:pPr marL="76200" indent="0">
+              <a:buNone/>
+            </a:pPr>
+            <a:r>
+              <a:rPr lang="en-US" sz="1100">
+                <a:latin typeface="Consolas" panose="020B0609020204030204" pitchFamily="49" charset="0"/>
+              </a:rPr>
+              <a:t>print(response)</a:t>
+            </a:r>
+          </a:p>
+          <a:p>
+            <a:pPr marL="76200" indent="0">
+              <a:buNone/>
+            </a:pPr>
+            <a:r>
+              <a:rPr lang="en-US" sz="1100">
+                <a:latin typeface="Consolas" panose="020B0609020204030204" pitchFamily="49" charset="0"/>
+              </a:rPr>
+              <a:t>print(response</a:t>
+            </a:r>
+            <a:r>
+              <a:rPr lang="en-US" sz="1100">
+                <a:solidFill>
+                  <a:schemeClr val="accent1"/>
+                </a:solidFill>
+                <a:latin typeface="Consolas" panose="020B0609020204030204" pitchFamily="49" charset="0"/>
+              </a:rPr>
+              <a:t>.status_code</a:t>
+            </a:r>
+            <a:r>
+              <a:rPr lang="en-US" sz="1100">
+                <a:latin typeface="Consolas" panose="020B0609020204030204" pitchFamily="49" charset="0"/>
+              </a:rPr>
+              <a:t>)</a:t>
+            </a:r>
+          </a:p>
+          <a:p>
+            <a:pPr marL="76200" indent="0">
+              <a:buNone/>
+            </a:pPr>
+            <a:r>
+              <a:rPr lang="en-US" sz="1100">
+                <a:latin typeface="Consolas" panose="020B0609020204030204" pitchFamily="49" charset="0"/>
+              </a:rPr>
+              <a:t>print(response</a:t>
+            </a:r>
+            <a:r>
+              <a:rPr lang="en-US" sz="1100">
+                <a:solidFill>
+                  <a:schemeClr val="accent1"/>
+                </a:solidFill>
+                <a:latin typeface="Consolas" panose="020B0609020204030204" pitchFamily="49" charset="0"/>
+              </a:rPr>
+              <a:t>.encoding</a:t>
+            </a:r>
+            <a:r>
+              <a:rPr lang="en-US" sz="1100">
+                <a:latin typeface="Consolas" panose="020B0609020204030204" pitchFamily="49" charset="0"/>
+              </a:rPr>
+              <a:t>)</a:t>
+            </a:r>
+          </a:p>
+          <a:p>
+            <a:pPr marL="76200" indent="0">
+              <a:buNone/>
+            </a:pPr>
+            <a:r>
+              <a:rPr lang="en-US" sz="1100">
+                <a:latin typeface="Consolas" panose="020B0609020204030204" pitchFamily="49" charset="0"/>
+              </a:rPr>
+              <a:t>print(response</a:t>
+            </a:r>
+            <a:r>
+              <a:rPr lang="en-US" sz="1100">
+                <a:solidFill>
+                  <a:schemeClr val="accent1"/>
+                </a:solidFill>
+                <a:latin typeface="Consolas" panose="020B0609020204030204" pitchFamily="49" charset="0"/>
+              </a:rPr>
+              <a:t>.text</a:t>
+            </a:r>
+            <a:r>
+              <a:rPr lang="en-US" sz="1100">
+                <a:latin typeface="Consolas" panose="020B0609020204030204" pitchFamily="49" charset="0"/>
+              </a:rPr>
+              <a:t>)</a:t>
+            </a:r>
+          </a:p>
+        </p:txBody>
+      </p:sp>
+      <p:sp>
+        <p:nvSpPr>
+          <p:cNvPr id="4" name="Slide Number Placeholder 3">
+            <a:extLst>
+              <a:ext uri="{FF2B5EF4-FFF2-40B4-BE49-F238E27FC236}">
+                <a16:creationId xmlns:a16="http://schemas.microsoft.com/office/drawing/2014/main" id="{64987AE6-EC0E-43DD-9376-95A5602EE5E1}"/>
+              </a:ext>
+            </a:extLst>
+          </p:cNvPr>
+          <p:cNvSpPr>
+            <a:spLocks noGrp="1"/>
+          </p:cNvSpPr>
+          <p:nvPr>
+            <p:ph type="sldNum" idx="12"/>
+          </p:nvPr>
+        </p:nvSpPr>
+        <p:spPr/>
+        <p:txBody>
+          <a:bodyPr/>
+          <a:lstStyle/>
+          <a:p>
+            <a:pPr marL="0" lvl="0" indent="0" algn="r" rtl="0">
+              <a:spcBef>
+                <a:spcPts val="0"/>
+              </a:spcBef>
+              <a:spcAft>
+                <a:spcPts val="0"/>
+              </a:spcAft>
+              <a:buNone/>
+            </a:pPr>
+            <a:fld id="{00000000-1234-1234-1234-123412341234}" type="slidenum">
+              <a:rPr lang="en" smtClean="0"/>
+              <a:t>44</a:t>
+            </a:fld>
+            <a:endParaRPr lang="en"/>
+          </a:p>
+        </p:txBody>
+      </p:sp>
+    </p:spTree>
+    <p:extLst>
+      <p:ext uri="{BB962C8B-B14F-4D97-AF65-F5344CB8AC3E}">
+        <p14:creationId xmlns:p14="http://schemas.microsoft.com/office/powerpoint/2010/main" val="2700775338"/>
       </p:ext>
     </p:extLst>
   </p:cSld>

--- a/1 Python Basics.pptx
+++ b/1 Python Basics.pptx
@@ -11009,7 +11009,7 @@
           <a:p>
             <a:fld id="{7CEEE0ED-A0F5-4442-9C94-5288E26FF1D3}" type="datetimeFigureOut">
               <a:rPr lang="fa-IR" smtClean="0"/>
-              <a:t>13/09/1444</a:t>
+              <a:t>14/09/1444</a:t>
             </a:fld>
             <a:endParaRPr lang="fa-IR"/>
           </a:p>
@@ -13894,7 +13894,7 @@
             <a:noAutofit/>
           </a:bodyPr>
           <a:lstStyle>
-            <a:lvl1pPr marL="457200" lvl="0" indent="-381000">
+            <a:lvl1pPr marL="76200" lvl="0" indent="0" algn="just">
               <a:spcBef>
                 <a:spcPts val="600"/>
               </a:spcBef>
@@ -13902,8 +13902,8 @@
                 <a:spcPts val="0"/>
               </a:spcAft>
               <a:buSzPts val="2400"/>
-              <a:buChar char="◎"/>
-              <a:defRPr sz="2000">
+              <a:buNone/>
+              <a:defRPr sz="1400">
                 <a:latin typeface="Trebuchet MS" panose="020B0603020202020204" pitchFamily="34" charset="0"/>
               </a:defRPr>
             </a:lvl1pPr>
@@ -22133,14 +22133,14 @@
         <p:spPr>
           <a:xfrm>
             <a:off x="786149" y="1142608"/>
-            <a:ext cx="4406635" cy="3626431"/>
+            <a:ext cx="3785851" cy="3626431"/>
           </a:xfrm>
         </p:spPr>
         <p:txBody>
           <a:bodyPr/>
           <a:lstStyle/>
           <a:p>
-            <a:pPr marL="76200" indent="0">
+            <a:pPr marL="76200" indent="0" algn="just">
               <a:buNone/>
             </a:pPr>
             <a:r>
@@ -22153,19 +22153,25 @@
             </a:r>
             <a:r>
               <a:rPr lang="en-US" sz="1400" dirty="0"/>
-              <a:t> is a popular programming language.</a:t>
-            </a:r>
-            <a:endParaRPr lang="en-US" sz="1200" dirty="0">
-              <a:latin typeface="Consolas" panose="020B0609020204030204" pitchFamily="49" charset="0"/>
-            </a:endParaRPr>
-          </a:p>
-          <a:p>
-            <a:pPr marL="76200" indent="0">
-              <a:buNone/>
-            </a:pPr>
+              <a:t> is a popular </a:t>
+            </a:r>
+            <a:r>
+              <a:rPr lang="en-US" sz="1400"/>
+              <a:t>programming language which</a:t>
+            </a:r>
+            <a:r>
+              <a:rPr lang="en-US" sz="1200" dirty="0">
+                <a:latin typeface="Consolas" panose="020B0609020204030204" pitchFamily="49" charset="0"/>
+              </a:rPr>
+              <a:t> </a:t>
+            </a:r>
+            <a:r>
+              <a:rPr lang="en-US" sz="1400"/>
+              <a:t>was </a:t>
+            </a:r>
             <a:r>
               <a:rPr lang="en-US" sz="1400" dirty="0"/>
-              <a:t>It was created by </a:t>
+              <a:t>created by </a:t>
             </a:r>
             <a:r>
               <a:rPr lang="en-US" sz="1400" dirty="0">
@@ -22184,12 +22190,24 @@
             </a:endParaRPr>
           </a:p>
           <a:p>
-            <a:pPr marL="76200" indent="0">
-              <a:buNone/>
-            </a:pPr>
+            <a:pPr marL="76200" indent="0" algn="just">
+              <a:buNone/>
+            </a:pPr>
+            <a:r>
+              <a:rPr lang="en-US" sz="1400"/>
+              <a:t>It </a:t>
+            </a:r>
             <a:r>
               <a:rPr lang="en-US" sz="1400" dirty="0"/>
-              <a:t>It is used for web development, software development, mathematics, system scripting, etc.</a:t>
+              <a:t>is used for web development, software development, </a:t>
+            </a:r>
+            <a:r>
+              <a:rPr lang="en-US" sz="1400"/>
+              <a:t>mathematics, Statistics, </a:t>
+            </a:r>
+            <a:r>
+              <a:rPr lang="en-US" sz="1400" dirty="0"/>
+              <a:t>system scripting, etc.</a:t>
             </a:r>
           </a:p>
         </p:txBody>
